--- a/doc/advanced/slides/lesson_06.pptx
+++ b/doc/advanced/slides/lesson_06.pptx
@@ -211,7 +211,7 @@
           <a:p>
             <a:fld id="{9B5B52BA-3295-0343-9E28-A260A811DD10}" type="datetimeFigureOut">
               <a:rPr lang="en-US" smtClean="0"/>
-              <a:t>03-Sep-18</a:t>
+              <a:t>10/9/18</a:t>
             </a:fld>
             <a:endParaRPr lang="en-US"/>
           </a:p>
@@ -694,7 +694,7 @@
           <a:p>
             <a:fld id="{04F1D4A2-813C-F741-B481-C92B3A596030}" type="datetimeFigureOut">
               <a:rPr lang="en-US" smtClean="0"/>
-              <a:t>03-Sep-18</a:t>
+              <a:t>10/9/18</a:t>
             </a:fld>
             <a:endParaRPr lang="en-US"/>
           </a:p>
@@ -864,7 +864,7 @@
           <a:p>
             <a:fld id="{04F1D4A2-813C-F741-B481-C92B3A596030}" type="datetimeFigureOut">
               <a:rPr lang="en-US" smtClean="0"/>
-              <a:t>03-Sep-18</a:t>
+              <a:t>10/9/18</a:t>
             </a:fld>
             <a:endParaRPr lang="en-US"/>
           </a:p>
@@ -1044,7 +1044,7 @@
           <a:p>
             <a:fld id="{04F1D4A2-813C-F741-B481-C92B3A596030}" type="datetimeFigureOut">
               <a:rPr lang="en-US" smtClean="0"/>
-              <a:t>03-Sep-18</a:t>
+              <a:t>10/9/18</a:t>
             </a:fld>
             <a:endParaRPr lang="en-US"/>
           </a:p>
@@ -1225,7 +1225,7 @@
           <a:p>
             <a:fld id="{04F1D4A2-813C-F741-B481-C92B3A596030}" type="datetimeFigureOut">
               <a:rPr lang="en-US" smtClean="0"/>
-              <a:t>03-Sep-18</a:t>
+              <a:t>10/9/18</a:t>
             </a:fld>
             <a:endParaRPr lang="en-US"/>
           </a:p>
@@ -1471,7 +1471,7 @@
           <a:p>
             <a:fld id="{04F1D4A2-813C-F741-B481-C92B3A596030}" type="datetimeFigureOut">
               <a:rPr lang="en-US" smtClean="0"/>
-              <a:t>03-Sep-18</a:t>
+              <a:t>10/9/18</a:t>
             </a:fld>
             <a:endParaRPr lang="en-US"/>
           </a:p>
@@ -1703,7 +1703,7 @@
           <a:p>
             <a:fld id="{04F1D4A2-813C-F741-B481-C92B3A596030}" type="datetimeFigureOut">
               <a:rPr lang="en-US" smtClean="0"/>
-              <a:t>03-Sep-18</a:t>
+              <a:t>10/9/18</a:t>
             </a:fld>
             <a:endParaRPr lang="en-US"/>
           </a:p>
@@ -2070,7 +2070,7 @@
           <a:p>
             <a:fld id="{04F1D4A2-813C-F741-B481-C92B3A596030}" type="datetimeFigureOut">
               <a:rPr lang="en-US" smtClean="0"/>
-              <a:t>03-Sep-18</a:t>
+              <a:t>10/9/18</a:t>
             </a:fld>
             <a:endParaRPr lang="en-US"/>
           </a:p>
@@ -2188,7 +2188,7 @@
           <a:p>
             <a:fld id="{04F1D4A2-813C-F741-B481-C92B3A596030}" type="datetimeFigureOut">
               <a:rPr lang="en-US" smtClean="0"/>
-              <a:t>03-Sep-18</a:t>
+              <a:t>10/9/18</a:t>
             </a:fld>
             <a:endParaRPr lang="en-US"/>
           </a:p>
@@ -2283,7 +2283,7 @@
           <a:p>
             <a:fld id="{04F1D4A2-813C-F741-B481-C92B3A596030}" type="datetimeFigureOut">
               <a:rPr lang="en-US" smtClean="0"/>
-              <a:t>03-Sep-18</a:t>
+              <a:t>10/9/18</a:t>
             </a:fld>
             <a:endParaRPr lang="en-US"/>
           </a:p>
@@ -2560,7 +2560,7 @@
           <a:p>
             <a:fld id="{04F1D4A2-813C-F741-B481-C92B3A596030}" type="datetimeFigureOut">
               <a:rPr lang="en-US" smtClean="0"/>
-              <a:t>03-Sep-18</a:t>
+              <a:t>10/9/18</a:t>
             </a:fld>
             <a:endParaRPr lang="en-US"/>
           </a:p>
@@ -2813,7 +2813,7 @@
           <a:p>
             <a:fld id="{04F1D4A2-813C-F741-B481-C92B3A596030}" type="datetimeFigureOut">
               <a:rPr lang="en-US" smtClean="0"/>
-              <a:t>03-Sep-18</a:t>
+              <a:t>10/9/18</a:t>
             </a:fld>
             <a:endParaRPr lang="en-US"/>
           </a:p>
@@ -3026,7 +3026,7 @@
           <a:p>
             <a:fld id="{04F1D4A2-813C-F741-B481-C92B3A596030}" type="datetimeFigureOut">
               <a:rPr lang="en-US" smtClean="0"/>
-              <a:t>03-Sep-18</a:t>
+              <a:t>10/9/18</a:t>
             </a:fld>
             <a:endParaRPr lang="en-US"/>
           </a:p>
@@ -3478,11 +3478,7 @@
             </a:br>
             <a:r>
               <a:rPr lang="en-US" dirty="0" smtClean="0"/>
-              <a:t>Lesson </a:t>
-            </a:r>
-            <a:r>
-              <a:rPr lang="en-US" dirty="0" smtClean="0"/>
-              <a:t>06: Errors, Mocking and Circuit Breakers</a:t>
+              <a:t>Lesson 06: Errors, Mocking and Circuit Breakers</a:t>
             </a:r>
             <a:endParaRPr lang="en-US" dirty="0"/>
           </a:p>
@@ -3982,15 +3978,7 @@
             </a:pPr>
             <a:r>
               <a:rPr lang="en-US" sz="3600" dirty="0" smtClean="0"/>
-              <a:t>If too many connections to a server fail, stop ALL future </a:t>
-            </a:r>
-            <a:r>
-              <a:rPr lang="en-US" sz="3600" dirty="0" smtClean="0"/>
-              <a:t>attempts </a:t>
-            </a:r>
-            <a:r>
-              <a:rPr lang="en-US" sz="3600" dirty="0" smtClean="0"/>
-              <a:t>at connecting</a:t>
+              <a:t>If too many connections to a server fail, stop ALL future attempts at connecting</a:t>
             </a:r>
           </a:p>
           <a:p>
@@ -4231,6 +4219,12 @@
               <a:rPr lang="en-US" b="1" dirty="0" smtClean="0"/>
               <a:t>advanced/rest/exception-handling</a:t>
             </a:r>
+          </a:p>
+          <a:p>
+            <a:r>
+              <a:rPr lang="en-US" b="1" smtClean="0"/>
+              <a:t>advanced/rest/rest-exception</a:t>
+            </a:r>
             <a:endParaRPr lang="en-US" b="1" dirty="0" smtClean="0"/>
           </a:p>
           <a:p>
@@ -4249,7 +4243,6 @@
               <a:rPr lang="en-US" b="1" dirty="0" smtClean="0"/>
               <a:t>advanced/rest/circuit-breaker</a:t>
             </a:r>
-            <a:endParaRPr lang="en-US" b="1" dirty="0" smtClean="0"/>
           </a:p>
         </p:txBody>
       </p:sp>
@@ -4330,11 +4323,7 @@
           <a:p>
             <a:r>
               <a:rPr lang="en-US" dirty="0" smtClean="0"/>
-              <a:t>Understand </a:t>
-            </a:r>
-            <a:r>
-              <a:rPr lang="en-US" dirty="0" smtClean="0"/>
-              <a:t>and tune how Spring deals </a:t>
+              <a:t>Understand and tune how Spring deals </a:t>
             </a:r>
             <a:r>
               <a:rPr lang="en-US" dirty="0"/>
@@ -4356,7 +4345,6 @@
               <a:rPr lang="en-US" dirty="0" smtClean="0"/>
               <a:t>Understand how and why Circuit Breakers are used when dealing with external services </a:t>
             </a:r>
-            <a:endParaRPr lang="en-US" dirty="0" smtClean="0"/>
           </a:p>
         </p:txBody>
       </p:sp>

--- a/doc/advanced/slides/lesson_06.pptx
+++ b/doc/advanced/slides/lesson_06.pptx
@@ -5,24 +5,20 @@
     <p:sldMasterId id="2147483648" r:id="rId1"/>
   </p:sldMasterIdLst>
   <p:notesMasterIdLst>
-    <p:notesMasterId r:id="rId17"/>
+    <p:notesMasterId r:id="rId13"/>
   </p:notesMasterIdLst>
   <p:sldIdLst>
     <p:sldId id="256" r:id="rId2"/>
     <p:sldId id="257" r:id="rId3"/>
-    <p:sldId id="272" r:id="rId4"/>
-    <p:sldId id="273" r:id="rId5"/>
-    <p:sldId id="274" r:id="rId6"/>
-    <p:sldId id="275" r:id="rId7"/>
-    <p:sldId id="276" r:id="rId8"/>
-    <p:sldId id="277" r:id="rId9"/>
-    <p:sldId id="278" r:id="rId10"/>
-    <p:sldId id="279" r:id="rId11"/>
-    <p:sldId id="280" r:id="rId12"/>
-    <p:sldId id="281" r:id="rId13"/>
-    <p:sldId id="283" r:id="rId14"/>
-    <p:sldId id="282" r:id="rId15"/>
-    <p:sldId id="271" r:id="rId16"/>
+    <p:sldId id="276" r:id="rId4"/>
+    <p:sldId id="277" r:id="rId5"/>
+    <p:sldId id="278" r:id="rId6"/>
+    <p:sldId id="279" r:id="rId7"/>
+    <p:sldId id="280" r:id="rId8"/>
+    <p:sldId id="281" r:id="rId9"/>
+    <p:sldId id="283" r:id="rId10"/>
+    <p:sldId id="282" r:id="rId11"/>
+    <p:sldId id="271" r:id="rId12"/>
   </p:sldIdLst>
   <p:sldSz cx="12192000" cy="6858000"/>
   <p:notesSz cx="6858000" cy="9144000"/>
@@ -211,7 +207,7 @@
           <a:p>
             <a:fld id="{9B5B52BA-3295-0343-9E28-A260A811DD10}" type="datetimeFigureOut">
               <a:rPr lang="en-US" smtClean="0"/>
-              <a:t>10/9/18</a:t>
+              <a:t>8/4/19</a:t>
             </a:fld>
             <a:endParaRPr lang="en-US"/>
           </a:p>
@@ -275,38 +271,37 @@
           <a:p>
             <a:pPr lvl="0"/>
             <a:r>
-              <a:rPr lang="en-US" smtClean="0"/>
+              <a:rPr lang="en-US"/>
               <a:t>Click to edit Master text styles</a:t>
             </a:r>
           </a:p>
           <a:p>
             <a:pPr lvl="1"/>
             <a:r>
-              <a:rPr lang="en-US" smtClean="0"/>
+              <a:rPr lang="en-US"/>
               <a:t>Second level</a:t>
             </a:r>
           </a:p>
           <a:p>
             <a:pPr lvl="2"/>
             <a:r>
-              <a:rPr lang="en-US" smtClean="0"/>
+              <a:rPr lang="en-US"/>
               <a:t>Third level</a:t>
             </a:r>
           </a:p>
           <a:p>
             <a:pPr lvl="3"/>
             <a:r>
-              <a:rPr lang="en-US" smtClean="0"/>
+              <a:rPr lang="en-US"/>
               <a:t>Fourth level</a:t>
             </a:r>
           </a:p>
           <a:p>
             <a:pPr lvl="4"/>
             <a:r>
-              <a:rPr lang="en-US" smtClean="0"/>
+              <a:rPr lang="en-US"/>
               <a:t>Fifth level</a:t>
             </a:r>
-            <a:endParaRPr lang="en-US"/>
           </a:p>
         </p:txBody>
       </p:sp>
@@ -544,7 +539,7 @@
           <a:p>
             <a:fld id="{D6FB5A5B-CC88-B64A-8F56-0DBE0ACA83DE}" type="slidenum">
               <a:rPr lang="en-US" smtClean="0"/>
-              <a:t>15</a:t>
+              <a:t>11</a:t>
             </a:fld>
             <a:endParaRPr lang="en-US"/>
           </a:p>
@@ -605,10 +600,9 @@
           </a:lstStyle>
           <a:p>
             <a:r>
-              <a:rPr lang="en-US" dirty="0" smtClean="0"/>
+              <a:rPr lang="en-US" dirty="0"/>
               <a:t>Click to edit Master title style</a:t>
             </a:r>
-            <a:endParaRPr lang="en-US" dirty="0"/>
           </a:p>
         </p:txBody>
       </p:sp>
@@ -670,10 +664,9 @@
           </a:lstStyle>
           <a:p>
             <a:r>
-              <a:rPr lang="en-US" dirty="0" smtClean="0"/>
+              <a:rPr lang="en-US" dirty="0"/>
               <a:t>Click to edit Master subtitle style</a:t>
             </a:r>
-            <a:endParaRPr lang="en-US" dirty="0"/>
           </a:p>
         </p:txBody>
       </p:sp>
@@ -694,7 +687,7 @@
           <a:p>
             <a:fld id="{04F1D4A2-813C-F741-B481-C92B3A596030}" type="datetimeFigureOut">
               <a:rPr lang="en-US" smtClean="0"/>
-              <a:t>10/9/18</a:t>
+              <a:t>8/4/19</a:t>
             </a:fld>
             <a:endParaRPr lang="en-US"/>
           </a:p>
@@ -788,10 +781,9 @@
           <a:lstStyle/>
           <a:p>
             <a:r>
-              <a:rPr lang="en-US" smtClean="0"/>
+              <a:rPr lang="en-US"/>
               <a:t>Click to edit Master title style</a:t>
             </a:r>
-            <a:endParaRPr lang="en-US"/>
           </a:p>
         </p:txBody>
       </p:sp>
@@ -812,38 +804,37 @@
           <a:p>
             <a:pPr lvl="0"/>
             <a:r>
-              <a:rPr lang="en-US" smtClean="0"/>
+              <a:rPr lang="en-US"/>
               <a:t>Click to edit Master text styles</a:t>
             </a:r>
           </a:p>
           <a:p>
             <a:pPr lvl="1"/>
             <a:r>
-              <a:rPr lang="en-US" smtClean="0"/>
+              <a:rPr lang="en-US"/>
               <a:t>Second level</a:t>
             </a:r>
           </a:p>
           <a:p>
             <a:pPr lvl="2"/>
             <a:r>
-              <a:rPr lang="en-US" smtClean="0"/>
+              <a:rPr lang="en-US"/>
               <a:t>Third level</a:t>
             </a:r>
           </a:p>
           <a:p>
             <a:pPr lvl="3"/>
             <a:r>
-              <a:rPr lang="en-US" smtClean="0"/>
+              <a:rPr lang="en-US"/>
               <a:t>Fourth level</a:t>
             </a:r>
           </a:p>
           <a:p>
             <a:pPr lvl="4"/>
             <a:r>
-              <a:rPr lang="en-US" smtClean="0"/>
+              <a:rPr lang="en-US"/>
               <a:t>Fifth level</a:t>
             </a:r>
-            <a:endParaRPr lang="en-US"/>
           </a:p>
         </p:txBody>
       </p:sp>
@@ -864,7 +855,7 @@
           <a:p>
             <a:fld id="{04F1D4A2-813C-F741-B481-C92B3A596030}" type="datetimeFigureOut">
               <a:rPr lang="en-US" smtClean="0"/>
-              <a:t>10/9/18</a:t>
+              <a:t>8/4/19</a:t>
             </a:fld>
             <a:endParaRPr lang="en-US"/>
           </a:p>
@@ -963,10 +954,9 @@
           <a:lstStyle/>
           <a:p>
             <a:r>
-              <a:rPr lang="en-US" smtClean="0"/>
+              <a:rPr lang="en-US"/>
               <a:t>Click to edit Master title style</a:t>
             </a:r>
-            <a:endParaRPr lang="en-US"/>
           </a:p>
         </p:txBody>
       </p:sp>
@@ -992,38 +982,37 @@
           <a:p>
             <a:pPr lvl="0"/>
             <a:r>
-              <a:rPr lang="en-US" smtClean="0"/>
+              <a:rPr lang="en-US"/>
               <a:t>Click to edit Master text styles</a:t>
             </a:r>
           </a:p>
           <a:p>
             <a:pPr lvl="1"/>
             <a:r>
-              <a:rPr lang="en-US" smtClean="0"/>
+              <a:rPr lang="en-US"/>
               <a:t>Second level</a:t>
             </a:r>
           </a:p>
           <a:p>
             <a:pPr lvl="2"/>
             <a:r>
-              <a:rPr lang="en-US" smtClean="0"/>
+              <a:rPr lang="en-US"/>
               <a:t>Third level</a:t>
             </a:r>
           </a:p>
           <a:p>
             <a:pPr lvl="3"/>
             <a:r>
-              <a:rPr lang="en-US" smtClean="0"/>
+              <a:rPr lang="en-US"/>
               <a:t>Fourth level</a:t>
             </a:r>
           </a:p>
           <a:p>
             <a:pPr lvl="4"/>
             <a:r>
-              <a:rPr lang="en-US" smtClean="0"/>
+              <a:rPr lang="en-US"/>
               <a:t>Fifth level</a:t>
             </a:r>
-            <a:endParaRPr lang="en-US"/>
           </a:p>
         </p:txBody>
       </p:sp>
@@ -1044,7 +1033,7 @@
           <a:p>
             <a:fld id="{04F1D4A2-813C-F741-B481-C92B3A596030}" type="datetimeFigureOut">
               <a:rPr lang="en-US" smtClean="0"/>
-              <a:t>10/9/18</a:t>
+              <a:t>8/4/19</a:t>
             </a:fld>
             <a:endParaRPr lang="en-US"/>
           </a:p>
@@ -1142,10 +1131,9 @@
           </a:lstStyle>
           <a:p>
             <a:r>
-              <a:rPr lang="en-US" dirty="0" smtClean="0"/>
+              <a:rPr lang="en-US" dirty="0"/>
               <a:t>Click to edit Master title style</a:t>
             </a:r>
-            <a:endParaRPr lang="en-US" dirty="0"/>
           </a:p>
         </p:txBody>
       </p:sp>
@@ -1173,38 +1161,37 @@
           <a:p>
             <a:pPr lvl="0"/>
             <a:r>
-              <a:rPr lang="en-US" dirty="0" smtClean="0"/>
+              <a:rPr lang="en-US" dirty="0"/>
               <a:t>Click to edit Master text styles</a:t>
             </a:r>
           </a:p>
           <a:p>
             <a:pPr lvl="1"/>
             <a:r>
-              <a:rPr lang="en-US" dirty="0" smtClean="0"/>
+              <a:rPr lang="en-US" dirty="0"/>
               <a:t>Second level</a:t>
             </a:r>
           </a:p>
           <a:p>
             <a:pPr lvl="2"/>
             <a:r>
-              <a:rPr lang="en-US" dirty="0" smtClean="0"/>
+              <a:rPr lang="en-US" dirty="0"/>
               <a:t>Third level</a:t>
             </a:r>
           </a:p>
           <a:p>
             <a:pPr lvl="3"/>
             <a:r>
-              <a:rPr lang="en-US" dirty="0" smtClean="0"/>
+              <a:rPr lang="en-US" dirty="0"/>
               <a:t>Fourth level</a:t>
             </a:r>
           </a:p>
           <a:p>
             <a:pPr lvl="4"/>
             <a:r>
-              <a:rPr lang="en-US" dirty="0" smtClean="0"/>
+              <a:rPr lang="en-US" dirty="0"/>
               <a:t>Fifth level</a:t>
             </a:r>
-            <a:endParaRPr lang="en-US" dirty="0"/>
           </a:p>
         </p:txBody>
       </p:sp>
@@ -1225,7 +1212,7 @@
           <a:p>
             <a:fld id="{04F1D4A2-813C-F741-B481-C92B3A596030}" type="datetimeFigureOut">
               <a:rPr lang="en-US" smtClean="0"/>
-              <a:t>10/9/18</a:t>
+              <a:t>8/4/19</a:t>
             </a:fld>
             <a:endParaRPr lang="en-US"/>
           </a:p>
@@ -1328,10 +1315,9 @@
           </a:lstStyle>
           <a:p>
             <a:r>
-              <a:rPr lang="en-US" smtClean="0"/>
+              <a:rPr lang="en-US"/>
               <a:t>Click to edit Master title style</a:t>
             </a:r>
-            <a:endParaRPr lang="en-US"/>
           </a:p>
         </p:txBody>
       </p:sp>
@@ -1448,7 +1434,7 @@
           <a:p>
             <a:pPr lvl="0"/>
             <a:r>
-              <a:rPr lang="en-US" smtClean="0"/>
+              <a:rPr lang="en-US"/>
               <a:t>Click to edit Master text styles</a:t>
             </a:r>
           </a:p>
@@ -1471,7 +1457,7 @@
           <a:p>
             <a:fld id="{04F1D4A2-813C-F741-B481-C92B3A596030}" type="datetimeFigureOut">
               <a:rPr lang="en-US" smtClean="0"/>
-              <a:t>10/9/18</a:t>
+              <a:t>8/4/19</a:t>
             </a:fld>
             <a:endParaRPr lang="en-US"/>
           </a:p>
@@ -1565,10 +1551,9 @@
           <a:lstStyle/>
           <a:p>
             <a:r>
-              <a:rPr lang="en-US" smtClean="0"/>
+              <a:rPr lang="en-US"/>
               <a:t>Click to edit Master title style</a:t>
             </a:r>
-            <a:endParaRPr lang="en-US"/>
           </a:p>
         </p:txBody>
       </p:sp>
@@ -1594,38 +1579,37 @@
           <a:p>
             <a:pPr lvl="0"/>
             <a:r>
-              <a:rPr lang="en-US" smtClean="0"/>
+              <a:rPr lang="en-US"/>
               <a:t>Click to edit Master text styles</a:t>
             </a:r>
           </a:p>
           <a:p>
             <a:pPr lvl="1"/>
             <a:r>
-              <a:rPr lang="en-US" smtClean="0"/>
+              <a:rPr lang="en-US"/>
               <a:t>Second level</a:t>
             </a:r>
           </a:p>
           <a:p>
             <a:pPr lvl="2"/>
             <a:r>
-              <a:rPr lang="en-US" smtClean="0"/>
+              <a:rPr lang="en-US"/>
               <a:t>Third level</a:t>
             </a:r>
           </a:p>
           <a:p>
             <a:pPr lvl="3"/>
             <a:r>
-              <a:rPr lang="en-US" smtClean="0"/>
+              <a:rPr lang="en-US"/>
               <a:t>Fourth level</a:t>
             </a:r>
           </a:p>
           <a:p>
             <a:pPr lvl="4"/>
             <a:r>
-              <a:rPr lang="en-US" smtClean="0"/>
+              <a:rPr lang="en-US"/>
               <a:t>Fifth level</a:t>
             </a:r>
-            <a:endParaRPr lang="en-US"/>
           </a:p>
         </p:txBody>
       </p:sp>
@@ -1651,38 +1635,37 @@
           <a:p>
             <a:pPr lvl="0"/>
             <a:r>
-              <a:rPr lang="en-US" smtClean="0"/>
+              <a:rPr lang="en-US"/>
               <a:t>Click to edit Master text styles</a:t>
             </a:r>
           </a:p>
           <a:p>
             <a:pPr lvl="1"/>
             <a:r>
-              <a:rPr lang="en-US" smtClean="0"/>
+              <a:rPr lang="en-US"/>
               <a:t>Second level</a:t>
             </a:r>
           </a:p>
           <a:p>
             <a:pPr lvl="2"/>
             <a:r>
-              <a:rPr lang="en-US" smtClean="0"/>
+              <a:rPr lang="en-US"/>
               <a:t>Third level</a:t>
             </a:r>
           </a:p>
           <a:p>
             <a:pPr lvl="3"/>
             <a:r>
-              <a:rPr lang="en-US" smtClean="0"/>
+              <a:rPr lang="en-US"/>
               <a:t>Fourth level</a:t>
             </a:r>
           </a:p>
           <a:p>
             <a:pPr lvl="4"/>
             <a:r>
-              <a:rPr lang="en-US" smtClean="0"/>
+              <a:rPr lang="en-US"/>
               <a:t>Fifth level</a:t>
             </a:r>
-            <a:endParaRPr lang="en-US"/>
           </a:p>
         </p:txBody>
       </p:sp>
@@ -1703,7 +1686,7 @@
           <a:p>
             <a:fld id="{04F1D4A2-813C-F741-B481-C92B3A596030}" type="datetimeFigureOut">
               <a:rPr lang="en-US" smtClean="0"/>
-              <a:t>10/9/18</a:t>
+              <a:t>8/4/19</a:t>
             </a:fld>
             <a:endParaRPr lang="en-US"/>
           </a:p>
@@ -1802,10 +1785,9 @@
           <a:lstStyle/>
           <a:p>
             <a:r>
-              <a:rPr lang="en-US" smtClean="0"/>
+              <a:rPr lang="en-US"/>
               <a:t>Click to edit Master title style</a:t>
             </a:r>
-            <a:endParaRPr lang="en-US"/>
           </a:p>
         </p:txBody>
       </p:sp>
@@ -1868,7 +1850,7 @@
           <a:p>
             <a:pPr lvl="0"/>
             <a:r>
-              <a:rPr lang="en-US" smtClean="0"/>
+              <a:rPr lang="en-US"/>
               <a:t>Click to edit Master text styles</a:t>
             </a:r>
           </a:p>
@@ -1896,38 +1878,37 @@
           <a:p>
             <a:pPr lvl="0"/>
             <a:r>
-              <a:rPr lang="en-US" smtClean="0"/>
+              <a:rPr lang="en-US"/>
               <a:t>Click to edit Master text styles</a:t>
             </a:r>
           </a:p>
           <a:p>
             <a:pPr lvl="1"/>
             <a:r>
-              <a:rPr lang="en-US" smtClean="0"/>
+              <a:rPr lang="en-US"/>
               <a:t>Second level</a:t>
             </a:r>
           </a:p>
           <a:p>
             <a:pPr lvl="2"/>
             <a:r>
-              <a:rPr lang="en-US" smtClean="0"/>
+              <a:rPr lang="en-US"/>
               <a:t>Third level</a:t>
             </a:r>
           </a:p>
           <a:p>
             <a:pPr lvl="3"/>
             <a:r>
-              <a:rPr lang="en-US" smtClean="0"/>
+              <a:rPr lang="en-US"/>
               <a:t>Fourth level</a:t>
             </a:r>
           </a:p>
           <a:p>
             <a:pPr lvl="4"/>
             <a:r>
-              <a:rPr lang="en-US" smtClean="0"/>
+              <a:rPr lang="en-US"/>
               <a:t>Fifth level</a:t>
             </a:r>
-            <a:endParaRPr lang="en-US"/>
           </a:p>
         </p:txBody>
       </p:sp>
@@ -1990,7 +1971,7 @@
           <a:p>
             <a:pPr lvl="0"/>
             <a:r>
-              <a:rPr lang="en-US" smtClean="0"/>
+              <a:rPr lang="en-US"/>
               <a:t>Click to edit Master text styles</a:t>
             </a:r>
           </a:p>
@@ -2018,38 +1999,37 @@
           <a:p>
             <a:pPr lvl="0"/>
             <a:r>
-              <a:rPr lang="en-US" smtClean="0"/>
+              <a:rPr lang="en-US"/>
               <a:t>Click to edit Master text styles</a:t>
             </a:r>
           </a:p>
           <a:p>
             <a:pPr lvl="1"/>
             <a:r>
-              <a:rPr lang="en-US" smtClean="0"/>
+              <a:rPr lang="en-US"/>
               <a:t>Second level</a:t>
             </a:r>
           </a:p>
           <a:p>
             <a:pPr lvl="2"/>
             <a:r>
-              <a:rPr lang="en-US" smtClean="0"/>
+              <a:rPr lang="en-US"/>
               <a:t>Third level</a:t>
             </a:r>
           </a:p>
           <a:p>
             <a:pPr lvl="3"/>
             <a:r>
-              <a:rPr lang="en-US" smtClean="0"/>
+              <a:rPr lang="en-US"/>
               <a:t>Fourth level</a:t>
             </a:r>
           </a:p>
           <a:p>
             <a:pPr lvl="4"/>
             <a:r>
-              <a:rPr lang="en-US" smtClean="0"/>
+              <a:rPr lang="en-US"/>
               <a:t>Fifth level</a:t>
             </a:r>
-            <a:endParaRPr lang="en-US"/>
           </a:p>
         </p:txBody>
       </p:sp>
@@ -2070,7 +2050,7 @@
           <a:p>
             <a:fld id="{04F1D4A2-813C-F741-B481-C92B3A596030}" type="datetimeFigureOut">
               <a:rPr lang="en-US" smtClean="0"/>
-              <a:t>10/9/18</a:t>
+              <a:t>8/4/19</a:t>
             </a:fld>
             <a:endParaRPr lang="en-US"/>
           </a:p>
@@ -2164,10 +2144,9 @@
           <a:lstStyle/>
           <a:p>
             <a:r>
-              <a:rPr lang="en-US" smtClean="0"/>
+              <a:rPr lang="en-US"/>
               <a:t>Click to edit Master title style</a:t>
             </a:r>
-            <a:endParaRPr lang="en-US"/>
           </a:p>
         </p:txBody>
       </p:sp>
@@ -2188,7 +2167,7 @@
           <a:p>
             <a:fld id="{04F1D4A2-813C-F741-B481-C92B3A596030}" type="datetimeFigureOut">
               <a:rPr lang="en-US" smtClean="0"/>
-              <a:t>10/9/18</a:t>
+              <a:t>8/4/19</a:t>
             </a:fld>
             <a:endParaRPr lang="en-US"/>
           </a:p>
@@ -2283,7 +2262,7 @@
           <a:p>
             <a:fld id="{04F1D4A2-813C-F741-B481-C92B3A596030}" type="datetimeFigureOut">
               <a:rPr lang="en-US" smtClean="0"/>
-              <a:t>10/9/18</a:t>
+              <a:t>8/4/19</a:t>
             </a:fld>
             <a:endParaRPr lang="en-US"/>
           </a:p>
@@ -2386,10 +2365,9 @@
           </a:lstStyle>
           <a:p>
             <a:r>
-              <a:rPr lang="en-US" smtClean="0"/>
+              <a:rPr lang="en-US"/>
               <a:t>Click to edit Master title style</a:t>
             </a:r>
-            <a:endParaRPr lang="en-US"/>
           </a:p>
         </p:txBody>
       </p:sp>
@@ -2443,38 +2421,37 @@
           <a:p>
             <a:pPr lvl="0"/>
             <a:r>
-              <a:rPr lang="en-US" smtClean="0"/>
+              <a:rPr lang="en-US"/>
               <a:t>Click to edit Master text styles</a:t>
             </a:r>
           </a:p>
           <a:p>
             <a:pPr lvl="1"/>
             <a:r>
-              <a:rPr lang="en-US" smtClean="0"/>
+              <a:rPr lang="en-US"/>
               <a:t>Second level</a:t>
             </a:r>
           </a:p>
           <a:p>
             <a:pPr lvl="2"/>
             <a:r>
-              <a:rPr lang="en-US" smtClean="0"/>
+              <a:rPr lang="en-US"/>
               <a:t>Third level</a:t>
             </a:r>
           </a:p>
           <a:p>
             <a:pPr lvl="3"/>
             <a:r>
-              <a:rPr lang="en-US" smtClean="0"/>
+              <a:rPr lang="en-US"/>
               <a:t>Fourth level</a:t>
             </a:r>
           </a:p>
           <a:p>
             <a:pPr lvl="4"/>
             <a:r>
-              <a:rPr lang="en-US" smtClean="0"/>
+              <a:rPr lang="en-US"/>
               <a:t>Fifth level</a:t>
             </a:r>
-            <a:endParaRPr lang="en-US"/>
           </a:p>
         </p:txBody>
       </p:sp>
@@ -2537,7 +2514,7 @@
           <a:p>
             <a:pPr lvl="0"/>
             <a:r>
-              <a:rPr lang="en-US" smtClean="0"/>
+              <a:rPr lang="en-US"/>
               <a:t>Click to edit Master text styles</a:t>
             </a:r>
           </a:p>
@@ -2560,7 +2537,7 @@
           <a:p>
             <a:fld id="{04F1D4A2-813C-F741-B481-C92B3A596030}" type="datetimeFigureOut">
               <a:rPr lang="en-US" smtClean="0"/>
-              <a:t>10/9/18</a:t>
+              <a:t>8/4/19</a:t>
             </a:fld>
             <a:endParaRPr lang="en-US"/>
           </a:p>
@@ -2663,10 +2640,9 @@
           </a:lstStyle>
           <a:p>
             <a:r>
-              <a:rPr lang="en-US" smtClean="0"/>
+              <a:rPr lang="en-US"/>
               <a:t>Click to edit Master title style</a:t>
             </a:r>
-            <a:endParaRPr lang="en-US"/>
           </a:p>
         </p:txBody>
       </p:sp>
@@ -2790,7 +2766,7 @@
           <a:p>
             <a:pPr lvl="0"/>
             <a:r>
-              <a:rPr lang="en-US" smtClean="0"/>
+              <a:rPr lang="en-US"/>
               <a:t>Click to edit Master text styles</a:t>
             </a:r>
           </a:p>
@@ -2813,7 +2789,7 @@
           <a:p>
             <a:fld id="{04F1D4A2-813C-F741-B481-C92B3A596030}" type="datetimeFigureOut">
               <a:rPr lang="en-US" smtClean="0"/>
-              <a:t>10/9/18</a:t>
+              <a:t>8/4/19</a:t>
             </a:fld>
             <a:endParaRPr lang="en-US"/>
           </a:p>
@@ -2922,10 +2898,9 @@
           <a:lstStyle/>
           <a:p>
             <a:r>
-              <a:rPr lang="en-US" dirty="0" smtClean="0"/>
+              <a:rPr lang="en-US" dirty="0"/>
               <a:t>Click to edit Master title style</a:t>
             </a:r>
-            <a:endParaRPr lang="en-US" dirty="0"/>
           </a:p>
         </p:txBody>
       </p:sp>
@@ -2956,38 +2931,37 @@
           <a:p>
             <a:pPr lvl="0"/>
             <a:r>
-              <a:rPr lang="en-US" smtClean="0"/>
+              <a:rPr lang="en-US"/>
               <a:t>Click to edit Master text styles</a:t>
             </a:r>
           </a:p>
           <a:p>
             <a:pPr lvl="1"/>
             <a:r>
-              <a:rPr lang="en-US" smtClean="0"/>
+              <a:rPr lang="en-US"/>
               <a:t>Second level</a:t>
             </a:r>
           </a:p>
           <a:p>
             <a:pPr lvl="2"/>
             <a:r>
-              <a:rPr lang="en-US" smtClean="0"/>
+              <a:rPr lang="en-US"/>
               <a:t>Third level</a:t>
             </a:r>
           </a:p>
           <a:p>
             <a:pPr lvl="3"/>
             <a:r>
-              <a:rPr lang="en-US" smtClean="0"/>
+              <a:rPr lang="en-US"/>
               <a:t>Fourth level</a:t>
             </a:r>
           </a:p>
           <a:p>
             <a:pPr lvl="4"/>
             <a:r>
-              <a:rPr lang="en-US" smtClean="0"/>
+              <a:rPr lang="en-US"/>
               <a:t>Fifth level</a:t>
             </a:r>
-            <a:endParaRPr lang="en-US"/>
           </a:p>
         </p:txBody>
       </p:sp>
@@ -3026,7 +3000,7 @@
           <a:p>
             <a:fld id="{04F1D4A2-813C-F741-B481-C92B3A596030}" type="datetimeFigureOut">
               <a:rPr lang="en-US" smtClean="0"/>
-              <a:t>10/9/18</a:t>
+              <a:t>8/4/19</a:t>
             </a:fld>
             <a:endParaRPr lang="en-US"/>
           </a:p>
@@ -3455,32 +3429,27 @@
           <a:p>
             <a:pPr algn="l"/>
             <a:r>
-              <a:rPr lang="en-US" dirty="0" smtClean="0"/>
+              <a:rPr lang="en-US" dirty="0"/>
               <a:t>Enterprise </a:t>
             </a:r>
             <a:r>
-              <a:rPr lang="en-US" dirty="0" err="1" smtClean="0"/>
+              <a:rPr lang="en-US" dirty="0" err="1"/>
               <a:t>Programmering</a:t>
             </a:r>
             <a:r>
-              <a:rPr lang="en-US" dirty="0" smtClean="0"/>
+              <a:rPr lang="en-US" dirty="0"/>
               <a:t> 2</a:t>
             </a:r>
             <a:br>
-              <a:rPr lang="en-US" dirty="0" smtClean="0"/>
+              <a:rPr lang="en-US" dirty="0"/>
             </a:br>
-            <a:r>
-              <a:rPr lang="en-US" dirty="0" smtClean="0"/>
-              <a:t/>
-            </a:r>
             <a:br>
-              <a:rPr lang="en-US" dirty="0" smtClean="0"/>
+              <a:rPr lang="en-US" dirty="0"/>
             </a:br>
             <a:r>
-              <a:rPr lang="en-US" dirty="0" smtClean="0"/>
-              <a:t>Lesson 06: Errors, Mocking and Circuit Breakers</a:t>
-            </a:r>
-            <a:endParaRPr lang="en-US" dirty="0"/>
+              <a:rPr lang="en-US" dirty="0"/>
+              <a:t>Lesson 06: Mocking, Circuit Breakers and Test Generation</a:t>
+            </a:r>
           </a:p>
         </p:txBody>
       </p:sp>
@@ -3508,14 +3477,14 @@
           <a:p>
             <a:pPr algn="r"/>
             <a:r>
-              <a:rPr lang="en-US" dirty="0" smtClean="0"/>
-              <a:t>Dr. Andrea </a:t>
-            </a:r>
-            <a:r>
-              <a:rPr lang="en-US" dirty="0" err="1" smtClean="0"/>
+              <a:rPr lang="en-US" dirty="0"/>
+              <a:t>Prof. Andrea </a:t>
+            </a:r>
+            <a:r>
+              <a:rPr lang="en-US" dirty="0" err="1"/>
               <a:t>Arcuri</a:t>
             </a:r>
-            <a:endParaRPr lang="en-US" dirty="0" smtClean="0"/>
+            <a:endParaRPr lang="en-US" dirty="0"/>
           </a:p>
         </p:txBody>
       </p:sp>
@@ -3565,10 +3534,9 @@
           <a:lstStyle/>
           <a:p>
             <a:r>
-              <a:rPr lang="en-US" dirty="0" smtClean="0"/>
-              <a:t>Benefits</a:t>
-            </a:r>
-            <a:endParaRPr lang="en-US" dirty="0"/>
+              <a:rPr lang="en-US" dirty="0"/>
+              <a:t>Why?</a:t>
+            </a:r>
           </a:p>
         </p:txBody>
       </p:sp>
@@ -3584,83 +3552,45 @@
         </p:nvSpPr>
         <p:spPr>
           <a:xfrm>
-            <a:off x="278296" y="1878495"/>
-            <a:ext cx="11698356" cy="4740965"/>
+            <a:off x="298174" y="1825625"/>
+            <a:ext cx="11698356" cy="4773958"/>
           </a:xfrm>
         </p:spPr>
         <p:txBody>
           <a:bodyPr>
-            <a:normAutofit/>
+            <a:normAutofit lnSpcReduction="10000"/>
           </a:bodyPr>
           <a:lstStyle/>
           <a:p>
             <a:r>
-              <a:rPr lang="en-US" dirty="0" smtClean="0"/>
-              <a:t>Tests become </a:t>
-            </a:r>
-            <a:r>
-              <a:rPr lang="en-US" i="1" dirty="0" smtClean="0"/>
-              <a:t>deterministic</a:t>
-            </a:r>
-          </a:p>
-          <a:p>
-            <a:pPr lvl="1"/>
-            <a:r>
-              <a:rPr lang="en-US" dirty="0" smtClean="0"/>
-              <a:t>do not need to worry of network and External’s state (</a:t>
-            </a:r>
-            <a:r>
-              <a:rPr lang="en-US" dirty="0" err="1" smtClean="0"/>
-              <a:t>eg</a:t>
-            </a:r>
-            <a:r>
-              <a:rPr lang="en-US" dirty="0" smtClean="0"/>
-              <a:t> its database)</a:t>
-            </a:r>
-          </a:p>
-          <a:p>
-            <a:r>
-              <a:rPr lang="en-US" dirty="0" smtClean="0"/>
-              <a:t>Can easily test scenarios which would be hard to configure for External </a:t>
-            </a:r>
-          </a:p>
-          <a:p>
-            <a:pPr lvl="1"/>
-            <a:r>
-              <a:rPr lang="en-US" dirty="0" err="1" smtClean="0"/>
-              <a:t>eg</a:t>
-            </a:r>
-            <a:r>
-              <a:rPr lang="en-US" dirty="0" smtClean="0"/>
-              <a:t>, special rare responses</a:t>
-            </a:r>
-          </a:p>
-          <a:p>
-            <a:r>
-              <a:rPr lang="en-US" dirty="0" smtClean="0"/>
-              <a:t>Can implement and test our REST even if External is not working/implemented yet</a:t>
-            </a:r>
-          </a:p>
-          <a:p>
-            <a:pPr lvl="1"/>
-            <a:r>
               <a:rPr lang="en-US" dirty="0"/>
-              <a:t>E</a:t>
-            </a:r>
-            <a:r>
-              <a:rPr lang="en-US" dirty="0" smtClean="0"/>
-              <a:t>xample: 2 students writing 2 REST APIs. First student can implement and test X which depends on Y, even if other student is not done with Y yet</a:t>
-            </a:r>
-          </a:p>
-          <a:p>
-            <a:endParaRPr lang="en-US" dirty="0"/>
+              <a:t>TCP/HTTP communications are expensive</a:t>
+            </a:r>
+          </a:p>
+          <a:p>
+            <a:r>
+              <a:rPr lang="en-US" dirty="0"/>
+              <a:t>If an external service is down, want to avoid wasting resources in trying to connect to it</a:t>
+            </a:r>
+          </a:p>
+          <a:p>
+            <a:r>
+              <a:rPr lang="en-US" dirty="0"/>
+              <a:t>Performance gain: can return response immediately instead of trying to connect to external services which are down</a:t>
+            </a:r>
+          </a:p>
+          <a:p>
+            <a:r>
+              <a:rPr lang="en-US" dirty="0"/>
+              <a:t>When external service will come up again, don’t want to bombard it immediately with all clients resending all the messages that failed before, all at the same time (which might congest the external service again)</a:t>
+            </a:r>
           </a:p>
         </p:txBody>
       </p:sp>
     </p:spTree>
     <p:extLst>
       <p:ext uri="{BB962C8B-B14F-4D97-AF65-F5344CB8AC3E}">
-        <p14:creationId xmlns:p14="http://schemas.microsoft.com/office/powerpoint/2010/main" val="4108955042"/>
+        <p14:creationId xmlns:p14="http://schemas.microsoft.com/office/powerpoint/2010/main" val="1824929399"/>
       </p:ext>
     </p:extLst>
   </p:cSld>
@@ -3689,7 +3619,7 @@
       </p:grpSpPr>
       <p:sp>
         <p:nvSpPr>
-          <p:cNvPr id="2" name="Title 1"/>
+          <p:cNvPr id="4" name="Title 3"/>
           <p:cNvSpPr>
             <a:spLocks noGrp="1"/>
           </p:cNvSpPr>
@@ -3703,16 +3633,19 @@
           <a:lstStyle/>
           <a:p>
             <a:r>
-              <a:rPr lang="en-US" dirty="0" smtClean="0"/>
-              <a:t>Downsides</a:t>
-            </a:r>
-            <a:endParaRPr lang="en-US" dirty="0"/>
-          </a:p>
-        </p:txBody>
-      </p:sp>
-      <p:sp>
-        <p:nvSpPr>
-          <p:cNvPr id="3" name="Content Placeholder 2"/>
+              <a:rPr lang="en-US" dirty="0" err="1"/>
+              <a:t>Git</a:t>
+            </a:r>
+            <a:r>
+              <a:rPr lang="en-US" dirty="0"/>
+              <a:t> Repository Modules</a:t>
+            </a:r>
+          </a:p>
+        </p:txBody>
+      </p:sp>
+      <p:sp>
+        <p:nvSpPr>
+          <p:cNvPr id="5" name="Content Placeholder 4"/>
           <p:cNvSpPr>
             <a:spLocks noGrp="1"/>
           </p:cNvSpPr>
@@ -3722,8 +3655,8 @@
         </p:nvSpPr>
         <p:spPr>
           <a:xfrm>
-            <a:off x="288235" y="1825624"/>
-            <a:ext cx="11658600" cy="4873350"/>
+            <a:off x="296561" y="1825625"/>
+            <a:ext cx="11532973" cy="4972740"/>
           </a:xfrm>
         </p:spPr>
         <p:txBody>
@@ -3733,514 +3666,29 @@
           <a:lstStyle/>
           <a:p>
             <a:r>
-              <a:rPr lang="en-US" dirty="0" smtClean="0"/>
-              <a:t>We are not testing how REST would behave in a real context, but in what is our </a:t>
-            </a:r>
-            <a:r>
-              <a:rPr lang="en-US" i="1" dirty="0" smtClean="0"/>
-              <a:t>expectation</a:t>
-            </a:r>
-            <a:r>
-              <a:rPr lang="en-US" dirty="0" smtClean="0"/>
-              <a:t> of how External interacts with it</a:t>
-            </a:r>
-          </a:p>
-          <a:p>
-            <a:r>
-              <a:rPr lang="en-US" dirty="0" smtClean="0"/>
-              <a:t>If lots of interactions, might need to write a lot of mocked responses</a:t>
-            </a:r>
-          </a:p>
-          <a:p>
-            <a:r>
-              <a:rPr lang="en-US" dirty="0" smtClean="0"/>
-              <a:t>If External does change often, then </a:t>
-            </a:r>
-            <a:r>
-              <a:rPr lang="en-US" i="1" dirty="0" smtClean="0"/>
-              <a:t>maintaining</a:t>
-            </a:r>
-            <a:r>
-              <a:rPr lang="en-US" dirty="0" smtClean="0"/>
-              <a:t> the mocks becomes expensive</a:t>
-            </a:r>
-          </a:p>
-          <a:p>
-            <a:r>
-              <a:rPr lang="en-US" dirty="0" smtClean="0"/>
-              <a:t>Still need some </a:t>
-            </a:r>
-            <a:r>
-              <a:rPr lang="en-US" i="1" dirty="0" smtClean="0"/>
-              <a:t>live</a:t>
-            </a:r>
-            <a:r>
-              <a:rPr lang="en-US" dirty="0" smtClean="0"/>
-              <a:t> tests with real External anyways</a:t>
-            </a:r>
-          </a:p>
-          <a:p>
-            <a:pPr lvl="1"/>
-            <a:r>
-              <a:rPr lang="en-US" dirty="0" smtClean="0"/>
-              <a:t>but those will be handled specially</a:t>
-            </a:r>
-            <a:endParaRPr lang="en-US" dirty="0"/>
-          </a:p>
-        </p:txBody>
-      </p:sp>
-    </p:spTree>
-    <p:extLst>
-      <p:ext uri="{BB962C8B-B14F-4D97-AF65-F5344CB8AC3E}">
-        <p14:creationId xmlns:p14="http://schemas.microsoft.com/office/powerpoint/2010/main" val="2078437688"/>
-      </p:ext>
-    </p:extLst>
-  </p:cSld>
-  <p:clrMapOvr>
-    <a:masterClrMapping/>
-  </p:clrMapOvr>
-</p:sld>
-</file>
-
-<file path=ppt/slides/slide12.xml><?xml version="1.0" encoding="utf-8"?>
-<p:sld xmlns:a="http://schemas.openxmlformats.org/drawingml/2006/main" xmlns:r="http://schemas.openxmlformats.org/officeDocument/2006/relationships" xmlns:p="http://schemas.openxmlformats.org/presentationml/2006/main">
-  <p:cSld>
-    <p:spTree>
-      <p:nvGrpSpPr>
-        <p:cNvPr id="1" name=""/>
-        <p:cNvGrpSpPr/>
-        <p:nvPr/>
-      </p:nvGrpSpPr>
-      <p:grpSpPr>
-        <a:xfrm>
-          <a:off x="0" y="0"/>
-          <a:ext cx="0" cy="0"/>
-          <a:chOff x="0" y="0"/>
-          <a:chExt cx="0" cy="0"/>
-        </a:xfrm>
-      </p:grpSpPr>
-      <p:sp>
-        <p:nvSpPr>
-          <p:cNvPr id="4" name="Title 3"/>
-          <p:cNvSpPr>
-            <a:spLocks noGrp="1"/>
-          </p:cNvSpPr>
-          <p:nvPr>
-            <p:ph type="title"/>
-          </p:nvPr>
-        </p:nvSpPr>
-        <p:spPr/>
-        <p:txBody>
-          <a:bodyPr/>
-          <a:lstStyle/>
-          <a:p>
-            <a:r>
-              <a:rPr lang="en-US" dirty="0" smtClean="0"/>
-              <a:t>Circuit Breaker</a:t>
-            </a:r>
-            <a:endParaRPr lang="en-US" dirty="0"/>
-          </a:p>
-        </p:txBody>
-      </p:sp>
-      <p:sp>
-        <p:nvSpPr>
-          <p:cNvPr id="5" name="Text Placeholder 4"/>
-          <p:cNvSpPr>
-            <a:spLocks noGrp="1"/>
-          </p:cNvSpPr>
-          <p:nvPr>
-            <p:ph type="body" idx="1"/>
-          </p:nvPr>
-        </p:nvSpPr>
-        <p:spPr/>
-        <p:txBody>
-          <a:bodyPr/>
-          <a:lstStyle/>
-          <a:p>
-            <a:endParaRPr lang="en-US"/>
-          </a:p>
-        </p:txBody>
-      </p:sp>
-    </p:spTree>
-    <p:extLst>
-      <p:ext uri="{BB962C8B-B14F-4D97-AF65-F5344CB8AC3E}">
-        <p14:creationId xmlns:p14="http://schemas.microsoft.com/office/powerpoint/2010/main" val="2271639354"/>
-      </p:ext>
-    </p:extLst>
-  </p:cSld>
-  <p:clrMapOvr>
-    <a:masterClrMapping/>
-  </p:clrMapOvr>
-</p:sld>
-</file>
-
-<file path=ppt/slides/slide13.xml><?xml version="1.0" encoding="utf-8"?>
-<p:sld xmlns:a="http://schemas.openxmlformats.org/drawingml/2006/main" xmlns:r="http://schemas.openxmlformats.org/officeDocument/2006/relationships" xmlns:p="http://schemas.openxmlformats.org/presentationml/2006/main">
-  <p:cSld>
-    <p:spTree>
-      <p:nvGrpSpPr>
-        <p:cNvPr id="1" name=""/>
-        <p:cNvGrpSpPr/>
-        <p:nvPr/>
-      </p:nvGrpSpPr>
-      <p:grpSpPr>
-        <a:xfrm>
-          <a:off x="0" y="0"/>
-          <a:ext cx="0" cy="0"/>
-          <a:chOff x="0" y="0"/>
-          <a:chExt cx="0" cy="0"/>
-        </a:xfrm>
-      </p:grpSpPr>
-      <p:sp>
-        <p:nvSpPr>
-          <p:cNvPr id="2" name="Title 1"/>
-          <p:cNvSpPr>
-            <a:spLocks noGrp="1"/>
-          </p:cNvSpPr>
-          <p:nvPr>
-            <p:ph type="title"/>
-          </p:nvPr>
-        </p:nvSpPr>
-        <p:spPr>
-          <a:xfrm>
-            <a:off x="838200" y="365125"/>
-            <a:ext cx="7749209" cy="1325563"/>
-          </a:xfrm>
-        </p:spPr>
-        <p:txBody>
-          <a:bodyPr>
-            <a:normAutofit/>
-          </a:bodyPr>
-          <a:lstStyle/>
-          <a:p>
-            <a:r>
-              <a:rPr lang="en-US" dirty="0" smtClean="0"/>
-              <a:t>Circuit Breaker</a:t>
-            </a:r>
-            <a:endParaRPr lang="en-US" dirty="0"/>
-          </a:p>
-        </p:txBody>
-      </p:sp>
-      <p:pic>
-        <p:nvPicPr>
-          <p:cNvPr id="6" name="Content Placeholder 5"/>
-          <p:cNvPicPr>
-            <a:picLocks noGrp="1" noChangeAspect="1"/>
-          </p:cNvPicPr>
-          <p:nvPr>
-            <p:ph idx="1"/>
-          </p:nvPr>
-        </p:nvPicPr>
-        <p:blipFill>
-          <a:blip r:embed="rId2">
-            <a:extLst>
-              <a:ext uri="{28A0092B-C50C-407E-A947-70E740481C1C}">
-                <a14:useLocalDpi xmlns:a14="http://schemas.microsoft.com/office/drawing/2010/main" val="0"/>
-              </a:ext>
-            </a:extLst>
-          </a:blip>
-          <a:stretch>
-            <a:fillRect/>
-          </a:stretch>
-        </p:blipFill>
-        <p:spPr>
-          <a:xfrm>
-            <a:off x="9473514" y="139673"/>
-            <a:ext cx="2455905" cy="2455905"/>
-          </a:xfrm>
-        </p:spPr>
-      </p:pic>
-      <p:sp>
-        <p:nvSpPr>
-          <p:cNvPr id="7" name="TextBox 6"/>
-          <p:cNvSpPr txBox="1"/>
-          <p:nvPr/>
-        </p:nvSpPr>
-        <p:spPr>
-          <a:xfrm>
-            <a:off x="228600" y="1960606"/>
-            <a:ext cx="9720470" cy="4524315"/>
-          </a:xfrm>
-          <a:prstGeom prst="rect">
-            <a:avLst/>
-          </a:prstGeom>
-          <a:noFill/>
-        </p:spPr>
-        <p:txBody>
-          <a:bodyPr wrap="square" rtlCol="0">
-            <a:spAutoFit/>
-          </a:bodyPr>
-          <a:lstStyle/>
-          <a:p>
-            <a:pPr marL="285750" indent="-285750">
-              <a:buFont typeface="Arial" charset="0"/>
-              <a:buChar char="•"/>
-            </a:pPr>
-            <a:r>
-              <a:rPr lang="en-US" sz="3600" dirty="0" smtClean="0"/>
-              <a:t>If too many connections to a server fail, stop ALL future attempts at connecting</a:t>
-            </a:r>
-          </a:p>
-          <a:p>
-            <a:pPr marL="285750" indent="-285750">
-              <a:buFont typeface="Arial" charset="0"/>
-              <a:buChar char="•"/>
-            </a:pPr>
-            <a:r>
-              <a:rPr lang="en-US" sz="3600" dirty="0" smtClean="0"/>
-              <a:t>Can use a library (</a:t>
-            </a:r>
-            <a:r>
-              <a:rPr lang="en-US" sz="3600" dirty="0" err="1" smtClean="0"/>
-              <a:t>eg</a:t>
-            </a:r>
-            <a:r>
-              <a:rPr lang="en-US" sz="3600" dirty="0" smtClean="0"/>
-              <a:t> Netflix </a:t>
-            </a:r>
-            <a:r>
-              <a:rPr lang="en-US" sz="3600" dirty="0" err="1" smtClean="0"/>
-              <a:t>Hystrix</a:t>
-            </a:r>
-            <a:r>
-              <a:rPr lang="en-US" sz="3600" dirty="0" smtClean="0"/>
-              <a:t>) to wrap each call to external services</a:t>
-            </a:r>
-          </a:p>
-          <a:p>
-            <a:pPr marL="285750" indent="-285750">
-              <a:buFont typeface="Arial" charset="0"/>
-              <a:buChar char="•"/>
-            </a:pPr>
-            <a:r>
-              <a:rPr lang="en-US" sz="3600" dirty="0" smtClean="0"/>
-              <a:t>Once the circuit breaker is on after several failures, it will periodically check if the server comes up again. </a:t>
-            </a:r>
-            <a:r>
-              <a:rPr lang="en-US" sz="3600" dirty="0"/>
-              <a:t>I</a:t>
-            </a:r>
-            <a:r>
-              <a:rPr lang="en-US" sz="3600" dirty="0" smtClean="0"/>
-              <a:t>f so, all communications are restored</a:t>
-            </a:r>
-            <a:endParaRPr lang="en-US" sz="3600" dirty="0"/>
-          </a:p>
-        </p:txBody>
-      </p:sp>
-    </p:spTree>
-    <p:extLst>
-      <p:ext uri="{BB962C8B-B14F-4D97-AF65-F5344CB8AC3E}">
-        <p14:creationId xmlns:p14="http://schemas.microsoft.com/office/powerpoint/2010/main" val="4176758901"/>
-      </p:ext>
-    </p:extLst>
-  </p:cSld>
-  <p:clrMapOvr>
-    <a:masterClrMapping/>
-  </p:clrMapOvr>
-</p:sld>
-</file>
-
-<file path=ppt/slides/slide14.xml><?xml version="1.0" encoding="utf-8"?>
-<p:sld xmlns:a="http://schemas.openxmlformats.org/drawingml/2006/main" xmlns:r="http://schemas.openxmlformats.org/officeDocument/2006/relationships" xmlns:p="http://schemas.openxmlformats.org/presentationml/2006/main">
-  <p:cSld>
-    <p:spTree>
-      <p:nvGrpSpPr>
-        <p:cNvPr id="1" name=""/>
-        <p:cNvGrpSpPr/>
-        <p:nvPr/>
-      </p:nvGrpSpPr>
-      <p:grpSpPr>
-        <a:xfrm>
-          <a:off x="0" y="0"/>
-          <a:ext cx="0" cy="0"/>
-          <a:chOff x="0" y="0"/>
-          <a:chExt cx="0" cy="0"/>
-        </a:xfrm>
-      </p:grpSpPr>
-      <p:sp>
-        <p:nvSpPr>
-          <p:cNvPr id="2" name="Title 1"/>
-          <p:cNvSpPr>
-            <a:spLocks noGrp="1"/>
-          </p:cNvSpPr>
-          <p:nvPr>
-            <p:ph type="title"/>
-          </p:nvPr>
-        </p:nvSpPr>
-        <p:spPr/>
-        <p:txBody>
-          <a:bodyPr/>
-          <a:lstStyle/>
-          <a:p>
-            <a:r>
-              <a:rPr lang="en-US" dirty="0" smtClean="0"/>
-              <a:t>Why?</a:t>
-            </a:r>
-            <a:endParaRPr lang="en-US" dirty="0"/>
-          </a:p>
-        </p:txBody>
-      </p:sp>
-      <p:sp>
-        <p:nvSpPr>
-          <p:cNvPr id="3" name="Content Placeholder 2"/>
-          <p:cNvSpPr>
-            <a:spLocks noGrp="1"/>
-          </p:cNvSpPr>
-          <p:nvPr>
-            <p:ph idx="1"/>
-          </p:nvPr>
-        </p:nvSpPr>
-        <p:spPr>
-          <a:xfrm>
-            <a:off x="298174" y="1825625"/>
-            <a:ext cx="11698356" cy="4773958"/>
-          </a:xfrm>
-        </p:spPr>
-        <p:txBody>
-          <a:bodyPr>
-            <a:normAutofit lnSpcReduction="10000"/>
-          </a:bodyPr>
-          <a:lstStyle/>
-          <a:p>
-            <a:r>
-              <a:rPr lang="en-US" dirty="0" smtClean="0"/>
-              <a:t>TCP/HTTP communications are expensive</a:t>
-            </a:r>
-          </a:p>
-          <a:p>
-            <a:r>
-              <a:rPr lang="en-US" dirty="0" smtClean="0"/>
-              <a:t>If an external service is down, want to avoid wasting resources in trying to connect to it</a:t>
-            </a:r>
-          </a:p>
-          <a:p>
-            <a:r>
-              <a:rPr lang="en-US" dirty="0" smtClean="0"/>
-              <a:t>Performance gain: can return response immediately instead of trying to connect to external services which are down</a:t>
-            </a:r>
-          </a:p>
-          <a:p>
-            <a:r>
-              <a:rPr lang="en-US" dirty="0" smtClean="0"/>
-              <a:t>When external service will come up again, don’t want to bombard it immediately with all clients resending all the messages that failed before, all at the same time (which might congest the external service again)</a:t>
-            </a:r>
-            <a:endParaRPr lang="en-US" dirty="0"/>
-          </a:p>
-        </p:txBody>
-      </p:sp>
-    </p:spTree>
-    <p:extLst>
-      <p:ext uri="{BB962C8B-B14F-4D97-AF65-F5344CB8AC3E}">
-        <p14:creationId xmlns:p14="http://schemas.microsoft.com/office/powerpoint/2010/main" val="1824929399"/>
-      </p:ext>
-    </p:extLst>
-  </p:cSld>
-  <p:clrMapOvr>
-    <a:masterClrMapping/>
-  </p:clrMapOvr>
-</p:sld>
-</file>
-
-<file path=ppt/slides/slide15.xml><?xml version="1.0" encoding="utf-8"?>
-<p:sld xmlns:a="http://schemas.openxmlformats.org/drawingml/2006/main" xmlns:r="http://schemas.openxmlformats.org/officeDocument/2006/relationships" xmlns:p="http://schemas.openxmlformats.org/presentationml/2006/main">
-  <p:cSld>
-    <p:spTree>
-      <p:nvGrpSpPr>
-        <p:cNvPr id="1" name=""/>
-        <p:cNvGrpSpPr/>
-        <p:nvPr/>
-      </p:nvGrpSpPr>
-      <p:grpSpPr>
-        <a:xfrm>
-          <a:off x="0" y="0"/>
-          <a:ext cx="0" cy="0"/>
-          <a:chOff x="0" y="0"/>
-          <a:chExt cx="0" cy="0"/>
-        </a:xfrm>
-      </p:grpSpPr>
-      <p:sp>
-        <p:nvSpPr>
-          <p:cNvPr id="4" name="Title 3"/>
-          <p:cNvSpPr>
-            <a:spLocks noGrp="1"/>
-          </p:cNvSpPr>
-          <p:nvPr>
-            <p:ph type="title"/>
-          </p:nvPr>
-        </p:nvSpPr>
-        <p:spPr/>
-        <p:txBody>
-          <a:bodyPr/>
-          <a:lstStyle/>
-          <a:p>
-            <a:r>
-              <a:rPr lang="en-US" dirty="0" err="1" smtClean="0"/>
-              <a:t>Git</a:t>
-            </a:r>
-            <a:r>
-              <a:rPr lang="en-US" dirty="0" smtClean="0"/>
-              <a:t> Repository Modules</a:t>
-            </a:r>
-            <a:endParaRPr lang="en-US" dirty="0"/>
-          </a:p>
-        </p:txBody>
-      </p:sp>
-      <p:sp>
-        <p:nvSpPr>
-          <p:cNvPr id="5" name="Content Placeholder 4"/>
-          <p:cNvSpPr>
-            <a:spLocks noGrp="1"/>
-          </p:cNvSpPr>
-          <p:nvPr>
-            <p:ph idx="1"/>
-          </p:nvPr>
-        </p:nvSpPr>
-        <p:spPr>
-          <a:xfrm>
-            <a:off x="296561" y="1825625"/>
-            <a:ext cx="11532973" cy="4972740"/>
-          </a:xfrm>
-        </p:spPr>
-        <p:txBody>
-          <a:bodyPr>
-            <a:normAutofit/>
-          </a:bodyPr>
-          <a:lstStyle/>
-          <a:p>
-            <a:r>
-              <a:rPr lang="en-US" i="1" dirty="0" smtClean="0"/>
+              <a:rPr lang="en-US" i="1" dirty="0"/>
               <a:t>NOTE: most of the explanations will be directly in the code as comments, and not here in the slides</a:t>
             </a:r>
-            <a:endParaRPr lang="en-US" b="1" dirty="0" smtClean="0"/>
-          </a:p>
-          <a:p>
-            <a:r>
-              <a:rPr lang="en-US" b="1" dirty="0" smtClean="0"/>
-              <a:t>advanced/rest/exception-handling</a:t>
-            </a:r>
-          </a:p>
-          <a:p>
-            <a:r>
-              <a:rPr lang="en-US" b="1" smtClean="0"/>
-              <a:t>advanced/rest/rest-exception</a:t>
-            </a:r>
-            <a:endParaRPr lang="en-US" b="1" dirty="0" smtClean="0"/>
-          </a:p>
-          <a:p>
-            <a:r>
-              <a:rPr lang="en-US" b="1" dirty="0" smtClean="0"/>
-              <a:t>advanced/rest/</a:t>
-            </a:r>
-            <a:r>
-              <a:rPr lang="en-US" b="1" dirty="0" err="1" smtClean="0"/>
+            <a:endParaRPr lang="en-US" b="1" dirty="0"/>
+          </a:p>
+          <a:p>
+            <a:r>
+              <a:rPr lang="en-US" b="1"/>
+              <a:t>advanced</a:t>
+            </a:r>
+            <a:r>
+              <a:rPr lang="en-US" b="1" dirty="0"/>
+              <a:t>/rest/</a:t>
+            </a:r>
+            <a:r>
+              <a:rPr lang="en-US" b="1" dirty="0" err="1"/>
               <a:t>wiremock</a:t>
             </a:r>
-            <a:endParaRPr lang="en-US" b="1" dirty="0" smtClean="0"/>
-          </a:p>
-          <a:p>
-            <a:r>
-              <a:rPr lang="en-US" b="1" dirty="0" smtClean="0"/>
+            <a:endParaRPr lang="en-US" b="1" dirty="0"/>
+          </a:p>
+          <a:p>
+            <a:r>
+              <a:rPr lang="en-US" b="1" dirty="0"/>
               <a:t>advanced/rest/circuit-breaker</a:t>
             </a:r>
           </a:p>
@@ -4292,10 +3740,9 @@
           <a:lstStyle/>
           <a:p>
             <a:r>
-              <a:rPr lang="en-US" dirty="0" smtClean="0"/>
+              <a:rPr lang="en-US" dirty="0"/>
               <a:t>Goals</a:t>
             </a:r>
-            <a:endParaRPr lang="en-US" dirty="0"/>
           </a:p>
         </p:txBody>
       </p:sp>
@@ -4322,27 +3769,13 @@
           <a:lstStyle/>
           <a:p>
             <a:r>
-              <a:rPr lang="en-US" dirty="0" smtClean="0"/>
-              <a:t>Understand and tune how Spring deals </a:t>
-            </a:r>
-            <a:r>
               <a:rPr lang="en-US" dirty="0"/>
-              <a:t>with </a:t>
-            </a:r>
-            <a:r>
-              <a:rPr lang="en-US" dirty="0" smtClean="0"/>
-              <a:t>uncaught exceptions and bean validation</a:t>
-            </a:r>
-          </a:p>
-          <a:p>
-            <a:r>
-              <a:rPr lang="en-US" dirty="0" smtClean="0"/>
               <a:t>Learn how to test services relying on other external services, by mocking those external services</a:t>
             </a:r>
           </a:p>
           <a:p>
             <a:r>
-              <a:rPr lang="en-US" dirty="0" smtClean="0"/>
+              <a:rPr lang="en-US" dirty="0"/>
               <a:t>Understand how and why Circuit Breakers are used when dealing with external services </a:t>
             </a:r>
           </a:p>
@@ -4418,7 +3851,7 @@
               <a:buNone/>
               <a:tabLst/>
             </a:pPr>
-            <a:endParaRPr kumimoji="0" lang="en-US" altLang="en-US" sz="1800" b="0" i="0" u="none" strike="noStrike" cap="none" normalizeH="0" baseline="0" dirty="0" smtClean="0">
+            <a:endParaRPr kumimoji="0" lang="en-US" altLang="en-US" sz="1800" b="0" i="0" u="none" strike="noStrike" cap="none" normalizeH="0" baseline="0" dirty="0">
               <a:ln>
                 <a:noFill/>
               </a:ln>
@@ -4501,7 +3934,7 @@
               <a:buNone/>
               <a:tabLst/>
             </a:pPr>
-            <a:endParaRPr kumimoji="0" lang="en-US" altLang="en-US" sz="1800" b="0" i="0" u="none" strike="noStrike" cap="none" normalizeH="0" baseline="0" dirty="0" smtClean="0">
+            <a:endParaRPr kumimoji="0" lang="en-US" altLang="en-US" sz="1800" b="0" i="0" u="none" strike="noStrike" cap="none" normalizeH="0" baseline="0" dirty="0">
               <a:ln>
                 <a:noFill/>
               </a:ln>
@@ -4560,10 +3993,9 @@
           <a:lstStyle/>
           <a:p>
             <a:r>
-              <a:rPr lang="en-US" dirty="0" smtClean="0"/>
-              <a:t>Errors/Validation In Spring</a:t>
-            </a:r>
-            <a:endParaRPr lang="en-US" dirty="0"/>
+              <a:rPr lang="en-US" dirty="0"/>
+              <a:t>Service Mocking</a:t>
+            </a:r>
           </a:p>
         </p:txBody>
       </p:sp>
@@ -4589,7 +4021,7 @@
     </p:spTree>
     <p:extLst>
       <p:ext uri="{BB962C8B-B14F-4D97-AF65-F5344CB8AC3E}">
-        <p14:creationId xmlns:p14="http://schemas.microsoft.com/office/powerpoint/2010/main" val="786422261"/>
+        <p14:creationId xmlns:p14="http://schemas.microsoft.com/office/powerpoint/2010/main" val="1266716433"/>
       </p:ext>
     </p:extLst>
   </p:cSld>
@@ -4618,7 +4050,7 @@
       </p:grpSpPr>
       <p:sp>
         <p:nvSpPr>
-          <p:cNvPr id="4" name="Title 3"/>
+          <p:cNvPr id="2" name="Title 1"/>
           <p:cNvSpPr>
             <a:spLocks noGrp="1"/>
           </p:cNvSpPr>
@@ -4626,33 +4058,10 @@
             <p:ph type="title"/>
           </p:nvPr>
         </p:nvSpPr>
-        <p:spPr/>
-        <p:txBody>
-          <a:bodyPr/>
-          <a:lstStyle/>
-          <a:p>
-            <a:r>
-              <a:rPr lang="en-US" dirty="0" smtClean="0"/>
-              <a:t>Validation</a:t>
-            </a:r>
-            <a:endParaRPr lang="en-US" dirty="0"/>
-          </a:p>
-        </p:txBody>
-      </p:sp>
-      <p:sp>
-        <p:nvSpPr>
-          <p:cNvPr id="5" name="Content Placeholder 4"/>
-          <p:cNvSpPr>
-            <a:spLocks noGrp="1"/>
-          </p:cNvSpPr>
-          <p:nvPr>
-            <p:ph idx="1"/>
-          </p:nvPr>
-        </p:nvSpPr>
-        <p:spPr>
-          <a:xfrm>
-            <a:off x="304799" y="1690688"/>
-            <a:ext cx="11631827" cy="5080815"/>
+        <p:spPr>
+          <a:xfrm>
+            <a:off x="838200" y="101514"/>
+            <a:ext cx="10515600" cy="1183589"/>
           </a:xfrm>
         </p:spPr>
         <p:txBody>
@@ -4662,55 +4071,350 @@
           <a:lstStyle/>
           <a:p>
             <a:r>
-              <a:rPr lang="en-US" dirty="0" smtClean="0"/>
-              <a:t>In JEE, we have seen how </a:t>
-            </a:r>
-            <a:r>
-              <a:rPr lang="en-US" i="1" dirty="0" smtClean="0"/>
-              <a:t>@annotation </a:t>
-            </a:r>
-            <a:r>
-              <a:rPr lang="en-US" dirty="0" smtClean="0"/>
-              <a:t>constraints could be put on the inputs of EJB beans</a:t>
-            </a:r>
-          </a:p>
-          <a:p>
-            <a:pPr lvl="1"/>
-            <a:r>
-              <a:rPr lang="en-US" dirty="0" smtClean="0"/>
-              <a:t>same way as on JPA @Entity</a:t>
-            </a:r>
-          </a:p>
-          <a:p>
-            <a:r>
-              <a:rPr lang="en-US" dirty="0" smtClean="0"/>
-              <a:t>In Spring, we can do the same, which can be useful when handling query parameters</a:t>
-            </a:r>
-          </a:p>
-          <a:p>
-            <a:r>
-              <a:rPr lang="en-US" dirty="0" smtClean="0"/>
-              <a:t>But Spring does not do validation by default, needs to be activated with </a:t>
-            </a:r>
-            <a:r>
-              <a:rPr lang="en-US" i="1" dirty="0" smtClean="0"/>
-              <a:t>@Validated</a:t>
-            </a:r>
-          </a:p>
-          <a:p>
-            <a:pPr lvl="1"/>
-            <a:r>
-              <a:rPr lang="en-US" i="1" dirty="0" err="1"/>
-              <a:t>org.springframework.validation.annotation.Validated</a:t>
-            </a:r>
-            <a:endParaRPr lang="en-US" i="1" dirty="0"/>
+              <a:rPr lang="en-US" dirty="0"/>
+              <a:t>External Dependencies</a:t>
+            </a:r>
+          </a:p>
+        </p:txBody>
+      </p:sp>
+      <p:sp>
+        <p:nvSpPr>
+          <p:cNvPr id="3" name="Content Placeholder 2"/>
+          <p:cNvSpPr>
+            <a:spLocks noGrp="1"/>
+          </p:cNvSpPr>
+          <p:nvPr>
+            <p:ph idx="1"/>
+          </p:nvPr>
+        </p:nvSpPr>
+        <p:spPr>
+          <a:xfrm>
+            <a:off x="263611" y="2937528"/>
+            <a:ext cx="11722443" cy="3825737"/>
+          </a:xfrm>
+        </p:spPr>
+        <p:txBody>
+          <a:bodyPr/>
+          <a:lstStyle/>
+          <a:p>
+            <a:r>
+              <a:rPr lang="en-US" dirty="0"/>
+              <a:t>A client calls our REST, and we need to call an external service to compute our response</a:t>
+            </a:r>
+          </a:p>
+          <a:p>
+            <a:r>
+              <a:rPr lang="en-US" dirty="0"/>
+              <a:t>What if the external service is currently down?</a:t>
+            </a:r>
+          </a:p>
+          <a:p>
+            <a:r>
+              <a:rPr lang="en-US" dirty="0"/>
+              <a:t>What if the external service has a temporary bug?</a:t>
+            </a:r>
+          </a:p>
+          <a:p>
+            <a:r>
+              <a:rPr lang="en-US" dirty="0"/>
+              <a:t>Test cases have to be </a:t>
+            </a:r>
+            <a:r>
+              <a:rPr lang="en-US" i="1" dirty="0"/>
+              <a:t>deterministic</a:t>
+            </a:r>
+          </a:p>
+          <a:p>
+            <a:r>
+              <a:rPr lang="en-US" dirty="0"/>
+              <a:t>External service poses a major challenge for testing</a:t>
+            </a:r>
+          </a:p>
+          <a:p>
+            <a:endParaRPr lang="en-US" dirty="0"/>
+          </a:p>
+        </p:txBody>
+      </p:sp>
+      <p:sp>
+        <p:nvSpPr>
+          <p:cNvPr id="4" name="Rounded Rectangle 3"/>
+          <p:cNvSpPr/>
+          <p:nvPr/>
+        </p:nvSpPr>
+        <p:spPr>
+          <a:xfrm>
+            <a:off x="2026507" y="1546653"/>
+            <a:ext cx="1565189" cy="914400"/>
+          </a:xfrm>
+          <a:prstGeom prst="roundRect">
+            <a:avLst/>
+          </a:prstGeom>
+        </p:spPr>
+        <p:style>
+          <a:lnRef idx="2">
+            <a:schemeClr val="accent4">
+              <a:shade val="50000"/>
+            </a:schemeClr>
+          </a:lnRef>
+          <a:fillRef idx="1">
+            <a:schemeClr val="accent4"/>
+          </a:fillRef>
+          <a:effectRef idx="0">
+            <a:schemeClr val="accent4"/>
+          </a:effectRef>
+          <a:fontRef idx="minor">
+            <a:schemeClr val="lt1"/>
+          </a:fontRef>
+        </p:style>
+        <p:txBody>
+          <a:bodyPr rtlCol="0" anchor="ctr"/>
+          <a:lstStyle/>
+          <a:p>
+            <a:pPr algn="ctr"/>
+            <a:r>
+              <a:rPr lang="en-US" sz="3600" dirty="0"/>
+              <a:t>Client</a:t>
+            </a:r>
+          </a:p>
+        </p:txBody>
+      </p:sp>
+      <p:sp>
+        <p:nvSpPr>
+          <p:cNvPr id="5" name="Rounded Rectangle 4"/>
+          <p:cNvSpPr/>
+          <p:nvPr/>
+        </p:nvSpPr>
+        <p:spPr>
+          <a:xfrm>
+            <a:off x="4988010" y="1546653"/>
+            <a:ext cx="1565189" cy="914400"/>
+          </a:xfrm>
+          <a:prstGeom prst="roundRect">
+            <a:avLst/>
+          </a:prstGeom>
+          <a:solidFill>
+            <a:schemeClr val="tx2"/>
+          </a:solidFill>
+        </p:spPr>
+        <p:style>
+          <a:lnRef idx="2">
+            <a:schemeClr val="accent4">
+              <a:shade val="50000"/>
+            </a:schemeClr>
+          </a:lnRef>
+          <a:fillRef idx="1">
+            <a:schemeClr val="accent4"/>
+          </a:fillRef>
+          <a:effectRef idx="0">
+            <a:schemeClr val="accent4"/>
+          </a:effectRef>
+          <a:fontRef idx="minor">
+            <a:schemeClr val="lt1"/>
+          </a:fontRef>
+        </p:style>
+        <p:txBody>
+          <a:bodyPr rtlCol="0" anchor="ctr"/>
+          <a:lstStyle/>
+          <a:p>
+            <a:pPr algn="ctr"/>
+            <a:r>
+              <a:rPr lang="en-US" sz="3600" dirty="0"/>
+              <a:t>REST</a:t>
+            </a:r>
+          </a:p>
+        </p:txBody>
+      </p:sp>
+      <p:sp>
+        <p:nvSpPr>
+          <p:cNvPr id="6" name="Rounded Rectangle 5"/>
+          <p:cNvSpPr/>
+          <p:nvPr/>
+        </p:nvSpPr>
+        <p:spPr>
+          <a:xfrm>
+            <a:off x="7949513" y="1542534"/>
+            <a:ext cx="1820562" cy="914400"/>
+          </a:xfrm>
+          <a:prstGeom prst="roundRect">
+            <a:avLst/>
+          </a:prstGeom>
+          <a:solidFill>
+            <a:schemeClr val="tx2">
+              <a:lumMod val="60000"/>
+              <a:lumOff val="40000"/>
+            </a:schemeClr>
+          </a:solidFill>
+        </p:spPr>
+        <p:style>
+          <a:lnRef idx="2">
+            <a:schemeClr val="accent4">
+              <a:shade val="50000"/>
+            </a:schemeClr>
+          </a:lnRef>
+          <a:fillRef idx="1">
+            <a:schemeClr val="accent4"/>
+          </a:fillRef>
+          <a:effectRef idx="0">
+            <a:schemeClr val="accent4"/>
+          </a:effectRef>
+          <a:fontRef idx="minor">
+            <a:schemeClr val="lt1"/>
+          </a:fontRef>
+        </p:style>
+        <p:txBody>
+          <a:bodyPr rtlCol="0" anchor="ctr"/>
+          <a:lstStyle/>
+          <a:p>
+            <a:pPr algn="ctr"/>
+            <a:r>
+              <a:rPr lang="en-US" sz="3600" dirty="0"/>
+              <a:t>External</a:t>
+            </a:r>
+          </a:p>
+        </p:txBody>
+      </p:sp>
+      <p:sp>
+        <p:nvSpPr>
+          <p:cNvPr id="7" name="Left-Right Arrow 6"/>
+          <p:cNvSpPr/>
+          <p:nvPr/>
+        </p:nvSpPr>
+        <p:spPr>
+          <a:xfrm>
+            <a:off x="3681777" y="1765697"/>
+            <a:ext cx="1216152" cy="484632"/>
+          </a:xfrm>
+          <a:prstGeom prst="leftRightArrow">
+            <a:avLst/>
+          </a:prstGeom>
+        </p:spPr>
+        <p:style>
+          <a:lnRef idx="2">
+            <a:schemeClr val="accent1">
+              <a:shade val="50000"/>
+            </a:schemeClr>
+          </a:lnRef>
+          <a:fillRef idx="1">
+            <a:schemeClr val="accent1"/>
+          </a:fillRef>
+          <a:effectRef idx="0">
+            <a:schemeClr val="accent1"/>
+          </a:effectRef>
+          <a:fontRef idx="minor">
+            <a:schemeClr val="lt1"/>
+          </a:fontRef>
+        </p:style>
+        <p:txBody>
+          <a:bodyPr rtlCol="0" anchor="ctr"/>
+          <a:lstStyle/>
+          <a:p>
+            <a:pPr algn="ctr"/>
+            <a:endParaRPr lang="en-US"/>
+          </a:p>
+        </p:txBody>
+      </p:sp>
+      <p:sp>
+        <p:nvSpPr>
+          <p:cNvPr id="8" name="Left-Right Arrow 7"/>
+          <p:cNvSpPr/>
+          <p:nvPr/>
+        </p:nvSpPr>
+        <p:spPr>
+          <a:xfrm>
+            <a:off x="6643280" y="1765697"/>
+            <a:ext cx="1216152" cy="484632"/>
+          </a:xfrm>
+          <a:prstGeom prst="leftRightArrow">
+            <a:avLst/>
+          </a:prstGeom>
+        </p:spPr>
+        <p:style>
+          <a:lnRef idx="2">
+            <a:schemeClr val="accent1">
+              <a:shade val="50000"/>
+            </a:schemeClr>
+          </a:lnRef>
+          <a:fillRef idx="1">
+            <a:schemeClr val="accent1"/>
+          </a:fillRef>
+          <a:effectRef idx="0">
+            <a:schemeClr val="accent1"/>
+          </a:effectRef>
+          <a:fontRef idx="minor">
+            <a:schemeClr val="lt1"/>
+          </a:fontRef>
+        </p:style>
+        <p:txBody>
+          <a:bodyPr rtlCol="0" anchor="ctr"/>
+          <a:lstStyle/>
+          <a:p>
+            <a:pPr algn="ctr"/>
+            <a:endParaRPr lang="en-US"/>
+          </a:p>
+        </p:txBody>
+      </p:sp>
+      <p:sp>
+        <p:nvSpPr>
+          <p:cNvPr id="9" name="TextBox 8"/>
+          <p:cNvSpPr txBox="1"/>
+          <p:nvPr/>
+        </p:nvSpPr>
+        <p:spPr>
+          <a:xfrm>
+            <a:off x="3952292" y="1534296"/>
+            <a:ext cx="675121" cy="369332"/>
+          </a:xfrm>
+          <a:prstGeom prst="rect">
+            <a:avLst/>
+          </a:prstGeom>
+          <a:noFill/>
+        </p:spPr>
+        <p:txBody>
+          <a:bodyPr wrap="none" rtlCol="0">
+            <a:spAutoFit/>
+          </a:bodyPr>
+          <a:lstStyle/>
+          <a:p>
+            <a:r>
+              <a:rPr lang="en-US" dirty="0"/>
+              <a:t>HTTP</a:t>
+            </a:r>
+          </a:p>
+        </p:txBody>
+      </p:sp>
+      <p:sp>
+        <p:nvSpPr>
+          <p:cNvPr id="10" name="TextBox 9"/>
+          <p:cNvSpPr txBox="1"/>
+          <p:nvPr/>
+        </p:nvSpPr>
+        <p:spPr>
+          <a:xfrm>
+            <a:off x="6913795" y="1534296"/>
+            <a:ext cx="675121" cy="369332"/>
+          </a:xfrm>
+          <a:prstGeom prst="rect">
+            <a:avLst/>
+          </a:prstGeom>
+          <a:noFill/>
+        </p:spPr>
+        <p:txBody>
+          <a:bodyPr wrap="none" rtlCol="0">
+            <a:spAutoFit/>
+          </a:bodyPr>
+          <a:lstStyle/>
+          <a:p>
+            <a:r>
+              <a:rPr lang="en-US" dirty="0"/>
+              <a:t>HTTP</a:t>
+            </a:r>
           </a:p>
         </p:txBody>
       </p:sp>
     </p:spTree>
     <p:extLst>
       <p:ext uri="{BB962C8B-B14F-4D97-AF65-F5344CB8AC3E}">
-        <p14:creationId xmlns:p14="http://schemas.microsoft.com/office/powerpoint/2010/main" val="1954393428"/>
+        <p14:creationId xmlns:p14="http://schemas.microsoft.com/office/powerpoint/2010/main" val="1112638404"/>
       </p:ext>
     </p:extLst>
   </p:cSld>
@@ -4747,63 +4451,482 @@
             <p:ph type="title"/>
           </p:nvPr>
         </p:nvSpPr>
-        <p:spPr/>
-        <p:txBody>
-          <a:bodyPr/>
-          <a:lstStyle/>
-          <a:p>
-            <a:r>
-              <a:rPr lang="en-US" dirty="0" smtClean="0"/>
-              <a:t>Exceptions</a:t>
-            </a:r>
+        <p:spPr>
+          <a:xfrm>
+            <a:off x="231168" y="401293"/>
+            <a:ext cx="3083535" cy="1325563"/>
+          </a:xfrm>
+        </p:spPr>
+        <p:txBody>
+          <a:bodyPr/>
+          <a:lstStyle/>
+          <a:p>
+            <a:r>
+              <a:rPr lang="en-US" dirty="0"/>
+              <a:t>Mocking</a:t>
+            </a:r>
+          </a:p>
+        </p:txBody>
+      </p:sp>
+      <p:sp>
+        <p:nvSpPr>
+          <p:cNvPr id="3" name="Content Placeholder 2"/>
+          <p:cNvSpPr>
+            <a:spLocks noGrp="1"/>
+          </p:cNvSpPr>
+          <p:nvPr>
+            <p:ph idx="1"/>
+          </p:nvPr>
+        </p:nvSpPr>
+        <p:spPr>
+          <a:xfrm>
+            <a:off x="228599" y="3057824"/>
+            <a:ext cx="11807687" cy="3641149"/>
+          </a:xfrm>
+        </p:spPr>
+        <p:txBody>
+          <a:bodyPr>
+            <a:normAutofit lnSpcReduction="10000"/>
+          </a:bodyPr>
+          <a:lstStyle/>
+          <a:p>
+            <a:r>
+              <a:rPr lang="en-US" dirty="0"/>
+              <a:t>When running tests, run a Mock process listening to TCP connections</a:t>
+            </a:r>
+          </a:p>
+          <a:p>
+            <a:r>
+              <a:rPr lang="en-US" dirty="0"/>
+              <a:t>Change in REST the IP address of External to point to Mock</a:t>
+            </a:r>
+          </a:p>
+          <a:p>
+            <a:r>
+              <a:rPr lang="en-US" dirty="0"/>
+              <a:t>From the tests, specify what Mock should return when receiving HTTP messages</a:t>
+            </a:r>
+          </a:p>
+          <a:p>
+            <a:r>
+              <a:rPr lang="en-US" dirty="0"/>
+              <a:t>REST does not know that it is speaking with Mock instead of the real External</a:t>
+            </a:r>
+          </a:p>
+          <a:p>
             <a:endParaRPr lang="en-US" dirty="0"/>
           </a:p>
         </p:txBody>
       </p:sp>
       <p:sp>
         <p:nvSpPr>
-          <p:cNvPr id="3" name="Content Placeholder 2"/>
-          <p:cNvSpPr>
-            <a:spLocks noGrp="1"/>
-          </p:cNvSpPr>
-          <p:nvPr>
-            <p:ph idx="1"/>
-          </p:nvPr>
-        </p:nvSpPr>
-        <p:spPr>
-          <a:xfrm>
-            <a:off x="238897" y="1825624"/>
-            <a:ext cx="11788346" cy="4838787"/>
-          </a:xfrm>
-        </p:spPr>
-        <p:txBody>
-          <a:bodyPr/>
-          <a:lstStyle/>
-          <a:p>
-            <a:r>
-              <a:rPr lang="en-US" dirty="0" smtClean="0"/>
-              <a:t>When an exception is thrown and not caught, Spring creates a 500 HTTP response</a:t>
-            </a:r>
-          </a:p>
-          <a:p>
-            <a:r>
-              <a:rPr lang="en-US" dirty="0" smtClean="0"/>
-              <a:t>When using Wrapped Responses, the format used by Spring might be different from ours, so we might want to override it</a:t>
-            </a:r>
-          </a:p>
-          <a:p>
-            <a:r>
-              <a:rPr lang="en-US" dirty="0" smtClean="0"/>
-              <a:t>Might be cases in which we want to manually throw exceptions, which should results in 400 responses with our Wrapped format</a:t>
-            </a:r>
-            <a:endParaRPr lang="en-US" dirty="0"/>
+          <p:cNvPr id="4" name="Rounded Rectangle 3"/>
+          <p:cNvSpPr/>
+          <p:nvPr/>
+        </p:nvSpPr>
+        <p:spPr>
+          <a:xfrm>
+            <a:off x="3593743" y="606874"/>
+            <a:ext cx="1565189" cy="914400"/>
+          </a:xfrm>
+          <a:prstGeom prst="roundRect">
+            <a:avLst/>
+          </a:prstGeom>
+        </p:spPr>
+        <p:style>
+          <a:lnRef idx="2">
+            <a:schemeClr val="accent4">
+              <a:shade val="50000"/>
+            </a:schemeClr>
+          </a:lnRef>
+          <a:fillRef idx="1">
+            <a:schemeClr val="accent4"/>
+          </a:fillRef>
+          <a:effectRef idx="0">
+            <a:schemeClr val="accent4"/>
+          </a:effectRef>
+          <a:fontRef idx="minor">
+            <a:schemeClr val="lt1"/>
+          </a:fontRef>
+        </p:style>
+        <p:txBody>
+          <a:bodyPr rtlCol="0" anchor="ctr"/>
+          <a:lstStyle/>
+          <a:p>
+            <a:pPr algn="ctr"/>
+            <a:r>
+              <a:rPr lang="en-US" sz="3600" dirty="0"/>
+              <a:t>Client</a:t>
+            </a:r>
+          </a:p>
+        </p:txBody>
+      </p:sp>
+      <p:sp>
+        <p:nvSpPr>
+          <p:cNvPr id="5" name="Rounded Rectangle 4"/>
+          <p:cNvSpPr/>
+          <p:nvPr/>
+        </p:nvSpPr>
+        <p:spPr>
+          <a:xfrm>
+            <a:off x="6555246" y="606874"/>
+            <a:ext cx="1565189" cy="914400"/>
+          </a:xfrm>
+          <a:prstGeom prst="roundRect">
+            <a:avLst/>
+          </a:prstGeom>
+          <a:solidFill>
+            <a:schemeClr val="tx2"/>
+          </a:solidFill>
+        </p:spPr>
+        <p:style>
+          <a:lnRef idx="2">
+            <a:schemeClr val="accent4">
+              <a:shade val="50000"/>
+            </a:schemeClr>
+          </a:lnRef>
+          <a:fillRef idx="1">
+            <a:schemeClr val="accent4"/>
+          </a:fillRef>
+          <a:effectRef idx="0">
+            <a:schemeClr val="accent4"/>
+          </a:effectRef>
+          <a:fontRef idx="minor">
+            <a:schemeClr val="lt1"/>
+          </a:fontRef>
+        </p:style>
+        <p:txBody>
+          <a:bodyPr rtlCol="0" anchor="ctr"/>
+          <a:lstStyle/>
+          <a:p>
+            <a:pPr algn="ctr"/>
+            <a:r>
+              <a:rPr lang="en-US" sz="3600" dirty="0"/>
+              <a:t>REST</a:t>
+            </a:r>
+          </a:p>
+        </p:txBody>
+      </p:sp>
+      <p:sp>
+        <p:nvSpPr>
+          <p:cNvPr id="6" name="Rounded Rectangle 5"/>
+          <p:cNvSpPr/>
+          <p:nvPr/>
+        </p:nvSpPr>
+        <p:spPr>
+          <a:xfrm>
+            <a:off x="9516749" y="602755"/>
+            <a:ext cx="1820562" cy="914400"/>
+          </a:xfrm>
+          <a:prstGeom prst="roundRect">
+            <a:avLst/>
+          </a:prstGeom>
+          <a:solidFill>
+            <a:schemeClr val="tx2">
+              <a:lumMod val="60000"/>
+              <a:lumOff val="40000"/>
+            </a:schemeClr>
+          </a:solidFill>
+        </p:spPr>
+        <p:style>
+          <a:lnRef idx="2">
+            <a:schemeClr val="accent4">
+              <a:shade val="50000"/>
+            </a:schemeClr>
+          </a:lnRef>
+          <a:fillRef idx="1">
+            <a:schemeClr val="accent4"/>
+          </a:fillRef>
+          <a:effectRef idx="0">
+            <a:schemeClr val="accent4"/>
+          </a:effectRef>
+          <a:fontRef idx="minor">
+            <a:schemeClr val="lt1"/>
+          </a:fontRef>
+        </p:style>
+        <p:txBody>
+          <a:bodyPr rtlCol="0" anchor="ctr"/>
+          <a:lstStyle/>
+          <a:p>
+            <a:pPr algn="ctr"/>
+            <a:r>
+              <a:rPr lang="en-US" sz="3600" dirty="0"/>
+              <a:t>External</a:t>
+            </a:r>
+          </a:p>
+        </p:txBody>
+      </p:sp>
+      <p:sp>
+        <p:nvSpPr>
+          <p:cNvPr id="7" name="Left-Right Arrow 6"/>
+          <p:cNvSpPr/>
+          <p:nvPr/>
+        </p:nvSpPr>
+        <p:spPr>
+          <a:xfrm>
+            <a:off x="5249013" y="825918"/>
+            <a:ext cx="1216152" cy="484632"/>
+          </a:xfrm>
+          <a:prstGeom prst="leftRightArrow">
+            <a:avLst/>
+          </a:prstGeom>
+        </p:spPr>
+        <p:style>
+          <a:lnRef idx="2">
+            <a:schemeClr val="accent1">
+              <a:shade val="50000"/>
+            </a:schemeClr>
+          </a:lnRef>
+          <a:fillRef idx="1">
+            <a:schemeClr val="accent1"/>
+          </a:fillRef>
+          <a:effectRef idx="0">
+            <a:schemeClr val="accent1"/>
+          </a:effectRef>
+          <a:fontRef idx="minor">
+            <a:schemeClr val="lt1"/>
+          </a:fontRef>
+        </p:style>
+        <p:txBody>
+          <a:bodyPr rtlCol="0" anchor="ctr"/>
+          <a:lstStyle/>
+          <a:p>
+            <a:pPr algn="ctr"/>
+            <a:endParaRPr lang="en-US"/>
+          </a:p>
+        </p:txBody>
+      </p:sp>
+      <p:sp>
+        <p:nvSpPr>
+          <p:cNvPr id="8" name="Left-Right Arrow 7"/>
+          <p:cNvSpPr/>
+          <p:nvPr/>
+        </p:nvSpPr>
+        <p:spPr>
+          <a:xfrm>
+            <a:off x="8210516" y="825918"/>
+            <a:ext cx="1216152" cy="484632"/>
+          </a:xfrm>
+          <a:prstGeom prst="leftRightArrow">
+            <a:avLst/>
+          </a:prstGeom>
+        </p:spPr>
+        <p:style>
+          <a:lnRef idx="2">
+            <a:schemeClr val="accent1">
+              <a:shade val="50000"/>
+            </a:schemeClr>
+          </a:lnRef>
+          <a:fillRef idx="1">
+            <a:schemeClr val="accent1"/>
+          </a:fillRef>
+          <a:effectRef idx="0">
+            <a:schemeClr val="accent1"/>
+          </a:effectRef>
+          <a:fontRef idx="minor">
+            <a:schemeClr val="lt1"/>
+          </a:fontRef>
+        </p:style>
+        <p:txBody>
+          <a:bodyPr rtlCol="0" anchor="ctr"/>
+          <a:lstStyle/>
+          <a:p>
+            <a:pPr algn="ctr"/>
+            <a:endParaRPr lang="en-US"/>
+          </a:p>
+        </p:txBody>
+      </p:sp>
+      <p:sp>
+        <p:nvSpPr>
+          <p:cNvPr id="9" name="TextBox 8"/>
+          <p:cNvSpPr txBox="1"/>
+          <p:nvPr/>
+        </p:nvSpPr>
+        <p:spPr>
+          <a:xfrm>
+            <a:off x="5519528" y="594517"/>
+            <a:ext cx="675121" cy="369332"/>
+          </a:xfrm>
+          <a:prstGeom prst="rect">
+            <a:avLst/>
+          </a:prstGeom>
+          <a:noFill/>
+        </p:spPr>
+        <p:txBody>
+          <a:bodyPr wrap="none" rtlCol="0">
+            <a:spAutoFit/>
+          </a:bodyPr>
+          <a:lstStyle/>
+          <a:p>
+            <a:r>
+              <a:rPr lang="en-US" dirty="0"/>
+              <a:t>HTTP</a:t>
+            </a:r>
+          </a:p>
+        </p:txBody>
+      </p:sp>
+      <p:sp>
+        <p:nvSpPr>
+          <p:cNvPr id="10" name="TextBox 9"/>
+          <p:cNvSpPr txBox="1"/>
+          <p:nvPr/>
+        </p:nvSpPr>
+        <p:spPr>
+          <a:xfrm>
+            <a:off x="8481031" y="594517"/>
+            <a:ext cx="675121" cy="369332"/>
+          </a:xfrm>
+          <a:prstGeom prst="rect">
+            <a:avLst/>
+          </a:prstGeom>
+          <a:noFill/>
+        </p:spPr>
+        <p:txBody>
+          <a:bodyPr wrap="none" rtlCol="0">
+            <a:spAutoFit/>
+          </a:bodyPr>
+          <a:lstStyle/>
+          <a:p>
+            <a:r>
+              <a:rPr lang="en-US" dirty="0"/>
+              <a:t>HTTP</a:t>
+            </a:r>
+          </a:p>
+        </p:txBody>
+      </p:sp>
+      <p:sp>
+        <p:nvSpPr>
+          <p:cNvPr id="11" name="Rounded Rectangle 10"/>
+          <p:cNvSpPr/>
+          <p:nvPr/>
+        </p:nvSpPr>
+        <p:spPr>
+          <a:xfrm>
+            <a:off x="9516749" y="1928318"/>
+            <a:ext cx="1820562" cy="914400"/>
+          </a:xfrm>
+          <a:prstGeom prst="roundRect">
+            <a:avLst/>
+          </a:prstGeom>
+          <a:solidFill>
+            <a:schemeClr val="tx2">
+              <a:lumMod val="60000"/>
+              <a:lumOff val="40000"/>
+            </a:schemeClr>
+          </a:solidFill>
+        </p:spPr>
+        <p:style>
+          <a:lnRef idx="2">
+            <a:schemeClr val="accent4">
+              <a:shade val="50000"/>
+            </a:schemeClr>
+          </a:lnRef>
+          <a:fillRef idx="1">
+            <a:schemeClr val="accent4"/>
+          </a:fillRef>
+          <a:effectRef idx="0">
+            <a:schemeClr val="accent4"/>
+          </a:effectRef>
+          <a:fontRef idx="minor">
+            <a:schemeClr val="lt1"/>
+          </a:fontRef>
+        </p:style>
+        <p:txBody>
+          <a:bodyPr rtlCol="0" anchor="ctr"/>
+          <a:lstStyle/>
+          <a:p>
+            <a:pPr algn="ctr"/>
+            <a:r>
+              <a:rPr lang="en-US" sz="3600" dirty="0"/>
+              <a:t>Mock</a:t>
+            </a:r>
+          </a:p>
+        </p:txBody>
+      </p:sp>
+      <p:sp>
+        <p:nvSpPr>
+          <p:cNvPr id="12" name="Left-Right Arrow 11"/>
+          <p:cNvSpPr/>
+          <p:nvPr/>
+        </p:nvSpPr>
+        <p:spPr>
+          <a:xfrm rot="2276697">
+            <a:off x="8079270" y="1707945"/>
+            <a:ext cx="1478646" cy="541320"/>
+          </a:xfrm>
+          <a:prstGeom prst="leftRightArrow">
+            <a:avLst/>
+          </a:prstGeom>
+        </p:spPr>
+        <p:style>
+          <a:lnRef idx="2">
+            <a:schemeClr val="accent1">
+              <a:shade val="50000"/>
+            </a:schemeClr>
+          </a:lnRef>
+          <a:fillRef idx="1">
+            <a:schemeClr val="accent1"/>
+          </a:fillRef>
+          <a:effectRef idx="0">
+            <a:schemeClr val="accent1"/>
+          </a:effectRef>
+          <a:fontRef idx="minor">
+            <a:schemeClr val="lt1"/>
+          </a:fontRef>
+        </p:style>
+        <p:txBody>
+          <a:bodyPr rtlCol="0" anchor="ctr"/>
+          <a:lstStyle/>
+          <a:p>
+            <a:pPr algn="ctr"/>
+            <a:endParaRPr lang="en-US"/>
+          </a:p>
+        </p:txBody>
+      </p:sp>
+      <p:sp>
+        <p:nvSpPr>
+          <p:cNvPr id="13" name="Multiply 12"/>
+          <p:cNvSpPr/>
+          <p:nvPr/>
+        </p:nvSpPr>
+        <p:spPr>
+          <a:xfrm>
+            <a:off x="8176749" y="337881"/>
+            <a:ext cx="1391306" cy="1360312"/>
+          </a:xfrm>
+          <a:prstGeom prst="mathMultiply">
+            <a:avLst/>
+          </a:prstGeom>
+        </p:spPr>
+        <p:style>
+          <a:lnRef idx="2">
+            <a:schemeClr val="dk1">
+              <a:shade val="50000"/>
+            </a:schemeClr>
+          </a:lnRef>
+          <a:fillRef idx="1">
+            <a:schemeClr val="dk1"/>
+          </a:fillRef>
+          <a:effectRef idx="0">
+            <a:schemeClr val="dk1"/>
+          </a:effectRef>
+          <a:fontRef idx="minor">
+            <a:schemeClr val="lt1"/>
+          </a:fontRef>
+        </p:style>
+        <p:txBody>
+          <a:bodyPr rtlCol="0" anchor="ctr"/>
+          <a:lstStyle/>
+          <a:p>
+            <a:pPr algn="ctr"/>
+            <a:endParaRPr lang="en-US"/>
           </a:p>
         </p:txBody>
       </p:sp>
     </p:spTree>
     <p:extLst>
       <p:ext uri="{BB962C8B-B14F-4D97-AF65-F5344CB8AC3E}">
-        <p14:creationId xmlns:p14="http://schemas.microsoft.com/office/powerpoint/2010/main" val="600415724"/>
+        <p14:creationId xmlns:p14="http://schemas.microsoft.com/office/powerpoint/2010/main" val="2571817231"/>
       </p:ext>
     </p:extLst>
   </p:cSld>
@@ -4846,95 +4969,97 @@
           <a:lstStyle/>
           <a:p>
             <a:r>
-              <a:rPr lang="en-US" dirty="0" smtClean="0"/>
-              <a:t>Overriding Spring Defaults</a:t>
-            </a:r>
+              <a:rPr lang="en-US" dirty="0"/>
+              <a:t>Benefits</a:t>
+            </a:r>
+          </a:p>
+        </p:txBody>
+      </p:sp>
+      <p:sp>
+        <p:nvSpPr>
+          <p:cNvPr id="3" name="Content Placeholder 2"/>
+          <p:cNvSpPr>
+            <a:spLocks noGrp="1"/>
+          </p:cNvSpPr>
+          <p:nvPr>
+            <p:ph idx="1"/>
+          </p:nvPr>
+        </p:nvSpPr>
+        <p:spPr>
+          <a:xfrm>
+            <a:off x="278296" y="1878495"/>
+            <a:ext cx="11698356" cy="4740965"/>
+          </a:xfrm>
+        </p:spPr>
+        <p:txBody>
+          <a:bodyPr>
+            <a:normAutofit/>
+          </a:bodyPr>
+          <a:lstStyle/>
+          <a:p>
+            <a:r>
+              <a:rPr lang="en-US" dirty="0"/>
+              <a:t>Tests become </a:t>
+            </a:r>
+            <a:r>
+              <a:rPr lang="en-US" i="1" dirty="0"/>
+              <a:t>deterministic</a:t>
+            </a:r>
+          </a:p>
+          <a:p>
+            <a:pPr lvl="1"/>
+            <a:r>
+              <a:rPr lang="en-US" dirty="0"/>
+              <a:t>do not need to worry of network and External’s state (</a:t>
+            </a:r>
+            <a:r>
+              <a:rPr lang="en-US" dirty="0" err="1"/>
+              <a:t>eg</a:t>
+            </a:r>
+            <a:r>
+              <a:rPr lang="en-US" dirty="0"/>
+              <a:t> its database)</a:t>
+            </a:r>
+          </a:p>
+          <a:p>
+            <a:r>
+              <a:rPr lang="en-US" dirty="0"/>
+              <a:t>Can easily test scenarios which would be hard to configure for External </a:t>
+            </a:r>
+          </a:p>
+          <a:p>
+            <a:pPr lvl="1"/>
+            <a:r>
+              <a:rPr lang="en-US" dirty="0" err="1"/>
+              <a:t>eg</a:t>
+            </a:r>
+            <a:r>
+              <a:rPr lang="en-US" dirty="0"/>
+              <a:t>, special rare responses</a:t>
+            </a:r>
+          </a:p>
+          <a:p>
+            <a:r>
+              <a:rPr lang="en-US" dirty="0"/>
+              <a:t>Can implement and test our REST even if External is not working/implemented yet</a:t>
+            </a:r>
+          </a:p>
+          <a:p>
+            <a:pPr lvl="1"/>
+            <a:r>
+              <a:rPr lang="en-US" dirty="0"/>
+              <a:t>Example: 2 students writing 2 REST APIs. First student can implement and test X which depends on Y, even if other student is not done with Y yet</a:t>
+            </a:r>
+          </a:p>
+          <a:p>
             <a:endParaRPr lang="en-US" dirty="0"/>
-          </a:p>
-        </p:txBody>
-      </p:sp>
-      <p:sp>
-        <p:nvSpPr>
-          <p:cNvPr id="3" name="Content Placeholder 2"/>
-          <p:cNvSpPr>
-            <a:spLocks noGrp="1"/>
-          </p:cNvSpPr>
-          <p:nvPr>
-            <p:ph idx="1"/>
-          </p:nvPr>
-        </p:nvSpPr>
-        <p:spPr>
-          <a:xfrm>
-            <a:off x="263611" y="1825624"/>
-            <a:ext cx="11705967" cy="4879976"/>
-          </a:xfrm>
-        </p:spPr>
-        <p:txBody>
-          <a:bodyPr/>
-          <a:lstStyle/>
-          <a:p>
-            <a:r>
-              <a:rPr lang="en-US" dirty="0" smtClean="0"/>
-              <a:t>To change how Spring deals with exceptions, we can create a bean tagged </a:t>
-            </a:r>
-            <a:r>
-              <a:rPr lang="en-US" dirty="0"/>
-              <a:t>with </a:t>
-            </a:r>
-            <a:r>
-              <a:rPr lang="en-US" i="1" dirty="0"/>
-              <a:t>@</a:t>
-            </a:r>
-            <a:r>
-              <a:rPr lang="en-US" i="1" dirty="0" err="1" smtClean="0"/>
-              <a:t>ControllerAdvice</a:t>
-            </a:r>
-            <a:r>
-              <a:rPr lang="en-US" i="1" dirty="0" smtClean="0"/>
-              <a:t>, </a:t>
-            </a:r>
-            <a:r>
-              <a:rPr lang="en-US" dirty="0"/>
-              <a:t>extending </a:t>
-            </a:r>
-            <a:r>
-              <a:rPr lang="en-US" i="1" dirty="0" err="1" smtClean="0"/>
-              <a:t>ResponseEntityExceptionHandler</a:t>
-            </a:r>
-            <a:endParaRPr lang="en-US" i="1" dirty="0" smtClean="0"/>
-          </a:p>
-          <a:p>
-            <a:endParaRPr lang="en-US" dirty="0" smtClean="0"/>
-          </a:p>
-          <a:p>
-            <a:r>
-              <a:rPr lang="en-US" dirty="0" smtClean="0"/>
-              <a:t>Can have different exception handlers by using </a:t>
-            </a:r>
-            <a:r>
-              <a:rPr lang="en-US" dirty="0"/>
-              <a:t>annotation </a:t>
-            </a:r>
-            <a:r>
-              <a:rPr lang="en-US" i="1" dirty="0"/>
-              <a:t>@</a:t>
-            </a:r>
-            <a:r>
-              <a:rPr lang="en-US" i="1" dirty="0" err="1" smtClean="0"/>
-              <a:t>ExceptionHandler</a:t>
-            </a:r>
-            <a:r>
-              <a:rPr lang="en-US" dirty="0" smtClean="0"/>
-              <a:t> on different methods</a:t>
-            </a:r>
-            <a:endParaRPr lang="en-US" i="1" dirty="0"/>
           </a:p>
         </p:txBody>
       </p:sp>
     </p:spTree>
     <p:extLst>
       <p:ext uri="{BB962C8B-B14F-4D97-AF65-F5344CB8AC3E}">
-        <p14:creationId xmlns:p14="http://schemas.microsoft.com/office/powerpoint/2010/main" val="3767478142"/>
+        <p14:creationId xmlns:p14="http://schemas.microsoft.com/office/powerpoint/2010/main" val="4108955042"/>
       </p:ext>
     </p:extLst>
   </p:cSld>
@@ -4963,7 +5088,7 @@
       </p:grpSpPr>
       <p:sp>
         <p:nvSpPr>
-          <p:cNvPr id="4" name="Title 3"/>
+          <p:cNvPr id="2" name="Title 1"/>
           <p:cNvSpPr>
             <a:spLocks noGrp="1"/>
           </p:cNvSpPr>
@@ -4977,36 +5102,94 @@
           <a:lstStyle/>
           <a:p>
             <a:r>
-              <a:rPr lang="en-US" dirty="0" smtClean="0"/>
-              <a:t>Service Mocking</a:t>
-            </a:r>
-            <a:endParaRPr lang="en-US" dirty="0"/>
-          </a:p>
-        </p:txBody>
-      </p:sp>
-      <p:sp>
-        <p:nvSpPr>
-          <p:cNvPr id="5" name="Text Placeholder 4"/>
-          <p:cNvSpPr>
-            <a:spLocks noGrp="1"/>
-          </p:cNvSpPr>
-          <p:nvPr>
-            <p:ph type="body" idx="1"/>
-          </p:nvPr>
-        </p:nvSpPr>
-        <p:spPr/>
-        <p:txBody>
-          <a:bodyPr/>
-          <a:lstStyle/>
-          <a:p>
-            <a:endParaRPr lang="en-US"/>
+              <a:rPr lang="en-US" dirty="0"/>
+              <a:t>Downsides</a:t>
+            </a:r>
+          </a:p>
+        </p:txBody>
+      </p:sp>
+      <p:sp>
+        <p:nvSpPr>
+          <p:cNvPr id="3" name="Content Placeholder 2"/>
+          <p:cNvSpPr>
+            <a:spLocks noGrp="1"/>
+          </p:cNvSpPr>
+          <p:nvPr>
+            <p:ph idx="1"/>
+          </p:nvPr>
+        </p:nvSpPr>
+        <p:spPr>
+          <a:xfrm>
+            <a:off x="288235" y="1825624"/>
+            <a:ext cx="11658600" cy="4873350"/>
+          </a:xfrm>
+        </p:spPr>
+        <p:txBody>
+          <a:bodyPr>
+            <a:normAutofit/>
+          </a:bodyPr>
+          <a:lstStyle/>
+          <a:p>
+            <a:r>
+              <a:rPr lang="en-US" dirty="0"/>
+              <a:t>We are not testing how REST would behave in a real context, but in what is our </a:t>
+            </a:r>
+            <a:r>
+              <a:rPr lang="en-US" i="1" dirty="0"/>
+              <a:t>expectation</a:t>
+            </a:r>
+            <a:r>
+              <a:rPr lang="en-US" dirty="0"/>
+              <a:t> of how External interacts with it</a:t>
+            </a:r>
+          </a:p>
+          <a:p>
+            <a:r>
+              <a:rPr lang="en-US" dirty="0"/>
+              <a:t>If lots of interactions, might need to write a lot of mocked responses</a:t>
+            </a:r>
+          </a:p>
+          <a:p>
+            <a:r>
+              <a:rPr lang="en-US" dirty="0"/>
+              <a:t>If External does change often, then </a:t>
+            </a:r>
+            <a:r>
+              <a:rPr lang="en-US" i="1" dirty="0"/>
+              <a:t>maintaining</a:t>
+            </a:r>
+            <a:r>
+              <a:rPr lang="en-US" dirty="0"/>
+              <a:t> the mocks becomes expensive</a:t>
+            </a:r>
+          </a:p>
+          <a:p>
+            <a:r>
+              <a:rPr lang="en-US" dirty="0"/>
+              <a:t>Still need some </a:t>
+            </a:r>
+            <a:r>
+              <a:rPr lang="en-US" i="1" dirty="0"/>
+              <a:t>live</a:t>
+            </a:r>
+            <a:r>
+              <a:rPr lang="en-US" dirty="0"/>
+              <a:t> tests with real External anyways</a:t>
+            </a:r>
+          </a:p>
+          <a:p>
+            <a:pPr lvl="1"/>
+            <a:r>
+              <a:rPr lang="en-US" dirty="0"/>
+              <a:t>but those will be handled specially</a:t>
+            </a:r>
           </a:p>
         </p:txBody>
       </p:sp>
     </p:spTree>
     <p:extLst>
       <p:ext uri="{BB962C8B-B14F-4D97-AF65-F5344CB8AC3E}">
-        <p14:creationId xmlns:p14="http://schemas.microsoft.com/office/powerpoint/2010/main" val="1266716433"/>
+        <p14:creationId xmlns:p14="http://schemas.microsoft.com/office/powerpoint/2010/main" val="2078437688"/>
       </p:ext>
     </p:extLst>
   </p:cSld>
@@ -5035,7 +5218,7 @@
       </p:grpSpPr>
       <p:sp>
         <p:nvSpPr>
-          <p:cNvPr id="2" name="Title 1"/>
+          <p:cNvPr id="4" name="Title 3"/>
           <p:cNvSpPr>
             <a:spLocks noGrp="1"/>
           </p:cNvSpPr>
@@ -5043,370 +5226,41 @@
             <p:ph type="title"/>
           </p:nvPr>
         </p:nvSpPr>
-        <p:spPr>
-          <a:xfrm>
-            <a:off x="838200" y="101514"/>
-            <a:ext cx="10515600" cy="1183589"/>
-          </a:xfrm>
-        </p:spPr>
-        <p:txBody>
-          <a:bodyPr>
-            <a:normAutofit/>
-          </a:bodyPr>
-          <a:lstStyle/>
-          <a:p>
-            <a:r>
-              <a:rPr lang="en-US" dirty="0" smtClean="0"/>
-              <a:t>External Dependencies</a:t>
-            </a:r>
-            <a:endParaRPr lang="en-US" dirty="0"/>
-          </a:p>
-        </p:txBody>
-      </p:sp>
-      <p:sp>
-        <p:nvSpPr>
-          <p:cNvPr id="3" name="Content Placeholder 2"/>
-          <p:cNvSpPr>
-            <a:spLocks noGrp="1"/>
-          </p:cNvSpPr>
-          <p:nvPr>
-            <p:ph idx="1"/>
-          </p:nvPr>
-        </p:nvSpPr>
-        <p:spPr>
-          <a:xfrm>
-            <a:off x="263611" y="2937528"/>
-            <a:ext cx="11722443" cy="3825737"/>
-          </a:xfrm>
-        </p:spPr>
-        <p:txBody>
-          <a:bodyPr/>
-          <a:lstStyle/>
-          <a:p>
-            <a:r>
-              <a:rPr lang="en-US" dirty="0" smtClean="0"/>
-              <a:t>A client calls our REST, and we need to call an external service to compute our response</a:t>
-            </a:r>
-          </a:p>
-          <a:p>
-            <a:r>
-              <a:rPr lang="en-US" dirty="0" smtClean="0"/>
-              <a:t>What if the external service is currently down?</a:t>
-            </a:r>
-          </a:p>
-          <a:p>
-            <a:r>
-              <a:rPr lang="en-US" dirty="0" smtClean="0"/>
-              <a:t>What if the external service has a temporary bug?</a:t>
-            </a:r>
-          </a:p>
+        <p:spPr/>
+        <p:txBody>
+          <a:bodyPr/>
+          <a:lstStyle/>
           <a:p>
             <a:r>
               <a:rPr lang="en-US" dirty="0"/>
-              <a:t>Test cases have to be </a:t>
-            </a:r>
-            <a:r>
-              <a:rPr lang="en-US" i="1" dirty="0" smtClean="0"/>
-              <a:t>deterministic</a:t>
-            </a:r>
-          </a:p>
-          <a:p>
-            <a:r>
-              <a:rPr lang="en-US" dirty="0" smtClean="0"/>
-              <a:t>External service poses a major challenge for testing</a:t>
-            </a:r>
-            <a:endParaRPr lang="en-US" dirty="0"/>
-          </a:p>
-          <a:p>
-            <a:endParaRPr lang="en-US" dirty="0"/>
-          </a:p>
-        </p:txBody>
-      </p:sp>
-      <p:sp>
-        <p:nvSpPr>
-          <p:cNvPr id="4" name="Rounded Rectangle 3"/>
-          <p:cNvSpPr/>
-          <p:nvPr/>
-        </p:nvSpPr>
-        <p:spPr>
-          <a:xfrm>
-            <a:off x="2026507" y="1546653"/>
-            <a:ext cx="1565189" cy="914400"/>
-          </a:xfrm>
-          <a:prstGeom prst="roundRect">
-            <a:avLst/>
-          </a:prstGeom>
-        </p:spPr>
-        <p:style>
-          <a:lnRef idx="2">
-            <a:schemeClr val="accent4">
-              <a:shade val="50000"/>
-            </a:schemeClr>
-          </a:lnRef>
-          <a:fillRef idx="1">
-            <a:schemeClr val="accent4"/>
-          </a:fillRef>
-          <a:effectRef idx="0">
-            <a:schemeClr val="accent4"/>
-          </a:effectRef>
-          <a:fontRef idx="minor">
-            <a:schemeClr val="lt1"/>
-          </a:fontRef>
-        </p:style>
-        <p:txBody>
-          <a:bodyPr rtlCol="0" anchor="ctr"/>
-          <a:lstStyle/>
-          <a:p>
-            <a:pPr algn="ctr"/>
-            <a:r>
-              <a:rPr lang="en-US" sz="3600" dirty="0" smtClean="0"/>
-              <a:t>Client</a:t>
-            </a:r>
-            <a:endParaRPr lang="en-US" sz="3600" dirty="0"/>
-          </a:p>
-        </p:txBody>
-      </p:sp>
-      <p:sp>
-        <p:nvSpPr>
-          <p:cNvPr id="5" name="Rounded Rectangle 4"/>
-          <p:cNvSpPr/>
-          <p:nvPr/>
-        </p:nvSpPr>
-        <p:spPr>
-          <a:xfrm>
-            <a:off x="4988010" y="1546653"/>
-            <a:ext cx="1565189" cy="914400"/>
-          </a:xfrm>
-          <a:prstGeom prst="roundRect">
-            <a:avLst/>
-          </a:prstGeom>
-          <a:solidFill>
-            <a:schemeClr val="tx2"/>
-          </a:solidFill>
-        </p:spPr>
-        <p:style>
-          <a:lnRef idx="2">
-            <a:schemeClr val="accent4">
-              <a:shade val="50000"/>
-            </a:schemeClr>
-          </a:lnRef>
-          <a:fillRef idx="1">
-            <a:schemeClr val="accent4"/>
-          </a:fillRef>
-          <a:effectRef idx="0">
-            <a:schemeClr val="accent4"/>
-          </a:effectRef>
-          <a:fontRef idx="minor">
-            <a:schemeClr val="lt1"/>
-          </a:fontRef>
-        </p:style>
-        <p:txBody>
-          <a:bodyPr rtlCol="0" anchor="ctr"/>
-          <a:lstStyle/>
-          <a:p>
-            <a:pPr algn="ctr"/>
-            <a:r>
-              <a:rPr lang="en-US" sz="3600" dirty="0" smtClean="0"/>
-              <a:t>REST</a:t>
-            </a:r>
-            <a:endParaRPr lang="en-US" sz="3600" dirty="0"/>
-          </a:p>
-        </p:txBody>
-      </p:sp>
-      <p:sp>
-        <p:nvSpPr>
-          <p:cNvPr id="6" name="Rounded Rectangle 5"/>
-          <p:cNvSpPr/>
-          <p:nvPr/>
-        </p:nvSpPr>
-        <p:spPr>
-          <a:xfrm>
-            <a:off x="7949513" y="1542534"/>
-            <a:ext cx="1820562" cy="914400"/>
-          </a:xfrm>
-          <a:prstGeom prst="roundRect">
-            <a:avLst/>
-          </a:prstGeom>
-          <a:solidFill>
-            <a:schemeClr val="tx2">
-              <a:lumMod val="60000"/>
-              <a:lumOff val="40000"/>
-            </a:schemeClr>
-          </a:solidFill>
-        </p:spPr>
-        <p:style>
-          <a:lnRef idx="2">
-            <a:schemeClr val="accent4">
-              <a:shade val="50000"/>
-            </a:schemeClr>
-          </a:lnRef>
-          <a:fillRef idx="1">
-            <a:schemeClr val="accent4"/>
-          </a:fillRef>
-          <a:effectRef idx="0">
-            <a:schemeClr val="accent4"/>
-          </a:effectRef>
-          <a:fontRef idx="minor">
-            <a:schemeClr val="lt1"/>
-          </a:fontRef>
-        </p:style>
-        <p:txBody>
-          <a:bodyPr rtlCol="0" anchor="ctr"/>
-          <a:lstStyle/>
-          <a:p>
-            <a:pPr algn="ctr"/>
-            <a:r>
-              <a:rPr lang="en-US" sz="3600" dirty="0" smtClean="0"/>
-              <a:t>External</a:t>
-            </a:r>
-            <a:endParaRPr lang="en-US" sz="3600" dirty="0"/>
-          </a:p>
-        </p:txBody>
-      </p:sp>
-      <p:sp>
-        <p:nvSpPr>
-          <p:cNvPr id="7" name="Left-Right Arrow 6"/>
-          <p:cNvSpPr/>
-          <p:nvPr/>
-        </p:nvSpPr>
-        <p:spPr>
-          <a:xfrm>
-            <a:off x="3681777" y="1765697"/>
-            <a:ext cx="1216152" cy="484632"/>
-          </a:xfrm>
-          <a:prstGeom prst="leftRightArrow">
-            <a:avLst/>
-          </a:prstGeom>
-        </p:spPr>
-        <p:style>
-          <a:lnRef idx="2">
-            <a:schemeClr val="accent1">
-              <a:shade val="50000"/>
-            </a:schemeClr>
-          </a:lnRef>
-          <a:fillRef idx="1">
-            <a:schemeClr val="accent1"/>
-          </a:fillRef>
-          <a:effectRef idx="0">
-            <a:schemeClr val="accent1"/>
-          </a:effectRef>
-          <a:fontRef idx="minor">
-            <a:schemeClr val="lt1"/>
-          </a:fontRef>
-        </p:style>
-        <p:txBody>
-          <a:bodyPr rtlCol="0" anchor="ctr"/>
-          <a:lstStyle/>
-          <a:p>
-            <a:pPr algn="ctr"/>
+              <a:t>Circuit Breaker</a:t>
+            </a:r>
+          </a:p>
+        </p:txBody>
+      </p:sp>
+      <p:sp>
+        <p:nvSpPr>
+          <p:cNvPr id="5" name="Text Placeholder 4"/>
+          <p:cNvSpPr>
+            <a:spLocks noGrp="1"/>
+          </p:cNvSpPr>
+          <p:nvPr>
+            <p:ph type="body" idx="1"/>
+          </p:nvPr>
+        </p:nvSpPr>
+        <p:spPr/>
+        <p:txBody>
+          <a:bodyPr/>
+          <a:lstStyle/>
+          <a:p>
             <a:endParaRPr lang="en-US"/>
-          </a:p>
-        </p:txBody>
-      </p:sp>
-      <p:sp>
-        <p:nvSpPr>
-          <p:cNvPr id="8" name="Left-Right Arrow 7"/>
-          <p:cNvSpPr/>
-          <p:nvPr/>
-        </p:nvSpPr>
-        <p:spPr>
-          <a:xfrm>
-            <a:off x="6643280" y="1765697"/>
-            <a:ext cx="1216152" cy="484632"/>
-          </a:xfrm>
-          <a:prstGeom prst="leftRightArrow">
-            <a:avLst/>
-          </a:prstGeom>
-        </p:spPr>
-        <p:style>
-          <a:lnRef idx="2">
-            <a:schemeClr val="accent1">
-              <a:shade val="50000"/>
-            </a:schemeClr>
-          </a:lnRef>
-          <a:fillRef idx="1">
-            <a:schemeClr val="accent1"/>
-          </a:fillRef>
-          <a:effectRef idx="0">
-            <a:schemeClr val="accent1"/>
-          </a:effectRef>
-          <a:fontRef idx="minor">
-            <a:schemeClr val="lt1"/>
-          </a:fontRef>
-        </p:style>
-        <p:txBody>
-          <a:bodyPr rtlCol="0" anchor="ctr"/>
-          <a:lstStyle/>
-          <a:p>
-            <a:pPr algn="ctr"/>
-            <a:endParaRPr lang="en-US"/>
-          </a:p>
-        </p:txBody>
-      </p:sp>
-      <p:sp>
-        <p:nvSpPr>
-          <p:cNvPr id="9" name="TextBox 8"/>
-          <p:cNvSpPr txBox="1"/>
-          <p:nvPr/>
-        </p:nvSpPr>
-        <p:spPr>
-          <a:xfrm>
-            <a:off x="3952292" y="1534296"/>
-            <a:ext cx="675121" cy="369332"/>
-          </a:xfrm>
-          <a:prstGeom prst="rect">
-            <a:avLst/>
-          </a:prstGeom>
-          <a:noFill/>
-        </p:spPr>
-        <p:txBody>
-          <a:bodyPr wrap="none" rtlCol="0">
-            <a:spAutoFit/>
-          </a:bodyPr>
-          <a:lstStyle/>
-          <a:p>
-            <a:r>
-              <a:rPr lang="en-US" dirty="0" smtClean="0"/>
-              <a:t>HTTP</a:t>
-            </a:r>
-            <a:endParaRPr lang="en-US" dirty="0"/>
-          </a:p>
-        </p:txBody>
-      </p:sp>
-      <p:sp>
-        <p:nvSpPr>
-          <p:cNvPr id="10" name="TextBox 9"/>
-          <p:cNvSpPr txBox="1"/>
-          <p:nvPr/>
-        </p:nvSpPr>
-        <p:spPr>
-          <a:xfrm>
-            <a:off x="6913795" y="1534296"/>
-            <a:ext cx="675121" cy="369332"/>
-          </a:xfrm>
-          <a:prstGeom prst="rect">
-            <a:avLst/>
-          </a:prstGeom>
-          <a:noFill/>
-        </p:spPr>
-        <p:txBody>
-          <a:bodyPr wrap="none" rtlCol="0">
-            <a:spAutoFit/>
-          </a:bodyPr>
-          <a:lstStyle/>
-          <a:p>
-            <a:r>
-              <a:rPr lang="en-US" dirty="0" smtClean="0"/>
-              <a:t>HTTP</a:t>
-            </a:r>
-            <a:endParaRPr lang="en-US" dirty="0"/>
           </a:p>
         </p:txBody>
       </p:sp>
     </p:spTree>
     <p:extLst>
       <p:ext uri="{BB962C8B-B14F-4D97-AF65-F5344CB8AC3E}">
-        <p14:creationId xmlns:p14="http://schemas.microsoft.com/office/powerpoint/2010/main" val="1112638404"/>
+        <p14:creationId xmlns:p14="http://schemas.microsoft.com/office/powerpoint/2010/main" val="2271639354"/>
       </p:ext>
     </p:extLst>
   </p:cSld>
@@ -5445,303 +5299,62 @@
         </p:nvSpPr>
         <p:spPr>
           <a:xfrm>
-            <a:off x="231168" y="401293"/>
-            <a:ext cx="3083535" cy="1325563"/>
-          </a:xfrm>
-        </p:spPr>
-        <p:txBody>
-          <a:bodyPr/>
-          <a:lstStyle/>
-          <a:p>
-            <a:r>
-              <a:rPr lang="en-US" dirty="0" smtClean="0"/>
-              <a:t>Mocking</a:t>
-            </a:r>
-            <a:endParaRPr lang="en-US" dirty="0"/>
-          </a:p>
-        </p:txBody>
-      </p:sp>
-      <p:sp>
-        <p:nvSpPr>
-          <p:cNvPr id="3" name="Content Placeholder 2"/>
-          <p:cNvSpPr>
-            <a:spLocks noGrp="1"/>
-          </p:cNvSpPr>
+            <a:off x="838200" y="365125"/>
+            <a:ext cx="7749209" cy="1325563"/>
+          </a:xfrm>
+        </p:spPr>
+        <p:txBody>
+          <a:bodyPr>
+            <a:normAutofit/>
+          </a:bodyPr>
+          <a:lstStyle/>
+          <a:p>
+            <a:r>
+              <a:rPr lang="en-US" dirty="0"/>
+              <a:t>Circuit Breaker</a:t>
+            </a:r>
+          </a:p>
+        </p:txBody>
+      </p:sp>
+      <p:pic>
+        <p:nvPicPr>
+          <p:cNvPr id="6" name="Content Placeholder 5"/>
+          <p:cNvPicPr>
+            <a:picLocks noGrp="1" noChangeAspect="1"/>
+          </p:cNvPicPr>
           <p:nvPr>
             <p:ph idx="1"/>
           </p:nvPr>
-        </p:nvSpPr>
-        <p:spPr>
-          <a:xfrm>
-            <a:off x="228599" y="3057824"/>
-            <a:ext cx="11807687" cy="3641149"/>
-          </a:xfrm>
-        </p:spPr>
-        <p:txBody>
-          <a:bodyPr>
-            <a:normAutofit lnSpcReduction="10000"/>
-          </a:bodyPr>
-          <a:lstStyle/>
-          <a:p>
-            <a:r>
-              <a:rPr lang="en-US" dirty="0" smtClean="0"/>
-              <a:t>When running tests, run a Mock process listening to TCP connections</a:t>
-            </a:r>
-          </a:p>
-          <a:p>
-            <a:r>
-              <a:rPr lang="en-US" dirty="0" smtClean="0"/>
-              <a:t>Change in REST the IP address of External to point to Mock</a:t>
-            </a:r>
-          </a:p>
-          <a:p>
-            <a:r>
-              <a:rPr lang="en-US" dirty="0" smtClean="0"/>
-              <a:t>From the tests, specify what Mock should return when receiving HTTP messages</a:t>
-            </a:r>
-          </a:p>
-          <a:p>
-            <a:r>
-              <a:rPr lang="en-US" dirty="0" smtClean="0"/>
-              <a:t>REST does not know that it is speaking with Mock instead of the real External</a:t>
-            </a:r>
-          </a:p>
-          <a:p>
-            <a:endParaRPr lang="en-US" dirty="0"/>
-          </a:p>
-        </p:txBody>
-      </p:sp>
-      <p:sp>
-        <p:nvSpPr>
-          <p:cNvPr id="4" name="Rounded Rectangle 3"/>
-          <p:cNvSpPr/>
-          <p:nvPr/>
-        </p:nvSpPr>
-        <p:spPr>
-          <a:xfrm>
-            <a:off x="3593743" y="606874"/>
-            <a:ext cx="1565189" cy="914400"/>
-          </a:xfrm>
-          <a:prstGeom prst="roundRect">
-            <a:avLst/>
-          </a:prstGeom>
-        </p:spPr>
-        <p:style>
-          <a:lnRef idx="2">
-            <a:schemeClr val="accent4">
-              <a:shade val="50000"/>
-            </a:schemeClr>
-          </a:lnRef>
-          <a:fillRef idx="1">
-            <a:schemeClr val="accent4"/>
-          </a:fillRef>
-          <a:effectRef idx="0">
-            <a:schemeClr val="accent4"/>
-          </a:effectRef>
-          <a:fontRef idx="minor">
-            <a:schemeClr val="lt1"/>
-          </a:fontRef>
-        </p:style>
-        <p:txBody>
-          <a:bodyPr rtlCol="0" anchor="ctr"/>
-          <a:lstStyle/>
-          <a:p>
-            <a:pPr algn="ctr"/>
-            <a:r>
-              <a:rPr lang="en-US" sz="3600" dirty="0" smtClean="0"/>
-              <a:t>Client</a:t>
-            </a:r>
-            <a:endParaRPr lang="en-US" sz="3600" dirty="0"/>
-          </a:p>
-        </p:txBody>
-      </p:sp>
-      <p:sp>
-        <p:nvSpPr>
-          <p:cNvPr id="5" name="Rounded Rectangle 4"/>
-          <p:cNvSpPr/>
-          <p:nvPr/>
-        </p:nvSpPr>
-        <p:spPr>
-          <a:xfrm>
-            <a:off x="6555246" y="606874"/>
-            <a:ext cx="1565189" cy="914400"/>
-          </a:xfrm>
-          <a:prstGeom prst="roundRect">
-            <a:avLst/>
-          </a:prstGeom>
-          <a:solidFill>
-            <a:schemeClr val="tx2"/>
-          </a:solidFill>
-        </p:spPr>
-        <p:style>
-          <a:lnRef idx="2">
-            <a:schemeClr val="accent4">
-              <a:shade val="50000"/>
-            </a:schemeClr>
-          </a:lnRef>
-          <a:fillRef idx="1">
-            <a:schemeClr val="accent4"/>
-          </a:fillRef>
-          <a:effectRef idx="0">
-            <a:schemeClr val="accent4"/>
-          </a:effectRef>
-          <a:fontRef idx="minor">
-            <a:schemeClr val="lt1"/>
-          </a:fontRef>
-        </p:style>
-        <p:txBody>
-          <a:bodyPr rtlCol="0" anchor="ctr"/>
-          <a:lstStyle/>
-          <a:p>
-            <a:pPr algn="ctr"/>
-            <a:r>
-              <a:rPr lang="en-US" sz="3600" dirty="0" smtClean="0"/>
-              <a:t>REST</a:t>
-            </a:r>
-            <a:endParaRPr lang="en-US" sz="3600" dirty="0"/>
-          </a:p>
-        </p:txBody>
-      </p:sp>
-      <p:sp>
-        <p:nvSpPr>
-          <p:cNvPr id="6" name="Rounded Rectangle 5"/>
-          <p:cNvSpPr/>
-          <p:nvPr/>
-        </p:nvSpPr>
-        <p:spPr>
-          <a:xfrm>
-            <a:off x="9516749" y="602755"/>
-            <a:ext cx="1820562" cy="914400"/>
-          </a:xfrm>
-          <a:prstGeom prst="roundRect">
-            <a:avLst/>
-          </a:prstGeom>
-          <a:solidFill>
-            <a:schemeClr val="tx2">
-              <a:lumMod val="60000"/>
-              <a:lumOff val="40000"/>
-            </a:schemeClr>
-          </a:solidFill>
-        </p:spPr>
-        <p:style>
-          <a:lnRef idx="2">
-            <a:schemeClr val="accent4">
-              <a:shade val="50000"/>
-            </a:schemeClr>
-          </a:lnRef>
-          <a:fillRef idx="1">
-            <a:schemeClr val="accent4"/>
-          </a:fillRef>
-          <a:effectRef idx="0">
-            <a:schemeClr val="accent4"/>
-          </a:effectRef>
-          <a:fontRef idx="minor">
-            <a:schemeClr val="lt1"/>
-          </a:fontRef>
-        </p:style>
-        <p:txBody>
-          <a:bodyPr rtlCol="0" anchor="ctr"/>
-          <a:lstStyle/>
-          <a:p>
-            <a:pPr algn="ctr"/>
-            <a:r>
-              <a:rPr lang="en-US" sz="3600" dirty="0" smtClean="0"/>
-              <a:t>External</a:t>
-            </a:r>
-            <a:endParaRPr lang="en-US" sz="3600" dirty="0"/>
-          </a:p>
-        </p:txBody>
-      </p:sp>
-      <p:sp>
-        <p:nvSpPr>
-          <p:cNvPr id="7" name="Left-Right Arrow 6"/>
-          <p:cNvSpPr/>
-          <p:nvPr/>
-        </p:nvSpPr>
-        <p:spPr>
-          <a:xfrm>
-            <a:off x="5249013" y="825918"/>
-            <a:ext cx="1216152" cy="484632"/>
-          </a:xfrm>
-          <a:prstGeom prst="leftRightArrow">
-            <a:avLst/>
-          </a:prstGeom>
-        </p:spPr>
-        <p:style>
-          <a:lnRef idx="2">
-            <a:schemeClr val="accent1">
-              <a:shade val="50000"/>
-            </a:schemeClr>
-          </a:lnRef>
-          <a:fillRef idx="1">
-            <a:schemeClr val="accent1"/>
-          </a:fillRef>
-          <a:effectRef idx="0">
-            <a:schemeClr val="accent1"/>
-          </a:effectRef>
-          <a:fontRef idx="minor">
-            <a:schemeClr val="lt1"/>
-          </a:fontRef>
-        </p:style>
-        <p:txBody>
-          <a:bodyPr rtlCol="0" anchor="ctr"/>
-          <a:lstStyle/>
-          <a:p>
-            <a:pPr algn="ctr"/>
-            <a:endParaRPr lang="en-US"/>
-          </a:p>
-        </p:txBody>
-      </p:sp>
-      <p:sp>
-        <p:nvSpPr>
-          <p:cNvPr id="8" name="Left-Right Arrow 7"/>
-          <p:cNvSpPr/>
-          <p:nvPr/>
-        </p:nvSpPr>
-        <p:spPr>
-          <a:xfrm>
-            <a:off x="8210516" y="825918"/>
-            <a:ext cx="1216152" cy="484632"/>
-          </a:xfrm>
-          <a:prstGeom prst="leftRightArrow">
-            <a:avLst/>
-          </a:prstGeom>
-        </p:spPr>
-        <p:style>
-          <a:lnRef idx="2">
-            <a:schemeClr val="accent1">
-              <a:shade val="50000"/>
-            </a:schemeClr>
-          </a:lnRef>
-          <a:fillRef idx="1">
-            <a:schemeClr val="accent1"/>
-          </a:fillRef>
-          <a:effectRef idx="0">
-            <a:schemeClr val="accent1"/>
-          </a:effectRef>
-          <a:fontRef idx="minor">
-            <a:schemeClr val="lt1"/>
-          </a:fontRef>
-        </p:style>
-        <p:txBody>
-          <a:bodyPr rtlCol="0" anchor="ctr"/>
-          <a:lstStyle/>
-          <a:p>
-            <a:pPr algn="ctr"/>
-            <a:endParaRPr lang="en-US"/>
-          </a:p>
-        </p:txBody>
-      </p:sp>
-      <p:sp>
-        <p:nvSpPr>
-          <p:cNvPr id="9" name="TextBox 8"/>
+        </p:nvPicPr>
+        <p:blipFill>
+          <a:blip r:embed="rId2">
+            <a:extLst>
+              <a:ext uri="{28A0092B-C50C-407E-A947-70E740481C1C}">
+                <a14:useLocalDpi xmlns:a14="http://schemas.microsoft.com/office/drawing/2010/main" val="0"/>
+              </a:ext>
+            </a:extLst>
+          </a:blip>
+          <a:stretch>
+            <a:fillRect/>
+          </a:stretch>
+        </p:blipFill>
+        <p:spPr>
+          <a:xfrm>
+            <a:off x="9473514" y="139673"/>
+            <a:ext cx="2455905" cy="2455905"/>
+          </a:xfrm>
+        </p:spPr>
+      </p:pic>
+      <p:sp>
+        <p:nvSpPr>
+          <p:cNvPr id="7" name="TextBox 6"/>
           <p:cNvSpPr txBox="1"/>
           <p:nvPr/>
         </p:nvSpPr>
         <p:spPr>
           <a:xfrm>
-            <a:off x="5519528" y="594517"/>
-            <a:ext cx="675121" cy="369332"/>
+            <a:off x="228600" y="1960606"/>
+            <a:ext cx="9720470" cy="4524315"/>
           </a:xfrm>
           <a:prstGeom prst="rect">
             <a:avLst/>
@@ -5749,183 +5362,62 @@
           <a:noFill/>
         </p:spPr>
         <p:txBody>
-          <a:bodyPr wrap="none" rtlCol="0">
+          <a:bodyPr wrap="square" rtlCol="0">
             <a:spAutoFit/>
           </a:bodyPr>
           <a:lstStyle/>
           <a:p>
-            <a:r>
-              <a:rPr lang="en-US" dirty="0" smtClean="0"/>
-              <a:t>HTTP</a:t>
-            </a:r>
-            <a:endParaRPr lang="en-US" dirty="0"/>
-          </a:p>
-        </p:txBody>
-      </p:sp>
-      <p:sp>
-        <p:nvSpPr>
-          <p:cNvPr id="10" name="TextBox 9"/>
-          <p:cNvSpPr txBox="1"/>
-          <p:nvPr/>
-        </p:nvSpPr>
-        <p:spPr>
-          <a:xfrm>
-            <a:off x="8481031" y="594517"/>
-            <a:ext cx="675121" cy="369332"/>
-          </a:xfrm>
-          <a:prstGeom prst="rect">
-            <a:avLst/>
-          </a:prstGeom>
-          <a:noFill/>
-        </p:spPr>
-        <p:txBody>
-          <a:bodyPr wrap="none" rtlCol="0">
-            <a:spAutoFit/>
-          </a:bodyPr>
-          <a:lstStyle/>
-          <a:p>
-            <a:r>
-              <a:rPr lang="en-US" dirty="0" smtClean="0"/>
-              <a:t>HTTP</a:t>
-            </a:r>
-            <a:endParaRPr lang="en-US" dirty="0"/>
-          </a:p>
-        </p:txBody>
-      </p:sp>
-      <p:sp>
-        <p:nvSpPr>
-          <p:cNvPr id="11" name="Rounded Rectangle 10"/>
-          <p:cNvSpPr/>
-          <p:nvPr/>
-        </p:nvSpPr>
-        <p:spPr>
-          <a:xfrm>
-            <a:off x="9516749" y="1928318"/>
-            <a:ext cx="1820562" cy="914400"/>
-          </a:xfrm>
-          <a:prstGeom prst="roundRect">
-            <a:avLst/>
-          </a:prstGeom>
-          <a:solidFill>
-            <a:schemeClr val="tx2">
-              <a:lumMod val="60000"/>
-              <a:lumOff val="40000"/>
-            </a:schemeClr>
-          </a:solidFill>
-        </p:spPr>
-        <p:style>
-          <a:lnRef idx="2">
-            <a:schemeClr val="accent4">
-              <a:shade val="50000"/>
-            </a:schemeClr>
-          </a:lnRef>
-          <a:fillRef idx="1">
-            <a:schemeClr val="accent4"/>
-          </a:fillRef>
-          <a:effectRef idx="0">
-            <a:schemeClr val="accent4"/>
-          </a:effectRef>
-          <a:fontRef idx="minor">
-            <a:schemeClr val="lt1"/>
-          </a:fontRef>
-        </p:style>
-        <p:txBody>
-          <a:bodyPr rtlCol="0" anchor="ctr"/>
-          <a:lstStyle/>
-          <a:p>
-            <a:pPr algn="ctr"/>
-            <a:r>
-              <a:rPr lang="en-US" sz="3600" dirty="0" smtClean="0"/>
-              <a:t>Mock</a:t>
-            </a:r>
-            <a:endParaRPr lang="en-US" sz="3600" dirty="0"/>
-          </a:p>
-        </p:txBody>
-      </p:sp>
-      <p:sp>
-        <p:nvSpPr>
-          <p:cNvPr id="12" name="Left-Right Arrow 11"/>
-          <p:cNvSpPr/>
-          <p:nvPr/>
-        </p:nvSpPr>
-        <p:spPr>
-          <a:xfrm rot="2276697">
-            <a:off x="8079270" y="1707945"/>
-            <a:ext cx="1478646" cy="541320"/>
-          </a:xfrm>
-          <a:prstGeom prst="leftRightArrow">
-            <a:avLst/>
-          </a:prstGeom>
-        </p:spPr>
-        <p:style>
-          <a:lnRef idx="2">
-            <a:schemeClr val="accent1">
-              <a:shade val="50000"/>
-            </a:schemeClr>
-          </a:lnRef>
-          <a:fillRef idx="1">
-            <a:schemeClr val="accent1"/>
-          </a:fillRef>
-          <a:effectRef idx="0">
-            <a:schemeClr val="accent1"/>
-          </a:effectRef>
-          <a:fontRef idx="minor">
-            <a:schemeClr val="lt1"/>
-          </a:fontRef>
-        </p:style>
-        <p:txBody>
-          <a:bodyPr rtlCol="0" anchor="ctr"/>
-          <a:lstStyle/>
-          <a:p>
-            <a:pPr algn="ctr"/>
-            <a:endParaRPr lang="en-US"/>
-          </a:p>
-        </p:txBody>
-      </p:sp>
-      <p:sp>
-        <p:nvSpPr>
-          <p:cNvPr id="13" name="Multiply 12"/>
-          <p:cNvSpPr/>
-          <p:nvPr/>
-        </p:nvSpPr>
-        <p:spPr>
-          <a:xfrm>
-            <a:off x="8176749" y="337881"/>
-            <a:ext cx="1391306" cy="1360312"/>
-          </a:xfrm>
-          <a:prstGeom prst="mathMultiply">
-            <a:avLst/>
-          </a:prstGeom>
-        </p:spPr>
-        <p:style>
-          <a:lnRef idx="2">
-            <a:schemeClr val="dk1">
-              <a:shade val="50000"/>
-            </a:schemeClr>
-          </a:lnRef>
-          <a:fillRef idx="1">
-            <a:schemeClr val="dk1"/>
-          </a:fillRef>
-          <a:effectRef idx="0">
-            <a:schemeClr val="dk1"/>
-          </a:effectRef>
-          <a:fontRef idx="minor">
-            <a:schemeClr val="lt1"/>
-          </a:fontRef>
-        </p:style>
-        <p:txBody>
-          <a:bodyPr rtlCol="0" anchor="ctr"/>
-          <a:lstStyle/>
-          <a:p>
-            <a:pPr algn="ctr"/>
-            <a:endParaRPr lang="en-US"/>
+            <a:pPr marL="285750" indent="-285750">
+              <a:buFont typeface="Arial" charset="0"/>
+              <a:buChar char="•"/>
+            </a:pPr>
+            <a:r>
+              <a:rPr lang="en-US" sz="3600" dirty="0"/>
+              <a:t>If too many connections to a server fail, stop ALL future attempts at connecting</a:t>
+            </a:r>
+          </a:p>
+          <a:p>
+            <a:pPr marL="285750" indent="-285750">
+              <a:buFont typeface="Arial" charset="0"/>
+              <a:buChar char="•"/>
+            </a:pPr>
+            <a:r>
+              <a:rPr lang="en-US" sz="3600" dirty="0"/>
+              <a:t>Can use a library (</a:t>
+            </a:r>
+            <a:r>
+              <a:rPr lang="en-US" sz="3600" dirty="0" err="1"/>
+              <a:t>eg</a:t>
+            </a:r>
+            <a:r>
+              <a:rPr lang="en-US" sz="3600" dirty="0"/>
+              <a:t> Netflix </a:t>
+            </a:r>
+            <a:r>
+              <a:rPr lang="en-US" sz="3600" dirty="0" err="1"/>
+              <a:t>Hystrix</a:t>
+            </a:r>
+            <a:r>
+              <a:rPr lang="en-US" sz="3600" dirty="0"/>
+              <a:t>) to wrap each call to external services</a:t>
+            </a:r>
+          </a:p>
+          <a:p>
+            <a:pPr marL="285750" indent="-285750">
+              <a:buFont typeface="Arial" charset="0"/>
+              <a:buChar char="•"/>
+            </a:pPr>
+            <a:r>
+              <a:rPr lang="en-US" sz="3600" dirty="0"/>
+              <a:t>Once the circuit breaker is on after several failures, it will periodically check if the server comes up again. If so, all communications are restored</a:t>
+            </a:r>
           </a:p>
         </p:txBody>
       </p:sp>
     </p:spTree>
     <p:extLst>
       <p:ext uri="{BB962C8B-B14F-4D97-AF65-F5344CB8AC3E}">
-        <p14:creationId xmlns:p14="http://schemas.microsoft.com/office/powerpoint/2010/main" val="2571817231"/>
+        <p14:creationId xmlns:p14="http://schemas.microsoft.com/office/powerpoint/2010/main" val="4176758901"/>
       </p:ext>
     </p:extLst>
   </p:cSld>

--- a/doc/advanced/slides/lesson_06.pptx
+++ b/doc/advanced/slides/lesson_06.pptx
@@ -5,7 +5,7 @@
     <p:sldMasterId id="2147483648" r:id="rId1"/>
   </p:sldMasterIdLst>
   <p:notesMasterIdLst>
-    <p:notesMasterId r:id="rId13"/>
+    <p:notesMasterId r:id="rId15"/>
   </p:notesMasterIdLst>
   <p:sldIdLst>
     <p:sldId id="256" r:id="rId2"/>
@@ -18,7 +18,9 @@
     <p:sldId id="281" r:id="rId9"/>
     <p:sldId id="283" r:id="rId10"/>
     <p:sldId id="282" r:id="rId11"/>
-    <p:sldId id="271" r:id="rId12"/>
+    <p:sldId id="284" r:id="rId12"/>
+    <p:sldId id="285" r:id="rId13"/>
+    <p:sldId id="271" r:id="rId14"/>
   </p:sldIdLst>
   <p:sldSz cx="12192000" cy="6858000"/>
   <p:notesSz cx="6858000" cy="9144000"/>
@@ -207,7 +209,7 @@
           <a:p>
             <a:fld id="{9B5B52BA-3295-0343-9E28-A260A811DD10}" type="datetimeFigureOut">
               <a:rPr lang="en-US" smtClean="0"/>
-              <a:t>8/4/19</a:t>
+              <a:t>13-Aug-19</a:t>
             </a:fld>
             <a:endParaRPr lang="en-US"/>
           </a:p>
@@ -539,7 +541,7 @@
           <a:p>
             <a:fld id="{D6FB5A5B-CC88-B64A-8F56-0DBE0ACA83DE}" type="slidenum">
               <a:rPr lang="en-US" smtClean="0"/>
-              <a:t>11</a:t>
+              <a:t>13</a:t>
             </a:fld>
             <a:endParaRPr lang="en-US"/>
           </a:p>
@@ -687,7 +689,7 @@
           <a:p>
             <a:fld id="{04F1D4A2-813C-F741-B481-C92B3A596030}" type="datetimeFigureOut">
               <a:rPr lang="en-US" smtClean="0"/>
-              <a:t>8/4/19</a:t>
+              <a:t>13-Aug-19</a:t>
             </a:fld>
             <a:endParaRPr lang="en-US"/>
           </a:p>
@@ -855,7 +857,7 @@
           <a:p>
             <a:fld id="{04F1D4A2-813C-F741-B481-C92B3A596030}" type="datetimeFigureOut">
               <a:rPr lang="en-US" smtClean="0"/>
-              <a:t>8/4/19</a:t>
+              <a:t>13-Aug-19</a:t>
             </a:fld>
             <a:endParaRPr lang="en-US"/>
           </a:p>
@@ -1033,7 +1035,7 @@
           <a:p>
             <a:fld id="{04F1D4A2-813C-F741-B481-C92B3A596030}" type="datetimeFigureOut">
               <a:rPr lang="en-US" smtClean="0"/>
-              <a:t>8/4/19</a:t>
+              <a:t>13-Aug-19</a:t>
             </a:fld>
             <a:endParaRPr lang="en-US"/>
           </a:p>
@@ -1212,7 +1214,7 @@
           <a:p>
             <a:fld id="{04F1D4A2-813C-F741-B481-C92B3A596030}" type="datetimeFigureOut">
               <a:rPr lang="en-US" smtClean="0"/>
-              <a:t>8/4/19</a:t>
+              <a:t>13-Aug-19</a:t>
             </a:fld>
             <a:endParaRPr lang="en-US"/>
           </a:p>
@@ -1457,7 +1459,7 @@
           <a:p>
             <a:fld id="{04F1D4A2-813C-F741-B481-C92B3A596030}" type="datetimeFigureOut">
               <a:rPr lang="en-US" smtClean="0"/>
-              <a:t>8/4/19</a:t>
+              <a:t>13-Aug-19</a:t>
             </a:fld>
             <a:endParaRPr lang="en-US"/>
           </a:p>
@@ -1686,7 +1688,7 @@
           <a:p>
             <a:fld id="{04F1D4A2-813C-F741-B481-C92B3A596030}" type="datetimeFigureOut">
               <a:rPr lang="en-US" smtClean="0"/>
-              <a:t>8/4/19</a:t>
+              <a:t>13-Aug-19</a:t>
             </a:fld>
             <a:endParaRPr lang="en-US"/>
           </a:p>
@@ -2050,7 +2052,7 @@
           <a:p>
             <a:fld id="{04F1D4A2-813C-F741-B481-C92B3A596030}" type="datetimeFigureOut">
               <a:rPr lang="en-US" smtClean="0"/>
-              <a:t>8/4/19</a:t>
+              <a:t>13-Aug-19</a:t>
             </a:fld>
             <a:endParaRPr lang="en-US"/>
           </a:p>
@@ -2167,7 +2169,7 @@
           <a:p>
             <a:fld id="{04F1D4A2-813C-F741-B481-C92B3A596030}" type="datetimeFigureOut">
               <a:rPr lang="en-US" smtClean="0"/>
-              <a:t>8/4/19</a:t>
+              <a:t>13-Aug-19</a:t>
             </a:fld>
             <a:endParaRPr lang="en-US"/>
           </a:p>
@@ -2262,7 +2264,7 @@
           <a:p>
             <a:fld id="{04F1D4A2-813C-F741-B481-C92B3A596030}" type="datetimeFigureOut">
               <a:rPr lang="en-US" smtClean="0"/>
-              <a:t>8/4/19</a:t>
+              <a:t>13-Aug-19</a:t>
             </a:fld>
             <a:endParaRPr lang="en-US"/>
           </a:p>
@@ -2537,7 +2539,7 @@
           <a:p>
             <a:fld id="{04F1D4A2-813C-F741-B481-C92B3A596030}" type="datetimeFigureOut">
               <a:rPr lang="en-US" smtClean="0"/>
-              <a:t>8/4/19</a:t>
+              <a:t>13-Aug-19</a:t>
             </a:fld>
             <a:endParaRPr lang="en-US"/>
           </a:p>
@@ -2789,7 +2791,7 @@
           <a:p>
             <a:fld id="{04F1D4A2-813C-F741-B481-C92B3A596030}" type="datetimeFigureOut">
               <a:rPr lang="en-US" smtClean="0"/>
-              <a:t>8/4/19</a:t>
+              <a:t>13-Aug-19</a:t>
             </a:fld>
             <a:endParaRPr lang="en-US"/>
           </a:p>
@@ -3000,7 +3002,7 @@
           <a:p>
             <a:fld id="{04F1D4A2-813C-F741-B481-C92B3A596030}" type="datetimeFigureOut">
               <a:rPr lang="en-US" smtClean="0"/>
-              <a:t>8/4/19</a:t>
+              <a:t>13-Aug-19</a:t>
             </a:fld>
             <a:endParaRPr lang="en-US"/>
           </a:p>
@@ -3443,6 +3445,10 @@
             <a:br>
               <a:rPr lang="en-US" dirty="0"/>
             </a:br>
+            <a:r>
+              <a:rPr lang="en-US" dirty="0"/>
+              <a:t/>
+            </a:r>
             <a:br>
               <a:rPr lang="en-US" dirty="0"/>
             </a:br>
@@ -3633,6 +3639,127 @@
           <a:lstStyle/>
           <a:p>
             <a:r>
+              <a:rPr lang="en-US" dirty="0" smtClean="0"/>
+              <a:t>Automated Test Generation</a:t>
+            </a:r>
+            <a:endParaRPr lang="en-US" dirty="0"/>
+          </a:p>
+        </p:txBody>
+      </p:sp>
+    </p:spTree>
+    <p:extLst>
+      <p:ext uri="{BB962C8B-B14F-4D97-AF65-F5344CB8AC3E}">
+        <p14:creationId xmlns:p14="http://schemas.microsoft.com/office/powerpoint/2010/main" val="2793161419"/>
+      </p:ext>
+    </p:extLst>
+  </p:cSld>
+  <p:clrMapOvr>
+    <a:masterClrMapping/>
+  </p:clrMapOvr>
+</p:sld>
+</file>
+
+<file path=ppt/slides/slide12.xml><?xml version="1.0" encoding="utf-8"?>
+<p:sld xmlns:a="http://schemas.openxmlformats.org/drawingml/2006/main" xmlns:r="http://schemas.openxmlformats.org/officeDocument/2006/relationships" xmlns:p="http://schemas.openxmlformats.org/presentationml/2006/main">
+  <p:cSld>
+    <p:spTree>
+      <p:nvGrpSpPr>
+        <p:cNvPr id="1" name=""/>
+        <p:cNvGrpSpPr/>
+        <p:nvPr/>
+      </p:nvGrpSpPr>
+      <p:grpSpPr>
+        <a:xfrm>
+          <a:off x="0" y="0"/>
+          <a:ext cx="0" cy="0"/>
+          <a:chOff x="0" y="0"/>
+          <a:chExt cx="0" cy="0"/>
+        </a:xfrm>
+      </p:grpSpPr>
+      <p:sp>
+        <p:nvSpPr>
+          <p:cNvPr id="2" name="Title 1"/>
+          <p:cNvSpPr>
+            <a:spLocks noGrp="1"/>
+          </p:cNvSpPr>
+          <p:nvPr>
+            <p:ph type="title"/>
+          </p:nvPr>
+        </p:nvSpPr>
+        <p:spPr/>
+        <p:txBody>
+          <a:bodyPr/>
+          <a:lstStyle/>
+          <a:p>
+            <a:endParaRPr lang="en-US"/>
+          </a:p>
+        </p:txBody>
+      </p:sp>
+      <p:sp>
+        <p:nvSpPr>
+          <p:cNvPr id="3" name="Content Placeholder 2"/>
+          <p:cNvSpPr>
+            <a:spLocks noGrp="1"/>
+          </p:cNvSpPr>
+          <p:nvPr>
+            <p:ph idx="1"/>
+          </p:nvPr>
+        </p:nvSpPr>
+        <p:spPr/>
+        <p:txBody>
+          <a:bodyPr/>
+          <a:lstStyle/>
+          <a:p>
+            <a:endParaRPr lang="en-US"/>
+          </a:p>
+        </p:txBody>
+      </p:sp>
+    </p:spTree>
+    <p:extLst>
+      <p:ext uri="{BB962C8B-B14F-4D97-AF65-F5344CB8AC3E}">
+        <p14:creationId xmlns:p14="http://schemas.microsoft.com/office/powerpoint/2010/main" val="1530916984"/>
+      </p:ext>
+    </p:extLst>
+  </p:cSld>
+  <p:clrMapOvr>
+    <a:masterClrMapping/>
+  </p:clrMapOvr>
+</p:sld>
+</file>
+
+<file path=ppt/slides/slide13.xml><?xml version="1.0" encoding="utf-8"?>
+<p:sld xmlns:a="http://schemas.openxmlformats.org/drawingml/2006/main" xmlns:r="http://schemas.openxmlformats.org/officeDocument/2006/relationships" xmlns:p="http://schemas.openxmlformats.org/presentationml/2006/main">
+  <p:cSld>
+    <p:spTree>
+      <p:nvGrpSpPr>
+        <p:cNvPr id="1" name=""/>
+        <p:cNvGrpSpPr/>
+        <p:nvPr/>
+      </p:nvGrpSpPr>
+      <p:grpSpPr>
+        <a:xfrm>
+          <a:off x="0" y="0"/>
+          <a:ext cx="0" cy="0"/>
+          <a:chOff x="0" y="0"/>
+          <a:chExt cx="0" cy="0"/>
+        </a:xfrm>
+      </p:grpSpPr>
+      <p:sp>
+        <p:nvSpPr>
+          <p:cNvPr id="4" name="Title 3"/>
+          <p:cNvSpPr>
+            <a:spLocks noGrp="1"/>
+          </p:cNvSpPr>
+          <p:nvPr>
+            <p:ph type="title"/>
+          </p:nvPr>
+        </p:nvSpPr>
+        <p:spPr/>
+        <p:txBody>
+          <a:bodyPr/>
+          <a:lstStyle/>
+          <a:p>
+            <a:r>
               <a:rPr lang="en-US" dirty="0" err="1"/>
               <a:t>Git</a:t>
             </a:r>
@@ -3770,14 +3897,53 @@
           <a:p>
             <a:r>
               <a:rPr lang="en-US" dirty="0"/>
-              <a:t>Learn how to test services relying on other external services, by mocking those external services</a:t>
-            </a:r>
-          </a:p>
-          <a:p>
-            <a:r>
-              <a:rPr lang="en-US" dirty="0"/>
-              <a:t>Understand how and why Circuit Breakers are used when dealing with external services </a:t>
-            </a:r>
+              <a:t>Learn how to test services relying on other external services, by </a:t>
+            </a:r>
+            <a:r>
+              <a:rPr lang="en-US" i="1" dirty="0"/>
+              <a:t>mocking</a:t>
+            </a:r>
+            <a:r>
+              <a:rPr lang="en-US" dirty="0"/>
+              <a:t> those external services</a:t>
+            </a:r>
+          </a:p>
+          <a:p>
+            <a:r>
+              <a:rPr lang="en-US" dirty="0"/>
+              <a:t>Understand how and why </a:t>
+            </a:r>
+            <a:r>
+              <a:rPr lang="en-US" i="1" dirty="0"/>
+              <a:t>Circuit Breakers </a:t>
+            </a:r>
+            <a:r>
+              <a:rPr lang="en-US" dirty="0"/>
+              <a:t>are used when dealing with external services </a:t>
+            </a:r>
+            <a:endParaRPr lang="en-US" dirty="0" smtClean="0"/>
+          </a:p>
+          <a:p>
+            <a:r>
+              <a:rPr lang="en-US" dirty="0" smtClean="0"/>
+              <a:t>A look at </a:t>
+            </a:r>
+            <a:r>
+              <a:rPr lang="en-US" i="1" dirty="0" smtClean="0"/>
+              <a:t>advanced research topics </a:t>
+            </a:r>
+            <a:r>
+              <a:rPr lang="en-US" dirty="0" smtClean="0"/>
+              <a:t>like </a:t>
+            </a:r>
+            <a:r>
+              <a:rPr lang="en-US" i="1" dirty="0" smtClean="0"/>
+              <a:t>Automated Test Generation</a:t>
+            </a:r>
+            <a:endParaRPr lang="en-US" i="1" dirty="0" smtClean="0"/>
+          </a:p>
+          <a:p>
+            <a:endParaRPr lang="en-US" dirty="0"/>
           </a:p>
         </p:txBody>
       </p:sp>
@@ -3999,25 +4165,6 @@
           </a:p>
         </p:txBody>
       </p:sp>
-      <p:sp>
-        <p:nvSpPr>
-          <p:cNvPr id="5" name="Text Placeholder 4"/>
-          <p:cNvSpPr>
-            <a:spLocks noGrp="1"/>
-          </p:cNvSpPr>
-          <p:nvPr>
-            <p:ph type="body" idx="1"/>
-          </p:nvPr>
-        </p:nvSpPr>
-        <p:spPr/>
-        <p:txBody>
-          <a:bodyPr/>
-          <a:lstStyle/>
-          <a:p>
-            <a:endParaRPr lang="en-US"/>
-          </a:p>
-        </p:txBody>
-      </p:sp>
     </p:spTree>
     <p:extLst>
       <p:ext uri="{BB962C8B-B14F-4D97-AF65-F5344CB8AC3E}">
@@ -5238,25 +5385,6 @@
           </a:p>
         </p:txBody>
       </p:sp>
-      <p:sp>
-        <p:nvSpPr>
-          <p:cNvPr id="5" name="Text Placeholder 4"/>
-          <p:cNvSpPr>
-            <a:spLocks noGrp="1"/>
-          </p:cNvSpPr>
-          <p:nvPr>
-            <p:ph type="body" idx="1"/>
-          </p:nvPr>
-        </p:nvSpPr>
-        <p:spPr/>
-        <p:txBody>
-          <a:bodyPr/>
-          <a:lstStyle/>
-          <a:p>
-            <a:endParaRPr lang="en-US"/>
-          </a:p>
-        </p:txBody>
-      </p:sp>
     </p:spTree>
     <p:extLst>
       <p:ext uri="{BB962C8B-B14F-4D97-AF65-F5344CB8AC3E}">
@@ -5383,23 +5511,15 @@
             </a:pPr>
             <a:r>
               <a:rPr lang="en-US" sz="3600" dirty="0"/>
-              <a:t>Can use a library (</a:t>
-            </a:r>
-            <a:r>
-              <a:rPr lang="en-US" sz="3600" dirty="0" err="1"/>
-              <a:t>eg</a:t>
+              <a:t>Can use a library </a:t>
+            </a:r>
+            <a:r>
+              <a:rPr lang="en-US" sz="3600" dirty="0" smtClean="0"/>
+              <a:t>to </a:t>
             </a:r>
             <a:r>
               <a:rPr lang="en-US" sz="3600" dirty="0"/>
-              <a:t> Netflix </a:t>
-            </a:r>
-            <a:r>
-              <a:rPr lang="en-US" sz="3600" dirty="0" err="1"/>
-              <a:t>Hystrix</a:t>
-            </a:r>
-            <a:r>
-              <a:rPr lang="en-US" sz="3600" dirty="0"/>
-              <a:t>) to wrap each call to external services</a:t>
+              <a:t>wrap each call to external services</a:t>
             </a:r>
           </a:p>
           <a:p>

--- a/doc/advanced/slides/lesson_06.pptx
+++ b/doc/advanced/slides/lesson_06.pptx
@@ -5,7 +5,7 @@
     <p:sldMasterId id="2147483648" r:id="rId1"/>
   </p:sldMasterIdLst>
   <p:notesMasterIdLst>
-    <p:notesMasterId r:id="rId15"/>
+    <p:notesMasterId r:id="rId38"/>
   </p:notesMasterIdLst>
   <p:sldIdLst>
     <p:sldId id="256" r:id="rId2"/>
@@ -19,8 +19,31 @@
     <p:sldId id="283" r:id="rId10"/>
     <p:sldId id="282" r:id="rId11"/>
     <p:sldId id="284" r:id="rId12"/>
-    <p:sldId id="285" r:id="rId13"/>
-    <p:sldId id="271" r:id="rId14"/>
+    <p:sldId id="286" r:id="rId13"/>
+    <p:sldId id="288" r:id="rId14"/>
+    <p:sldId id="289" r:id="rId15"/>
+    <p:sldId id="290" r:id="rId16"/>
+    <p:sldId id="291" r:id="rId17"/>
+    <p:sldId id="292" r:id="rId18"/>
+    <p:sldId id="293" r:id="rId19"/>
+    <p:sldId id="294" r:id="rId20"/>
+    <p:sldId id="295" r:id="rId21"/>
+    <p:sldId id="296" r:id="rId22"/>
+    <p:sldId id="297" r:id="rId23"/>
+    <p:sldId id="298" r:id="rId24"/>
+    <p:sldId id="299" r:id="rId25"/>
+    <p:sldId id="300" r:id="rId26"/>
+    <p:sldId id="301" r:id="rId27"/>
+    <p:sldId id="302" r:id="rId28"/>
+    <p:sldId id="303" r:id="rId29"/>
+    <p:sldId id="304" r:id="rId30"/>
+    <p:sldId id="305" r:id="rId31"/>
+    <p:sldId id="306" r:id="rId32"/>
+    <p:sldId id="307" r:id="rId33"/>
+    <p:sldId id="308" r:id="rId34"/>
+    <p:sldId id="309" r:id="rId35"/>
+    <p:sldId id="285" r:id="rId36"/>
+    <p:sldId id="271" r:id="rId37"/>
   </p:sldIdLst>
   <p:sldSz cx="12192000" cy="6858000"/>
   <p:notesSz cx="6858000" cy="9144000"/>
@@ -209,7 +232,7 @@
           <a:p>
             <a:fld id="{9B5B52BA-3295-0343-9E28-A260A811DD10}" type="datetimeFigureOut">
               <a:rPr lang="en-US" smtClean="0"/>
-              <a:t>13-Aug-19</a:t>
+              <a:t>16-Aug-19</a:t>
             </a:fld>
             <a:endParaRPr lang="en-US"/>
           </a:p>
@@ -541,7 +564,7 @@
           <a:p>
             <a:fld id="{D6FB5A5B-CC88-B64A-8F56-0DBE0ACA83DE}" type="slidenum">
               <a:rPr lang="en-US" smtClean="0"/>
-              <a:t>13</a:t>
+              <a:t>36</a:t>
             </a:fld>
             <a:endParaRPr lang="en-US"/>
           </a:p>
@@ -689,7 +712,7 @@
           <a:p>
             <a:fld id="{04F1D4A2-813C-F741-B481-C92B3A596030}" type="datetimeFigureOut">
               <a:rPr lang="en-US" smtClean="0"/>
-              <a:t>13-Aug-19</a:t>
+              <a:t>16-Aug-19</a:t>
             </a:fld>
             <a:endParaRPr lang="en-US"/>
           </a:p>
@@ -857,7 +880,7 @@
           <a:p>
             <a:fld id="{04F1D4A2-813C-F741-B481-C92B3A596030}" type="datetimeFigureOut">
               <a:rPr lang="en-US" smtClean="0"/>
-              <a:t>13-Aug-19</a:t>
+              <a:t>16-Aug-19</a:t>
             </a:fld>
             <a:endParaRPr lang="en-US"/>
           </a:p>
@@ -1035,7 +1058,7 @@
           <a:p>
             <a:fld id="{04F1D4A2-813C-F741-B481-C92B3A596030}" type="datetimeFigureOut">
               <a:rPr lang="en-US" smtClean="0"/>
-              <a:t>13-Aug-19</a:t>
+              <a:t>16-Aug-19</a:t>
             </a:fld>
             <a:endParaRPr lang="en-US"/>
           </a:p>
@@ -1093,6 +1116,164 @@
   <p:clrMapOvr>
     <a:masterClrMapping/>
   </p:clrMapOvr>
+</p:sldLayout>
+</file>
+
+<file path=ppt/slideLayouts/slideLayout12.xml><?xml version="1.0" encoding="utf-8"?>
+<p:sldLayout xmlns:a="http://schemas.openxmlformats.org/drawingml/2006/main" xmlns:r="http://schemas.openxmlformats.org/officeDocument/2006/relationships" xmlns:p="http://schemas.openxmlformats.org/presentationml/2006/main" type="tx">
+  <p:cSld name="Title &amp; Bullets">
+    <p:spTree>
+      <p:nvGrpSpPr>
+        <p:cNvPr id="1" name=""/>
+        <p:cNvGrpSpPr/>
+        <p:nvPr/>
+      </p:nvGrpSpPr>
+      <p:grpSpPr>
+        <a:xfrm>
+          <a:off x="0" y="0"/>
+          <a:ext cx="0" cy="0"/>
+          <a:chOff x="0" y="0"/>
+          <a:chExt cx="0" cy="0"/>
+        </a:xfrm>
+      </p:grpSpPr>
+      <p:sp>
+        <p:nvSpPr>
+          <p:cNvPr id="56" name="Shape 56"/>
+          <p:cNvSpPr>
+            <a:spLocks noGrp="1"/>
+          </p:cNvSpPr>
+          <p:nvPr>
+            <p:ph type="title"/>
+          </p:nvPr>
+        </p:nvSpPr>
+        <p:spPr>
+          <a:prstGeom prst="rect">
+            <a:avLst/>
+          </a:prstGeom>
+        </p:spPr>
+        <p:txBody>
+          <a:bodyPr/>
+          <a:lstStyle/>
+          <a:p>
+            <a:r>
+              <a:t>Title Text</a:t>
+            </a:r>
+          </a:p>
+        </p:txBody>
+      </p:sp>
+      <p:sp>
+        <p:nvSpPr>
+          <p:cNvPr id="57" name="Shape 57"/>
+          <p:cNvSpPr>
+            <a:spLocks noGrp="1"/>
+          </p:cNvSpPr>
+          <p:nvPr>
+            <p:ph type="body" idx="1"/>
+          </p:nvPr>
+        </p:nvSpPr>
+        <p:spPr>
+          <a:prstGeom prst="rect">
+            <a:avLst/>
+          </a:prstGeom>
+        </p:spPr>
+        <p:txBody>
+          <a:bodyPr/>
+          <a:lstStyle>
+            <a:lvl2pPr marL="625056" indent="-312528">
+              <a:spcBef>
+                <a:spcPts val="914"/>
+              </a:spcBef>
+              <a:buFont typeface="Arial" panose="020B0604020202020204" pitchFamily="34" charset="0"/>
+              <a:buChar char="•"/>
+              <a:defRPr sz="1969"/>
+            </a:lvl2pPr>
+            <a:lvl3pPr>
+              <a:spcBef>
+                <a:spcPts val="914"/>
+              </a:spcBef>
+              <a:buChar char="★"/>
+              <a:defRPr sz="1969"/>
+            </a:lvl3pPr>
+            <a:lvl4pPr>
+              <a:defRPr sz="1687"/>
+            </a:lvl4pPr>
+            <a:lvl5pPr>
+              <a:defRPr sz="1406"/>
+            </a:lvl5pPr>
+          </a:lstStyle>
+          <a:p>
+            <a:r>
+              <a:rPr dirty="0"/>
+              <a:t>Body Level One</a:t>
+            </a:r>
+          </a:p>
+          <a:p>
+            <a:pPr lvl="1"/>
+            <a:r>
+              <a:rPr dirty="0"/>
+              <a:t>Body Level Two</a:t>
+            </a:r>
+          </a:p>
+          <a:p>
+            <a:pPr lvl="2"/>
+            <a:r>
+              <a:rPr dirty="0"/>
+              <a:t>Body Level Three</a:t>
+            </a:r>
+          </a:p>
+          <a:p>
+            <a:pPr lvl="3"/>
+            <a:r>
+              <a:rPr dirty="0"/>
+              <a:t>Body Level Four</a:t>
+            </a:r>
+          </a:p>
+          <a:p>
+            <a:pPr lvl="4"/>
+            <a:r>
+              <a:rPr dirty="0"/>
+              <a:t>Body Level Five</a:t>
+            </a:r>
+          </a:p>
+        </p:txBody>
+      </p:sp>
+      <p:sp>
+        <p:nvSpPr>
+          <p:cNvPr id="58" name="Shape 58"/>
+          <p:cNvSpPr>
+            <a:spLocks noGrp="1"/>
+          </p:cNvSpPr>
+          <p:nvPr>
+            <p:ph type="sldNum" sz="quarter" idx="2"/>
+          </p:nvPr>
+        </p:nvSpPr>
+        <p:spPr>
+          <a:prstGeom prst="rect">
+            <a:avLst/>
+          </a:prstGeom>
+        </p:spPr>
+        <p:txBody>
+          <a:bodyPr/>
+          <a:lstStyle/>
+          <a:p>
+            <a:fld id="{86CB4B4D-7CA3-9044-876B-883B54F8677D}" type="slidenum">
+              <a:t>‹#›</a:t>
+            </a:fld>
+            <a:endParaRPr/>
+          </a:p>
+        </p:txBody>
+      </p:sp>
+    </p:spTree>
+    <p:extLst>
+      <p:ext uri="{BB962C8B-B14F-4D97-AF65-F5344CB8AC3E}">
+        <p14:creationId xmlns:p14="http://schemas.microsoft.com/office/powerpoint/2010/main" val="1007448027"/>
+      </p:ext>
+    </p:extLst>
+  </p:cSld>
+  <p:clrMapOvr>
+    <a:masterClrMapping/>
+  </p:clrMapOvr>
+  <p:transition spd="med"/>
 </p:sldLayout>
 </file>
 
@@ -1214,7 +1395,7 @@
           <a:p>
             <a:fld id="{04F1D4A2-813C-F741-B481-C92B3A596030}" type="datetimeFigureOut">
               <a:rPr lang="en-US" smtClean="0"/>
-              <a:t>13-Aug-19</a:t>
+              <a:t>16-Aug-19</a:t>
             </a:fld>
             <a:endParaRPr lang="en-US"/>
           </a:p>
@@ -1459,7 +1640,7 @@
           <a:p>
             <a:fld id="{04F1D4A2-813C-F741-B481-C92B3A596030}" type="datetimeFigureOut">
               <a:rPr lang="en-US" smtClean="0"/>
-              <a:t>13-Aug-19</a:t>
+              <a:t>16-Aug-19</a:t>
             </a:fld>
             <a:endParaRPr lang="en-US"/>
           </a:p>
@@ -1688,7 +1869,7 @@
           <a:p>
             <a:fld id="{04F1D4A2-813C-F741-B481-C92B3A596030}" type="datetimeFigureOut">
               <a:rPr lang="en-US" smtClean="0"/>
-              <a:t>13-Aug-19</a:t>
+              <a:t>16-Aug-19</a:t>
             </a:fld>
             <a:endParaRPr lang="en-US"/>
           </a:p>
@@ -2052,7 +2233,7 @@
           <a:p>
             <a:fld id="{04F1D4A2-813C-F741-B481-C92B3A596030}" type="datetimeFigureOut">
               <a:rPr lang="en-US" smtClean="0"/>
-              <a:t>13-Aug-19</a:t>
+              <a:t>16-Aug-19</a:t>
             </a:fld>
             <a:endParaRPr lang="en-US"/>
           </a:p>
@@ -2169,7 +2350,7 @@
           <a:p>
             <a:fld id="{04F1D4A2-813C-F741-B481-C92B3A596030}" type="datetimeFigureOut">
               <a:rPr lang="en-US" smtClean="0"/>
-              <a:t>13-Aug-19</a:t>
+              <a:t>16-Aug-19</a:t>
             </a:fld>
             <a:endParaRPr lang="en-US"/>
           </a:p>
@@ -2264,7 +2445,7 @@
           <a:p>
             <a:fld id="{04F1D4A2-813C-F741-B481-C92B3A596030}" type="datetimeFigureOut">
               <a:rPr lang="en-US" smtClean="0"/>
-              <a:t>13-Aug-19</a:t>
+              <a:t>16-Aug-19</a:t>
             </a:fld>
             <a:endParaRPr lang="en-US"/>
           </a:p>
@@ -2539,7 +2720,7 @@
           <a:p>
             <a:fld id="{04F1D4A2-813C-F741-B481-C92B3A596030}" type="datetimeFigureOut">
               <a:rPr lang="en-US" smtClean="0"/>
-              <a:t>13-Aug-19</a:t>
+              <a:t>16-Aug-19</a:t>
             </a:fld>
             <a:endParaRPr lang="en-US"/>
           </a:p>
@@ -2791,7 +2972,7 @@
           <a:p>
             <a:fld id="{04F1D4A2-813C-F741-B481-C92B3A596030}" type="datetimeFigureOut">
               <a:rPr lang="en-US" smtClean="0"/>
-              <a:t>13-Aug-19</a:t>
+              <a:t>16-Aug-19</a:t>
             </a:fld>
             <a:endParaRPr lang="en-US"/>
           </a:p>
@@ -3002,7 +3183,7 @@
           <a:p>
             <a:fld id="{04F1D4A2-813C-F741-B481-C92B3A596030}" type="datetimeFigureOut">
               <a:rPr lang="en-US" smtClean="0"/>
-              <a:t>13-Aug-19</a:t>
+              <a:t>16-Aug-19</a:t>
             </a:fld>
             <a:endParaRPr lang="en-US"/>
           </a:p>
@@ -3106,6 +3287,7 @@
     <p:sldLayoutId id="2147483657" r:id="rId9"/>
     <p:sldLayoutId id="2147483658" r:id="rId10"/>
     <p:sldLayoutId id="2147483659" r:id="rId11"/>
+    <p:sldLayoutId id="2147483660" r:id="rId12"/>
   </p:sldLayoutIdLst>
   <p:txStyles>
     <p:titleStyle>
@@ -3678,7 +3860,13 @@
       </p:grpSpPr>
       <p:sp>
         <p:nvSpPr>
-          <p:cNvPr id="2" name="Title 1"/>
+          <p:cNvPr id="6" name="Title 5">
+            <a:extLst>
+              <a:ext uri="{FF2B5EF4-FFF2-40B4-BE49-F238E27FC236}">
+                <a16:creationId xmlns:a16="http://schemas.microsoft.com/office/drawing/2014/main" id="{C9F92042-2FE4-E64C-A9D8-E18D8122B9DD}"/>
+              </a:ext>
+            </a:extLst>
+          </p:cNvPr>
           <p:cNvSpPr>
             <a:spLocks noGrp="1"/>
           </p:cNvSpPr>
@@ -3691,39 +3879,109 @@
           <a:bodyPr/>
           <a:lstStyle/>
           <a:p>
-            <a:endParaRPr lang="en-US"/>
-          </a:p>
-        </p:txBody>
-      </p:sp>
-      <p:sp>
-        <p:nvSpPr>
-          <p:cNvPr id="3" name="Content Placeholder 2"/>
+            <a:r>
+              <a:rPr lang="en-US" dirty="0" smtClean="0"/>
+              <a:t>Goals</a:t>
+            </a:r>
+            <a:endParaRPr lang="en-US" dirty="0"/>
+          </a:p>
+        </p:txBody>
+      </p:sp>
+      <p:sp>
+        <p:nvSpPr>
+          <p:cNvPr id="7" name="Text Placeholder 6">
+            <a:extLst>
+              <a:ext uri="{FF2B5EF4-FFF2-40B4-BE49-F238E27FC236}">
+                <a16:creationId xmlns:a16="http://schemas.microsoft.com/office/drawing/2014/main" id="{F5B9F4D6-A542-484D-9B17-9296B4554B84}"/>
+              </a:ext>
+            </a:extLst>
+          </p:cNvPr>
           <p:cNvSpPr>
             <a:spLocks noGrp="1"/>
           </p:cNvSpPr>
           <p:nvPr>
-            <p:ph idx="1"/>
+            <p:ph type="body" idx="1"/>
           </p:nvPr>
         </p:nvSpPr>
-        <p:spPr/>
-        <p:txBody>
-          <a:bodyPr/>
-          <a:lstStyle/>
-          <a:p>
-            <a:endParaRPr lang="en-US"/>
+        <p:spPr>
+          <a:xfrm>
+            <a:off x="243840" y="1830586"/>
+            <a:ext cx="11734799" cy="4737854"/>
+          </a:xfrm>
+        </p:spPr>
+        <p:txBody>
+          <a:bodyPr>
+            <a:normAutofit/>
+          </a:bodyPr>
+          <a:lstStyle/>
+          <a:p>
+            <a:r>
+              <a:rPr lang="en-US" sz="3600" dirty="0"/>
+              <a:t>See how </a:t>
+            </a:r>
+            <a:r>
+              <a:rPr lang="en-US" sz="3600" b="1" dirty="0"/>
+              <a:t>test case generation</a:t>
+            </a:r>
+            <a:r>
+              <a:rPr lang="en-US" sz="3600" dirty="0"/>
+              <a:t> can be modelled as an optimization problem, </a:t>
+            </a:r>
+            <a:r>
+              <a:rPr lang="en-US" sz="3600" dirty="0" err="1"/>
+              <a:t>eg</a:t>
+            </a:r>
+            <a:r>
+              <a:rPr lang="en-US" sz="3600" dirty="0"/>
+              <a:t> using Evolutionary Algorithms</a:t>
+            </a:r>
+          </a:p>
+          <a:p>
+            <a:r>
+              <a:rPr lang="en-US" sz="3600" dirty="0"/>
+              <a:t>Introduction to </a:t>
+            </a:r>
+            <a:r>
+              <a:rPr lang="en-US" sz="3600" b="1" dirty="0" err="1"/>
+              <a:t>EvoMaster</a:t>
+            </a:r>
+            <a:r>
+              <a:rPr lang="en-US" sz="3600" dirty="0"/>
+              <a:t> </a:t>
+            </a:r>
+            <a:r>
+              <a:rPr lang="en-US" sz="3600" i="1" dirty="0"/>
+              <a:t>research</a:t>
+            </a:r>
+            <a:r>
+              <a:rPr lang="en-US" sz="3600" dirty="0"/>
+              <a:t> tool, aimed at system testing of REST APIs</a:t>
+            </a:r>
+          </a:p>
+          <a:p>
+            <a:pPr lvl="1"/>
+            <a:r>
+              <a:rPr lang="en-US" sz="3038" i="1" dirty="0"/>
+              <a:t>Disclaimer</a:t>
+            </a:r>
+            <a:r>
+              <a:rPr lang="en-US" sz="3038" dirty="0"/>
+              <a:t>: this is based on my research work, and not something widespread in industry</a:t>
+            </a:r>
           </a:p>
         </p:txBody>
       </p:sp>
     </p:spTree>
     <p:extLst>
       <p:ext uri="{BB962C8B-B14F-4D97-AF65-F5344CB8AC3E}">
-        <p14:creationId xmlns:p14="http://schemas.microsoft.com/office/powerpoint/2010/main" val="1530916984"/>
+        <p14:creationId xmlns:p14="http://schemas.microsoft.com/office/powerpoint/2010/main" val="2799121574"/>
       </p:ext>
     </p:extLst>
   </p:cSld>
   <p:clrMapOvr>
     <a:masterClrMapping/>
   </p:clrMapOvr>
+  <p:transition spd="med"/>
 </p:sld>
 </file>
 
@@ -3746,7 +4004,7 @@
       </p:grpSpPr>
       <p:sp>
         <p:nvSpPr>
-          <p:cNvPr id="4" name="Title 3"/>
+          <p:cNvPr id="2" name="Title 1"/>
           <p:cNvSpPr>
             <a:spLocks noGrp="1"/>
           </p:cNvSpPr>
@@ -3754,25 +4012,28 @@
             <p:ph type="title"/>
           </p:nvPr>
         </p:nvSpPr>
-        <p:spPr/>
-        <p:txBody>
-          <a:bodyPr/>
-          <a:lstStyle/>
-          <a:p>
-            <a:r>
-              <a:rPr lang="en-US" dirty="0" err="1"/>
-              <a:t>Git</a:t>
-            </a:r>
+        <p:spPr>
+          <a:xfrm>
+            <a:off x="179294" y="73772"/>
+            <a:ext cx="10515600" cy="1325563"/>
+          </a:xfrm>
+        </p:spPr>
+        <p:txBody>
+          <a:bodyPr>
+            <a:normAutofit fontScale="90000"/>
+          </a:bodyPr>
+          <a:lstStyle/>
+          <a:p>
             <a:r>
               <a:rPr lang="en-US" dirty="0"/>
-              <a:t> Repository Modules</a:t>
-            </a:r>
-          </a:p>
-        </p:txBody>
-      </p:sp>
-      <p:sp>
-        <p:nvSpPr>
-          <p:cNvPr id="5" name="Content Placeholder 4"/>
+              <a:t>Example: Triangle Classification (TC)</a:t>
+            </a:r>
+          </a:p>
+        </p:txBody>
+      </p:sp>
+      <p:sp>
+        <p:nvSpPr>
+          <p:cNvPr id="3" name="Content Placeholder 2"/>
           <p:cNvSpPr>
             <a:spLocks noGrp="1"/>
           </p:cNvSpPr>
@@ -3782,8 +4043,5345 @@
         </p:nvSpPr>
         <p:spPr>
           <a:xfrm>
-            <a:off x="296561" y="1825625"/>
-            <a:ext cx="11532973" cy="4972740"/>
+            <a:off x="345141" y="5387787"/>
+            <a:ext cx="11698941" cy="1300163"/>
+          </a:xfrm>
+        </p:spPr>
+        <p:txBody>
+          <a:bodyPr>
+            <a:normAutofit fontScale="77500" lnSpcReduction="20000"/>
+          </a:bodyPr>
+          <a:lstStyle/>
+          <a:p>
+            <a:r>
+              <a:rPr lang="en-US" dirty="0"/>
+              <a:t>3 integer numbers (A, B and C) as input representing the length of the </a:t>
+            </a:r>
+            <a:r>
+              <a:rPr lang="en-US" i="1" dirty="0"/>
+              <a:t>edges</a:t>
+            </a:r>
+            <a:r>
+              <a:rPr lang="en-US" dirty="0"/>
+              <a:t> </a:t>
+            </a:r>
+          </a:p>
+          <a:p>
+            <a:r>
+              <a:rPr lang="en-US" dirty="0"/>
+              <a:t>4 possible outcomes</a:t>
+            </a:r>
+          </a:p>
+          <a:p>
+            <a:r>
+              <a:rPr lang="en-US" dirty="0"/>
+              <a:t>Does the </a:t>
+            </a:r>
+            <a:r>
+              <a:rPr lang="en-US" i="1" dirty="0"/>
+              <a:t>system under test</a:t>
+            </a:r>
+            <a:r>
+              <a:rPr lang="en-US" dirty="0"/>
+              <a:t> (SUT) give the right answer?</a:t>
+            </a:r>
+          </a:p>
+        </p:txBody>
+      </p:sp>
+      <p:sp>
+        <p:nvSpPr>
+          <p:cNvPr id="4" name="TextBox 3"/>
+          <p:cNvSpPr txBox="1"/>
+          <p:nvPr/>
+        </p:nvSpPr>
+        <p:spPr>
+          <a:xfrm>
+            <a:off x="1582271" y="2079789"/>
+            <a:ext cx="433132" cy="584775"/>
+          </a:xfrm>
+          <a:prstGeom prst="rect">
+            <a:avLst/>
+          </a:prstGeom>
+          <a:noFill/>
+        </p:spPr>
+        <p:txBody>
+          <a:bodyPr wrap="none" rtlCol="0">
+            <a:spAutoFit/>
+          </a:bodyPr>
+          <a:lstStyle/>
+          <a:p>
+            <a:pPr marL="0" marR="0" lvl="0" indent="0" algn="l" defTabSz="914400" rtl="0" eaLnBrk="1" fontAlgn="auto" latinLnBrk="0" hangingPunct="1">
+              <a:lnSpc>
+                <a:spcPct val="100000"/>
+              </a:lnSpc>
+              <a:spcBef>
+                <a:spcPts val="0"/>
+              </a:spcBef>
+              <a:spcAft>
+                <a:spcPts val="0"/>
+              </a:spcAft>
+              <a:buClrTx/>
+              <a:buSzTx/>
+              <a:buFontTx/>
+              <a:buNone/>
+              <a:tabLst/>
+              <a:defRPr/>
+            </a:pPr>
+            <a:r>
+              <a:rPr kumimoji="0" lang="en-US" sz="3200" b="1" i="0" u="none" strike="noStrike" kern="1200" cap="none" spc="0" normalizeH="0" baseline="0" noProof="0" dirty="0">
+                <a:ln>
+                  <a:noFill/>
+                </a:ln>
+                <a:solidFill>
+                  <a:prstClr val="black"/>
+                </a:solidFill>
+                <a:effectLst/>
+                <a:uLnTx/>
+                <a:uFillTx/>
+                <a:latin typeface="Calibri" panose="020F0502020204030204"/>
+                <a:ea typeface="+mn-ea"/>
+                <a:cs typeface="+mn-cs"/>
+              </a:rPr>
+              <a:t>A</a:t>
+            </a:r>
+          </a:p>
+        </p:txBody>
+      </p:sp>
+      <p:sp>
+        <p:nvSpPr>
+          <p:cNvPr id="5" name="TextBox 4"/>
+          <p:cNvSpPr txBox="1"/>
+          <p:nvPr/>
+        </p:nvSpPr>
+        <p:spPr>
+          <a:xfrm>
+            <a:off x="1582271" y="3101173"/>
+            <a:ext cx="415498" cy="584775"/>
+          </a:xfrm>
+          <a:prstGeom prst="rect">
+            <a:avLst/>
+          </a:prstGeom>
+          <a:noFill/>
+        </p:spPr>
+        <p:txBody>
+          <a:bodyPr wrap="none" rtlCol="0">
+            <a:spAutoFit/>
+          </a:bodyPr>
+          <a:lstStyle/>
+          <a:p>
+            <a:pPr marL="0" marR="0" lvl="0" indent="0" algn="l" defTabSz="914400" rtl="0" eaLnBrk="1" fontAlgn="auto" latinLnBrk="0" hangingPunct="1">
+              <a:lnSpc>
+                <a:spcPct val="100000"/>
+              </a:lnSpc>
+              <a:spcBef>
+                <a:spcPts val="0"/>
+              </a:spcBef>
+              <a:spcAft>
+                <a:spcPts val="0"/>
+              </a:spcAft>
+              <a:buClrTx/>
+              <a:buSzTx/>
+              <a:buFontTx/>
+              <a:buNone/>
+              <a:tabLst/>
+              <a:defRPr/>
+            </a:pPr>
+            <a:r>
+              <a:rPr kumimoji="0" lang="en-US" sz="3200" b="1" i="0" u="none" strike="noStrike" kern="1200" cap="none" spc="0" normalizeH="0" baseline="0" noProof="0" dirty="0">
+                <a:ln>
+                  <a:noFill/>
+                </a:ln>
+                <a:solidFill>
+                  <a:prstClr val="black"/>
+                </a:solidFill>
+                <a:effectLst/>
+                <a:uLnTx/>
+                <a:uFillTx/>
+                <a:latin typeface="Calibri" panose="020F0502020204030204"/>
+                <a:ea typeface="+mn-ea"/>
+                <a:cs typeface="+mn-cs"/>
+              </a:rPr>
+              <a:t>B</a:t>
+            </a:r>
+          </a:p>
+        </p:txBody>
+      </p:sp>
+      <p:sp>
+        <p:nvSpPr>
+          <p:cNvPr id="6" name="TextBox 5"/>
+          <p:cNvSpPr txBox="1"/>
+          <p:nvPr/>
+        </p:nvSpPr>
+        <p:spPr>
+          <a:xfrm>
+            <a:off x="1582271" y="4122557"/>
+            <a:ext cx="402674" cy="584775"/>
+          </a:xfrm>
+          <a:prstGeom prst="rect">
+            <a:avLst/>
+          </a:prstGeom>
+          <a:noFill/>
+        </p:spPr>
+        <p:txBody>
+          <a:bodyPr wrap="none" rtlCol="0">
+            <a:spAutoFit/>
+          </a:bodyPr>
+          <a:lstStyle/>
+          <a:p>
+            <a:pPr marL="0" marR="0" lvl="0" indent="0" algn="l" defTabSz="914400" rtl="0" eaLnBrk="1" fontAlgn="auto" latinLnBrk="0" hangingPunct="1">
+              <a:lnSpc>
+                <a:spcPct val="100000"/>
+              </a:lnSpc>
+              <a:spcBef>
+                <a:spcPts val="0"/>
+              </a:spcBef>
+              <a:spcAft>
+                <a:spcPts val="0"/>
+              </a:spcAft>
+              <a:buClrTx/>
+              <a:buSzTx/>
+              <a:buFontTx/>
+              <a:buNone/>
+              <a:tabLst/>
+              <a:defRPr/>
+            </a:pPr>
+            <a:r>
+              <a:rPr kumimoji="0" lang="en-US" sz="3200" b="1" i="0" u="none" strike="noStrike" kern="1200" cap="none" spc="0" normalizeH="0" baseline="0" noProof="0" dirty="0">
+                <a:ln>
+                  <a:noFill/>
+                </a:ln>
+                <a:solidFill>
+                  <a:prstClr val="black"/>
+                </a:solidFill>
+                <a:effectLst/>
+                <a:uLnTx/>
+                <a:uFillTx/>
+                <a:latin typeface="Calibri" panose="020F0502020204030204"/>
+                <a:ea typeface="+mn-ea"/>
+                <a:cs typeface="+mn-cs"/>
+              </a:rPr>
+              <a:t>C</a:t>
+            </a:r>
+          </a:p>
+        </p:txBody>
+      </p:sp>
+      <p:sp>
+        <p:nvSpPr>
+          <p:cNvPr id="7" name="Rounded Rectangle 6"/>
+          <p:cNvSpPr/>
+          <p:nvPr/>
+        </p:nvSpPr>
+        <p:spPr>
+          <a:xfrm>
+            <a:off x="3554505" y="2828783"/>
+            <a:ext cx="1178859" cy="1129553"/>
+          </a:xfrm>
+          <a:prstGeom prst="roundRect">
+            <a:avLst/>
+          </a:prstGeom>
+        </p:spPr>
+        <p:style>
+          <a:lnRef idx="2">
+            <a:schemeClr val="accent1">
+              <a:shade val="50000"/>
+            </a:schemeClr>
+          </a:lnRef>
+          <a:fillRef idx="1">
+            <a:schemeClr val="accent1"/>
+          </a:fillRef>
+          <a:effectRef idx="0">
+            <a:schemeClr val="accent1"/>
+          </a:effectRef>
+          <a:fontRef idx="minor">
+            <a:schemeClr val="lt1"/>
+          </a:fontRef>
+        </p:style>
+        <p:txBody>
+          <a:bodyPr rtlCol="0" anchor="ctr"/>
+          <a:lstStyle/>
+          <a:p>
+            <a:pPr marL="0" marR="0" lvl="0" indent="0" algn="ctr" defTabSz="914400" rtl="0" eaLnBrk="1" fontAlgn="auto" latinLnBrk="0" hangingPunct="1">
+              <a:lnSpc>
+                <a:spcPct val="100000"/>
+              </a:lnSpc>
+              <a:spcBef>
+                <a:spcPts val="0"/>
+              </a:spcBef>
+              <a:spcAft>
+                <a:spcPts val="0"/>
+              </a:spcAft>
+              <a:buClrTx/>
+              <a:buSzTx/>
+              <a:buFontTx/>
+              <a:buNone/>
+              <a:tabLst/>
+              <a:defRPr/>
+            </a:pPr>
+            <a:r>
+              <a:rPr kumimoji="0" lang="en-US" sz="3200" b="0" i="0" u="none" strike="noStrike" kern="1200" cap="none" spc="0" normalizeH="0" baseline="0" noProof="0" dirty="0">
+                <a:ln>
+                  <a:noFill/>
+                </a:ln>
+                <a:solidFill>
+                  <a:prstClr val="white"/>
+                </a:solidFill>
+                <a:effectLst/>
+                <a:uLnTx/>
+                <a:uFillTx/>
+                <a:latin typeface="Calibri" panose="020F0502020204030204"/>
+                <a:ea typeface="+mn-ea"/>
+                <a:cs typeface="+mn-cs"/>
+              </a:rPr>
+              <a:t>SUT</a:t>
+            </a:r>
+          </a:p>
+        </p:txBody>
+      </p:sp>
+      <p:sp>
+        <p:nvSpPr>
+          <p:cNvPr id="8" name="TextBox 7"/>
+          <p:cNvSpPr txBox="1"/>
+          <p:nvPr/>
+        </p:nvSpPr>
+        <p:spPr>
+          <a:xfrm>
+            <a:off x="6194611" y="1403795"/>
+            <a:ext cx="2002664" cy="584775"/>
+          </a:xfrm>
+          <a:prstGeom prst="rect">
+            <a:avLst/>
+          </a:prstGeom>
+          <a:noFill/>
+        </p:spPr>
+        <p:txBody>
+          <a:bodyPr wrap="none" rtlCol="0">
+            <a:spAutoFit/>
+          </a:bodyPr>
+          <a:lstStyle/>
+          <a:p>
+            <a:pPr marL="0" marR="0" lvl="0" indent="0" algn="l" defTabSz="914400" rtl="0" eaLnBrk="1" fontAlgn="auto" latinLnBrk="0" hangingPunct="1">
+              <a:lnSpc>
+                <a:spcPct val="100000"/>
+              </a:lnSpc>
+              <a:spcBef>
+                <a:spcPts val="0"/>
+              </a:spcBef>
+              <a:spcAft>
+                <a:spcPts val="0"/>
+              </a:spcAft>
+              <a:buClrTx/>
+              <a:buSzTx/>
+              <a:buFontTx/>
+              <a:buNone/>
+              <a:tabLst/>
+              <a:defRPr/>
+            </a:pPr>
+            <a:r>
+              <a:rPr kumimoji="0" lang="en-US" sz="3200" b="1" i="0" u="none" strike="noStrike" kern="1200" cap="none" spc="0" normalizeH="0" baseline="0" noProof="0" dirty="0">
+                <a:ln>
+                  <a:noFill/>
+                </a:ln>
+                <a:solidFill>
+                  <a:prstClr val="black"/>
+                </a:solidFill>
+                <a:effectLst/>
+                <a:uLnTx/>
+                <a:uFillTx/>
+                <a:latin typeface="Calibri" panose="020F0502020204030204"/>
+                <a:ea typeface="+mn-ea"/>
+                <a:cs typeface="+mn-cs"/>
+              </a:rPr>
+              <a:t>Equilateral</a:t>
+            </a:r>
+          </a:p>
+        </p:txBody>
+      </p:sp>
+      <p:sp>
+        <p:nvSpPr>
+          <p:cNvPr id="9" name="TextBox 8"/>
+          <p:cNvSpPr txBox="1"/>
+          <p:nvPr/>
+        </p:nvSpPr>
+        <p:spPr>
+          <a:xfrm>
+            <a:off x="6194611" y="2454813"/>
+            <a:ext cx="1691489" cy="584775"/>
+          </a:xfrm>
+          <a:prstGeom prst="rect">
+            <a:avLst/>
+          </a:prstGeom>
+          <a:noFill/>
+        </p:spPr>
+        <p:txBody>
+          <a:bodyPr wrap="none" rtlCol="0">
+            <a:spAutoFit/>
+          </a:bodyPr>
+          <a:lstStyle/>
+          <a:p>
+            <a:pPr marL="0" marR="0" lvl="0" indent="0" algn="l" defTabSz="914400" rtl="0" eaLnBrk="1" fontAlgn="auto" latinLnBrk="0" hangingPunct="1">
+              <a:lnSpc>
+                <a:spcPct val="100000"/>
+              </a:lnSpc>
+              <a:spcBef>
+                <a:spcPts val="0"/>
+              </a:spcBef>
+              <a:spcAft>
+                <a:spcPts val="0"/>
+              </a:spcAft>
+              <a:buClrTx/>
+              <a:buSzTx/>
+              <a:buFontTx/>
+              <a:buNone/>
+              <a:tabLst/>
+              <a:defRPr/>
+            </a:pPr>
+            <a:r>
+              <a:rPr kumimoji="0" lang="en-US" sz="3200" b="1" i="0" u="none" strike="noStrike" kern="1200" cap="none" spc="0" normalizeH="0" baseline="0" noProof="0" dirty="0">
+                <a:ln>
+                  <a:noFill/>
+                </a:ln>
+                <a:solidFill>
+                  <a:prstClr val="black"/>
+                </a:solidFill>
+                <a:effectLst/>
+                <a:uLnTx/>
+                <a:uFillTx/>
+                <a:latin typeface="Calibri" panose="020F0502020204030204"/>
+                <a:ea typeface="+mn-ea"/>
+                <a:cs typeface="+mn-cs"/>
+              </a:rPr>
+              <a:t>Isosceles</a:t>
+            </a:r>
+          </a:p>
+        </p:txBody>
+      </p:sp>
+      <p:sp>
+        <p:nvSpPr>
+          <p:cNvPr id="10" name="TextBox 9"/>
+          <p:cNvSpPr txBox="1"/>
+          <p:nvPr/>
+        </p:nvSpPr>
+        <p:spPr>
+          <a:xfrm>
+            <a:off x="6194611" y="3505831"/>
+            <a:ext cx="1483868" cy="584775"/>
+          </a:xfrm>
+          <a:prstGeom prst="rect">
+            <a:avLst/>
+          </a:prstGeom>
+          <a:noFill/>
+        </p:spPr>
+        <p:txBody>
+          <a:bodyPr wrap="none" rtlCol="0">
+            <a:spAutoFit/>
+          </a:bodyPr>
+          <a:lstStyle/>
+          <a:p>
+            <a:pPr marL="0" marR="0" lvl="0" indent="0" algn="l" defTabSz="914400" rtl="0" eaLnBrk="1" fontAlgn="auto" latinLnBrk="0" hangingPunct="1">
+              <a:lnSpc>
+                <a:spcPct val="100000"/>
+              </a:lnSpc>
+              <a:spcBef>
+                <a:spcPts val="0"/>
+              </a:spcBef>
+              <a:spcAft>
+                <a:spcPts val="0"/>
+              </a:spcAft>
+              <a:buClrTx/>
+              <a:buSzTx/>
+              <a:buFontTx/>
+              <a:buNone/>
+              <a:tabLst/>
+              <a:defRPr/>
+            </a:pPr>
+            <a:r>
+              <a:rPr kumimoji="0" lang="en-US" sz="3200" b="1" i="0" u="none" strike="noStrike" kern="1200" cap="none" spc="0" normalizeH="0" baseline="0" noProof="0" dirty="0">
+                <a:ln>
+                  <a:noFill/>
+                </a:ln>
+                <a:solidFill>
+                  <a:prstClr val="black"/>
+                </a:solidFill>
+                <a:effectLst/>
+                <a:uLnTx/>
+                <a:uFillTx/>
+                <a:latin typeface="Calibri" panose="020F0502020204030204"/>
+                <a:ea typeface="+mn-ea"/>
+                <a:cs typeface="+mn-cs"/>
+              </a:rPr>
+              <a:t>Scalene</a:t>
+            </a:r>
+          </a:p>
+        </p:txBody>
+      </p:sp>
+      <p:sp>
+        <p:nvSpPr>
+          <p:cNvPr id="11" name="TextBox 10"/>
+          <p:cNvSpPr txBox="1"/>
+          <p:nvPr/>
+        </p:nvSpPr>
+        <p:spPr>
+          <a:xfrm>
+            <a:off x="6204989" y="4446786"/>
+            <a:ext cx="2520242" cy="584775"/>
+          </a:xfrm>
+          <a:prstGeom prst="rect">
+            <a:avLst/>
+          </a:prstGeom>
+          <a:noFill/>
+        </p:spPr>
+        <p:txBody>
+          <a:bodyPr wrap="none" rtlCol="0">
+            <a:spAutoFit/>
+          </a:bodyPr>
+          <a:lstStyle/>
+          <a:p>
+            <a:pPr marL="0" marR="0" lvl="0" indent="0" algn="l" defTabSz="914400" rtl="0" eaLnBrk="1" fontAlgn="auto" latinLnBrk="0" hangingPunct="1">
+              <a:lnSpc>
+                <a:spcPct val="100000"/>
+              </a:lnSpc>
+              <a:spcBef>
+                <a:spcPts val="0"/>
+              </a:spcBef>
+              <a:spcAft>
+                <a:spcPts val="0"/>
+              </a:spcAft>
+              <a:buClrTx/>
+              <a:buSzTx/>
+              <a:buFontTx/>
+              <a:buNone/>
+              <a:tabLst/>
+              <a:defRPr/>
+            </a:pPr>
+            <a:r>
+              <a:rPr kumimoji="0" lang="en-US" sz="3200" b="1" i="0" u="none" strike="noStrike" kern="1200" cap="none" spc="0" normalizeH="0" baseline="0" noProof="0" dirty="0">
+                <a:ln>
+                  <a:noFill/>
+                </a:ln>
+                <a:solidFill>
+                  <a:prstClr val="black"/>
+                </a:solidFill>
+                <a:effectLst/>
+                <a:uLnTx/>
+                <a:uFillTx/>
+                <a:latin typeface="Calibri" panose="020F0502020204030204"/>
+                <a:ea typeface="+mn-ea"/>
+                <a:cs typeface="+mn-cs"/>
+              </a:rPr>
+              <a:t>Not a triangle</a:t>
+            </a:r>
+          </a:p>
+        </p:txBody>
+      </p:sp>
+      <p:pic>
+        <p:nvPicPr>
+          <p:cNvPr id="1026" name="Picture 2" descr="https://upload.wikimedia.org/wikipedia/commons/thumb/9/96/Triangle.Equilateral.svg/1200px-Triangle.Equilateral.svg.png"/>
+          <p:cNvPicPr>
+            <a:picLocks noChangeAspect="1" noChangeArrowheads="1"/>
+          </p:cNvPicPr>
+          <p:nvPr/>
+        </p:nvPicPr>
+        <p:blipFill>
+          <a:blip r:embed="rId2" cstate="print">
+            <a:extLst>
+              <a:ext uri="{28A0092B-C50C-407E-A947-70E740481C1C}">
+                <a14:useLocalDpi xmlns:a14="http://schemas.microsoft.com/office/drawing/2010/main" val="0"/>
+              </a:ext>
+            </a:extLst>
+          </a:blip>
+          <a:srcRect/>
+          <a:stretch>
+            <a:fillRect/>
+          </a:stretch>
+        </p:blipFill>
+        <p:spPr bwMode="auto">
+          <a:xfrm>
+            <a:off x="9049081" y="1338217"/>
+            <a:ext cx="794006" cy="715929"/>
+          </a:xfrm>
+          <a:prstGeom prst="rect">
+            <a:avLst/>
+          </a:prstGeom>
+          <a:noFill/>
+          <a:extLst>
+            <a:ext uri="{909E8E84-426E-40DD-AFC4-6F175D3DCCD1}">
+              <a14:hiddenFill xmlns:a14="http://schemas.microsoft.com/office/drawing/2010/main">
+                <a:solidFill>
+                  <a:srgbClr val="FFFFFF"/>
+                </a:solidFill>
+              </a14:hiddenFill>
+            </a:ext>
+          </a:extLst>
+        </p:spPr>
+      </p:pic>
+      <p:pic>
+        <p:nvPicPr>
+          <p:cNvPr id="1030" name="Picture 6" descr="Related image"/>
+          <p:cNvPicPr>
+            <a:picLocks noChangeAspect="1" noChangeArrowheads="1"/>
+          </p:cNvPicPr>
+          <p:nvPr/>
+        </p:nvPicPr>
+        <p:blipFill>
+          <a:blip r:embed="rId3" cstate="print">
+            <a:extLst>
+              <a:ext uri="{28A0092B-C50C-407E-A947-70E740481C1C}">
+                <a14:useLocalDpi xmlns:a14="http://schemas.microsoft.com/office/drawing/2010/main" val="0"/>
+              </a:ext>
+            </a:extLst>
+          </a:blip>
+          <a:srcRect/>
+          <a:stretch>
+            <a:fillRect/>
+          </a:stretch>
+        </p:blipFill>
+        <p:spPr bwMode="auto">
+          <a:xfrm>
+            <a:off x="9180126" y="2220438"/>
+            <a:ext cx="531916" cy="819150"/>
+          </a:xfrm>
+          <a:prstGeom prst="rect">
+            <a:avLst/>
+          </a:prstGeom>
+          <a:noFill/>
+          <a:extLst>
+            <a:ext uri="{909E8E84-426E-40DD-AFC4-6F175D3DCCD1}">
+              <a14:hiddenFill xmlns:a14="http://schemas.microsoft.com/office/drawing/2010/main">
+                <a:solidFill>
+                  <a:srgbClr val="FFFFFF"/>
+                </a:solidFill>
+              </a14:hiddenFill>
+            </a:ext>
+          </a:extLst>
+        </p:spPr>
+      </p:pic>
+      <p:pic>
+        <p:nvPicPr>
+          <p:cNvPr id="1032" name="Picture 8" descr="https://upload.wikimedia.org/wikipedia/commons/thumb/0/05/Triangle.Obtuse.svg/220px-Triangle.Obtuse.svg.png"/>
+          <p:cNvPicPr>
+            <a:picLocks noChangeAspect="1" noChangeArrowheads="1"/>
+          </p:cNvPicPr>
+          <p:nvPr/>
+        </p:nvPicPr>
+        <p:blipFill>
+          <a:blip r:embed="rId4" cstate="print">
+            <a:extLst>
+              <a:ext uri="{28A0092B-C50C-407E-A947-70E740481C1C}">
+                <a14:useLocalDpi xmlns:a14="http://schemas.microsoft.com/office/drawing/2010/main" val="0"/>
+              </a:ext>
+            </a:extLst>
+          </a:blip>
+          <a:srcRect/>
+          <a:stretch>
+            <a:fillRect/>
+          </a:stretch>
+        </p:blipFill>
+        <p:spPr bwMode="auto">
+          <a:xfrm>
+            <a:off x="9049081" y="3340913"/>
+            <a:ext cx="851663" cy="851664"/>
+          </a:xfrm>
+          <a:prstGeom prst="rect">
+            <a:avLst/>
+          </a:prstGeom>
+          <a:noFill/>
+          <a:extLst>
+            <a:ext uri="{909E8E84-426E-40DD-AFC4-6F175D3DCCD1}">
+              <a14:hiddenFill xmlns:a14="http://schemas.microsoft.com/office/drawing/2010/main">
+                <a:solidFill>
+                  <a:srgbClr val="FFFFFF"/>
+                </a:solidFill>
+              </a14:hiddenFill>
+            </a:ext>
+          </a:extLst>
+        </p:spPr>
+      </p:pic>
+      <p:cxnSp>
+        <p:nvCxnSpPr>
+          <p:cNvPr id="13" name="Straight Arrow Connector 12"/>
+          <p:cNvCxnSpPr>
+            <a:stCxn id="4" idx="3"/>
+          </p:cNvCxnSpPr>
+          <p:nvPr/>
+        </p:nvCxnSpPr>
+        <p:spPr>
+          <a:xfrm>
+            <a:off x="2015403" y="2372177"/>
+            <a:ext cx="1539102" cy="904423"/>
+          </a:xfrm>
+          <a:prstGeom prst="straightConnector1">
+            <a:avLst/>
+          </a:prstGeom>
+          <a:ln w="50800">
+            <a:solidFill>
+              <a:schemeClr val="tx1"/>
+            </a:solidFill>
+            <a:tailEnd type="triangle"/>
+          </a:ln>
+        </p:spPr>
+        <p:style>
+          <a:lnRef idx="1">
+            <a:schemeClr val="accent1"/>
+          </a:lnRef>
+          <a:fillRef idx="0">
+            <a:schemeClr val="accent1"/>
+          </a:fillRef>
+          <a:effectRef idx="0">
+            <a:schemeClr val="accent1"/>
+          </a:effectRef>
+          <a:fontRef idx="minor">
+            <a:schemeClr val="tx1"/>
+          </a:fontRef>
+        </p:style>
+      </p:cxnSp>
+      <p:cxnSp>
+        <p:nvCxnSpPr>
+          <p:cNvPr id="18" name="Straight Arrow Connector 17"/>
+          <p:cNvCxnSpPr>
+            <a:stCxn id="7" idx="3"/>
+            <a:endCxn id="11" idx="1"/>
+          </p:cNvCxnSpPr>
+          <p:nvPr/>
+        </p:nvCxnSpPr>
+        <p:spPr>
+          <a:xfrm>
+            <a:off x="4733364" y="3393560"/>
+            <a:ext cx="1471625" cy="1345614"/>
+          </a:xfrm>
+          <a:prstGeom prst="straightConnector1">
+            <a:avLst/>
+          </a:prstGeom>
+          <a:ln w="50800">
+            <a:solidFill>
+              <a:schemeClr val="tx1"/>
+            </a:solidFill>
+            <a:tailEnd type="triangle"/>
+          </a:ln>
+        </p:spPr>
+        <p:style>
+          <a:lnRef idx="1">
+            <a:schemeClr val="accent1"/>
+          </a:lnRef>
+          <a:fillRef idx="0">
+            <a:schemeClr val="accent1"/>
+          </a:fillRef>
+          <a:effectRef idx="0">
+            <a:schemeClr val="accent1"/>
+          </a:effectRef>
+          <a:fontRef idx="minor">
+            <a:schemeClr val="tx1"/>
+          </a:fontRef>
+        </p:style>
+      </p:cxnSp>
+      <p:cxnSp>
+        <p:nvCxnSpPr>
+          <p:cNvPr id="19" name="Straight Arrow Connector 18"/>
+          <p:cNvCxnSpPr>
+            <a:stCxn id="7" idx="3"/>
+            <a:endCxn id="10" idx="1"/>
+          </p:cNvCxnSpPr>
+          <p:nvPr/>
+        </p:nvCxnSpPr>
+        <p:spPr>
+          <a:xfrm>
+            <a:off x="4733364" y="3393560"/>
+            <a:ext cx="1461247" cy="404659"/>
+          </a:xfrm>
+          <a:prstGeom prst="straightConnector1">
+            <a:avLst/>
+          </a:prstGeom>
+          <a:ln w="50800">
+            <a:solidFill>
+              <a:schemeClr val="tx1"/>
+            </a:solidFill>
+            <a:tailEnd type="triangle"/>
+          </a:ln>
+        </p:spPr>
+        <p:style>
+          <a:lnRef idx="1">
+            <a:schemeClr val="accent1"/>
+          </a:lnRef>
+          <a:fillRef idx="0">
+            <a:schemeClr val="accent1"/>
+          </a:fillRef>
+          <a:effectRef idx="0">
+            <a:schemeClr val="accent1"/>
+          </a:effectRef>
+          <a:fontRef idx="minor">
+            <a:schemeClr val="tx1"/>
+          </a:fontRef>
+        </p:style>
+      </p:cxnSp>
+      <p:cxnSp>
+        <p:nvCxnSpPr>
+          <p:cNvPr id="20" name="Straight Arrow Connector 19"/>
+          <p:cNvCxnSpPr>
+            <a:stCxn id="7" idx="3"/>
+            <a:endCxn id="9" idx="1"/>
+          </p:cNvCxnSpPr>
+          <p:nvPr/>
+        </p:nvCxnSpPr>
+        <p:spPr>
+          <a:xfrm flipV="1">
+            <a:off x="4733364" y="2747201"/>
+            <a:ext cx="1461247" cy="646359"/>
+          </a:xfrm>
+          <a:prstGeom prst="straightConnector1">
+            <a:avLst/>
+          </a:prstGeom>
+          <a:ln w="50800">
+            <a:solidFill>
+              <a:schemeClr val="tx1"/>
+            </a:solidFill>
+            <a:tailEnd type="triangle"/>
+          </a:ln>
+        </p:spPr>
+        <p:style>
+          <a:lnRef idx="1">
+            <a:schemeClr val="accent1"/>
+          </a:lnRef>
+          <a:fillRef idx="0">
+            <a:schemeClr val="accent1"/>
+          </a:fillRef>
+          <a:effectRef idx="0">
+            <a:schemeClr val="accent1"/>
+          </a:effectRef>
+          <a:fontRef idx="minor">
+            <a:schemeClr val="tx1"/>
+          </a:fontRef>
+        </p:style>
+      </p:cxnSp>
+      <p:cxnSp>
+        <p:nvCxnSpPr>
+          <p:cNvPr id="21" name="Straight Arrow Connector 20"/>
+          <p:cNvCxnSpPr>
+            <a:stCxn id="7" idx="3"/>
+            <a:endCxn id="8" idx="1"/>
+          </p:cNvCxnSpPr>
+          <p:nvPr/>
+        </p:nvCxnSpPr>
+        <p:spPr>
+          <a:xfrm flipV="1">
+            <a:off x="4733364" y="1696183"/>
+            <a:ext cx="1461247" cy="1697377"/>
+          </a:xfrm>
+          <a:prstGeom prst="straightConnector1">
+            <a:avLst/>
+          </a:prstGeom>
+          <a:ln w="50800">
+            <a:solidFill>
+              <a:schemeClr val="tx1"/>
+            </a:solidFill>
+            <a:tailEnd type="triangle"/>
+          </a:ln>
+        </p:spPr>
+        <p:style>
+          <a:lnRef idx="1">
+            <a:schemeClr val="accent1"/>
+          </a:lnRef>
+          <a:fillRef idx="0">
+            <a:schemeClr val="accent1"/>
+          </a:fillRef>
+          <a:effectRef idx="0">
+            <a:schemeClr val="accent1"/>
+          </a:effectRef>
+          <a:fontRef idx="minor">
+            <a:schemeClr val="tx1"/>
+          </a:fontRef>
+        </p:style>
+      </p:cxnSp>
+      <p:cxnSp>
+        <p:nvCxnSpPr>
+          <p:cNvPr id="30" name="Straight Arrow Connector 29"/>
+          <p:cNvCxnSpPr>
+            <a:stCxn id="5" idx="3"/>
+            <a:endCxn id="7" idx="1"/>
+          </p:cNvCxnSpPr>
+          <p:nvPr/>
+        </p:nvCxnSpPr>
+        <p:spPr>
+          <a:xfrm flipV="1">
+            <a:off x="1997769" y="3393560"/>
+            <a:ext cx="1556736" cy="1"/>
+          </a:xfrm>
+          <a:prstGeom prst="straightConnector1">
+            <a:avLst/>
+          </a:prstGeom>
+          <a:ln w="50800">
+            <a:solidFill>
+              <a:schemeClr val="tx1"/>
+            </a:solidFill>
+            <a:tailEnd type="triangle"/>
+          </a:ln>
+        </p:spPr>
+        <p:style>
+          <a:lnRef idx="1">
+            <a:schemeClr val="accent1"/>
+          </a:lnRef>
+          <a:fillRef idx="0">
+            <a:schemeClr val="accent1"/>
+          </a:fillRef>
+          <a:effectRef idx="0">
+            <a:schemeClr val="accent1"/>
+          </a:effectRef>
+          <a:fontRef idx="minor">
+            <a:schemeClr val="tx1"/>
+          </a:fontRef>
+        </p:style>
+      </p:cxnSp>
+      <p:cxnSp>
+        <p:nvCxnSpPr>
+          <p:cNvPr id="31" name="Straight Arrow Connector 30"/>
+          <p:cNvCxnSpPr>
+            <a:stCxn id="6" idx="3"/>
+          </p:cNvCxnSpPr>
+          <p:nvPr/>
+        </p:nvCxnSpPr>
+        <p:spPr>
+          <a:xfrm flipV="1">
+            <a:off x="1984945" y="3505831"/>
+            <a:ext cx="1569560" cy="909114"/>
+          </a:xfrm>
+          <a:prstGeom prst="straightConnector1">
+            <a:avLst/>
+          </a:prstGeom>
+          <a:ln w="50800">
+            <a:solidFill>
+              <a:schemeClr val="tx1"/>
+            </a:solidFill>
+            <a:tailEnd type="triangle"/>
+          </a:ln>
+        </p:spPr>
+        <p:style>
+          <a:lnRef idx="1">
+            <a:schemeClr val="accent1"/>
+          </a:lnRef>
+          <a:fillRef idx="0">
+            <a:schemeClr val="accent1"/>
+          </a:fillRef>
+          <a:effectRef idx="0">
+            <a:schemeClr val="accent1"/>
+          </a:effectRef>
+          <a:fontRef idx="minor">
+            <a:schemeClr val="tx1"/>
+          </a:fontRef>
+        </p:style>
+      </p:cxnSp>
+      <p:sp>
+        <p:nvSpPr>
+          <p:cNvPr id="1027" name="TextBox 1026"/>
+          <p:cNvSpPr txBox="1"/>
+          <p:nvPr/>
+        </p:nvSpPr>
+        <p:spPr>
+          <a:xfrm>
+            <a:off x="4722986" y="1696183"/>
+            <a:ext cx="856325" cy="369332"/>
+          </a:xfrm>
+          <a:prstGeom prst="rect">
+            <a:avLst/>
+          </a:prstGeom>
+          <a:noFill/>
+        </p:spPr>
+        <p:txBody>
+          <a:bodyPr wrap="none" rtlCol="0">
+            <a:spAutoFit/>
+          </a:bodyPr>
+          <a:lstStyle/>
+          <a:p>
+            <a:pPr marL="0" marR="0" lvl="0" indent="0" algn="l" defTabSz="914400" rtl="0" eaLnBrk="1" fontAlgn="auto" latinLnBrk="0" hangingPunct="1">
+              <a:lnSpc>
+                <a:spcPct val="100000"/>
+              </a:lnSpc>
+              <a:spcBef>
+                <a:spcPts val="0"/>
+              </a:spcBef>
+              <a:spcAft>
+                <a:spcPts val="0"/>
+              </a:spcAft>
+              <a:buClrTx/>
+              <a:buSzTx/>
+              <a:buFontTx/>
+              <a:buNone/>
+              <a:tabLst/>
+              <a:defRPr/>
+            </a:pPr>
+            <a:r>
+              <a:rPr kumimoji="0" lang="en-US" sz="1800" b="0" i="0" u="none" strike="noStrike" kern="1200" cap="none" spc="0" normalizeH="0" baseline="0" noProof="0" dirty="0">
+                <a:ln>
+                  <a:noFill/>
+                </a:ln>
+                <a:solidFill>
+                  <a:prstClr val="black"/>
+                </a:solidFill>
+                <a:effectLst/>
+                <a:uLnTx/>
+                <a:uFillTx/>
+                <a:latin typeface="Calibri" panose="020F0502020204030204"/>
+                <a:ea typeface="+mn-ea"/>
+                <a:cs typeface="+mn-cs"/>
+              </a:rPr>
+              <a:t>Output</a:t>
+            </a:r>
+          </a:p>
+        </p:txBody>
+      </p:sp>
+      <p:sp>
+        <p:nvSpPr>
+          <p:cNvPr id="39" name="TextBox 38"/>
+          <p:cNvSpPr txBox="1"/>
+          <p:nvPr/>
+        </p:nvSpPr>
+        <p:spPr>
+          <a:xfrm>
+            <a:off x="2178370" y="1700824"/>
+            <a:ext cx="684803" cy="369332"/>
+          </a:xfrm>
+          <a:prstGeom prst="rect">
+            <a:avLst/>
+          </a:prstGeom>
+          <a:noFill/>
+        </p:spPr>
+        <p:txBody>
+          <a:bodyPr wrap="none" rtlCol="0">
+            <a:spAutoFit/>
+          </a:bodyPr>
+          <a:lstStyle/>
+          <a:p>
+            <a:pPr marL="0" marR="0" lvl="0" indent="0" algn="l" defTabSz="914400" rtl="0" eaLnBrk="1" fontAlgn="auto" latinLnBrk="0" hangingPunct="1">
+              <a:lnSpc>
+                <a:spcPct val="100000"/>
+              </a:lnSpc>
+              <a:spcBef>
+                <a:spcPts val="0"/>
+              </a:spcBef>
+              <a:spcAft>
+                <a:spcPts val="0"/>
+              </a:spcAft>
+              <a:buClrTx/>
+              <a:buSzTx/>
+              <a:buFontTx/>
+              <a:buNone/>
+              <a:tabLst/>
+              <a:defRPr/>
+            </a:pPr>
+            <a:r>
+              <a:rPr kumimoji="0" lang="en-US" sz="1800" b="0" i="0" u="none" strike="noStrike" kern="1200" cap="none" spc="0" normalizeH="0" baseline="0" noProof="0" dirty="0">
+                <a:ln>
+                  <a:noFill/>
+                </a:ln>
+                <a:solidFill>
+                  <a:prstClr val="black"/>
+                </a:solidFill>
+                <a:effectLst/>
+                <a:uLnTx/>
+                <a:uFillTx/>
+                <a:latin typeface="Calibri" panose="020F0502020204030204"/>
+                <a:ea typeface="+mn-ea"/>
+                <a:cs typeface="+mn-cs"/>
+              </a:rPr>
+              <a:t>Input</a:t>
+            </a:r>
+          </a:p>
+        </p:txBody>
+      </p:sp>
+    </p:spTree>
+    <p:extLst>
+      <p:ext uri="{BB962C8B-B14F-4D97-AF65-F5344CB8AC3E}">
+        <p14:creationId xmlns:p14="http://schemas.microsoft.com/office/powerpoint/2010/main" val="2976408441"/>
+      </p:ext>
+    </p:extLst>
+  </p:cSld>
+  <p:clrMapOvr>
+    <a:masterClrMapping/>
+  </p:clrMapOvr>
+</p:sld>
+</file>
+
+<file path=ppt/slides/slide14.xml><?xml version="1.0" encoding="utf-8"?>
+<p:sld xmlns:a="http://schemas.openxmlformats.org/drawingml/2006/main" xmlns:r="http://schemas.openxmlformats.org/officeDocument/2006/relationships" xmlns:p="http://schemas.openxmlformats.org/presentationml/2006/main">
+  <p:cSld>
+    <p:spTree>
+      <p:nvGrpSpPr>
+        <p:cNvPr id="1" name=""/>
+        <p:cNvGrpSpPr/>
+        <p:nvPr/>
+      </p:nvGrpSpPr>
+      <p:grpSpPr>
+        <a:xfrm>
+          <a:off x="0" y="0"/>
+          <a:ext cx="0" cy="0"/>
+          <a:chOff x="0" y="0"/>
+          <a:chExt cx="0" cy="0"/>
+        </a:xfrm>
+      </p:grpSpPr>
+      <p:sp>
+        <p:nvSpPr>
+          <p:cNvPr id="2" name="Title 1"/>
+          <p:cNvSpPr>
+            <a:spLocks noGrp="1"/>
+          </p:cNvSpPr>
+          <p:nvPr>
+            <p:ph type="title"/>
+          </p:nvPr>
+        </p:nvSpPr>
+        <p:spPr/>
+        <p:txBody>
+          <a:bodyPr/>
+          <a:lstStyle/>
+          <a:p>
+            <a:r>
+              <a:rPr lang="en-US" dirty="0"/>
+              <a:t>How to test TC? </a:t>
+            </a:r>
+          </a:p>
+        </p:txBody>
+      </p:sp>
+      <mc:AlternateContent xmlns:mc="http://schemas.openxmlformats.org/markup-compatibility/2006" xmlns:a14="http://schemas.microsoft.com/office/drawing/2010/main">
+        <mc:Choice Requires="a14">
+          <p:sp>
+            <p:nvSpPr>
+              <p:cNvPr id="3" name="Content Placeholder 2"/>
+              <p:cNvSpPr>
+                <a:spLocks noGrp="1"/>
+              </p:cNvSpPr>
+              <p:nvPr>
+                <p:ph idx="1"/>
+              </p:nvPr>
+            </p:nvSpPr>
+            <p:spPr>
+              <a:xfrm>
+                <a:off x="279400" y="1825624"/>
+                <a:ext cx="11753850" cy="4867275"/>
+              </a:xfrm>
+            </p:spPr>
+            <p:txBody>
+              <a:bodyPr>
+                <a:normAutofit/>
+              </a:bodyPr>
+              <a:lstStyle/>
+              <a:p>
+                <a:r>
+                  <a:rPr lang="en-US" sz="3600" dirty="0"/>
+                  <a:t>If numbers are 32 bit integers, there are </a:t>
+                </a:r>
+                <a14:m>
+                  <m:oMath xmlns:m="http://schemas.openxmlformats.org/officeDocument/2006/math">
+                    <m:sSup>
+                      <m:sSupPr>
+                        <m:ctrlPr>
+                          <a:rPr lang="en-US" sz="3600" b="0" i="1" smtClean="0">
+                            <a:latin typeface="Cambria Math" panose="02040503050406030204" pitchFamily="18" charset="0"/>
+                          </a:rPr>
+                        </m:ctrlPr>
+                      </m:sSupPr>
+                      <m:e>
+                        <m:r>
+                          <a:rPr lang="en-US" sz="3600" b="0" i="1" smtClean="0">
+                            <a:latin typeface="Cambria Math" panose="02040503050406030204" pitchFamily="18" charset="0"/>
+                          </a:rPr>
+                          <m:t>2</m:t>
+                        </m:r>
+                      </m:e>
+                      <m:sup>
+                        <m:r>
+                          <a:rPr lang="en-US" sz="3600" b="0" i="1" smtClean="0">
+                            <a:latin typeface="Cambria Math" panose="02040503050406030204" pitchFamily="18" charset="0"/>
+                          </a:rPr>
+                          <m:t>32</m:t>
+                        </m:r>
+                      </m:sup>
+                    </m:sSup>
+                    <m:r>
+                      <a:rPr lang="en-US" sz="3600" b="0" i="1" smtClean="0">
+                        <a:latin typeface="Cambria Math" panose="02040503050406030204" pitchFamily="18" charset="0"/>
+                      </a:rPr>
+                      <m:t>∗</m:t>
+                    </m:r>
+                    <m:sSup>
+                      <m:sSupPr>
+                        <m:ctrlPr>
+                          <a:rPr lang="en-US" sz="3600" b="0" i="1" smtClean="0">
+                            <a:latin typeface="Cambria Math" panose="02040503050406030204" pitchFamily="18" charset="0"/>
+                          </a:rPr>
+                        </m:ctrlPr>
+                      </m:sSupPr>
+                      <m:e>
+                        <m:r>
+                          <a:rPr lang="en-US" sz="3600" b="0" i="1" smtClean="0">
+                            <a:latin typeface="Cambria Math" panose="02040503050406030204" pitchFamily="18" charset="0"/>
+                          </a:rPr>
+                          <m:t>2</m:t>
+                        </m:r>
+                      </m:e>
+                      <m:sup>
+                        <m:r>
+                          <a:rPr lang="en-US" sz="3600" b="0" i="1" smtClean="0">
+                            <a:latin typeface="Cambria Math" panose="02040503050406030204" pitchFamily="18" charset="0"/>
+                          </a:rPr>
+                          <m:t>32</m:t>
+                        </m:r>
+                      </m:sup>
+                    </m:sSup>
+                    <m:r>
+                      <a:rPr lang="en-US" sz="3600" b="0" i="1" smtClean="0">
+                        <a:latin typeface="Cambria Math" panose="02040503050406030204" pitchFamily="18" charset="0"/>
+                      </a:rPr>
+                      <m:t>∗</m:t>
+                    </m:r>
+                    <m:sSup>
+                      <m:sSupPr>
+                        <m:ctrlPr>
+                          <a:rPr lang="en-US" sz="3600" b="0" i="1" smtClean="0">
+                            <a:latin typeface="Cambria Math" panose="02040503050406030204" pitchFamily="18" charset="0"/>
+                          </a:rPr>
+                        </m:ctrlPr>
+                      </m:sSupPr>
+                      <m:e>
+                        <m:r>
+                          <a:rPr lang="en-US" sz="3600" b="0" i="1" smtClean="0">
+                            <a:latin typeface="Cambria Math" panose="02040503050406030204" pitchFamily="18" charset="0"/>
+                          </a:rPr>
+                          <m:t>2</m:t>
+                        </m:r>
+                      </m:e>
+                      <m:sup>
+                        <m:r>
+                          <a:rPr lang="en-US" sz="3600" b="0" i="1" smtClean="0">
+                            <a:latin typeface="Cambria Math" panose="02040503050406030204" pitchFamily="18" charset="0"/>
+                          </a:rPr>
+                          <m:t>32</m:t>
+                        </m:r>
+                      </m:sup>
+                    </m:sSup>
+                    <m:r>
+                      <a:rPr lang="en-US" sz="3600" b="0" i="1" smtClean="0">
+                        <a:latin typeface="Cambria Math" panose="02040503050406030204" pitchFamily="18" charset="0"/>
+                      </a:rPr>
+                      <m:t>=</m:t>
+                    </m:r>
+                    <m:sSup>
+                      <m:sSupPr>
+                        <m:ctrlPr>
+                          <a:rPr lang="en-US" sz="3600" b="0" i="1" smtClean="0">
+                            <a:latin typeface="Cambria Math" panose="02040503050406030204" pitchFamily="18" charset="0"/>
+                          </a:rPr>
+                        </m:ctrlPr>
+                      </m:sSupPr>
+                      <m:e>
+                        <m:r>
+                          <a:rPr lang="en-US" sz="3600" b="0" i="1" smtClean="0">
+                            <a:latin typeface="Cambria Math" panose="02040503050406030204" pitchFamily="18" charset="0"/>
+                          </a:rPr>
+                          <m:t>2</m:t>
+                        </m:r>
+                      </m:e>
+                      <m:sup>
+                        <m:r>
+                          <a:rPr lang="en-US" sz="3600" b="0" i="1" smtClean="0">
+                            <a:latin typeface="Cambria Math" panose="02040503050406030204" pitchFamily="18" charset="0"/>
+                          </a:rPr>
+                          <m:t>96</m:t>
+                        </m:r>
+                      </m:sup>
+                    </m:sSup>
+                    <m:r>
+                      <a:rPr lang="en-US" sz="3600" i="1">
+                        <a:latin typeface="Cambria Math" panose="02040503050406030204" pitchFamily="18" charset="0"/>
+                      </a:rPr>
+                      <m:t>=79</m:t>
+                    </m:r>
+                    <m:r>
+                      <a:rPr lang="en-US" sz="3600" b="0" i="1" smtClean="0">
+                        <a:latin typeface="Cambria Math" panose="02040503050406030204" pitchFamily="18" charset="0"/>
+                      </a:rPr>
+                      <m:t>,</m:t>
+                    </m:r>
+                    <m:r>
+                      <a:rPr lang="en-US" sz="3600" i="1">
+                        <a:latin typeface="Cambria Math" panose="02040503050406030204" pitchFamily="18" charset="0"/>
+                      </a:rPr>
+                      <m:t>228</m:t>
+                    </m:r>
+                    <m:r>
+                      <a:rPr lang="en-US" sz="3600" b="0" i="1" smtClean="0">
+                        <a:latin typeface="Cambria Math" panose="02040503050406030204" pitchFamily="18" charset="0"/>
+                      </a:rPr>
+                      <m:t>,</m:t>
+                    </m:r>
+                    <m:r>
+                      <a:rPr lang="en-US" sz="3600" i="1">
+                        <a:latin typeface="Cambria Math" panose="02040503050406030204" pitchFamily="18" charset="0"/>
+                      </a:rPr>
+                      <m:t>162</m:t>
+                    </m:r>
+                    <m:r>
+                      <a:rPr lang="en-US" sz="3600" b="0" i="1" smtClean="0">
+                        <a:latin typeface="Cambria Math" panose="02040503050406030204" pitchFamily="18" charset="0"/>
+                      </a:rPr>
+                      <m:t>,</m:t>
+                    </m:r>
+                    <m:r>
+                      <a:rPr lang="en-US" sz="3600" i="1">
+                        <a:latin typeface="Cambria Math" panose="02040503050406030204" pitchFamily="18" charset="0"/>
+                      </a:rPr>
+                      <m:t>514</m:t>
+                    </m:r>
+                    <m:r>
+                      <a:rPr lang="en-US" sz="3600" b="0" i="1" smtClean="0">
+                        <a:latin typeface="Cambria Math" panose="02040503050406030204" pitchFamily="18" charset="0"/>
+                      </a:rPr>
+                      <m:t>,</m:t>
+                    </m:r>
+                    <m:r>
+                      <a:rPr lang="en-US" sz="3600" i="1">
+                        <a:latin typeface="Cambria Math" panose="02040503050406030204" pitchFamily="18" charset="0"/>
+                      </a:rPr>
+                      <m:t>264</m:t>
+                    </m:r>
+                    <m:r>
+                      <a:rPr lang="en-US" sz="3600" b="0" i="1" smtClean="0">
+                        <a:latin typeface="Cambria Math" panose="02040503050406030204" pitchFamily="18" charset="0"/>
+                      </a:rPr>
+                      <m:t>,</m:t>
+                    </m:r>
+                    <m:r>
+                      <a:rPr lang="en-US" sz="3600" i="1">
+                        <a:latin typeface="Cambria Math" panose="02040503050406030204" pitchFamily="18" charset="0"/>
+                      </a:rPr>
+                      <m:t>337</m:t>
+                    </m:r>
+                    <m:r>
+                      <a:rPr lang="en-US" sz="3600" b="0" i="1" smtClean="0">
+                        <a:latin typeface="Cambria Math" panose="02040503050406030204" pitchFamily="18" charset="0"/>
+                      </a:rPr>
+                      <m:t>,</m:t>
+                    </m:r>
+                    <m:r>
+                      <a:rPr lang="en-US" sz="3600" i="1">
+                        <a:latin typeface="Cambria Math" panose="02040503050406030204" pitchFamily="18" charset="0"/>
+                      </a:rPr>
+                      <m:t>592</m:t>
+                    </m:r>
+                    <m:r>
+                      <a:rPr lang="en-US" sz="3600" b="0" i="1" smtClean="0">
+                        <a:latin typeface="Cambria Math" panose="02040503050406030204" pitchFamily="18" charset="0"/>
+                      </a:rPr>
+                      <m:t>,</m:t>
+                    </m:r>
+                    <m:r>
+                      <a:rPr lang="en-US" sz="3600" i="1">
+                        <a:latin typeface="Cambria Math" panose="02040503050406030204" pitchFamily="18" charset="0"/>
+                      </a:rPr>
+                      <m:t>626</m:t>
+                    </m:r>
+                    <m:r>
+                      <a:rPr lang="en-US" sz="3600" b="0" i="1" smtClean="0">
+                        <a:latin typeface="Cambria Math" panose="02040503050406030204" pitchFamily="18" charset="0"/>
+                      </a:rPr>
+                      <m:t>,</m:t>
+                    </m:r>
+                    <m:r>
+                      <a:rPr lang="en-US" sz="3600" i="1">
+                        <a:latin typeface="Cambria Math" panose="02040503050406030204" pitchFamily="18" charset="0"/>
+                      </a:rPr>
+                      <m:t>226</m:t>
+                    </m:r>
+                    <m:r>
+                      <a:rPr lang="en-US" sz="3600" b="0" i="1" smtClean="0">
+                        <a:latin typeface="Cambria Math" panose="02040503050406030204" pitchFamily="18" charset="0"/>
+                      </a:rPr>
+                      <m:t>,</m:t>
+                    </m:r>
+                    <m:r>
+                      <a:rPr lang="en-US" sz="3600" i="1">
+                        <a:latin typeface="Cambria Math" panose="02040503050406030204" pitchFamily="18" charset="0"/>
+                      </a:rPr>
+                      <m:t>666</m:t>
+                    </m:r>
+                  </m:oMath>
+                </a14:m>
+                <a:r>
+                  <a:rPr lang="en-US" sz="3600" dirty="0"/>
+                  <a:t> possible combinations</a:t>
+                </a:r>
+              </a:p>
+              <a:p>
+                <a:pPr lvl="1"/>
+                <a:r>
+                  <a:rPr lang="en-US" sz="3200" dirty="0" err="1"/>
+                  <a:t>ie</a:t>
+                </a:r>
+                <a:r>
+                  <a:rPr lang="en-US" sz="3200" dirty="0"/>
+                  <a:t>, 79 Octillion possible combinations of edge lengths</a:t>
+                </a:r>
+              </a:p>
+              <a:p>
+                <a:r>
+                  <a:rPr lang="en-US" sz="3600" dirty="0"/>
+                  <a:t>Cannot test all of them</a:t>
+                </a:r>
+              </a:p>
+              <a:p>
+                <a:r>
+                  <a:rPr lang="en-US" sz="3600" dirty="0"/>
+                  <a:t>Need to define some </a:t>
+                </a:r>
+                <a:r>
+                  <a:rPr lang="en-US" sz="3600" i="1" dirty="0"/>
+                  <a:t>test criteria</a:t>
+                </a:r>
+                <a:r>
+                  <a:rPr lang="en-US" sz="3600" dirty="0"/>
+                  <a:t> to decide a good enough test suite which is:</a:t>
+                </a:r>
+              </a:p>
+              <a:p>
+                <a:pPr marL="914400" lvl="1" indent="-457200">
+                  <a:buFont typeface="+mj-lt"/>
+                  <a:buAutoNum type="arabicPeriod"/>
+                </a:pPr>
+                <a:r>
+                  <a:rPr lang="en-US" sz="3200" dirty="0"/>
+                  <a:t>good at finding bugs</a:t>
+                </a:r>
+              </a:p>
+              <a:p>
+                <a:pPr marL="914400" lvl="1" indent="-457200">
+                  <a:buFont typeface="+mj-lt"/>
+                  <a:buAutoNum type="arabicPeriod"/>
+                </a:pPr>
+                <a:r>
+                  <a:rPr lang="en-US" sz="3200" dirty="0"/>
+                  <a:t>small enough to be manageable</a:t>
+                </a:r>
+              </a:p>
+            </p:txBody>
+          </p:sp>
+        </mc:Choice>
+        <mc:Fallback xmlns="">
+          <p:sp>
+            <p:nvSpPr>
+              <p:cNvPr id="3" name="Content Placeholder 2"/>
+              <p:cNvSpPr>
+                <a:spLocks noGrp="1" noRot="1" noChangeAspect="1" noMove="1" noResize="1" noEditPoints="1" noAdjustHandles="1" noChangeArrowheads="1" noChangeShapeType="1" noTextEdit="1"/>
+              </p:cNvSpPr>
+              <p:nvPr>
+                <p:ph idx="1"/>
+              </p:nvPr>
+            </p:nvSpPr>
+            <p:spPr>
+              <a:xfrm>
+                <a:off x="279400" y="1825624"/>
+                <a:ext cx="11753850" cy="4867275"/>
+              </a:xfrm>
+              <a:blipFill>
+                <a:blip r:embed="rId2"/>
+                <a:stretch>
+                  <a:fillRect l="-1294" t="-3133" b="-3394"/>
+                </a:stretch>
+              </a:blipFill>
+            </p:spPr>
+            <p:txBody>
+              <a:bodyPr/>
+              <a:lstStyle/>
+              <a:p>
+                <a:r>
+                  <a:rPr lang="en-US">
+                    <a:noFill/>
+                  </a:rPr>
+                  <a:t> </a:t>
+                </a:r>
+              </a:p>
+            </p:txBody>
+          </p:sp>
+        </mc:Fallback>
+      </mc:AlternateContent>
+    </p:spTree>
+    <p:extLst>
+      <p:ext uri="{BB962C8B-B14F-4D97-AF65-F5344CB8AC3E}">
+        <p14:creationId xmlns:p14="http://schemas.microsoft.com/office/powerpoint/2010/main" val="2728875684"/>
+      </p:ext>
+    </p:extLst>
+  </p:cSld>
+  <p:clrMapOvr>
+    <a:masterClrMapping/>
+  </p:clrMapOvr>
+</p:sld>
+</file>
+
+<file path=ppt/slides/slide15.xml><?xml version="1.0" encoding="utf-8"?>
+<p:sld xmlns:a="http://schemas.openxmlformats.org/drawingml/2006/main" xmlns:r="http://schemas.openxmlformats.org/officeDocument/2006/relationships" xmlns:p="http://schemas.openxmlformats.org/presentationml/2006/main">
+  <p:cSld>
+    <p:spTree>
+      <p:nvGrpSpPr>
+        <p:cNvPr id="1" name=""/>
+        <p:cNvGrpSpPr/>
+        <p:nvPr/>
+      </p:nvGrpSpPr>
+      <p:grpSpPr>
+        <a:xfrm>
+          <a:off x="0" y="0"/>
+          <a:ext cx="0" cy="0"/>
+          <a:chOff x="0" y="0"/>
+          <a:chExt cx="0" cy="0"/>
+        </a:xfrm>
+      </p:grpSpPr>
+      <p:sp>
+        <p:nvSpPr>
+          <p:cNvPr id="2" name="Title 1"/>
+          <p:cNvSpPr>
+            <a:spLocks noGrp="1"/>
+          </p:cNvSpPr>
+          <p:nvPr>
+            <p:ph type="title"/>
+          </p:nvPr>
+        </p:nvSpPr>
+        <p:spPr/>
+        <p:txBody>
+          <a:bodyPr/>
+          <a:lstStyle/>
+          <a:p>
+            <a:r>
+              <a:rPr lang="en-US" dirty="0"/>
+              <a:t>1 Test per Output</a:t>
+            </a:r>
+          </a:p>
+        </p:txBody>
+      </p:sp>
+      <p:sp>
+        <p:nvSpPr>
+          <p:cNvPr id="3" name="Content Placeholder 2"/>
+          <p:cNvSpPr>
+            <a:spLocks noGrp="1"/>
+          </p:cNvSpPr>
+          <p:nvPr>
+            <p:ph idx="1"/>
+          </p:nvPr>
+        </p:nvSpPr>
+        <p:spPr>
+          <a:xfrm>
+            <a:off x="381000" y="1825624"/>
+            <a:ext cx="11588750" cy="4689475"/>
+          </a:xfrm>
+        </p:spPr>
+        <p:txBody>
+          <a:bodyPr>
+            <a:normAutofit fontScale="92500" lnSpcReduction="10000"/>
+          </a:bodyPr>
+          <a:lstStyle/>
+          <a:p>
+            <a:r>
+              <a:rPr lang="en-US" b="1" dirty="0"/>
+              <a:t>t0:(A=42, B=42, C=42) =&gt; EQUILATERAL</a:t>
+            </a:r>
+          </a:p>
+          <a:p>
+            <a:r>
+              <a:rPr lang="en-US" b="1" dirty="0"/>
+              <a:t>t1:(A=42, B=42, C=5) =&gt; ISOSCELES</a:t>
+            </a:r>
+          </a:p>
+          <a:p>
+            <a:r>
+              <a:rPr lang="en-US" b="1" dirty="0"/>
+              <a:t>t2:(A=42, B=43, C=44) =&gt; SCALENE</a:t>
+            </a:r>
+          </a:p>
+          <a:p>
+            <a:r>
+              <a:rPr lang="en-US" b="1" dirty="0"/>
+              <a:t>t3:(A=42, B=42, C=12345) = NOT A TRIANGLE </a:t>
+            </a:r>
+          </a:p>
+          <a:p>
+            <a:r>
+              <a:rPr lang="en-US" i="1" dirty="0"/>
+              <a:t>Would such 4 test cases be enough? </a:t>
+            </a:r>
+          </a:p>
+          <a:p>
+            <a:r>
+              <a:rPr lang="en-US" dirty="0"/>
+              <a:t>What if the EQUILATERAL case is implemented with just something as naïve as “</a:t>
+            </a:r>
+            <a:r>
+              <a:rPr lang="en-US" b="1" dirty="0"/>
+              <a:t>if A==B and B==C then EQUILATERAL</a:t>
+            </a:r>
+            <a:r>
+              <a:rPr lang="en-US" dirty="0"/>
+              <a:t>”? </a:t>
+            </a:r>
+          </a:p>
+          <a:p>
+            <a:pPr lvl="1"/>
+            <a:r>
+              <a:rPr lang="en-US" dirty="0"/>
+              <a:t>(</a:t>
+            </a:r>
+            <a:r>
+              <a:rPr lang="en-US" b="1" dirty="0"/>
+              <a:t>A=-3, B=-3, C=-3</a:t>
+            </a:r>
+            <a:r>
+              <a:rPr lang="en-US" dirty="0"/>
+              <a:t>) would wrongly return EQUILATERAL instead of NOT A TRIANGLE</a:t>
+            </a:r>
+          </a:p>
+          <a:p>
+            <a:pPr lvl="1"/>
+            <a:r>
+              <a:rPr lang="en-US" dirty="0"/>
+              <a:t>Just checking basic scenarios is not enough</a:t>
+            </a:r>
+          </a:p>
+        </p:txBody>
+      </p:sp>
+    </p:spTree>
+    <p:extLst>
+      <p:ext uri="{BB962C8B-B14F-4D97-AF65-F5344CB8AC3E}">
+        <p14:creationId xmlns:p14="http://schemas.microsoft.com/office/powerpoint/2010/main" val="952883503"/>
+      </p:ext>
+    </p:extLst>
+  </p:cSld>
+  <p:clrMapOvr>
+    <a:masterClrMapping/>
+  </p:clrMapOvr>
+</p:sld>
+</file>
+
+<file path=ppt/slides/slide16.xml><?xml version="1.0" encoding="utf-8"?>
+<p:sld xmlns:a="http://schemas.openxmlformats.org/drawingml/2006/main" xmlns:r="http://schemas.openxmlformats.org/officeDocument/2006/relationships" xmlns:p="http://schemas.openxmlformats.org/presentationml/2006/main">
+  <p:cSld>
+    <p:spTree>
+      <p:nvGrpSpPr>
+        <p:cNvPr id="1" name=""/>
+        <p:cNvGrpSpPr/>
+        <p:nvPr/>
+      </p:nvGrpSpPr>
+      <p:grpSpPr>
+        <a:xfrm>
+          <a:off x="0" y="0"/>
+          <a:ext cx="0" cy="0"/>
+          <a:chOff x="0" y="0"/>
+          <a:chExt cx="0" cy="0"/>
+        </a:xfrm>
+      </p:grpSpPr>
+      <p:sp>
+        <p:nvSpPr>
+          <p:cNvPr id="2" name="Title 1"/>
+          <p:cNvSpPr>
+            <a:spLocks noGrp="1"/>
+          </p:cNvSpPr>
+          <p:nvPr>
+            <p:ph type="title"/>
+          </p:nvPr>
+        </p:nvSpPr>
+        <p:spPr>
+          <a:xfrm>
+            <a:off x="292100" y="235137"/>
+            <a:ext cx="6435912" cy="1325563"/>
+          </a:xfrm>
+        </p:spPr>
+        <p:txBody>
+          <a:bodyPr/>
+          <a:lstStyle/>
+          <a:p>
+            <a:r>
+              <a:rPr lang="en-US" dirty="0"/>
+              <a:t>White-Box Testing</a:t>
+            </a:r>
+          </a:p>
+        </p:txBody>
+      </p:sp>
+      <p:sp>
+        <p:nvSpPr>
+          <p:cNvPr id="3" name="Content Placeholder 2"/>
+          <p:cNvSpPr>
+            <a:spLocks noGrp="1"/>
+          </p:cNvSpPr>
+          <p:nvPr>
+            <p:ph idx="1"/>
+          </p:nvPr>
+        </p:nvSpPr>
+        <p:spPr>
+          <a:xfrm>
+            <a:off x="292100" y="1825624"/>
+            <a:ext cx="6484085" cy="4797425"/>
+          </a:xfrm>
+        </p:spPr>
+        <p:txBody>
+          <a:bodyPr>
+            <a:normAutofit fontScale="92500" lnSpcReduction="10000"/>
+          </a:bodyPr>
+          <a:lstStyle/>
+          <a:p>
+            <a:r>
+              <a:rPr lang="en-US" sz="3200" dirty="0"/>
+              <a:t>Code can have bugs</a:t>
+            </a:r>
+          </a:p>
+          <a:p>
+            <a:r>
+              <a:rPr lang="en-US" sz="3200" i="1" dirty="0"/>
+              <a:t>To trigger a bug, the code must be executed</a:t>
+            </a:r>
+          </a:p>
+          <a:p>
+            <a:r>
+              <a:rPr lang="en-US" sz="3200" dirty="0"/>
+              <a:t>But code can have very complex control flow</a:t>
+            </a:r>
+          </a:p>
+          <a:p>
+            <a:r>
+              <a:rPr lang="en-US" sz="3200" dirty="0"/>
+              <a:t>Some rare “paths” in the code might be executed only in very complex scenarios</a:t>
+            </a:r>
+          </a:p>
+          <a:p>
+            <a:r>
+              <a:rPr lang="en-US" sz="3200" i="1" dirty="0"/>
+              <a:t>Goal: in a test suite, have each single line and branch be executed at least once</a:t>
+            </a:r>
+          </a:p>
+        </p:txBody>
+      </p:sp>
+      <p:sp>
+        <p:nvSpPr>
+          <p:cNvPr id="7" name="Rectangle 3"/>
+          <p:cNvSpPr>
+            <a:spLocks noChangeArrowheads="1"/>
+          </p:cNvSpPr>
+          <p:nvPr/>
+        </p:nvSpPr>
+        <p:spPr bwMode="auto">
+          <a:xfrm>
+            <a:off x="6912542" y="1193541"/>
+            <a:ext cx="5127057" cy="5478423"/>
+          </a:xfrm>
+          <a:prstGeom prst="rect">
+            <a:avLst/>
+          </a:prstGeom>
+          <a:solidFill>
+            <a:srgbClr val="2B2B2B"/>
+          </a:solidFill>
+          <a:ln>
+            <a:noFill/>
+          </a:ln>
+          <a:effectLst/>
+          <a:extLst>
+            <a:ext uri="{91240B29-F687-4F45-9708-019B960494DF}">
+              <a14:hiddenLine xmlns:a14="http://schemas.microsoft.com/office/drawing/2010/main" w="9525">
+                <a:solidFill>
+                  <a:schemeClr val="tx1"/>
+                </a:solidFill>
+                <a:miter lim="800000"/>
+                <a:headEnd/>
+                <a:tailEnd/>
+              </a14:hiddenLine>
+            </a:ext>
+            <a:ext uri="{AF507438-7753-43E0-B8FC-AC1667EBCBE1}">
+              <a14:hiddenEffects xmlns:a14="http://schemas.microsoft.com/office/drawing/2010/main">
+                <a:effectLst>
+                  <a:outerShdw dist="35921" dir="2700000" algn="ctr" rotWithShape="0">
+                    <a:schemeClr val="bg2"/>
+                  </a:outerShdw>
+                </a:effectLst>
+              </a14:hiddenEffects>
+            </a:ext>
+          </a:extLst>
+        </p:spPr>
+        <p:txBody>
+          <a:bodyPr vert="horz" wrap="square" lIns="91440" tIns="45720" rIns="91440" bIns="45720" numCol="1" anchor="ctr" anchorCtr="0" compatLnSpc="1">
+            <a:prstTxWarp prst="textNoShape">
+              <a:avLst/>
+            </a:prstTxWarp>
+            <a:spAutoFit/>
+          </a:bodyPr>
+          <a:lstStyle/>
+          <a:p>
+            <a:pPr marL="0" marR="0" lvl="0" indent="0" algn="l" defTabSz="914400" rtl="0" eaLnBrk="0" fontAlgn="base" latinLnBrk="0" hangingPunct="0">
+              <a:lnSpc>
+                <a:spcPct val="100000"/>
+              </a:lnSpc>
+              <a:spcBef>
+                <a:spcPct val="0"/>
+              </a:spcBef>
+              <a:spcAft>
+                <a:spcPct val="0"/>
+              </a:spcAft>
+              <a:buClrTx/>
+              <a:buSzTx/>
+              <a:buFontTx/>
+              <a:buNone/>
+              <a:tabLst/>
+              <a:defRPr/>
+            </a:pPr>
+            <a:r>
+              <a:rPr kumimoji="0" lang="en-US" altLang="en-US" sz="1400" b="0" i="0" u="none" strike="noStrike" kern="1200" cap="none" spc="0" normalizeH="0" baseline="0" noProof="0" dirty="0">
+                <a:ln>
+                  <a:noFill/>
+                </a:ln>
+                <a:solidFill>
+                  <a:srgbClr val="597CC2"/>
+                </a:solidFill>
+                <a:effectLst/>
+                <a:uLnTx/>
+                <a:uFillTx/>
+                <a:latin typeface="Courier New" panose="02070309020205020404" pitchFamily="49" charset="0"/>
+                <a:ea typeface="+mn-ea"/>
+                <a:cs typeface="Courier New" panose="02070309020205020404" pitchFamily="49" charset="0"/>
+              </a:rPr>
+              <a:t>public </a:t>
+            </a:r>
+            <a:r>
+              <a:rPr kumimoji="0" lang="en-US" altLang="en-US" sz="1400" b="0" i="0" u="none" strike="noStrike" kern="1200" cap="none" spc="0" normalizeH="0" baseline="0" noProof="0" dirty="0">
+                <a:ln>
+                  <a:noFill/>
+                </a:ln>
+                <a:solidFill>
+                  <a:srgbClr val="A9B7C6"/>
+                </a:solidFill>
+                <a:effectLst/>
+                <a:uLnTx/>
+                <a:uFillTx/>
+                <a:latin typeface="Courier New" panose="02070309020205020404" pitchFamily="49" charset="0"/>
+                <a:ea typeface="+mn-ea"/>
+                <a:cs typeface="Courier New" panose="02070309020205020404" pitchFamily="49" charset="0"/>
+              </a:rPr>
+              <a:t>Classification </a:t>
+            </a:r>
+            <a:r>
+              <a:rPr kumimoji="0" lang="en-US" altLang="en-US" sz="1400" b="0" i="0" u="none" strike="noStrike" kern="1200" cap="none" spc="0" normalizeH="0" baseline="0" noProof="0" dirty="0">
+                <a:ln>
+                  <a:noFill/>
+                </a:ln>
+                <a:solidFill>
+                  <a:srgbClr val="D9AF6C"/>
+                </a:solidFill>
+                <a:effectLst/>
+                <a:uLnTx/>
+                <a:uFillTx/>
+                <a:latin typeface="Courier New" panose="02070309020205020404" pitchFamily="49" charset="0"/>
+                <a:ea typeface="+mn-ea"/>
+                <a:cs typeface="Courier New" panose="02070309020205020404" pitchFamily="49" charset="0"/>
+              </a:rPr>
+              <a:t>classify</a:t>
+            </a:r>
+            <a:r>
+              <a:rPr kumimoji="0" lang="en-US" altLang="en-US" sz="1400" b="0" i="0" u="none" strike="noStrike" kern="1200" cap="none" spc="0" normalizeH="0" baseline="0" noProof="0" dirty="0">
+                <a:ln>
+                  <a:noFill/>
+                </a:ln>
+                <a:solidFill>
+                  <a:srgbClr val="AEB5BD"/>
+                </a:solidFill>
+                <a:effectLst/>
+                <a:uLnTx/>
+                <a:uFillTx/>
+                <a:latin typeface="Courier New" panose="02070309020205020404" pitchFamily="49" charset="0"/>
+                <a:ea typeface="+mn-ea"/>
+                <a:cs typeface="Courier New" panose="02070309020205020404" pitchFamily="49" charset="0"/>
+              </a:rPr>
+              <a:t>(</a:t>
+            </a:r>
+          </a:p>
+          <a:p>
+            <a:pPr marL="0" marR="0" lvl="0" indent="0" algn="l" defTabSz="914400" rtl="0" eaLnBrk="0" fontAlgn="base" latinLnBrk="0" hangingPunct="0">
+              <a:lnSpc>
+                <a:spcPct val="100000"/>
+              </a:lnSpc>
+              <a:spcBef>
+                <a:spcPct val="0"/>
+              </a:spcBef>
+              <a:spcAft>
+                <a:spcPct val="0"/>
+              </a:spcAft>
+              <a:buClrTx/>
+              <a:buSzTx/>
+              <a:buFontTx/>
+              <a:buNone/>
+              <a:tabLst/>
+              <a:defRPr/>
+            </a:pPr>
+            <a:r>
+              <a:rPr kumimoji="0" lang="en-US" altLang="en-US" sz="1400" b="0" i="0" u="none" strike="noStrike" kern="1200" cap="none" spc="0" normalizeH="0" baseline="0" noProof="0" dirty="0">
+                <a:ln>
+                  <a:noFill/>
+                </a:ln>
+                <a:solidFill>
+                  <a:srgbClr val="AEB5BD"/>
+                </a:solidFill>
+                <a:effectLst/>
+                <a:uLnTx/>
+                <a:uFillTx/>
+                <a:latin typeface="Courier New" panose="02070309020205020404" pitchFamily="49" charset="0"/>
+                <a:ea typeface="+mn-ea"/>
+                <a:cs typeface="Courier New" panose="02070309020205020404" pitchFamily="49" charset="0"/>
+              </a:rPr>
+              <a:t>                         </a:t>
+            </a:r>
+            <a:r>
+              <a:rPr kumimoji="0" lang="en-US" altLang="en-US" sz="1400" b="0" i="0" u="none" strike="noStrike" kern="1200" cap="none" spc="0" normalizeH="0" baseline="0" noProof="0" dirty="0" err="1">
+                <a:ln>
+                  <a:noFill/>
+                </a:ln>
+                <a:solidFill>
+                  <a:srgbClr val="597CC2"/>
+                </a:solidFill>
+                <a:effectLst/>
+                <a:uLnTx/>
+                <a:uFillTx/>
+                <a:latin typeface="Courier New" panose="02070309020205020404" pitchFamily="49" charset="0"/>
+                <a:ea typeface="+mn-ea"/>
+                <a:cs typeface="Courier New" panose="02070309020205020404" pitchFamily="49" charset="0"/>
+              </a:rPr>
+              <a:t>int</a:t>
+            </a:r>
+            <a:r>
+              <a:rPr kumimoji="0" lang="en-US" altLang="en-US" sz="1400" b="0" i="0" u="none" strike="noStrike" kern="1200" cap="none" spc="0" normalizeH="0" baseline="0" noProof="0" dirty="0">
+                <a:ln>
+                  <a:noFill/>
+                </a:ln>
+                <a:solidFill>
+                  <a:srgbClr val="597CC2"/>
+                </a:solidFill>
+                <a:effectLst/>
+                <a:uLnTx/>
+                <a:uFillTx/>
+                <a:latin typeface="Courier New" panose="02070309020205020404" pitchFamily="49" charset="0"/>
+                <a:ea typeface="+mn-ea"/>
+                <a:cs typeface="Courier New" panose="02070309020205020404" pitchFamily="49" charset="0"/>
+              </a:rPr>
+              <a:t> </a:t>
+            </a:r>
+            <a:r>
+              <a:rPr kumimoji="0" lang="en-US" altLang="en-US" sz="1400" b="0" i="0" u="none" strike="noStrike" kern="1200" cap="none" spc="0" normalizeH="0" baseline="0" noProof="0" dirty="0">
+                <a:ln>
+                  <a:noFill/>
+                </a:ln>
+                <a:solidFill>
+                  <a:srgbClr val="A9B7C6"/>
+                </a:solidFill>
+                <a:effectLst/>
+                <a:uLnTx/>
+                <a:uFillTx/>
+                <a:latin typeface="Courier New" panose="02070309020205020404" pitchFamily="49" charset="0"/>
+                <a:ea typeface="+mn-ea"/>
+                <a:cs typeface="Courier New" panose="02070309020205020404" pitchFamily="49" charset="0"/>
+              </a:rPr>
+              <a:t>a</a:t>
+            </a:r>
+            <a:r>
+              <a:rPr kumimoji="0" lang="en-US" altLang="en-US" sz="1400" b="0" i="0" u="none" strike="noStrike" kern="1200" cap="none" spc="0" normalizeH="0" baseline="0" noProof="0" dirty="0">
+                <a:ln>
+                  <a:noFill/>
+                </a:ln>
+                <a:solidFill>
+                  <a:srgbClr val="5C7AB8"/>
+                </a:solidFill>
+                <a:effectLst/>
+                <a:uLnTx/>
+                <a:uFillTx/>
+                <a:latin typeface="Courier New" panose="02070309020205020404" pitchFamily="49" charset="0"/>
+                <a:ea typeface="+mn-ea"/>
+                <a:cs typeface="Courier New" panose="02070309020205020404" pitchFamily="49" charset="0"/>
+              </a:rPr>
+              <a:t>, </a:t>
+            </a:r>
+            <a:r>
+              <a:rPr kumimoji="0" lang="en-US" altLang="en-US" sz="1400" b="0" i="0" u="none" strike="noStrike" kern="1200" cap="none" spc="0" normalizeH="0" baseline="0" noProof="0" dirty="0" err="1">
+                <a:ln>
+                  <a:noFill/>
+                </a:ln>
+                <a:solidFill>
+                  <a:srgbClr val="597CC2"/>
+                </a:solidFill>
+                <a:effectLst/>
+                <a:uLnTx/>
+                <a:uFillTx/>
+                <a:latin typeface="Courier New" panose="02070309020205020404" pitchFamily="49" charset="0"/>
+                <a:ea typeface="+mn-ea"/>
+                <a:cs typeface="Courier New" panose="02070309020205020404" pitchFamily="49" charset="0"/>
+              </a:rPr>
+              <a:t>int</a:t>
+            </a:r>
+            <a:r>
+              <a:rPr kumimoji="0" lang="en-US" altLang="en-US" sz="1400" b="0" i="0" u="none" strike="noStrike" kern="1200" cap="none" spc="0" normalizeH="0" baseline="0" noProof="0" dirty="0">
+                <a:ln>
+                  <a:noFill/>
+                </a:ln>
+                <a:solidFill>
+                  <a:srgbClr val="597CC2"/>
+                </a:solidFill>
+                <a:effectLst/>
+                <a:uLnTx/>
+                <a:uFillTx/>
+                <a:latin typeface="Courier New" panose="02070309020205020404" pitchFamily="49" charset="0"/>
+                <a:ea typeface="+mn-ea"/>
+                <a:cs typeface="Courier New" panose="02070309020205020404" pitchFamily="49" charset="0"/>
+              </a:rPr>
+              <a:t> </a:t>
+            </a:r>
+            <a:r>
+              <a:rPr kumimoji="0" lang="en-US" altLang="en-US" sz="1400" b="0" i="0" u="none" strike="noStrike" kern="1200" cap="none" spc="0" normalizeH="0" baseline="0" noProof="0" dirty="0">
+                <a:ln>
+                  <a:noFill/>
+                </a:ln>
+                <a:solidFill>
+                  <a:srgbClr val="A9B7C6"/>
+                </a:solidFill>
+                <a:effectLst/>
+                <a:uLnTx/>
+                <a:uFillTx/>
+                <a:latin typeface="Courier New" panose="02070309020205020404" pitchFamily="49" charset="0"/>
+                <a:ea typeface="+mn-ea"/>
+                <a:cs typeface="Courier New" panose="02070309020205020404" pitchFamily="49" charset="0"/>
+              </a:rPr>
+              <a:t>b</a:t>
+            </a:r>
+            <a:r>
+              <a:rPr kumimoji="0" lang="en-US" altLang="en-US" sz="1400" b="0" i="0" u="none" strike="noStrike" kern="1200" cap="none" spc="0" normalizeH="0" baseline="0" noProof="0" dirty="0">
+                <a:ln>
+                  <a:noFill/>
+                </a:ln>
+                <a:solidFill>
+                  <a:srgbClr val="5C7AB8"/>
+                </a:solidFill>
+                <a:effectLst/>
+                <a:uLnTx/>
+                <a:uFillTx/>
+                <a:latin typeface="Courier New" panose="02070309020205020404" pitchFamily="49" charset="0"/>
+                <a:ea typeface="+mn-ea"/>
+                <a:cs typeface="Courier New" panose="02070309020205020404" pitchFamily="49" charset="0"/>
+              </a:rPr>
+              <a:t>, </a:t>
+            </a:r>
+            <a:r>
+              <a:rPr kumimoji="0" lang="en-US" altLang="en-US" sz="1400" b="0" i="0" u="none" strike="noStrike" kern="1200" cap="none" spc="0" normalizeH="0" baseline="0" noProof="0" dirty="0" err="1">
+                <a:ln>
+                  <a:noFill/>
+                </a:ln>
+                <a:solidFill>
+                  <a:srgbClr val="597CC2"/>
+                </a:solidFill>
+                <a:effectLst/>
+                <a:uLnTx/>
+                <a:uFillTx/>
+                <a:latin typeface="Courier New" panose="02070309020205020404" pitchFamily="49" charset="0"/>
+                <a:ea typeface="+mn-ea"/>
+                <a:cs typeface="Courier New" panose="02070309020205020404" pitchFamily="49" charset="0"/>
+              </a:rPr>
+              <a:t>int</a:t>
+            </a:r>
+            <a:r>
+              <a:rPr kumimoji="0" lang="en-US" altLang="en-US" sz="1400" b="0" i="0" u="none" strike="noStrike" kern="1200" cap="none" spc="0" normalizeH="0" baseline="0" noProof="0" dirty="0">
+                <a:ln>
+                  <a:noFill/>
+                </a:ln>
+                <a:solidFill>
+                  <a:srgbClr val="597CC2"/>
+                </a:solidFill>
+                <a:effectLst/>
+                <a:uLnTx/>
+                <a:uFillTx/>
+                <a:latin typeface="Courier New" panose="02070309020205020404" pitchFamily="49" charset="0"/>
+                <a:ea typeface="+mn-ea"/>
+                <a:cs typeface="Courier New" panose="02070309020205020404" pitchFamily="49" charset="0"/>
+              </a:rPr>
+              <a:t> </a:t>
+            </a:r>
+            <a:r>
+              <a:rPr kumimoji="0" lang="en-US" altLang="en-US" sz="1400" b="0" i="0" u="none" strike="noStrike" kern="1200" cap="none" spc="0" normalizeH="0" baseline="0" noProof="0" dirty="0">
+                <a:ln>
+                  <a:noFill/>
+                </a:ln>
+                <a:solidFill>
+                  <a:srgbClr val="A9B7C6"/>
+                </a:solidFill>
+                <a:effectLst/>
+                <a:uLnTx/>
+                <a:uFillTx/>
+                <a:latin typeface="Courier New" panose="02070309020205020404" pitchFamily="49" charset="0"/>
+                <a:ea typeface="+mn-ea"/>
+                <a:cs typeface="Courier New" panose="02070309020205020404" pitchFamily="49" charset="0"/>
+              </a:rPr>
+              <a:t>c</a:t>
+            </a:r>
+            <a:r>
+              <a:rPr kumimoji="0" lang="en-US" altLang="en-US" sz="1400" b="0" i="0" u="none" strike="noStrike" kern="1200" cap="none" spc="0" normalizeH="0" baseline="0" noProof="0" dirty="0">
+                <a:ln>
+                  <a:noFill/>
+                </a:ln>
+                <a:solidFill>
+                  <a:srgbClr val="AEB5BD"/>
+                </a:solidFill>
+                <a:effectLst/>
+                <a:uLnTx/>
+                <a:uFillTx/>
+                <a:latin typeface="Courier New" panose="02070309020205020404" pitchFamily="49" charset="0"/>
+                <a:ea typeface="+mn-ea"/>
+                <a:cs typeface="Courier New" panose="02070309020205020404" pitchFamily="49" charset="0"/>
+              </a:rPr>
+              <a:t>){</a:t>
+            </a:r>
+            <a:br>
+              <a:rPr kumimoji="0" lang="en-US" altLang="en-US" sz="1400" b="0" i="0" u="none" strike="noStrike" kern="1200" cap="none" spc="0" normalizeH="0" baseline="0" noProof="0" dirty="0">
+                <a:ln>
+                  <a:noFill/>
+                </a:ln>
+                <a:solidFill>
+                  <a:srgbClr val="AEB5BD"/>
+                </a:solidFill>
+                <a:effectLst/>
+                <a:uLnTx/>
+                <a:uFillTx/>
+                <a:latin typeface="Courier New" panose="02070309020205020404" pitchFamily="49" charset="0"/>
+                <a:ea typeface="+mn-ea"/>
+                <a:cs typeface="Courier New" panose="02070309020205020404" pitchFamily="49" charset="0"/>
+              </a:rPr>
+            </a:br>
+            <a:r>
+              <a:rPr kumimoji="0" lang="en-US" altLang="en-US" sz="1400" b="0" i="0" u="none" strike="noStrike" kern="1200" cap="none" spc="0" normalizeH="0" baseline="0" noProof="0" dirty="0">
+                <a:ln>
+                  <a:noFill/>
+                </a:ln>
+                <a:solidFill>
+                  <a:srgbClr val="AEB5BD"/>
+                </a:solidFill>
+                <a:effectLst/>
+                <a:uLnTx/>
+                <a:uFillTx/>
+                <a:latin typeface="Courier New" panose="02070309020205020404" pitchFamily="49" charset="0"/>
+                <a:ea typeface="+mn-ea"/>
+                <a:cs typeface="Courier New" panose="02070309020205020404" pitchFamily="49" charset="0"/>
+              </a:rPr>
+              <a:t/>
+            </a:r>
+            <a:br>
+              <a:rPr kumimoji="0" lang="en-US" altLang="en-US" sz="1400" b="0" i="0" u="none" strike="noStrike" kern="1200" cap="none" spc="0" normalizeH="0" baseline="0" noProof="0" dirty="0">
+                <a:ln>
+                  <a:noFill/>
+                </a:ln>
+                <a:solidFill>
+                  <a:srgbClr val="AEB5BD"/>
+                </a:solidFill>
+                <a:effectLst/>
+                <a:uLnTx/>
+                <a:uFillTx/>
+                <a:latin typeface="Courier New" panose="02070309020205020404" pitchFamily="49" charset="0"/>
+                <a:ea typeface="+mn-ea"/>
+                <a:cs typeface="Courier New" panose="02070309020205020404" pitchFamily="49" charset="0"/>
+              </a:rPr>
+            </a:br>
+            <a:r>
+              <a:rPr kumimoji="0" lang="en-US" altLang="en-US" sz="1400" b="0" i="0" u="none" strike="noStrike" kern="1200" cap="none" spc="0" normalizeH="0" baseline="0" noProof="0" dirty="0">
+                <a:ln>
+                  <a:noFill/>
+                </a:ln>
+                <a:solidFill>
+                  <a:srgbClr val="AEB5BD"/>
+                </a:solidFill>
+                <a:effectLst/>
+                <a:uLnTx/>
+                <a:uFillTx/>
+                <a:latin typeface="Courier New" panose="02070309020205020404" pitchFamily="49" charset="0"/>
+                <a:ea typeface="+mn-ea"/>
+                <a:cs typeface="Courier New" panose="02070309020205020404" pitchFamily="49" charset="0"/>
+              </a:rPr>
+              <a:t>    </a:t>
+            </a:r>
+            <a:r>
+              <a:rPr kumimoji="0" lang="en-US" altLang="en-US" sz="1400" b="0" i="0" u="none" strike="noStrike" kern="1200" cap="none" spc="0" normalizeH="0" baseline="0" noProof="0" dirty="0">
+                <a:ln>
+                  <a:noFill/>
+                </a:ln>
+                <a:solidFill>
+                  <a:srgbClr val="597CC2"/>
+                </a:solidFill>
+                <a:effectLst/>
+                <a:uLnTx/>
+                <a:uFillTx/>
+                <a:latin typeface="Courier New" panose="02070309020205020404" pitchFamily="49" charset="0"/>
+                <a:ea typeface="+mn-ea"/>
+                <a:cs typeface="Courier New" panose="02070309020205020404" pitchFamily="49" charset="0"/>
+              </a:rPr>
+              <a:t>if</a:t>
+            </a:r>
+            <a:r>
+              <a:rPr kumimoji="0" lang="en-US" altLang="en-US" sz="1400" b="0" i="0" u="none" strike="noStrike" kern="1200" cap="none" spc="0" normalizeH="0" baseline="0" noProof="0" dirty="0">
+                <a:ln>
+                  <a:noFill/>
+                </a:ln>
+                <a:solidFill>
+                  <a:srgbClr val="AEB5BD"/>
+                </a:solidFill>
+                <a:effectLst/>
+                <a:uLnTx/>
+                <a:uFillTx/>
+                <a:latin typeface="Courier New" panose="02070309020205020404" pitchFamily="49" charset="0"/>
+                <a:ea typeface="+mn-ea"/>
+                <a:cs typeface="Courier New" panose="02070309020205020404" pitchFamily="49" charset="0"/>
+              </a:rPr>
+              <a:t>(</a:t>
+            </a:r>
+            <a:r>
+              <a:rPr kumimoji="0" lang="en-US" altLang="en-US" sz="1400" b="0" i="0" u="none" strike="noStrike" kern="1200" cap="none" spc="0" normalizeH="0" baseline="0" noProof="0" dirty="0">
+                <a:ln>
+                  <a:noFill/>
+                </a:ln>
+                <a:solidFill>
+                  <a:srgbClr val="A9B7C6"/>
+                </a:solidFill>
+                <a:effectLst/>
+                <a:uLnTx/>
+                <a:uFillTx/>
+                <a:latin typeface="Courier New" panose="02070309020205020404" pitchFamily="49" charset="0"/>
+                <a:ea typeface="+mn-ea"/>
+                <a:cs typeface="Courier New" panose="02070309020205020404" pitchFamily="49" charset="0"/>
+              </a:rPr>
+              <a:t>a </a:t>
+            </a:r>
+            <a:r>
+              <a:rPr kumimoji="0" lang="en-US" altLang="en-US" sz="1400" b="0" i="0" u="none" strike="noStrike" kern="1200" cap="none" spc="0" normalizeH="0" baseline="0" noProof="0" dirty="0">
+                <a:ln>
+                  <a:noFill/>
+                </a:ln>
+                <a:solidFill>
+                  <a:srgbClr val="AEB5BD"/>
+                </a:solidFill>
+                <a:effectLst/>
+                <a:uLnTx/>
+                <a:uFillTx/>
+                <a:latin typeface="Courier New" panose="02070309020205020404" pitchFamily="49" charset="0"/>
+                <a:ea typeface="+mn-ea"/>
+                <a:cs typeface="Courier New" panose="02070309020205020404" pitchFamily="49" charset="0"/>
+              </a:rPr>
+              <a:t>&lt;=</a:t>
+            </a:r>
+            <a:r>
+              <a:rPr kumimoji="0" lang="en-US" altLang="en-US" sz="1400" b="0" i="0" u="none" strike="noStrike" kern="1200" cap="none" spc="0" normalizeH="0" baseline="0" noProof="0" dirty="0">
+                <a:ln>
+                  <a:noFill/>
+                </a:ln>
+                <a:solidFill>
+                  <a:srgbClr val="267DFF"/>
+                </a:solidFill>
+                <a:effectLst/>
+                <a:uLnTx/>
+                <a:uFillTx/>
+                <a:latin typeface="Courier New" panose="02070309020205020404" pitchFamily="49" charset="0"/>
+                <a:ea typeface="+mn-ea"/>
+                <a:cs typeface="Courier New" panose="02070309020205020404" pitchFamily="49" charset="0"/>
+              </a:rPr>
+              <a:t>0 </a:t>
+            </a:r>
+            <a:r>
+              <a:rPr kumimoji="0" lang="en-US" altLang="en-US" sz="1400" b="0" i="0" u="none" strike="noStrike" kern="1200" cap="none" spc="0" normalizeH="0" baseline="0" noProof="0" dirty="0">
+                <a:ln>
+                  <a:noFill/>
+                </a:ln>
+                <a:solidFill>
+                  <a:srgbClr val="AEB5BD"/>
+                </a:solidFill>
+                <a:effectLst/>
+                <a:uLnTx/>
+                <a:uFillTx/>
+                <a:latin typeface="Courier New" panose="02070309020205020404" pitchFamily="49" charset="0"/>
+                <a:ea typeface="+mn-ea"/>
+                <a:cs typeface="Courier New" panose="02070309020205020404" pitchFamily="49" charset="0"/>
+              </a:rPr>
+              <a:t>|| </a:t>
+            </a:r>
+            <a:r>
+              <a:rPr kumimoji="0" lang="en-US" altLang="en-US" sz="1400" b="0" i="0" u="none" strike="noStrike" kern="1200" cap="none" spc="0" normalizeH="0" baseline="0" noProof="0" dirty="0">
+                <a:ln>
+                  <a:noFill/>
+                </a:ln>
+                <a:solidFill>
+                  <a:srgbClr val="A9B7C6"/>
+                </a:solidFill>
+                <a:effectLst/>
+                <a:uLnTx/>
+                <a:uFillTx/>
+                <a:latin typeface="Courier New" panose="02070309020205020404" pitchFamily="49" charset="0"/>
+                <a:ea typeface="+mn-ea"/>
+                <a:cs typeface="Courier New" panose="02070309020205020404" pitchFamily="49" charset="0"/>
+              </a:rPr>
+              <a:t>b</a:t>
+            </a:r>
+            <a:r>
+              <a:rPr kumimoji="0" lang="en-US" altLang="en-US" sz="1400" b="0" i="0" u="none" strike="noStrike" kern="1200" cap="none" spc="0" normalizeH="0" baseline="0" noProof="0" dirty="0">
+                <a:ln>
+                  <a:noFill/>
+                </a:ln>
+                <a:solidFill>
+                  <a:srgbClr val="AEB5BD"/>
+                </a:solidFill>
+                <a:effectLst/>
+                <a:uLnTx/>
+                <a:uFillTx/>
+                <a:latin typeface="Courier New" panose="02070309020205020404" pitchFamily="49" charset="0"/>
+                <a:ea typeface="+mn-ea"/>
+                <a:cs typeface="Courier New" panose="02070309020205020404" pitchFamily="49" charset="0"/>
+              </a:rPr>
+              <a:t>&lt;= </a:t>
+            </a:r>
+            <a:r>
+              <a:rPr kumimoji="0" lang="en-US" altLang="en-US" sz="1400" b="0" i="0" u="none" strike="noStrike" kern="1200" cap="none" spc="0" normalizeH="0" baseline="0" noProof="0" dirty="0">
+                <a:ln>
+                  <a:noFill/>
+                </a:ln>
+                <a:solidFill>
+                  <a:srgbClr val="267DFF"/>
+                </a:solidFill>
+                <a:effectLst/>
+                <a:uLnTx/>
+                <a:uFillTx/>
+                <a:latin typeface="Courier New" panose="02070309020205020404" pitchFamily="49" charset="0"/>
+                <a:ea typeface="+mn-ea"/>
+                <a:cs typeface="Courier New" panose="02070309020205020404" pitchFamily="49" charset="0"/>
+              </a:rPr>
+              <a:t>0 </a:t>
+            </a:r>
+            <a:r>
+              <a:rPr kumimoji="0" lang="en-US" altLang="en-US" sz="1400" b="0" i="0" u="none" strike="noStrike" kern="1200" cap="none" spc="0" normalizeH="0" baseline="0" noProof="0" dirty="0">
+                <a:ln>
+                  <a:noFill/>
+                </a:ln>
+                <a:solidFill>
+                  <a:srgbClr val="AEB5BD"/>
+                </a:solidFill>
+                <a:effectLst/>
+                <a:uLnTx/>
+                <a:uFillTx/>
+                <a:latin typeface="Courier New" panose="02070309020205020404" pitchFamily="49" charset="0"/>
+                <a:ea typeface="+mn-ea"/>
+                <a:cs typeface="Courier New" panose="02070309020205020404" pitchFamily="49" charset="0"/>
+              </a:rPr>
+              <a:t>|| </a:t>
+            </a:r>
+            <a:r>
+              <a:rPr kumimoji="0" lang="en-US" altLang="en-US" sz="1400" b="0" i="0" u="none" strike="noStrike" kern="1200" cap="none" spc="0" normalizeH="0" baseline="0" noProof="0" dirty="0">
+                <a:ln>
+                  <a:noFill/>
+                </a:ln>
+                <a:solidFill>
+                  <a:srgbClr val="A9B7C6"/>
+                </a:solidFill>
+                <a:effectLst/>
+                <a:uLnTx/>
+                <a:uFillTx/>
+                <a:latin typeface="Courier New" panose="02070309020205020404" pitchFamily="49" charset="0"/>
+                <a:ea typeface="+mn-ea"/>
+                <a:cs typeface="Courier New" panose="02070309020205020404" pitchFamily="49" charset="0"/>
+              </a:rPr>
+              <a:t>c</a:t>
+            </a:r>
+            <a:r>
+              <a:rPr kumimoji="0" lang="en-US" altLang="en-US" sz="1400" b="0" i="0" u="none" strike="noStrike" kern="1200" cap="none" spc="0" normalizeH="0" baseline="0" noProof="0" dirty="0">
+                <a:ln>
+                  <a:noFill/>
+                </a:ln>
+                <a:solidFill>
+                  <a:srgbClr val="AEB5BD"/>
+                </a:solidFill>
+                <a:effectLst/>
+                <a:uLnTx/>
+                <a:uFillTx/>
+                <a:latin typeface="Courier New" panose="02070309020205020404" pitchFamily="49" charset="0"/>
+                <a:ea typeface="+mn-ea"/>
+                <a:cs typeface="Courier New" panose="02070309020205020404" pitchFamily="49" charset="0"/>
+              </a:rPr>
+              <a:t>&lt;= </a:t>
+            </a:r>
+            <a:r>
+              <a:rPr kumimoji="0" lang="en-US" altLang="en-US" sz="1400" b="0" i="0" u="none" strike="noStrike" kern="1200" cap="none" spc="0" normalizeH="0" baseline="0" noProof="0" dirty="0">
+                <a:ln>
+                  <a:noFill/>
+                </a:ln>
+                <a:solidFill>
+                  <a:srgbClr val="267DFF"/>
+                </a:solidFill>
+                <a:effectLst/>
+                <a:uLnTx/>
+                <a:uFillTx/>
+                <a:latin typeface="Courier New" panose="02070309020205020404" pitchFamily="49" charset="0"/>
+                <a:ea typeface="+mn-ea"/>
+                <a:cs typeface="Courier New" panose="02070309020205020404" pitchFamily="49" charset="0"/>
+              </a:rPr>
+              <a:t>0</a:t>
+            </a:r>
+            <a:r>
+              <a:rPr kumimoji="0" lang="en-US" altLang="en-US" sz="1400" b="0" i="0" u="none" strike="noStrike" kern="1200" cap="none" spc="0" normalizeH="0" baseline="0" noProof="0" dirty="0">
+                <a:ln>
+                  <a:noFill/>
+                </a:ln>
+                <a:solidFill>
+                  <a:srgbClr val="AEB5BD"/>
+                </a:solidFill>
+                <a:effectLst/>
+                <a:uLnTx/>
+                <a:uFillTx/>
+                <a:latin typeface="Courier New" panose="02070309020205020404" pitchFamily="49" charset="0"/>
+                <a:ea typeface="+mn-ea"/>
+                <a:cs typeface="Courier New" panose="02070309020205020404" pitchFamily="49" charset="0"/>
+              </a:rPr>
+              <a:t>){</a:t>
+            </a:r>
+            <a:br>
+              <a:rPr kumimoji="0" lang="en-US" altLang="en-US" sz="1400" b="0" i="0" u="none" strike="noStrike" kern="1200" cap="none" spc="0" normalizeH="0" baseline="0" noProof="0" dirty="0">
+                <a:ln>
+                  <a:noFill/>
+                </a:ln>
+                <a:solidFill>
+                  <a:srgbClr val="AEB5BD"/>
+                </a:solidFill>
+                <a:effectLst/>
+                <a:uLnTx/>
+                <a:uFillTx/>
+                <a:latin typeface="Courier New" panose="02070309020205020404" pitchFamily="49" charset="0"/>
+                <a:ea typeface="+mn-ea"/>
+                <a:cs typeface="Courier New" panose="02070309020205020404" pitchFamily="49" charset="0"/>
+              </a:rPr>
+            </a:br>
+            <a:r>
+              <a:rPr kumimoji="0" lang="en-US" altLang="en-US" sz="1400" b="0" i="0" u="none" strike="noStrike" kern="1200" cap="none" spc="0" normalizeH="0" baseline="0" noProof="0" dirty="0">
+                <a:ln>
+                  <a:noFill/>
+                </a:ln>
+                <a:solidFill>
+                  <a:srgbClr val="AEB5BD"/>
+                </a:solidFill>
+                <a:effectLst/>
+                <a:uLnTx/>
+                <a:uFillTx/>
+                <a:latin typeface="Courier New" panose="02070309020205020404" pitchFamily="49" charset="0"/>
+                <a:ea typeface="+mn-ea"/>
+                <a:cs typeface="Courier New" panose="02070309020205020404" pitchFamily="49" charset="0"/>
+              </a:rPr>
+              <a:t>        </a:t>
+            </a:r>
+            <a:r>
+              <a:rPr kumimoji="0" lang="en-US" altLang="en-US" sz="1400" b="0" i="0" u="none" strike="noStrike" kern="1200" cap="none" spc="0" normalizeH="0" baseline="0" noProof="0" dirty="0">
+                <a:ln>
+                  <a:noFill/>
+                </a:ln>
+                <a:solidFill>
+                  <a:srgbClr val="597CC2"/>
+                </a:solidFill>
+                <a:effectLst/>
+                <a:uLnTx/>
+                <a:uFillTx/>
+                <a:latin typeface="Courier New" panose="02070309020205020404" pitchFamily="49" charset="0"/>
+                <a:ea typeface="+mn-ea"/>
+                <a:cs typeface="Courier New" panose="02070309020205020404" pitchFamily="49" charset="0"/>
+              </a:rPr>
+              <a:t>return </a:t>
+            </a:r>
+            <a:r>
+              <a:rPr kumimoji="0" lang="en-US" altLang="en-US" sz="1400" b="0" i="0" u="none" strike="noStrike" kern="1200" cap="none" spc="0" normalizeH="0" baseline="0" noProof="0" dirty="0" err="1">
+                <a:ln>
+                  <a:noFill/>
+                </a:ln>
+                <a:solidFill>
+                  <a:srgbClr val="A9B7C6"/>
+                </a:solidFill>
+                <a:effectLst/>
+                <a:uLnTx/>
+                <a:uFillTx/>
+                <a:latin typeface="Courier New" panose="02070309020205020404" pitchFamily="49" charset="0"/>
+                <a:ea typeface="+mn-ea"/>
+                <a:cs typeface="Courier New" panose="02070309020205020404" pitchFamily="49" charset="0"/>
+              </a:rPr>
+              <a:t>Classification</a:t>
+            </a:r>
+            <a:r>
+              <a:rPr kumimoji="0" lang="en-US" altLang="en-US" sz="1400" b="0" i="0" u="none" strike="noStrike" kern="1200" cap="none" spc="0" normalizeH="0" baseline="0" noProof="0" dirty="0" err="1">
+                <a:ln>
+                  <a:noFill/>
+                </a:ln>
+                <a:solidFill>
+                  <a:srgbClr val="AEB5BD"/>
+                </a:solidFill>
+                <a:effectLst/>
+                <a:uLnTx/>
+                <a:uFillTx/>
+                <a:latin typeface="Courier New" panose="02070309020205020404" pitchFamily="49" charset="0"/>
+                <a:ea typeface="+mn-ea"/>
+                <a:cs typeface="Courier New" panose="02070309020205020404" pitchFamily="49" charset="0"/>
+              </a:rPr>
+              <a:t>.</a:t>
+            </a:r>
+            <a:r>
+              <a:rPr kumimoji="0" lang="en-US" altLang="en-US" sz="1400" b="0" i="1" u="none" strike="noStrike" kern="1200" cap="none" spc="0" normalizeH="0" baseline="0" noProof="0" dirty="0" err="1">
+                <a:ln>
+                  <a:noFill/>
+                </a:ln>
+                <a:solidFill>
+                  <a:srgbClr val="828EBA"/>
+                </a:solidFill>
+                <a:effectLst/>
+                <a:uLnTx/>
+                <a:uFillTx/>
+                <a:latin typeface="Courier New" panose="02070309020205020404" pitchFamily="49" charset="0"/>
+                <a:ea typeface="+mn-ea"/>
+                <a:cs typeface="Courier New" panose="02070309020205020404" pitchFamily="49" charset="0"/>
+              </a:rPr>
+              <a:t>NOT_A_TRIANGLE</a:t>
+            </a:r>
+            <a:r>
+              <a:rPr kumimoji="0" lang="en-US" altLang="en-US" sz="1400" b="0" i="0" u="none" strike="noStrike" kern="1200" cap="none" spc="0" normalizeH="0" baseline="0" noProof="0" dirty="0">
+                <a:ln>
+                  <a:noFill/>
+                </a:ln>
+                <a:solidFill>
+                  <a:srgbClr val="597CC2"/>
+                </a:solidFill>
+                <a:effectLst/>
+                <a:uLnTx/>
+                <a:uFillTx/>
+                <a:latin typeface="Courier New" panose="02070309020205020404" pitchFamily="49" charset="0"/>
+                <a:ea typeface="+mn-ea"/>
+                <a:cs typeface="Courier New" panose="02070309020205020404" pitchFamily="49" charset="0"/>
+              </a:rPr>
+              <a:t>;</a:t>
+            </a:r>
+            <a:br>
+              <a:rPr kumimoji="0" lang="en-US" altLang="en-US" sz="1400" b="0" i="0" u="none" strike="noStrike" kern="1200" cap="none" spc="0" normalizeH="0" baseline="0" noProof="0" dirty="0">
+                <a:ln>
+                  <a:noFill/>
+                </a:ln>
+                <a:solidFill>
+                  <a:srgbClr val="597CC2"/>
+                </a:solidFill>
+                <a:effectLst/>
+                <a:uLnTx/>
+                <a:uFillTx/>
+                <a:latin typeface="Courier New" panose="02070309020205020404" pitchFamily="49" charset="0"/>
+                <a:ea typeface="+mn-ea"/>
+                <a:cs typeface="Courier New" panose="02070309020205020404" pitchFamily="49" charset="0"/>
+              </a:rPr>
+            </a:br>
+            <a:r>
+              <a:rPr kumimoji="0" lang="en-US" altLang="en-US" sz="1400" b="0" i="0" u="none" strike="noStrike" kern="1200" cap="none" spc="0" normalizeH="0" baseline="0" noProof="0" dirty="0">
+                <a:ln>
+                  <a:noFill/>
+                </a:ln>
+                <a:solidFill>
+                  <a:srgbClr val="597CC2"/>
+                </a:solidFill>
+                <a:effectLst/>
+                <a:uLnTx/>
+                <a:uFillTx/>
+                <a:latin typeface="Courier New" panose="02070309020205020404" pitchFamily="49" charset="0"/>
+                <a:ea typeface="+mn-ea"/>
+                <a:cs typeface="Courier New" panose="02070309020205020404" pitchFamily="49" charset="0"/>
+              </a:rPr>
+              <a:t>    </a:t>
+            </a:r>
+            <a:r>
+              <a:rPr kumimoji="0" lang="en-US" altLang="en-US" sz="1400" b="0" i="0" u="none" strike="noStrike" kern="1200" cap="none" spc="0" normalizeH="0" baseline="0" noProof="0" dirty="0">
+                <a:ln>
+                  <a:noFill/>
+                </a:ln>
+                <a:solidFill>
+                  <a:srgbClr val="AEB5BD"/>
+                </a:solidFill>
+                <a:effectLst/>
+                <a:uLnTx/>
+                <a:uFillTx/>
+                <a:latin typeface="Courier New" panose="02070309020205020404" pitchFamily="49" charset="0"/>
+                <a:ea typeface="+mn-ea"/>
+                <a:cs typeface="Courier New" panose="02070309020205020404" pitchFamily="49" charset="0"/>
+              </a:rPr>
+              <a:t>}</a:t>
+            </a:r>
+            <a:br>
+              <a:rPr kumimoji="0" lang="en-US" altLang="en-US" sz="1400" b="0" i="0" u="none" strike="noStrike" kern="1200" cap="none" spc="0" normalizeH="0" baseline="0" noProof="0" dirty="0">
+                <a:ln>
+                  <a:noFill/>
+                </a:ln>
+                <a:solidFill>
+                  <a:srgbClr val="AEB5BD"/>
+                </a:solidFill>
+                <a:effectLst/>
+                <a:uLnTx/>
+                <a:uFillTx/>
+                <a:latin typeface="Courier New" panose="02070309020205020404" pitchFamily="49" charset="0"/>
+                <a:ea typeface="+mn-ea"/>
+                <a:cs typeface="Courier New" panose="02070309020205020404" pitchFamily="49" charset="0"/>
+              </a:rPr>
+            </a:br>
+            <a:r>
+              <a:rPr kumimoji="0" lang="en-US" altLang="en-US" sz="1400" b="0" i="0" u="none" strike="noStrike" kern="1200" cap="none" spc="0" normalizeH="0" baseline="0" noProof="0" dirty="0">
+                <a:ln>
+                  <a:noFill/>
+                </a:ln>
+                <a:solidFill>
+                  <a:srgbClr val="AEB5BD"/>
+                </a:solidFill>
+                <a:effectLst/>
+                <a:uLnTx/>
+                <a:uFillTx/>
+                <a:latin typeface="Courier New" panose="02070309020205020404" pitchFamily="49" charset="0"/>
+                <a:ea typeface="+mn-ea"/>
+                <a:cs typeface="Courier New" panose="02070309020205020404" pitchFamily="49" charset="0"/>
+              </a:rPr>
+              <a:t/>
+            </a:r>
+            <a:br>
+              <a:rPr kumimoji="0" lang="en-US" altLang="en-US" sz="1400" b="0" i="0" u="none" strike="noStrike" kern="1200" cap="none" spc="0" normalizeH="0" baseline="0" noProof="0" dirty="0">
+                <a:ln>
+                  <a:noFill/>
+                </a:ln>
+                <a:solidFill>
+                  <a:srgbClr val="AEB5BD"/>
+                </a:solidFill>
+                <a:effectLst/>
+                <a:uLnTx/>
+                <a:uFillTx/>
+                <a:latin typeface="Courier New" panose="02070309020205020404" pitchFamily="49" charset="0"/>
+                <a:ea typeface="+mn-ea"/>
+                <a:cs typeface="Courier New" panose="02070309020205020404" pitchFamily="49" charset="0"/>
+              </a:rPr>
+            </a:br>
+            <a:r>
+              <a:rPr kumimoji="0" lang="en-US" altLang="en-US" sz="1400" b="0" i="0" u="none" strike="noStrike" kern="1200" cap="none" spc="0" normalizeH="0" baseline="0" noProof="0" dirty="0">
+                <a:ln>
+                  <a:noFill/>
+                </a:ln>
+                <a:solidFill>
+                  <a:srgbClr val="AEB5BD"/>
+                </a:solidFill>
+                <a:effectLst/>
+                <a:uLnTx/>
+                <a:uFillTx/>
+                <a:latin typeface="Courier New" panose="02070309020205020404" pitchFamily="49" charset="0"/>
+                <a:ea typeface="+mn-ea"/>
+                <a:cs typeface="Courier New" panose="02070309020205020404" pitchFamily="49" charset="0"/>
+              </a:rPr>
+              <a:t>    </a:t>
+            </a:r>
+            <a:r>
+              <a:rPr kumimoji="0" lang="en-US" altLang="en-US" sz="1400" b="0" i="0" u="none" strike="noStrike" kern="1200" cap="none" spc="0" normalizeH="0" baseline="0" noProof="0" dirty="0">
+                <a:ln>
+                  <a:noFill/>
+                </a:ln>
+                <a:solidFill>
+                  <a:srgbClr val="597CC2"/>
+                </a:solidFill>
+                <a:effectLst/>
+                <a:uLnTx/>
+                <a:uFillTx/>
+                <a:latin typeface="Courier New" panose="02070309020205020404" pitchFamily="49" charset="0"/>
+                <a:ea typeface="+mn-ea"/>
+                <a:cs typeface="Courier New" panose="02070309020205020404" pitchFamily="49" charset="0"/>
+              </a:rPr>
+              <a:t>if</a:t>
+            </a:r>
+            <a:r>
+              <a:rPr kumimoji="0" lang="en-US" altLang="en-US" sz="1400" b="0" i="0" u="none" strike="noStrike" kern="1200" cap="none" spc="0" normalizeH="0" baseline="0" noProof="0" dirty="0">
+                <a:ln>
+                  <a:noFill/>
+                </a:ln>
+                <a:solidFill>
+                  <a:srgbClr val="AEB5BD"/>
+                </a:solidFill>
+                <a:effectLst/>
+                <a:uLnTx/>
+                <a:uFillTx/>
+                <a:latin typeface="Courier New" panose="02070309020205020404" pitchFamily="49" charset="0"/>
+                <a:ea typeface="+mn-ea"/>
+                <a:cs typeface="Courier New" panose="02070309020205020404" pitchFamily="49" charset="0"/>
+              </a:rPr>
+              <a:t>(</a:t>
+            </a:r>
+            <a:r>
+              <a:rPr kumimoji="0" lang="en-US" altLang="en-US" sz="1400" b="0" i="0" u="none" strike="noStrike" kern="1200" cap="none" spc="0" normalizeH="0" baseline="0" noProof="0" dirty="0">
+                <a:ln>
+                  <a:noFill/>
+                </a:ln>
+                <a:solidFill>
+                  <a:srgbClr val="A9B7C6"/>
+                </a:solidFill>
+                <a:effectLst/>
+                <a:uLnTx/>
+                <a:uFillTx/>
+                <a:latin typeface="Courier New" panose="02070309020205020404" pitchFamily="49" charset="0"/>
+                <a:ea typeface="+mn-ea"/>
+                <a:cs typeface="Courier New" panose="02070309020205020404" pitchFamily="49" charset="0"/>
+              </a:rPr>
+              <a:t>a</a:t>
+            </a:r>
+            <a:r>
+              <a:rPr kumimoji="0" lang="en-US" altLang="en-US" sz="1400" b="0" i="0" u="none" strike="noStrike" kern="1200" cap="none" spc="0" normalizeH="0" baseline="0" noProof="0" dirty="0">
+                <a:ln>
+                  <a:noFill/>
+                </a:ln>
+                <a:solidFill>
+                  <a:srgbClr val="AEB5BD"/>
+                </a:solidFill>
+                <a:effectLst/>
+                <a:uLnTx/>
+                <a:uFillTx/>
+                <a:latin typeface="Courier New" panose="02070309020205020404" pitchFamily="49" charset="0"/>
+                <a:ea typeface="+mn-ea"/>
+                <a:cs typeface="Courier New" panose="02070309020205020404" pitchFamily="49" charset="0"/>
+              </a:rPr>
+              <a:t>==</a:t>
+            </a:r>
+            <a:r>
+              <a:rPr kumimoji="0" lang="en-US" altLang="en-US" sz="1400" b="0" i="0" u="none" strike="noStrike" kern="1200" cap="none" spc="0" normalizeH="0" baseline="0" noProof="0" dirty="0">
+                <a:ln>
+                  <a:noFill/>
+                </a:ln>
+                <a:solidFill>
+                  <a:srgbClr val="A9B7C6"/>
+                </a:solidFill>
+                <a:effectLst/>
+                <a:uLnTx/>
+                <a:uFillTx/>
+                <a:latin typeface="Courier New" panose="02070309020205020404" pitchFamily="49" charset="0"/>
+                <a:ea typeface="+mn-ea"/>
+                <a:cs typeface="Courier New" panose="02070309020205020404" pitchFamily="49" charset="0"/>
+              </a:rPr>
+              <a:t>b </a:t>
+            </a:r>
+            <a:r>
+              <a:rPr kumimoji="0" lang="en-US" altLang="en-US" sz="1400" b="0" i="0" u="none" strike="noStrike" kern="1200" cap="none" spc="0" normalizeH="0" baseline="0" noProof="0" dirty="0">
+                <a:ln>
+                  <a:noFill/>
+                </a:ln>
+                <a:solidFill>
+                  <a:srgbClr val="AEB5BD"/>
+                </a:solidFill>
+                <a:effectLst/>
+                <a:uLnTx/>
+                <a:uFillTx/>
+                <a:latin typeface="Courier New" panose="02070309020205020404" pitchFamily="49" charset="0"/>
+                <a:ea typeface="+mn-ea"/>
+                <a:cs typeface="Courier New" panose="02070309020205020404" pitchFamily="49" charset="0"/>
+              </a:rPr>
+              <a:t>&amp;&amp; </a:t>
+            </a:r>
+            <a:r>
+              <a:rPr kumimoji="0" lang="en-US" altLang="en-US" sz="1400" b="0" i="0" u="none" strike="noStrike" kern="1200" cap="none" spc="0" normalizeH="0" baseline="0" noProof="0" dirty="0">
+                <a:ln>
+                  <a:noFill/>
+                </a:ln>
+                <a:solidFill>
+                  <a:srgbClr val="A9B7C6"/>
+                </a:solidFill>
+                <a:effectLst/>
+                <a:uLnTx/>
+                <a:uFillTx/>
+                <a:latin typeface="Courier New" panose="02070309020205020404" pitchFamily="49" charset="0"/>
+                <a:ea typeface="+mn-ea"/>
+                <a:cs typeface="Courier New" panose="02070309020205020404" pitchFamily="49" charset="0"/>
+              </a:rPr>
+              <a:t>b</a:t>
+            </a:r>
+            <a:r>
+              <a:rPr kumimoji="0" lang="en-US" altLang="en-US" sz="1400" b="0" i="0" u="none" strike="noStrike" kern="1200" cap="none" spc="0" normalizeH="0" baseline="0" noProof="0" dirty="0">
+                <a:ln>
+                  <a:noFill/>
+                </a:ln>
+                <a:solidFill>
+                  <a:srgbClr val="AEB5BD"/>
+                </a:solidFill>
+                <a:effectLst/>
+                <a:uLnTx/>
+                <a:uFillTx/>
+                <a:latin typeface="Courier New" panose="02070309020205020404" pitchFamily="49" charset="0"/>
+                <a:ea typeface="+mn-ea"/>
+                <a:cs typeface="Courier New" panose="02070309020205020404" pitchFamily="49" charset="0"/>
+              </a:rPr>
+              <a:t>==</a:t>
+            </a:r>
+            <a:r>
+              <a:rPr kumimoji="0" lang="en-US" altLang="en-US" sz="1400" b="0" i="0" u="none" strike="noStrike" kern="1200" cap="none" spc="0" normalizeH="0" baseline="0" noProof="0" dirty="0">
+                <a:ln>
+                  <a:noFill/>
+                </a:ln>
+                <a:solidFill>
+                  <a:srgbClr val="A9B7C6"/>
+                </a:solidFill>
+                <a:effectLst/>
+                <a:uLnTx/>
+                <a:uFillTx/>
+                <a:latin typeface="Courier New" panose="02070309020205020404" pitchFamily="49" charset="0"/>
+                <a:ea typeface="+mn-ea"/>
+                <a:cs typeface="Courier New" panose="02070309020205020404" pitchFamily="49" charset="0"/>
+              </a:rPr>
+              <a:t>c</a:t>
+            </a:r>
+            <a:r>
+              <a:rPr kumimoji="0" lang="en-US" altLang="en-US" sz="1400" b="0" i="0" u="none" strike="noStrike" kern="1200" cap="none" spc="0" normalizeH="0" baseline="0" noProof="0" dirty="0">
+                <a:ln>
+                  <a:noFill/>
+                </a:ln>
+                <a:solidFill>
+                  <a:srgbClr val="AEB5BD"/>
+                </a:solidFill>
+                <a:effectLst/>
+                <a:uLnTx/>
+                <a:uFillTx/>
+                <a:latin typeface="Courier New" panose="02070309020205020404" pitchFamily="49" charset="0"/>
+                <a:ea typeface="+mn-ea"/>
+                <a:cs typeface="Courier New" panose="02070309020205020404" pitchFamily="49" charset="0"/>
+              </a:rPr>
+              <a:t>){</a:t>
+            </a:r>
+            <a:br>
+              <a:rPr kumimoji="0" lang="en-US" altLang="en-US" sz="1400" b="0" i="0" u="none" strike="noStrike" kern="1200" cap="none" spc="0" normalizeH="0" baseline="0" noProof="0" dirty="0">
+                <a:ln>
+                  <a:noFill/>
+                </a:ln>
+                <a:solidFill>
+                  <a:srgbClr val="AEB5BD"/>
+                </a:solidFill>
+                <a:effectLst/>
+                <a:uLnTx/>
+                <a:uFillTx/>
+                <a:latin typeface="Courier New" panose="02070309020205020404" pitchFamily="49" charset="0"/>
+                <a:ea typeface="+mn-ea"/>
+                <a:cs typeface="Courier New" panose="02070309020205020404" pitchFamily="49" charset="0"/>
+              </a:rPr>
+            </a:br>
+            <a:r>
+              <a:rPr kumimoji="0" lang="en-US" altLang="en-US" sz="1400" b="0" i="0" u="none" strike="noStrike" kern="1200" cap="none" spc="0" normalizeH="0" baseline="0" noProof="0" dirty="0">
+                <a:ln>
+                  <a:noFill/>
+                </a:ln>
+                <a:solidFill>
+                  <a:srgbClr val="AEB5BD"/>
+                </a:solidFill>
+                <a:effectLst/>
+                <a:uLnTx/>
+                <a:uFillTx/>
+                <a:latin typeface="Courier New" panose="02070309020205020404" pitchFamily="49" charset="0"/>
+                <a:ea typeface="+mn-ea"/>
+                <a:cs typeface="Courier New" panose="02070309020205020404" pitchFamily="49" charset="0"/>
+              </a:rPr>
+              <a:t>        </a:t>
+            </a:r>
+            <a:r>
+              <a:rPr kumimoji="0" lang="en-US" altLang="en-US" sz="1400" b="0" i="0" u="none" strike="noStrike" kern="1200" cap="none" spc="0" normalizeH="0" baseline="0" noProof="0" dirty="0">
+                <a:ln>
+                  <a:noFill/>
+                </a:ln>
+                <a:solidFill>
+                  <a:srgbClr val="597CC2"/>
+                </a:solidFill>
+                <a:effectLst/>
+                <a:uLnTx/>
+                <a:uFillTx/>
+                <a:latin typeface="Courier New" panose="02070309020205020404" pitchFamily="49" charset="0"/>
+                <a:ea typeface="+mn-ea"/>
+                <a:cs typeface="Courier New" panose="02070309020205020404" pitchFamily="49" charset="0"/>
+              </a:rPr>
+              <a:t>return </a:t>
+            </a:r>
+            <a:r>
+              <a:rPr kumimoji="0" lang="en-US" altLang="en-US" sz="1400" b="0" i="0" u="none" strike="noStrike" kern="1200" cap="none" spc="0" normalizeH="0" baseline="0" noProof="0" dirty="0" err="1">
+                <a:ln>
+                  <a:noFill/>
+                </a:ln>
+                <a:solidFill>
+                  <a:srgbClr val="A9B7C6"/>
+                </a:solidFill>
+                <a:effectLst/>
+                <a:uLnTx/>
+                <a:uFillTx/>
+                <a:latin typeface="Courier New" panose="02070309020205020404" pitchFamily="49" charset="0"/>
+                <a:ea typeface="+mn-ea"/>
+                <a:cs typeface="Courier New" panose="02070309020205020404" pitchFamily="49" charset="0"/>
+              </a:rPr>
+              <a:t>Classification</a:t>
+            </a:r>
+            <a:r>
+              <a:rPr kumimoji="0" lang="en-US" altLang="en-US" sz="1400" b="0" i="0" u="none" strike="noStrike" kern="1200" cap="none" spc="0" normalizeH="0" baseline="0" noProof="0" dirty="0" err="1">
+                <a:ln>
+                  <a:noFill/>
+                </a:ln>
+                <a:solidFill>
+                  <a:srgbClr val="AEB5BD"/>
+                </a:solidFill>
+                <a:effectLst/>
+                <a:uLnTx/>
+                <a:uFillTx/>
+                <a:latin typeface="Courier New" panose="02070309020205020404" pitchFamily="49" charset="0"/>
+                <a:ea typeface="+mn-ea"/>
+                <a:cs typeface="Courier New" panose="02070309020205020404" pitchFamily="49" charset="0"/>
+              </a:rPr>
+              <a:t>.</a:t>
+            </a:r>
+            <a:r>
+              <a:rPr kumimoji="0" lang="en-US" altLang="en-US" sz="1400" b="0" i="1" u="none" strike="noStrike" kern="1200" cap="none" spc="0" normalizeH="0" baseline="0" noProof="0" dirty="0" err="1">
+                <a:ln>
+                  <a:noFill/>
+                </a:ln>
+                <a:solidFill>
+                  <a:srgbClr val="828EBA"/>
+                </a:solidFill>
+                <a:effectLst/>
+                <a:uLnTx/>
+                <a:uFillTx/>
+                <a:latin typeface="Courier New" panose="02070309020205020404" pitchFamily="49" charset="0"/>
+                <a:ea typeface="+mn-ea"/>
+                <a:cs typeface="Courier New" panose="02070309020205020404" pitchFamily="49" charset="0"/>
+              </a:rPr>
+              <a:t>EQUILATERAL</a:t>
+            </a:r>
+            <a:r>
+              <a:rPr kumimoji="0" lang="en-US" altLang="en-US" sz="1400" b="0" i="0" u="none" strike="noStrike" kern="1200" cap="none" spc="0" normalizeH="0" baseline="0" noProof="0" dirty="0">
+                <a:ln>
+                  <a:noFill/>
+                </a:ln>
+                <a:solidFill>
+                  <a:srgbClr val="597CC2"/>
+                </a:solidFill>
+                <a:effectLst/>
+                <a:uLnTx/>
+                <a:uFillTx/>
+                <a:latin typeface="Courier New" panose="02070309020205020404" pitchFamily="49" charset="0"/>
+                <a:ea typeface="+mn-ea"/>
+                <a:cs typeface="Courier New" panose="02070309020205020404" pitchFamily="49" charset="0"/>
+              </a:rPr>
+              <a:t>;</a:t>
+            </a:r>
+            <a:br>
+              <a:rPr kumimoji="0" lang="en-US" altLang="en-US" sz="1400" b="0" i="0" u="none" strike="noStrike" kern="1200" cap="none" spc="0" normalizeH="0" baseline="0" noProof="0" dirty="0">
+                <a:ln>
+                  <a:noFill/>
+                </a:ln>
+                <a:solidFill>
+                  <a:srgbClr val="597CC2"/>
+                </a:solidFill>
+                <a:effectLst/>
+                <a:uLnTx/>
+                <a:uFillTx/>
+                <a:latin typeface="Courier New" panose="02070309020205020404" pitchFamily="49" charset="0"/>
+                <a:ea typeface="+mn-ea"/>
+                <a:cs typeface="Courier New" panose="02070309020205020404" pitchFamily="49" charset="0"/>
+              </a:rPr>
+            </a:br>
+            <a:r>
+              <a:rPr kumimoji="0" lang="en-US" altLang="en-US" sz="1400" b="0" i="0" u="none" strike="noStrike" kern="1200" cap="none" spc="0" normalizeH="0" baseline="0" noProof="0" dirty="0">
+                <a:ln>
+                  <a:noFill/>
+                </a:ln>
+                <a:solidFill>
+                  <a:srgbClr val="597CC2"/>
+                </a:solidFill>
+                <a:effectLst/>
+                <a:uLnTx/>
+                <a:uFillTx/>
+                <a:latin typeface="Courier New" panose="02070309020205020404" pitchFamily="49" charset="0"/>
+                <a:ea typeface="+mn-ea"/>
+                <a:cs typeface="Courier New" panose="02070309020205020404" pitchFamily="49" charset="0"/>
+              </a:rPr>
+              <a:t>    </a:t>
+            </a:r>
+            <a:r>
+              <a:rPr kumimoji="0" lang="en-US" altLang="en-US" sz="1400" b="0" i="0" u="none" strike="noStrike" kern="1200" cap="none" spc="0" normalizeH="0" baseline="0" noProof="0" dirty="0">
+                <a:ln>
+                  <a:noFill/>
+                </a:ln>
+                <a:solidFill>
+                  <a:srgbClr val="AEB5BD"/>
+                </a:solidFill>
+                <a:effectLst/>
+                <a:uLnTx/>
+                <a:uFillTx/>
+                <a:latin typeface="Courier New" panose="02070309020205020404" pitchFamily="49" charset="0"/>
+                <a:ea typeface="+mn-ea"/>
+                <a:cs typeface="Courier New" panose="02070309020205020404" pitchFamily="49" charset="0"/>
+              </a:rPr>
+              <a:t>}</a:t>
+            </a:r>
+            <a:br>
+              <a:rPr kumimoji="0" lang="en-US" altLang="en-US" sz="1400" b="0" i="0" u="none" strike="noStrike" kern="1200" cap="none" spc="0" normalizeH="0" baseline="0" noProof="0" dirty="0">
+                <a:ln>
+                  <a:noFill/>
+                </a:ln>
+                <a:solidFill>
+                  <a:srgbClr val="AEB5BD"/>
+                </a:solidFill>
+                <a:effectLst/>
+                <a:uLnTx/>
+                <a:uFillTx/>
+                <a:latin typeface="Courier New" panose="02070309020205020404" pitchFamily="49" charset="0"/>
+                <a:ea typeface="+mn-ea"/>
+                <a:cs typeface="Courier New" panose="02070309020205020404" pitchFamily="49" charset="0"/>
+              </a:rPr>
+            </a:br>
+            <a:r>
+              <a:rPr kumimoji="0" lang="en-US" altLang="en-US" sz="1400" b="0" i="0" u="none" strike="noStrike" kern="1200" cap="none" spc="0" normalizeH="0" baseline="0" noProof="0" dirty="0">
+                <a:ln>
+                  <a:noFill/>
+                </a:ln>
+                <a:solidFill>
+                  <a:srgbClr val="AEB5BD"/>
+                </a:solidFill>
+                <a:effectLst/>
+                <a:uLnTx/>
+                <a:uFillTx/>
+                <a:latin typeface="Courier New" panose="02070309020205020404" pitchFamily="49" charset="0"/>
+                <a:ea typeface="+mn-ea"/>
+                <a:cs typeface="Courier New" panose="02070309020205020404" pitchFamily="49" charset="0"/>
+              </a:rPr>
+              <a:t/>
+            </a:r>
+            <a:br>
+              <a:rPr kumimoji="0" lang="en-US" altLang="en-US" sz="1400" b="0" i="0" u="none" strike="noStrike" kern="1200" cap="none" spc="0" normalizeH="0" baseline="0" noProof="0" dirty="0">
+                <a:ln>
+                  <a:noFill/>
+                </a:ln>
+                <a:solidFill>
+                  <a:srgbClr val="AEB5BD"/>
+                </a:solidFill>
+                <a:effectLst/>
+                <a:uLnTx/>
+                <a:uFillTx/>
+                <a:latin typeface="Courier New" panose="02070309020205020404" pitchFamily="49" charset="0"/>
+                <a:ea typeface="+mn-ea"/>
+                <a:cs typeface="Courier New" panose="02070309020205020404" pitchFamily="49" charset="0"/>
+              </a:rPr>
+            </a:br>
+            <a:r>
+              <a:rPr kumimoji="0" lang="en-US" altLang="en-US" sz="1400" b="0" i="0" u="none" strike="noStrike" kern="1200" cap="none" spc="0" normalizeH="0" baseline="0" noProof="0" dirty="0">
+                <a:ln>
+                  <a:noFill/>
+                </a:ln>
+                <a:solidFill>
+                  <a:srgbClr val="AEB5BD"/>
+                </a:solidFill>
+                <a:effectLst/>
+                <a:uLnTx/>
+                <a:uFillTx/>
+                <a:latin typeface="Courier New" panose="02070309020205020404" pitchFamily="49" charset="0"/>
+                <a:ea typeface="+mn-ea"/>
+                <a:cs typeface="Courier New" panose="02070309020205020404" pitchFamily="49" charset="0"/>
+              </a:rPr>
+              <a:t>    </a:t>
+            </a:r>
+            <a:r>
+              <a:rPr kumimoji="0" lang="en-US" altLang="en-US" sz="1400" b="0" i="0" u="none" strike="noStrike" kern="1200" cap="none" spc="0" normalizeH="0" baseline="0" noProof="0" dirty="0" err="1">
+                <a:ln>
+                  <a:noFill/>
+                </a:ln>
+                <a:solidFill>
+                  <a:srgbClr val="597CC2"/>
+                </a:solidFill>
+                <a:effectLst/>
+                <a:uLnTx/>
+                <a:uFillTx/>
+                <a:latin typeface="Courier New" panose="02070309020205020404" pitchFamily="49" charset="0"/>
+                <a:ea typeface="+mn-ea"/>
+                <a:cs typeface="Courier New" panose="02070309020205020404" pitchFamily="49" charset="0"/>
+              </a:rPr>
+              <a:t>int</a:t>
+            </a:r>
+            <a:r>
+              <a:rPr kumimoji="0" lang="en-US" altLang="en-US" sz="1400" b="0" i="0" u="none" strike="noStrike" kern="1200" cap="none" spc="0" normalizeH="0" baseline="0" noProof="0" dirty="0">
+                <a:ln>
+                  <a:noFill/>
+                </a:ln>
+                <a:solidFill>
+                  <a:srgbClr val="597CC2"/>
+                </a:solidFill>
+                <a:effectLst/>
+                <a:uLnTx/>
+                <a:uFillTx/>
+                <a:latin typeface="Courier New" panose="02070309020205020404" pitchFamily="49" charset="0"/>
+                <a:ea typeface="+mn-ea"/>
+                <a:cs typeface="Courier New" panose="02070309020205020404" pitchFamily="49" charset="0"/>
+              </a:rPr>
+              <a:t> </a:t>
+            </a:r>
+            <a:r>
+              <a:rPr kumimoji="0" lang="en-US" altLang="en-US" sz="1400" b="0" i="0" u="none" strike="noStrike" kern="1200" cap="none" spc="0" normalizeH="0" baseline="0" noProof="0" dirty="0">
+                <a:ln>
+                  <a:noFill/>
+                </a:ln>
+                <a:solidFill>
+                  <a:srgbClr val="A9B7C6"/>
+                </a:solidFill>
+                <a:effectLst/>
+                <a:uLnTx/>
+                <a:uFillTx/>
+                <a:latin typeface="Courier New" panose="02070309020205020404" pitchFamily="49" charset="0"/>
+                <a:ea typeface="+mn-ea"/>
+                <a:cs typeface="Courier New" panose="02070309020205020404" pitchFamily="49" charset="0"/>
+              </a:rPr>
+              <a:t>max </a:t>
+            </a:r>
+            <a:r>
+              <a:rPr kumimoji="0" lang="en-US" altLang="en-US" sz="1400" b="0" i="0" u="none" strike="noStrike" kern="1200" cap="none" spc="0" normalizeH="0" baseline="0" noProof="0" dirty="0">
+                <a:ln>
+                  <a:noFill/>
+                </a:ln>
+                <a:solidFill>
+                  <a:srgbClr val="AEB5BD"/>
+                </a:solidFill>
+                <a:effectLst/>
+                <a:uLnTx/>
+                <a:uFillTx/>
+                <a:latin typeface="Courier New" panose="02070309020205020404" pitchFamily="49" charset="0"/>
+                <a:ea typeface="+mn-ea"/>
+                <a:cs typeface="Courier New" panose="02070309020205020404" pitchFamily="49" charset="0"/>
+              </a:rPr>
+              <a:t>= </a:t>
+            </a:r>
+            <a:r>
+              <a:rPr kumimoji="0" lang="en-US" altLang="en-US" sz="1400" b="0" i="0" u="none" strike="noStrike" kern="1200" cap="none" spc="0" normalizeH="0" baseline="0" noProof="0" dirty="0" err="1">
+                <a:ln>
+                  <a:noFill/>
+                </a:ln>
+                <a:solidFill>
+                  <a:srgbClr val="A9B7C6"/>
+                </a:solidFill>
+                <a:effectLst/>
+                <a:uLnTx/>
+                <a:uFillTx/>
+                <a:latin typeface="Courier New" panose="02070309020205020404" pitchFamily="49" charset="0"/>
+                <a:ea typeface="+mn-ea"/>
+                <a:cs typeface="Courier New" panose="02070309020205020404" pitchFamily="49" charset="0"/>
+              </a:rPr>
+              <a:t>Math</a:t>
+            </a:r>
+            <a:r>
+              <a:rPr kumimoji="0" lang="en-US" altLang="en-US" sz="1400" b="0" i="0" u="none" strike="noStrike" kern="1200" cap="none" spc="0" normalizeH="0" baseline="0" noProof="0" dirty="0" err="1">
+                <a:ln>
+                  <a:noFill/>
+                </a:ln>
+                <a:solidFill>
+                  <a:srgbClr val="AEB5BD"/>
+                </a:solidFill>
+                <a:effectLst/>
+                <a:uLnTx/>
+                <a:uFillTx/>
+                <a:latin typeface="Courier New" panose="02070309020205020404" pitchFamily="49" charset="0"/>
+                <a:ea typeface="+mn-ea"/>
+                <a:cs typeface="Courier New" panose="02070309020205020404" pitchFamily="49" charset="0"/>
+              </a:rPr>
+              <a:t>.</a:t>
+            </a:r>
+            <a:r>
+              <a:rPr kumimoji="0" lang="en-US" altLang="en-US" sz="1400" b="0" i="1" u="none" strike="noStrike" kern="1200" cap="none" spc="0" normalizeH="0" baseline="0" noProof="0" dirty="0" err="1">
+                <a:ln>
+                  <a:noFill/>
+                </a:ln>
+                <a:solidFill>
+                  <a:srgbClr val="AEB5BD"/>
+                </a:solidFill>
+                <a:effectLst/>
+                <a:uLnTx/>
+                <a:uFillTx/>
+                <a:latin typeface="Courier New" panose="02070309020205020404" pitchFamily="49" charset="0"/>
+                <a:ea typeface="+mn-ea"/>
+                <a:cs typeface="Courier New" panose="02070309020205020404" pitchFamily="49" charset="0"/>
+              </a:rPr>
+              <a:t>max</a:t>
+            </a:r>
+            <a:r>
+              <a:rPr kumimoji="0" lang="en-US" altLang="en-US" sz="1400" b="0" i="0" u="none" strike="noStrike" kern="1200" cap="none" spc="0" normalizeH="0" baseline="0" noProof="0" dirty="0">
+                <a:ln>
+                  <a:noFill/>
+                </a:ln>
+                <a:solidFill>
+                  <a:srgbClr val="AEB5BD"/>
+                </a:solidFill>
+                <a:effectLst/>
+                <a:uLnTx/>
+                <a:uFillTx/>
+                <a:latin typeface="Courier New" panose="02070309020205020404" pitchFamily="49" charset="0"/>
+                <a:ea typeface="+mn-ea"/>
+                <a:cs typeface="Courier New" panose="02070309020205020404" pitchFamily="49" charset="0"/>
+              </a:rPr>
+              <a:t>(</a:t>
+            </a:r>
+            <a:r>
+              <a:rPr kumimoji="0" lang="en-US" altLang="en-US" sz="1400" b="0" i="0" u="none" strike="noStrike" kern="1200" cap="none" spc="0" normalizeH="0" baseline="0" noProof="0" dirty="0">
+                <a:ln>
+                  <a:noFill/>
+                </a:ln>
+                <a:solidFill>
+                  <a:srgbClr val="A9B7C6"/>
+                </a:solidFill>
+                <a:effectLst/>
+                <a:uLnTx/>
+                <a:uFillTx/>
+                <a:latin typeface="Courier New" panose="02070309020205020404" pitchFamily="49" charset="0"/>
+                <a:ea typeface="+mn-ea"/>
+                <a:cs typeface="Courier New" panose="02070309020205020404" pitchFamily="49" charset="0"/>
+              </a:rPr>
+              <a:t>a</a:t>
+            </a:r>
+            <a:r>
+              <a:rPr kumimoji="0" lang="en-US" altLang="en-US" sz="1400" b="0" i="0" u="none" strike="noStrike" kern="1200" cap="none" spc="0" normalizeH="0" baseline="0" noProof="0" dirty="0">
+                <a:ln>
+                  <a:noFill/>
+                </a:ln>
+                <a:solidFill>
+                  <a:srgbClr val="5C7AB8"/>
+                </a:solidFill>
+                <a:effectLst/>
+                <a:uLnTx/>
+                <a:uFillTx/>
+                <a:latin typeface="Courier New" panose="02070309020205020404" pitchFamily="49" charset="0"/>
+                <a:ea typeface="+mn-ea"/>
+                <a:cs typeface="Courier New" panose="02070309020205020404" pitchFamily="49" charset="0"/>
+              </a:rPr>
+              <a:t>, </a:t>
+            </a:r>
+            <a:r>
+              <a:rPr kumimoji="0" lang="en-US" altLang="en-US" sz="1400" b="0" i="0" u="none" strike="noStrike" kern="1200" cap="none" spc="0" normalizeH="0" baseline="0" noProof="0" dirty="0" err="1">
+                <a:ln>
+                  <a:noFill/>
+                </a:ln>
+                <a:solidFill>
+                  <a:srgbClr val="A9B7C6"/>
+                </a:solidFill>
+                <a:effectLst/>
+                <a:uLnTx/>
+                <a:uFillTx/>
+                <a:latin typeface="Courier New" panose="02070309020205020404" pitchFamily="49" charset="0"/>
+                <a:ea typeface="+mn-ea"/>
+                <a:cs typeface="Courier New" panose="02070309020205020404" pitchFamily="49" charset="0"/>
+              </a:rPr>
+              <a:t>Math</a:t>
+            </a:r>
+            <a:r>
+              <a:rPr kumimoji="0" lang="en-US" altLang="en-US" sz="1400" b="0" i="0" u="none" strike="noStrike" kern="1200" cap="none" spc="0" normalizeH="0" baseline="0" noProof="0" dirty="0" err="1">
+                <a:ln>
+                  <a:noFill/>
+                </a:ln>
+                <a:solidFill>
+                  <a:srgbClr val="AEB5BD"/>
+                </a:solidFill>
+                <a:effectLst/>
+                <a:uLnTx/>
+                <a:uFillTx/>
+                <a:latin typeface="Courier New" panose="02070309020205020404" pitchFamily="49" charset="0"/>
+                <a:ea typeface="+mn-ea"/>
+                <a:cs typeface="Courier New" panose="02070309020205020404" pitchFamily="49" charset="0"/>
+              </a:rPr>
+              <a:t>.</a:t>
+            </a:r>
+            <a:r>
+              <a:rPr kumimoji="0" lang="en-US" altLang="en-US" sz="1400" b="0" i="1" u="none" strike="noStrike" kern="1200" cap="none" spc="0" normalizeH="0" baseline="0" noProof="0" dirty="0" err="1">
+                <a:ln>
+                  <a:noFill/>
+                </a:ln>
+                <a:solidFill>
+                  <a:srgbClr val="AEB5BD"/>
+                </a:solidFill>
+                <a:effectLst/>
+                <a:uLnTx/>
+                <a:uFillTx/>
+                <a:latin typeface="Courier New" panose="02070309020205020404" pitchFamily="49" charset="0"/>
+                <a:ea typeface="+mn-ea"/>
+                <a:cs typeface="Courier New" panose="02070309020205020404" pitchFamily="49" charset="0"/>
+              </a:rPr>
+              <a:t>max</a:t>
+            </a:r>
+            <a:r>
+              <a:rPr kumimoji="0" lang="en-US" altLang="en-US" sz="1400" b="0" i="0" u="none" strike="noStrike" kern="1200" cap="none" spc="0" normalizeH="0" baseline="0" noProof="0" dirty="0">
+                <a:ln>
+                  <a:noFill/>
+                </a:ln>
+                <a:solidFill>
+                  <a:srgbClr val="AEB5BD"/>
+                </a:solidFill>
+                <a:effectLst/>
+                <a:uLnTx/>
+                <a:uFillTx/>
+                <a:latin typeface="Courier New" panose="02070309020205020404" pitchFamily="49" charset="0"/>
+                <a:ea typeface="+mn-ea"/>
+                <a:cs typeface="Courier New" panose="02070309020205020404" pitchFamily="49" charset="0"/>
+              </a:rPr>
+              <a:t>(</a:t>
+            </a:r>
+            <a:r>
+              <a:rPr kumimoji="0" lang="en-US" altLang="en-US" sz="1400" b="0" i="0" u="none" strike="noStrike" kern="1200" cap="none" spc="0" normalizeH="0" baseline="0" noProof="0" dirty="0" err="1">
+                <a:ln>
+                  <a:noFill/>
+                </a:ln>
+                <a:solidFill>
+                  <a:srgbClr val="A9B7C6"/>
+                </a:solidFill>
+                <a:effectLst/>
+                <a:uLnTx/>
+                <a:uFillTx/>
+                <a:latin typeface="Courier New" panose="02070309020205020404" pitchFamily="49" charset="0"/>
+                <a:ea typeface="+mn-ea"/>
+                <a:cs typeface="Courier New" panose="02070309020205020404" pitchFamily="49" charset="0"/>
+              </a:rPr>
+              <a:t>b</a:t>
+            </a:r>
+            <a:r>
+              <a:rPr kumimoji="0" lang="en-US" altLang="en-US" sz="1400" b="0" i="0" u="none" strike="noStrike" kern="1200" cap="none" spc="0" normalizeH="0" baseline="0" noProof="0" dirty="0" err="1">
+                <a:ln>
+                  <a:noFill/>
+                </a:ln>
+                <a:solidFill>
+                  <a:srgbClr val="5C7AB8"/>
+                </a:solidFill>
+                <a:effectLst/>
+                <a:uLnTx/>
+                <a:uFillTx/>
+                <a:latin typeface="Courier New" panose="02070309020205020404" pitchFamily="49" charset="0"/>
+                <a:ea typeface="+mn-ea"/>
+                <a:cs typeface="Courier New" panose="02070309020205020404" pitchFamily="49" charset="0"/>
+              </a:rPr>
+              <a:t>,</a:t>
+            </a:r>
+            <a:r>
+              <a:rPr kumimoji="0" lang="en-US" altLang="en-US" sz="1400" b="0" i="0" u="none" strike="noStrike" kern="1200" cap="none" spc="0" normalizeH="0" baseline="0" noProof="0" dirty="0" err="1">
+                <a:ln>
+                  <a:noFill/>
+                </a:ln>
+                <a:solidFill>
+                  <a:srgbClr val="A9B7C6"/>
+                </a:solidFill>
+                <a:effectLst/>
+                <a:uLnTx/>
+                <a:uFillTx/>
+                <a:latin typeface="Courier New" panose="02070309020205020404" pitchFamily="49" charset="0"/>
+                <a:ea typeface="+mn-ea"/>
+                <a:cs typeface="Courier New" panose="02070309020205020404" pitchFamily="49" charset="0"/>
+              </a:rPr>
+              <a:t>c</a:t>
+            </a:r>
+            <a:r>
+              <a:rPr kumimoji="0" lang="en-US" altLang="en-US" sz="1400" b="0" i="0" u="none" strike="noStrike" kern="1200" cap="none" spc="0" normalizeH="0" baseline="0" noProof="0" dirty="0">
+                <a:ln>
+                  <a:noFill/>
+                </a:ln>
+                <a:solidFill>
+                  <a:srgbClr val="AEB5BD"/>
+                </a:solidFill>
+                <a:effectLst/>
+                <a:uLnTx/>
+                <a:uFillTx/>
+                <a:latin typeface="Courier New" panose="02070309020205020404" pitchFamily="49" charset="0"/>
+                <a:ea typeface="+mn-ea"/>
+                <a:cs typeface="Courier New" panose="02070309020205020404" pitchFamily="49" charset="0"/>
+              </a:rPr>
+              <a:t>))</a:t>
+            </a:r>
+            <a:r>
+              <a:rPr kumimoji="0" lang="en-US" altLang="en-US" sz="1400" b="0" i="0" u="none" strike="noStrike" kern="1200" cap="none" spc="0" normalizeH="0" baseline="0" noProof="0" dirty="0">
+                <a:ln>
+                  <a:noFill/>
+                </a:ln>
+                <a:solidFill>
+                  <a:srgbClr val="597CC2"/>
+                </a:solidFill>
+                <a:effectLst/>
+                <a:uLnTx/>
+                <a:uFillTx/>
+                <a:latin typeface="Courier New" panose="02070309020205020404" pitchFamily="49" charset="0"/>
+                <a:ea typeface="+mn-ea"/>
+                <a:cs typeface="Courier New" panose="02070309020205020404" pitchFamily="49" charset="0"/>
+              </a:rPr>
+              <a:t>;</a:t>
+            </a:r>
+            <a:br>
+              <a:rPr kumimoji="0" lang="en-US" altLang="en-US" sz="1400" b="0" i="0" u="none" strike="noStrike" kern="1200" cap="none" spc="0" normalizeH="0" baseline="0" noProof="0" dirty="0">
+                <a:ln>
+                  <a:noFill/>
+                </a:ln>
+                <a:solidFill>
+                  <a:srgbClr val="597CC2"/>
+                </a:solidFill>
+                <a:effectLst/>
+                <a:uLnTx/>
+                <a:uFillTx/>
+                <a:latin typeface="Courier New" panose="02070309020205020404" pitchFamily="49" charset="0"/>
+                <a:ea typeface="+mn-ea"/>
+                <a:cs typeface="Courier New" panose="02070309020205020404" pitchFamily="49" charset="0"/>
+              </a:rPr>
+            </a:br>
+            <a:r>
+              <a:rPr kumimoji="0" lang="en-US" altLang="en-US" sz="1400" b="0" i="0" u="none" strike="noStrike" kern="1200" cap="none" spc="0" normalizeH="0" baseline="0" noProof="0" dirty="0">
+                <a:ln>
+                  <a:noFill/>
+                </a:ln>
+                <a:solidFill>
+                  <a:srgbClr val="597CC2"/>
+                </a:solidFill>
+                <a:effectLst/>
+                <a:uLnTx/>
+                <a:uFillTx/>
+                <a:latin typeface="Courier New" panose="02070309020205020404" pitchFamily="49" charset="0"/>
+                <a:ea typeface="+mn-ea"/>
+                <a:cs typeface="Courier New" panose="02070309020205020404" pitchFamily="49" charset="0"/>
+              </a:rPr>
+              <a:t/>
+            </a:r>
+            <a:br>
+              <a:rPr kumimoji="0" lang="en-US" altLang="en-US" sz="1400" b="0" i="0" u="none" strike="noStrike" kern="1200" cap="none" spc="0" normalizeH="0" baseline="0" noProof="0" dirty="0">
+                <a:ln>
+                  <a:noFill/>
+                </a:ln>
+                <a:solidFill>
+                  <a:srgbClr val="597CC2"/>
+                </a:solidFill>
+                <a:effectLst/>
+                <a:uLnTx/>
+                <a:uFillTx/>
+                <a:latin typeface="Courier New" panose="02070309020205020404" pitchFamily="49" charset="0"/>
+                <a:ea typeface="+mn-ea"/>
+                <a:cs typeface="Courier New" panose="02070309020205020404" pitchFamily="49" charset="0"/>
+              </a:rPr>
+            </a:br>
+            <a:r>
+              <a:rPr kumimoji="0" lang="en-US" altLang="en-US" sz="1400" b="0" i="0" u="none" strike="noStrike" kern="1200" cap="none" spc="0" normalizeH="0" baseline="0" noProof="0" dirty="0">
+                <a:ln>
+                  <a:noFill/>
+                </a:ln>
+                <a:solidFill>
+                  <a:srgbClr val="597CC2"/>
+                </a:solidFill>
+                <a:effectLst/>
+                <a:uLnTx/>
+                <a:uFillTx/>
+                <a:latin typeface="Courier New" panose="02070309020205020404" pitchFamily="49" charset="0"/>
+                <a:ea typeface="+mn-ea"/>
+                <a:cs typeface="Courier New" panose="02070309020205020404" pitchFamily="49" charset="0"/>
+              </a:rPr>
+              <a:t>    if</a:t>
+            </a:r>
+            <a:r>
+              <a:rPr kumimoji="0" lang="en-US" altLang="en-US" sz="1400" b="0" i="0" u="none" strike="noStrike" kern="1200" cap="none" spc="0" normalizeH="0" baseline="0" noProof="0" dirty="0">
+                <a:ln>
+                  <a:noFill/>
+                </a:ln>
+                <a:solidFill>
+                  <a:srgbClr val="AEB5BD"/>
+                </a:solidFill>
+                <a:effectLst/>
+                <a:uLnTx/>
+                <a:uFillTx/>
+                <a:latin typeface="Courier New" panose="02070309020205020404" pitchFamily="49" charset="0"/>
+                <a:ea typeface="+mn-ea"/>
+                <a:cs typeface="Courier New" panose="02070309020205020404" pitchFamily="49" charset="0"/>
+              </a:rPr>
+              <a:t>( (</a:t>
+            </a:r>
+            <a:r>
+              <a:rPr kumimoji="0" lang="en-US" altLang="en-US" sz="1400" b="0" i="0" u="none" strike="noStrike" kern="1200" cap="none" spc="0" normalizeH="0" baseline="0" noProof="0" dirty="0">
+                <a:ln>
+                  <a:noFill/>
+                </a:ln>
+                <a:solidFill>
+                  <a:srgbClr val="A9B7C6"/>
+                </a:solidFill>
+                <a:effectLst/>
+                <a:uLnTx/>
+                <a:uFillTx/>
+                <a:latin typeface="Courier New" panose="02070309020205020404" pitchFamily="49" charset="0"/>
+                <a:ea typeface="+mn-ea"/>
+                <a:cs typeface="Courier New" panose="02070309020205020404" pitchFamily="49" charset="0"/>
+              </a:rPr>
+              <a:t>max </a:t>
+            </a:r>
+            <a:r>
+              <a:rPr kumimoji="0" lang="en-US" altLang="en-US" sz="1400" b="0" i="0" u="none" strike="noStrike" kern="1200" cap="none" spc="0" normalizeH="0" baseline="0" noProof="0" dirty="0">
+                <a:ln>
+                  <a:noFill/>
+                </a:ln>
+                <a:solidFill>
+                  <a:srgbClr val="AEB5BD"/>
+                </a:solidFill>
+                <a:effectLst/>
+                <a:uLnTx/>
+                <a:uFillTx/>
+                <a:latin typeface="Courier New" panose="02070309020205020404" pitchFamily="49" charset="0"/>
+                <a:ea typeface="+mn-ea"/>
+                <a:cs typeface="Courier New" panose="02070309020205020404" pitchFamily="49" charset="0"/>
+              </a:rPr>
+              <a:t>== </a:t>
+            </a:r>
+            <a:r>
+              <a:rPr kumimoji="0" lang="en-US" altLang="en-US" sz="1400" b="0" i="0" u="none" strike="noStrike" kern="1200" cap="none" spc="0" normalizeH="0" baseline="0" noProof="0" dirty="0">
+                <a:ln>
+                  <a:noFill/>
+                </a:ln>
+                <a:solidFill>
+                  <a:srgbClr val="A9B7C6"/>
+                </a:solidFill>
+                <a:effectLst/>
+                <a:uLnTx/>
+                <a:uFillTx/>
+                <a:latin typeface="Courier New" panose="02070309020205020404" pitchFamily="49" charset="0"/>
+                <a:ea typeface="+mn-ea"/>
+                <a:cs typeface="Courier New" panose="02070309020205020404" pitchFamily="49" charset="0"/>
+              </a:rPr>
+              <a:t>a </a:t>
+            </a:r>
+            <a:r>
+              <a:rPr kumimoji="0" lang="en-US" altLang="en-US" sz="1400" b="0" i="0" u="none" strike="noStrike" kern="1200" cap="none" spc="0" normalizeH="0" baseline="0" noProof="0" dirty="0">
+                <a:ln>
+                  <a:noFill/>
+                </a:ln>
+                <a:solidFill>
+                  <a:srgbClr val="AEB5BD"/>
+                </a:solidFill>
+                <a:effectLst/>
+                <a:uLnTx/>
+                <a:uFillTx/>
+                <a:latin typeface="Courier New" panose="02070309020205020404" pitchFamily="49" charset="0"/>
+                <a:ea typeface="+mn-ea"/>
+                <a:cs typeface="Courier New" panose="02070309020205020404" pitchFamily="49" charset="0"/>
+              </a:rPr>
+              <a:t>&amp;&amp; </a:t>
+            </a:r>
+            <a:r>
+              <a:rPr kumimoji="0" lang="en-US" altLang="en-US" sz="1400" b="0" i="0" u="none" strike="noStrike" kern="1200" cap="none" spc="0" normalizeH="0" baseline="0" noProof="0" dirty="0">
+                <a:ln>
+                  <a:noFill/>
+                </a:ln>
+                <a:solidFill>
+                  <a:srgbClr val="A9B7C6"/>
+                </a:solidFill>
+                <a:effectLst/>
+                <a:uLnTx/>
+                <a:uFillTx/>
+                <a:latin typeface="Courier New" panose="02070309020205020404" pitchFamily="49" charset="0"/>
+                <a:ea typeface="+mn-ea"/>
+                <a:cs typeface="Courier New" panose="02070309020205020404" pitchFamily="49" charset="0"/>
+              </a:rPr>
+              <a:t>max </a:t>
+            </a:r>
+            <a:r>
+              <a:rPr kumimoji="0" lang="en-US" altLang="en-US" sz="1400" b="0" i="0" u="none" strike="noStrike" kern="1200" cap="none" spc="0" normalizeH="0" baseline="0" noProof="0" dirty="0">
+                <a:ln>
+                  <a:noFill/>
+                </a:ln>
+                <a:solidFill>
+                  <a:srgbClr val="AEB5BD"/>
+                </a:solidFill>
+                <a:effectLst/>
+                <a:uLnTx/>
+                <a:uFillTx/>
+                <a:latin typeface="Courier New" panose="02070309020205020404" pitchFamily="49" charset="0"/>
+                <a:ea typeface="+mn-ea"/>
+                <a:cs typeface="Courier New" panose="02070309020205020404" pitchFamily="49" charset="0"/>
+              </a:rPr>
+              <a:t>-</a:t>
+            </a:r>
+            <a:r>
+              <a:rPr kumimoji="0" lang="en-US" altLang="en-US" sz="1400" b="0" i="0" u="none" strike="noStrike" kern="1200" cap="none" spc="0" normalizeH="0" baseline="0" noProof="0" dirty="0">
+                <a:ln>
+                  <a:noFill/>
+                </a:ln>
+                <a:solidFill>
+                  <a:srgbClr val="A9B7C6"/>
+                </a:solidFill>
+                <a:effectLst/>
+                <a:uLnTx/>
+                <a:uFillTx/>
+                <a:latin typeface="Courier New" panose="02070309020205020404" pitchFamily="49" charset="0"/>
+                <a:ea typeface="+mn-ea"/>
+                <a:cs typeface="Courier New" panose="02070309020205020404" pitchFamily="49" charset="0"/>
+              </a:rPr>
+              <a:t>b </a:t>
+            </a:r>
+            <a:r>
+              <a:rPr kumimoji="0" lang="en-US" altLang="en-US" sz="1400" b="0" i="0" u="none" strike="noStrike" kern="1200" cap="none" spc="0" normalizeH="0" baseline="0" noProof="0" dirty="0">
+                <a:ln>
+                  <a:noFill/>
+                </a:ln>
+                <a:solidFill>
+                  <a:srgbClr val="AEB5BD"/>
+                </a:solidFill>
+                <a:effectLst/>
+                <a:uLnTx/>
+                <a:uFillTx/>
+                <a:latin typeface="Courier New" panose="02070309020205020404" pitchFamily="49" charset="0"/>
+                <a:ea typeface="+mn-ea"/>
+                <a:cs typeface="Courier New" panose="02070309020205020404" pitchFamily="49" charset="0"/>
+              </a:rPr>
+              <a:t>-</a:t>
+            </a:r>
+            <a:r>
+              <a:rPr kumimoji="0" lang="en-US" altLang="en-US" sz="1400" b="0" i="0" u="none" strike="noStrike" kern="1200" cap="none" spc="0" normalizeH="0" baseline="0" noProof="0" dirty="0">
+                <a:ln>
+                  <a:noFill/>
+                </a:ln>
+                <a:solidFill>
+                  <a:srgbClr val="A9B7C6"/>
+                </a:solidFill>
+                <a:effectLst/>
+                <a:uLnTx/>
+                <a:uFillTx/>
+                <a:latin typeface="Courier New" panose="02070309020205020404" pitchFamily="49" charset="0"/>
+                <a:ea typeface="+mn-ea"/>
+                <a:cs typeface="Courier New" panose="02070309020205020404" pitchFamily="49" charset="0"/>
+              </a:rPr>
+              <a:t>c </a:t>
+            </a:r>
+            <a:r>
+              <a:rPr kumimoji="0" lang="en-US" altLang="en-US" sz="1400" b="0" i="0" u="none" strike="noStrike" kern="1200" cap="none" spc="0" normalizeH="0" baseline="0" noProof="0" dirty="0">
+                <a:ln>
+                  <a:noFill/>
+                </a:ln>
+                <a:solidFill>
+                  <a:srgbClr val="AEB5BD"/>
+                </a:solidFill>
+                <a:effectLst/>
+                <a:uLnTx/>
+                <a:uFillTx/>
+                <a:latin typeface="Courier New" panose="02070309020205020404" pitchFamily="49" charset="0"/>
+                <a:ea typeface="+mn-ea"/>
+                <a:cs typeface="Courier New" panose="02070309020205020404" pitchFamily="49" charset="0"/>
+              </a:rPr>
+              <a:t>&gt;= </a:t>
+            </a:r>
+            <a:r>
+              <a:rPr kumimoji="0" lang="en-US" altLang="en-US" sz="1400" b="0" i="0" u="none" strike="noStrike" kern="1200" cap="none" spc="0" normalizeH="0" baseline="0" noProof="0" dirty="0">
+                <a:ln>
+                  <a:noFill/>
+                </a:ln>
+                <a:solidFill>
+                  <a:srgbClr val="267DFF"/>
+                </a:solidFill>
+                <a:effectLst/>
+                <a:uLnTx/>
+                <a:uFillTx/>
+                <a:latin typeface="Courier New" panose="02070309020205020404" pitchFamily="49" charset="0"/>
+                <a:ea typeface="+mn-ea"/>
+                <a:cs typeface="Courier New" panose="02070309020205020404" pitchFamily="49" charset="0"/>
+              </a:rPr>
+              <a:t>0 </a:t>
+            </a:r>
+            <a:r>
+              <a:rPr kumimoji="0" lang="en-US" altLang="en-US" sz="1400" b="0" i="0" u="none" strike="noStrike" kern="1200" cap="none" spc="0" normalizeH="0" baseline="0" noProof="0" dirty="0">
+                <a:ln>
+                  <a:noFill/>
+                </a:ln>
+                <a:solidFill>
+                  <a:srgbClr val="AEB5BD"/>
+                </a:solidFill>
+                <a:effectLst/>
+                <a:uLnTx/>
+                <a:uFillTx/>
+                <a:latin typeface="Courier New" panose="02070309020205020404" pitchFamily="49" charset="0"/>
+                <a:ea typeface="+mn-ea"/>
+                <a:cs typeface="Courier New" panose="02070309020205020404" pitchFamily="49" charset="0"/>
+              </a:rPr>
+              <a:t>) ||</a:t>
+            </a:r>
+            <a:br>
+              <a:rPr kumimoji="0" lang="en-US" altLang="en-US" sz="1400" b="0" i="0" u="none" strike="noStrike" kern="1200" cap="none" spc="0" normalizeH="0" baseline="0" noProof="0" dirty="0">
+                <a:ln>
+                  <a:noFill/>
+                </a:ln>
+                <a:solidFill>
+                  <a:srgbClr val="AEB5BD"/>
+                </a:solidFill>
+                <a:effectLst/>
+                <a:uLnTx/>
+                <a:uFillTx/>
+                <a:latin typeface="Courier New" panose="02070309020205020404" pitchFamily="49" charset="0"/>
+                <a:ea typeface="+mn-ea"/>
+                <a:cs typeface="Courier New" panose="02070309020205020404" pitchFamily="49" charset="0"/>
+              </a:rPr>
+            </a:br>
+            <a:r>
+              <a:rPr kumimoji="0" lang="en-US" altLang="en-US" sz="1400" b="0" i="0" u="none" strike="noStrike" kern="1200" cap="none" spc="0" normalizeH="0" baseline="0" noProof="0" dirty="0">
+                <a:ln>
+                  <a:noFill/>
+                </a:ln>
+                <a:solidFill>
+                  <a:srgbClr val="AEB5BD"/>
+                </a:solidFill>
+                <a:effectLst/>
+                <a:uLnTx/>
+                <a:uFillTx/>
+                <a:latin typeface="Courier New" panose="02070309020205020404" pitchFamily="49" charset="0"/>
+                <a:ea typeface="+mn-ea"/>
+                <a:cs typeface="Courier New" panose="02070309020205020404" pitchFamily="49" charset="0"/>
+              </a:rPr>
+              <a:t>            (</a:t>
+            </a:r>
+            <a:r>
+              <a:rPr kumimoji="0" lang="en-US" altLang="en-US" sz="1400" b="0" i="0" u="none" strike="noStrike" kern="1200" cap="none" spc="0" normalizeH="0" baseline="0" noProof="0" dirty="0">
+                <a:ln>
+                  <a:noFill/>
+                </a:ln>
+                <a:solidFill>
+                  <a:srgbClr val="A9B7C6"/>
+                </a:solidFill>
+                <a:effectLst/>
+                <a:uLnTx/>
+                <a:uFillTx/>
+                <a:latin typeface="Courier New" panose="02070309020205020404" pitchFamily="49" charset="0"/>
+                <a:ea typeface="+mn-ea"/>
+                <a:cs typeface="Courier New" panose="02070309020205020404" pitchFamily="49" charset="0"/>
+              </a:rPr>
+              <a:t>max </a:t>
+            </a:r>
+            <a:r>
+              <a:rPr kumimoji="0" lang="en-US" altLang="en-US" sz="1400" b="0" i="0" u="none" strike="noStrike" kern="1200" cap="none" spc="0" normalizeH="0" baseline="0" noProof="0" dirty="0">
+                <a:ln>
+                  <a:noFill/>
+                </a:ln>
+                <a:solidFill>
+                  <a:srgbClr val="AEB5BD"/>
+                </a:solidFill>
+                <a:effectLst/>
+                <a:uLnTx/>
+                <a:uFillTx/>
+                <a:latin typeface="Courier New" panose="02070309020205020404" pitchFamily="49" charset="0"/>
+                <a:ea typeface="+mn-ea"/>
+                <a:cs typeface="Courier New" panose="02070309020205020404" pitchFamily="49" charset="0"/>
+              </a:rPr>
+              <a:t>== </a:t>
+            </a:r>
+            <a:r>
+              <a:rPr kumimoji="0" lang="en-US" altLang="en-US" sz="1400" b="0" i="0" u="none" strike="noStrike" kern="1200" cap="none" spc="0" normalizeH="0" baseline="0" noProof="0" dirty="0">
+                <a:ln>
+                  <a:noFill/>
+                </a:ln>
+                <a:solidFill>
+                  <a:srgbClr val="A9B7C6"/>
+                </a:solidFill>
+                <a:effectLst/>
+                <a:uLnTx/>
+                <a:uFillTx/>
+                <a:latin typeface="Courier New" panose="02070309020205020404" pitchFamily="49" charset="0"/>
+                <a:ea typeface="+mn-ea"/>
+                <a:cs typeface="Courier New" panose="02070309020205020404" pitchFamily="49" charset="0"/>
+              </a:rPr>
+              <a:t>b </a:t>
+            </a:r>
+            <a:r>
+              <a:rPr kumimoji="0" lang="en-US" altLang="en-US" sz="1400" b="0" i="0" u="none" strike="noStrike" kern="1200" cap="none" spc="0" normalizeH="0" baseline="0" noProof="0" dirty="0">
+                <a:ln>
+                  <a:noFill/>
+                </a:ln>
+                <a:solidFill>
+                  <a:srgbClr val="AEB5BD"/>
+                </a:solidFill>
+                <a:effectLst/>
+                <a:uLnTx/>
+                <a:uFillTx/>
+                <a:latin typeface="Courier New" panose="02070309020205020404" pitchFamily="49" charset="0"/>
+                <a:ea typeface="+mn-ea"/>
+                <a:cs typeface="Courier New" panose="02070309020205020404" pitchFamily="49" charset="0"/>
+              </a:rPr>
+              <a:t>&amp;&amp; </a:t>
+            </a:r>
+            <a:r>
+              <a:rPr kumimoji="0" lang="en-US" altLang="en-US" sz="1400" b="0" i="0" u="none" strike="noStrike" kern="1200" cap="none" spc="0" normalizeH="0" baseline="0" noProof="0" dirty="0">
+                <a:ln>
+                  <a:noFill/>
+                </a:ln>
+                <a:solidFill>
+                  <a:srgbClr val="A9B7C6"/>
+                </a:solidFill>
+                <a:effectLst/>
+                <a:uLnTx/>
+                <a:uFillTx/>
+                <a:latin typeface="Courier New" panose="02070309020205020404" pitchFamily="49" charset="0"/>
+                <a:ea typeface="+mn-ea"/>
+                <a:cs typeface="Courier New" panose="02070309020205020404" pitchFamily="49" charset="0"/>
+              </a:rPr>
+              <a:t>max </a:t>
+            </a:r>
+            <a:r>
+              <a:rPr kumimoji="0" lang="en-US" altLang="en-US" sz="1400" b="0" i="0" u="none" strike="noStrike" kern="1200" cap="none" spc="0" normalizeH="0" baseline="0" noProof="0" dirty="0">
+                <a:ln>
+                  <a:noFill/>
+                </a:ln>
+                <a:solidFill>
+                  <a:srgbClr val="AEB5BD"/>
+                </a:solidFill>
+                <a:effectLst/>
+                <a:uLnTx/>
+                <a:uFillTx/>
+                <a:latin typeface="Courier New" panose="02070309020205020404" pitchFamily="49" charset="0"/>
+                <a:ea typeface="+mn-ea"/>
+                <a:cs typeface="Courier New" panose="02070309020205020404" pitchFamily="49" charset="0"/>
+              </a:rPr>
+              <a:t>-</a:t>
+            </a:r>
+            <a:r>
+              <a:rPr kumimoji="0" lang="en-US" altLang="en-US" sz="1400" b="0" i="0" u="none" strike="noStrike" kern="1200" cap="none" spc="0" normalizeH="0" baseline="0" noProof="0" dirty="0">
+                <a:ln>
+                  <a:noFill/>
+                </a:ln>
+                <a:solidFill>
+                  <a:srgbClr val="A9B7C6"/>
+                </a:solidFill>
+                <a:effectLst/>
+                <a:uLnTx/>
+                <a:uFillTx/>
+                <a:latin typeface="Courier New" panose="02070309020205020404" pitchFamily="49" charset="0"/>
+                <a:ea typeface="+mn-ea"/>
+                <a:cs typeface="Courier New" panose="02070309020205020404" pitchFamily="49" charset="0"/>
+              </a:rPr>
+              <a:t>a </a:t>
+            </a:r>
+            <a:r>
+              <a:rPr kumimoji="0" lang="en-US" altLang="en-US" sz="1400" b="0" i="0" u="none" strike="noStrike" kern="1200" cap="none" spc="0" normalizeH="0" baseline="0" noProof="0" dirty="0">
+                <a:ln>
+                  <a:noFill/>
+                </a:ln>
+                <a:solidFill>
+                  <a:srgbClr val="AEB5BD"/>
+                </a:solidFill>
+                <a:effectLst/>
+                <a:uLnTx/>
+                <a:uFillTx/>
+                <a:latin typeface="Courier New" panose="02070309020205020404" pitchFamily="49" charset="0"/>
+                <a:ea typeface="+mn-ea"/>
+                <a:cs typeface="Courier New" panose="02070309020205020404" pitchFamily="49" charset="0"/>
+              </a:rPr>
+              <a:t>-</a:t>
+            </a:r>
+            <a:r>
+              <a:rPr kumimoji="0" lang="en-US" altLang="en-US" sz="1400" b="0" i="0" u="none" strike="noStrike" kern="1200" cap="none" spc="0" normalizeH="0" baseline="0" noProof="0" dirty="0">
+                <a:ln>
+                  <a:noFill/>
+                </a:ln>
+                <a:solidFill>
+                  <a:srgbClr val="A9B7C6"/>
+                </a:solidFill>
+                <a:effectLst/>
+                <a:uLnTx/>
+                <a:uFillTx/>
+                <a:latin typeface="Courier New" panose="02070309020205020404" pitchFamily="49" charset="0"/>
+                <a:ea typeface="+mn-ea"/>
+                <a:cs typeface="Courier New" panose="02070309020205020404" pitchFamily="49" charset="0"/>
+              </a:rPr>
+              <a:t>c </a:t>
+            </a:r>
+            <a:r>
+              <a:rPr kumimoji="0" lang="en-US" altLang="en-US" sz="1400" b="0" i="0" u="none" strike="noStrike" kern="1200" cap="none" spc="0" normalizeH="0" baseline="0" noProof="0" dirty="0">
+                <a:ln>
+                  <a:noFill/>
+                </a:ln>
+                <a:solidFill>
+                  <a:srgbClr val="AEB5BD"/>
+                </a:solidFill>
+                <a:effectLst/>
+                <a:uLnTx/>
+                <a:uFillTx/>
+                <a:latin typeface="Courier New" panose="02070309020205020404" pitchFamily="49" charset="0"/>
+                <a:ea typeface="+mn-ea"/>
+                <a:cs typeface="Courier New" panose="02070309020205020404" pitchFamily="49" charset="0"/>
+              </a:rPr>
+              <a:t>&gt;= </a:t>
+            </a:r>
+            <a:r>
+              <a:rPr kumimoji="0" lang="en-US" altLang="en-US" sz="1400" b="0" i="0" u="none" strike="noStrike" kern="1200" cap="none" spc="0" normalizeH="0" baseline="0" noProof="0" dirty="0">
+                <a:ln>
+                  <a:noFill/>
+                </a:ln>
+                <a:solidFill>
+                  <a:srgbClr val="267DFF"/>
+                </a:solidFill>
+                <a:effectLst/>
+                <a:uLnTx/>
+                <a:uFillTx/>
+                <a:latin typeface="Courier New" panose="02070309020205020404" pitchFamily="49" charset="0"/>
+                <a:ea typeface="+mn-ea"/>
+                <a:cs typeface="Courier New" panose="02070309020205020404" pitchFamily="49" charset="0"/>
+              </a:rPr>
+              <a:t>0 </a:t>
+            </a:r>
+            <a:r>
+              <a:rPr kumimoji="0" lang="en-US" altLang="en-US" sz="1400" b="0" i="0" u="none" strike="noStrike" kern="1200" cap="none" spc="0" normalizeH="0" baseline="0" noProof="0" dirty="0">
+                <a:ln>
+                  <a:noFill/>
+                </a:ln>
+                <a:solidFill>
+                  <a:srgbClr val="AEB5BD"/>
+                </a:solidFill>
+                <a:effectLst/>
+                <a:uLnTx/>
+                <a:uFillTx/>
+                <a:latin typeface="Courier New" panose="02070309020205020404" pitchFamily="49" charset="0"/>
+                <a:ea typeface="+mn-ea"/>
+                <a:cs typeface="Courier New" panose="02070309020205020404" pitchFamily="49" charset="0"/>
+              </a:rPr>
+              <a:t>) ||</a:t>
+            </a:r>
+            <a:br>
+              <a:rPr kumimoji="0" lang="en-US" altLang="en-US" sz="1400" b="0" i="0" u="none" strike="noStrike" kern="1200" cap="none" spc="0" normalizeH="0" baseline="0" noProof="0" dirty="0">
+                <a:ln>
+                  <a:noFill/>
+                </a:ln>
+                <a:solidFill>
+                  <a:srgbClr val="AEB5BD"/>
+                </a:solidFill>
+                <a:effectLst/>
+                <a:uLnTx/>
+                <a:uFillTx/>
+                <a:latin typeface="Courier New" panose="02070309020205020404" pitchFamily="49" charset="0"/>
+                <a:ea typeface="+mn-ea"/>
+                <a:cs typeface="Courier New" panose="02070309020205020404" pitchFamily="49" charset="0"/>
+              </a:rPr>
+            </a:br>
+            <a:r>
+              <a:rPr kumimoji="0" lang="en-US" altLang="en-US" sz="1400" b="0" i="0" u="none" strike="noStrike" kern="1200" cap="none" spc="0" normalizeH="0" baseline="0" noProof="0" dirty="0">
+                <a:ln>
+                  <a:noFill/>
+                </a:ln>
+                <a:solidFill>
+                  <a:srgbClr val="AEB5BD"/>
+                </a:solidFill>
+                <a:effectLst/>
+                <a:uLnTx/>
+                <a:uFillTx/>
+                <a:latin typeface="Courier New" panose="02070309020205020404" pitchFamily="49" charset="0"/>
+                <a:ea typeface="+mn-ea"/>
+                <a:cs typeface="Courier New" panose="02070309020205020404" pitchFamily="49" charset="0"/>
+              </a:rPr>
+              <a:t>            (</a:t>
+            </a:r>
+            <a:r>
+              <a:rPr kumimoji="0" lang="en-US" altLang="en-US" sz="1400" b="0" i="0" u="none" strike="noStrike" kern="1200" cap="none" spc="0" normalizeH="0" baseline="0" noProof="0" dirty="0">
+                <a:ln>
+                  <a:noFill/>
+                </a:ln>
+                <a:solidFill>
+                  <a:srgbClr val="A9B7C6"/>
+                </a:solidFill>
+                <a:effectLst/>
+                <a:uLnTx/>
+                <a:uFillTx/>
+                <a:latin typeface="Courier New" panose="02070309020205020404" pitchFamily="49" charset="0"/>
+                <a:ea typeface="+mn-ea"/>
+                <a:cs typeface="Courier New" panose="02070309020205020404" pitchFamily="49" charset="0"/>
+              </a:rPr>
+              <a:t>max </a:t>
+            </a:r>
+            <a:r>
+              <a:rPr kumimoji="0" lang="en-US" altLang="en-US" sz="1400" b="0" i="0" u="none" strike="noStrike" kern="1200" cap="none" spc="0" normalizeH="0" baseline="0" noProof="0" dirty="0">
+                <a:ln>
+                  <a:noFill/>
+                </a:ln>
+                <a:solidFill>
+                  <a:srgbClr val="AEB5BD"/>
+                </a:solidFill>
+                <a:effectLst/>
+                <a:uLnTx/>
+                <a:uFillTx/>
+                <a:latin typeface="Courier New" panose="02070309020205020404" pitchFamily="49" charset="0"/>
+                <a:ea typeface="+mn-ea"/>
+                <a:cs typeface="Courier New" panose="02070309020205020404" pitchFamily="49" charset="0"/>
+              </a:rPr>
+              <a:t>== </a:t>
+            </a:r>
+            <a:r>
+              <a:rPr kumimoji="0" lang="en-US" altLang="en-US" sz="1400" b="0" i="0" u="none" strike="noStrike" kern="1200" cap="none" spc="0" normalizeH="0" baseline="0" noProof="0" dirty="0">
+                <a:ln>
+                  <a:noFill/>
+                </a:ln>
+                <a:solidFill>
+                  <a:srgbClr val="A9B7C6"/>
+                </a:solidFill>
+                <a:effectLst/>
+                <a:uLnTx/>
+                <a:uFillTx/>
+                <a:latin typeface="Courier New" panose="02070309020205020404" pitchFamily="49" charset="0"/>
+                <a:ea typeface="+mn-ea"/>
+                <a:cs typeface="Courier New" panose="02070309020205020404" pitchFamily="49" charset="0"/>
+              </a:rPr>
+              <a:t>c </a:t>
+            </a:r>
+            <a:r>
+              <a:rPr kumimoji="0" lang="en-US" altLang="en-US" sz="1400" b="0" i="0" u="none" strike="noStrike" kern="1200" cap="none" spc="0" normalizeH="0" baseline="0" noProof="0" dirty="0">
+                <a:ln>
+                  <a:noFill/>
+                </a:ln>
+                <a:solidFill>
+                  <a:srgbClr val="AEB5BD"/>
+                </a:solidFill>
+                <a:effectLst/>
+                <a:uLnTx/>
+                <a:uFillTx/>
+                <a:latin typeface="Courier New" panose="02070309020205020404" pitchFamily="49" charset="0"/>
+                <a:ea typeface="+mn-ea"/>
+                <a:cs typeface="Courier New" panose="02070309020205020404" pitchFamily="49" charset="0"/>
+              </a:rPr>
+              <a:t>&amp;&amp; </a:t>
+            </a:r>
+            <a:r>
+              <a:rPr kumimoji="0" lang="en-US" altLang="en-US" sz="1400" b="0" i="0" u="none" strike="noStrike" kern="1200" cap="none" spc="0" normalizeH="0" baseline="0" noProof="0" dirty="0">
+                <a:ln>
+                  <a:noFill/>
+                </a:ln>
+                <a:solidFill>
+                  <a:srgbClr val="A9B7C6"/>
+                </a:solidFill>
+                <a:effectLst/>
+                <a:uLnTx/>
+                <a:uFillTx/>
+                <a:latin typeface="Courier New" panose="02070309020205020404" pitchFamily="49" charset="0"/>
+                <a:ea typeface="+mn-ea"/>
+                <a:cs typeface="Courier New" panose="02070309020205020404" pitchFamily="49" charset="0"/>
+              </a:rPr>
+              <a:t>max </a:t>
+            </a:r>
+            <a:r>
+              <a:rPr kumimoji="0" lang="en-US" altLang="en-US" sz="1400" b="0" i="0" u="none" strike="noStrike" kern="1200" cap="none" spc="0" normalizeH="0" baseline="0" noProof="0" dirty="0">
+                <a:ln>
+                  <a:noFill/>
+                </a:ln>
+                <a:solidFill>
+                  <a:srgbClr val="AEB5BD"/>
+                </a:solidFill>
+                <a:effectLst/>
+                <a:uLnTx/>
+                <a:uFillTx/>
+                <a:latin typeface="Courier New" panose="02070309020205020404" pitchFamily="49" charset="0"/>
+                <a:ea typeface="+mn-ea"/>
+                <a:cs typeface="Courier New" panose="02070309020205020404" pitchFamily="49" charset="0"/>
+              </a:rPr>
+              <a:t>-</a:t>
+            </a:r>
+            <a:r>
+              <a:rPr kumimoji="0" lang="en-US" altLang="en-US" sz="1400" b="0" i="0" u="none" strike="noStrike" kern="1200" cap="none" spc="0" normalizeH="0" baseline="0" noProof="0" dirty="0">
+                <a:ln>
+                  <a:noFill/>
+                </a:ln>
+                <a:solidFill>
+                  <a:srgbClr val="A9B7C6"/>
+                </a:solidFill>
+                <a:effectLst/>
+                <a:uLnTx/>
+                <a:uFillTx/>
+                <a:latin typeface="Courier New" panose="02070309020205020404" pitchFamily="49" charset="0"/>
+                <a:ea typeface="+mn-ea"/>
+                <a:cs typeface="Courier New" panose="02070309020205020404" pitchFamily="49" charset="0"/>
+              </a:rPr>
+              <a:t>a </a:t>
+            </a:r>
+            <a:r>
+              <a:rPr kumimoji="0" lang="en-US" altLang="en-US" sz="1400" b="0" i="0" u="none" strike="noStrike" kern="1200" cap="none" spc="0" normalizeH="0" baseline="0" noProof="0" dirty="0">
+                <a:ln>
+                  <a:noFill/>
+                </a:ln>
+                <a:solidFill>
+                  <a:srgbClr val="AEB5BD"/>
+                </a:solidFill>
+                <a:effectLst/>
+                <a:uLnTx/>
+                <a:uFillTx/>
+                <a:latin typeface="Courier New" panose="02070309020205020404" pitchFamily="49" charset="0"/>
+                <a:ea typeface="+mn-ea"/>
+                <a:cs typeface="Courier New" panose="02070309020205020404" pitchFamily="49" charset="0"/>
+              </a:rPr>
+              <a:t>-</a:t>
+            </a:r>
+            <a:r>
+              <a:rPr kumimoji="0" lang="en-US" altLang="en-US" sz="1400" b="0" i="0" u="none" strike="noStrike" kern="1200" cap="none" spc="0" normalizeH="0" baseline="0" noProof="0" dirty="0">
+                <a:ln>
+                  <a:noFill/>
+                </a:ln>
+                <a:solidFill>
+                  <a:srgbClr val="A9B7C6"/>
+                </a:solidFill>
+                <a:effectLst/>
+                <a:uLnTx/>
+                <a:uFillTx/>
+                <a:latin typeface="Courier New" panose="02070309020205020404" pitchFamily="49" charset="0"/>
+                <a:ea typeface="+mn-ea"/>
+                <a:cs typeface="Courier New" panose="02070309020205020404" pitchFamily="49" charset="0"/>
+              </a:rPr>
+              <a:t>b </a:t>
+            </a:r>
+            <a:r>
+              <a:rPr kumimoji="0" lang="en-US" altLang="en-US" sz="1400" b="0" i="0" u="none" strike="noStrike" kern="1200" cap="none" spc="0" normalizeH="0" baseline="0" noProof="0" dirty="0">
+                <a:ln>
+                  <a:noFill/>
+                </a:ln>
+                <a:solidFill>
+                  <a:srgbClr val="AEB5BD"/>
+                </a:solidFill>
+                <a:effectLst/>
+                <a:uLnTx/>
+                <a:uFillTx/>
+                <a:latin typeface="Courier New" panose="02070309020205020404" pitchFamily="49" charset="0"/>
+                <a:ea typeface="+mn-ea"/>
+                <a:cs typeface="Courier New" panose="02070309020205020404" pitchFamily="49" charset="0"/>
+              </a:rPr>
+              <a:t>&gt;= </a:t>
+            </a:r>
+            <a:r>
+              <a:rPr kumimoji="0" lang="en-US" altLang="en-US" sz="1400" b="0" i="0" u="none" strike="noStrike" kern="1200" cap="none" spc="0" normalizeH="0" baseline="0" noProof="0" dirty="0">
+                <a:ln>
+                  <a:noFill/>
+                </a:ln>
+                <a:solidFill>
+                  <a:srgbClr val="267DFF"/>
+                </a:solidFill>
+                <a:effectLst/>
+                <a:uLnTx/>
+                <a:uFillTx/>
+                <a:latin typeface="Courier New" panose="02070309020205020404" pitchFamily="49" charset="0"/>
+                <a:ea typeface="+mn-ea"/>
+                <a:cs typeface="Courier New" panose="02070309020205020404" pitchFamily="49" charset="0"/>
+              </a:rPr>
+              <a:t>0 </a:t>
+            </a:r>
+            <a:r>
+              <a:rPr kumimoji="0" lang="en-US" altLang="en-US" sz="1400" b="0" i="0" u="none" strike="noStrike" kern="1200" cap="none" spc="0" normalizeH="0" baseline="0" noProof="0" dirty="0">
+                <a:ln>
+                  <a:noFill/>
+                </a:ln>
+                <a:solidFill>
+                  <a:srgbClr val="AEB5BD"/>
+                </a:solidFill>
+                <a:effectLst/>
+                <a:uLnTx/>
+                <a:uFillTx/>
+                <a:latin typeface="Courier New" panose="02070309020205020404" pitchFamily="49" charset="0"/>
+                <a:ea typeface="+mn-ea"/>
+                <a:cs typeface="Courier New" panose="02070309020205020404" pitchFamily="49" charset="0"/>
+              </a:rPr>
+              <a:t>) ){</a:t>
+            </a:r>
+            <a:br>
+              <a:rPr kumimoji="0" lang="en-US" altLang="en-US" sz="1400" b="0" i="0" u="none" strike="noStrike" kern="1200" cap="none" spc="0" normalizeH="0" baseline="0" noProof="0" dirty="0">
+                <a:ln>
+                  <a:noFill/>
+                </a:ln>
+                <a:solidFill>
+                  <a:srgbClr val="AEB5BD"/>
+                </a:solidFill>
+                <a:effectLst/>
+                <a:uLnTx/>
+                <a:uFillTx/>
+                <a:latin typeface="Courier New" panose="02070309020205020404" pitchFamily="49" charset="0"/>
+                <a:ea typeface="+mn-ea"/>
+                <a:cs typeface="Courier New" panose="02070309020205020404" pitchFamily="49" charset="0"/>
+              </a:rPr>
+            </a:br>
+            <a:r>
+              <a:rPr kumimoji="0" lang="en-US" altLang="en-US" sz="1400" b="0" i="0" u="none" strike="noStrike" kern="1200" cap="none" spc="0" normalizeH="0" baseline="0" noProof="0" dirty="0">
+                <a:ln>
+                  <a:noFill/>
+                </a:ln>
+                <a:solidFill>
+                  <a:srgbClr val="AEB5BD"/>
+                </a:solidFill>
+                <a:effectLst/>
+                <a:uLnTx/>
+                <a:uFillTx/>
+                <a:latin typeface="Courier New" panose="02070309020205020404" pitchFamily="49" charset="0"/>
+                <a:ea typeface="+mn-ea"/>
+                <a:cs typeface="Courier New" panose="02070309020205020404" pitchFamily="49" charset="0"/>
+              </a:rPr>
+              <a:t>        </a:t>
+            </a:r>
+            <a:r>
+              <a:rPr kumimoji="0" lang="en-US" altLang="en-US" sz="1400" b="0" i="0" u="none" strike="noStrike" kern="1200" cap="none" spc="0" normalizeH="0" baseline="0" noProof="0" dirty="0">
+                <a:ln>
+                  <a:noFill/>
+                </a:ln>
+                <a:solidFill>
+                  <a:srgbClr val="597CC2"/>
+                </a:solidFill>
+                <a:effectLst/>
+                <a:uLnTx/>
+                <a:uFillTx/>
+                <a:latin typeface="Courier New" panose="02070309020205020404" pitchFamily="49" charset="0"/>
+                <a:ea typeface="+mn-ea"/>
+                <a:cs typeface="Courier New" panose="02070309020205020404" pitchFamily="49" charset="0"/>
+              </a:rPr>
+              <a:t>return </a:t>
+            </a:r>
+            <a:r>
+              <a:rPr kumimoji="0" lang="en-US" altLang="en-US" sz="1400" b="0" i="0" u="none" strike="noStrike" kern="1200" cap="none" spc="0" normalizeH="0" baseline="0" noProof="0" dirty="0" err="1">
+                <a:ln>
+                  <a:noFill/>
+                </a:ln>
+                <a:solidFill>
+                  <a:srgbClr val="A9B7C6"/>
+                </a:solidFill>
+                <a:effectLst/>
+                <a:uLnTx/>
+                <a:uFillTx/>
+                <a:latin typeface="Courier New" panose="02070309020205020404" pitchFamily="49" charset="0"/>
+                <a:ea typeface="+mn-ea"/>
+                <a:cs typeface="Courier New" panose="02070309020205020404" pitchFamily="49" charset="0"/>
+              </a:rPr>
+              <a:t>Classification</a:t>
+            </a:r>
+            <a:r>
+              <a:rPr kumimoji="0" lang="en-US" altLang="en-US" sz="1400" b="0" i="0" u="none" strike="noStrike" kern="1200" cap="none" spc="0" normalizeH="0" baseline="0" noProof="0" dirty="0" err="1">
+                <a:ln>
+                  <a:noFill/>
+                </a:ln>
+                <a:solidFill>
+                  <a:srgbClr val="AEB5BD"/>
+                </a:solidFill>
+                <a:effectLst/>
+                <a:uLnTx/>
+                <a:uFillTx/>
+                <a:latin typeface="Courier New" panose="02070309020205020404" pitchFamily="49" charset="0"/>
+                <a:ea typeface="+mn-ea"/>
+                <a:cs typeface="Courier New" panose="02070309020205020404" pitchFamily="49" charset="0"/>
+              </a:rPr>
+              <a:t>.</a:t>
+            </a:r>
+            <a:r>
+              <a:rPr kumimoji="0" lang="en-US" altLang="en-US" sz="1400" b="0" i="1" u="none" strike="noStrike" kern="1200" cap="none" spc="0" normalizeH="0" baseline="0" noProof="0" dirty="0" err="1">
+                <a:ln>
+                  <a:noFill/>
+                </a:ln>
+                <a:solidFill>
+                  <a:srgbClr val="828EBA"/>
+                </a:solidFill>
+                <a:effectLst/>
+                <a:uLnTx/>
+                <a:uFillTx/>
+                <a:latin typeface="Courier New" panose="02070309020205020404" pitchFamily="49" charset="0"/>
+                <a:ea typeface="+mn-ea"/>
+                <a:cs typeface="Courier New" panose="02070309020205020404" pitchFamily="49" charset="0"/>
+              </a:rPr>
+              <a:t>NOT_A_TRIANGLE</a:t>
+            </a:r>
+            <a:r>
+              <a:rPr kumimoji="0" lang="en-US" altLang="en-US" sz="1400" b="0" i="0" u="none" strike="noStrike" kern="1200" cap="none" spc="0" normalizeH="0" baseline="0" noProof="0" dirty="0">
+                <a:ln>
+                  <a:noFill/>
+                </a:ln>
+                <a:solidFill>
+                  <a:srgbClr val="597CC2"/>
+                </a:solidFill>
+                <a:effectLst/>
+                <a:uLnTx/>
+                <a:uFillTx/>
+                <a:latin typeface="Courier New" panose="02070309020205020404" pitchFamily="49" charset="0"/>
+                <a:ea typeface="+mn-ea"/>
+                <a:cs typeface="Courier New" panose="02070309020205020404" pitchFamily="49" charset="0"/>
+              </a:rPr>
+              <a:t>;</a:t>
+            </a:r>
+            <a:br>
+              <a:rPr kumimoji="0" lang="en-US" altLang="en-US" sz="1400" b="0" i="0" u="none" strike="noStrike" kern="1200" cap="none" spc="0" normalizeH="0" baseline="0" noProof="0" dirty="0">
+                <a:ln>
+                  <a:noFill/>
+                </a:ln>
+                <a:solidFill>
+                  <a:srgbClr val="597CC2"/>
+                </a:solidFill>
+                <a:effectLst/>
+                <a:uLnTx/>
+                <a:uFillTx/>
+                <a:latin typeface="Courier New" panose="02070309020205020404" pitchFamily="49" charset="0"/>
+                <a:ea typeface="+mn-ea"/>
+                <a:cs typeface="Courier New" panose="02070309020205020404" pitchFamily="49" charset="0"/>
+              </a:rPr>
+            </a:br>
+            <a:r>
+              <a:rPr kumimoji="0" lang="en-US" altLang="en-US" sz="1400" b="0" i="0" u="none" strike="noStrike" kern="1200" cap="none" spc="0" normalizeH="0" baseline="0" noProof="0" dirty="0">
+                <a:ln>
+                  <a:noFill/>
+                </a:ln>
+                <a:solidFill>
+                  <a:srgbClr val="597CC2"/>
+                </a:solidFill>
+                <a:effectLst/>
+                <a:uLnTx/>
+                <a:uFillTx/>
+                <a:latin typeface="Courier New" panose="02070309020205020404" pitchFamily="49" charset="0"/>
+                <a:ea typeface="+mn-ea"/>
+                <a:cs typeface="Courier New" panose="02070309020205020404" pitchFamily="49" charset="0"/>
+              </a:rPr>
+              <a:t>    </a:t>
+            </a:r>
+            <a:r>
+              <a:rPr kumimoji="0" lang="en-US" altLang="en-US" sz="1400" b="0" i="0" u="none" strike="noStrike" kern="1200" cap="none" spc="0" normalizeH="0" baseline="0" noProof="0" dirty="0">
+                <a:ln>
+                  <a:noFill/>
+                </a:ln>
+                <a:solidFill>
+                  <a:srgbClr val="AEB5BD"/>
+                </a:solidFill>
+                <a:effectLst/>
+                <a:uLnTx/>
+                <a:uFillTx/>
+                <a:latin typeface="Courier New" panose="02070309020205020404" pitchFamily="49" charset="0"/>
+                <a:ea typeface="+mn-ea"/>
+                <a:cs typeface="Courier New" panose="02070309020205020404" pitchFamily="49" charset="0"/>
+              </a:rPr>
+              <a:t>}</a:t>
+            </a:r>
+            <a:br>
+              <a:rPr kumimoji="0" lang="en-US" altLang="en-US" sz="1400" b="0" i="0" u="none" strike="noStrike" kern="1200" cap="none" spc="0" normalizeH="0" baseline="0" noProof="0" dirty="0">
+                <a:ln>
+                  <a:noFill/>
+                </a:ln>
+                <a:solidFill>
+                  <a:srgbClr val="AEB5BD"/>
+                </a:solidFill>
+                <a:effectLst/>
+                <a:uLnTx/>
+                <a:uFillTx/>
+                <a:latin typeface="Courier New" panose="02070309020205020404" pitchFamily="49" charset="0"/>
+                <a:ea typeface="+mn-ea"/>
+                <a:cs typeface="Courier New" panose="02070309020205020404" pitchFamily="49" charset="0"/>
+              </a:rPr>
+            </a:br>
+            <a:r>
+              <a:rPr kumimoji="0" lang="en-US" altLang="en-US" sz="1400" b="0" i="0" u="none" strike="noStrike" kern="1200" cap="none" spc="0" normalizeH="0" baseline="0" noProof="0" dirty="0">
+                <a:ln>
+                  <a:noFill/>
+                </a:ln>
+                <a:solidFill>
+                  <a:srgbClr val="AEB5BD"/>
+                </a:solidFill>
+                <a:effectLst/>
+                <a:uLnTx/>
+                <a:uFillTx/>
+                <a:latin typeface="Courier New" panose="02070309020205020404" pitchFamily="49" charset="0"/>
+                <a:ea typeface="+mn-ea"/>
+                <a:cs typeface="Courier New" panose="02070309020205020404" pitchFamily="49" charset="0"/>
+              </a:rPr>
+              <a:t/>
+            </a:r>
+            <a:br>
+              <a:rPr kumimoji="0" lang="en-US" altLang="en-US" sz="1400" b="0" i="0" u="none" strike="noStrike" kern="1200" cap="none" spc="0" normalizeH="0" baseline="0" noProof="0" dirty="0">
+                <a:ln>
+                  <a:noFill/>
+                </a:ln>
+                <a:solidFill>
+                  <a:srgbClr val="AEB5BD"/>
+                </a:solidFill>
+                <a:effectLst/>
+                <a:uLnTx/>
+                <a:uFillTx/>
+                <a:latin typeface="Courier New" panose="02070309020205020404" pitchFamily="49" charset="0"/>
+                <a:ea typeface="+mn-ea"/>
+                <a:cs typeface="Courier New" panose="02070309020205020404" pitchFamily="49" charset="0"/>
+              </a:rPr>
+            </a:br>
+            <a:r>
+              <a:rPr kumimoji="0" lang="en-US" altLang="en-US" sz="1400" b="0" i="0" u="none" strike="noStrike" kern="1200" cap="none" spc="0" normalizeH="0" baseline="0" noProof="0" dirty="0">
+                <a:ln>
+                  <a:noFill/>
+                </a:ln>
+                <a:solidFill>
+                  <a:srgbClr val="AEB5BD"/>
+                </a:solidFill>
+                <a:effectLst/>
+                <a:uLnTx/>
+                <a:uFillTx/>
+                <a:latin typeface="Courier New" panose="02070309020205020404" pitchFamily="49" charset="0"/>
+                <a:ea typeface="+mn-ea"/>
+                <a:cs typeface="Courier New" panose="02070309020205020404" pitchFamily="49" charset="0"/>
+              </a:rPr>
+              <a:t>    </a:t>
+            </a:r>
+            <a:r>
+              <a:rPr kumimoji="0" lang="en-US" altLang="en-US" sz="1400" b="0" i="0" u="none" strike="noStrike" kern="1200" cap="none" spc="0" normalizeH="0" baseline="0" noProof="0" dirty="0">
+                <a:ln>
+                  <a:noFill/>
+                </a:ln>
+                <a:solidFill>
+                  <a:srgbClr val="597CC2"/>
+                </a:solidFill>
+                <a:effectLst/>
+                <a:uLnTx/>
+                <a:uFillTx/>
+                <a:latin typeface="Courier New" panose="02070309020205020404" pitchFamily="49" charset="0"/>
+                <a:ea typeface="+mn-ea"/>
+                <a:cs typeface="Courier New" panose="02070309020205020404" pitchFamily="49" charset="0"/>
+              </a:rPr>
+              <a:t>if</a:t>
+            </a:r>
+            <a:r>
+              <a:rPr kumimoji="0" lang="en-US" altLang="en-US" sz="1400" b="0" i="0" u="none" strike="noStrike" kern="1200" cap="none" spc="0" normalizeH="0" baseline="0" noProof="0" dirty="0">
+                <a:ln>
+                  <a:noFill/>
+                </a:ln>
+                <a:solidFill>
+                  <a:srgbClr val="AEB5BD"/>
+                </a:solidFill>
+                <a:effectLst/>
+                <a:uLnTx/>
+                <a:uFillTx/>
+                <a:latin typeface="Courier New" panose="02070309020205020404" pitchFamily="49" charset="0"/>
+                <a:ea typeface="+mn-ea"/>
+                <a:cs typeface="Courier New" panose="02070309020205020404" pitchFamily="49" charset="0"/>
+              </a:rPr>
+              <a:t>(</a:t>
+            </a:r>
+            <a:r>
+              <a:rPr kumimoji="0" lang="en-US" altLang="en-US" sz="1400" b="0" i="0" u="none" strike="noStrike" kern="1200" cap="none" spc="0" normalizeH="0" baseline="0" noProof="0" dirty="0">
+                <a:ln>
+                  <a:noFill/>
+                </a:ln>
+                <a:solidFill>
+                  <a:srgbClr val="A9B7C6"/>
+                </a:solidFill>
+                <a:effectLst/>
+                <a:uLnTx/>
+                <a:uFillTx/>
+                <a:latin typeface="Courier New" panose="02070309020205020404" pitchFamily="49" charset="0"/>
+                <a:ea typeface="+mn-ea"/>
+                <a:cs typeface="Courier New" panose="02070309020205020404" pitchFamily="49" charset="0"/>
+              </a:rPr>
+              <a:t>a</a:t>
+            </a:r>
+            <a:r>
+              <a:rPr kumimoji="0" lang="en-US" altLang="en-US" sz="1400" b="0" i="0" u="none" strike="noStrike" kern="1200" cap="none" spc="0" normalizeH="0" baseline="0" noProof="0" dirty="0">
+                <a:ln>
+                  <a:noFill/>
+                </a:ln>
+                <a:solidFill>
+                  <a:srgbClr val="AEB5BD"/>
+                </a:solidFill>
+                <a:effectLst/>
+                <a:uLnTx/>
+                <a:uFillTx/>
+                <a:latin typeface="Courier New" panose="02070309020205020404" pitchFamily="49" charset="0"/>
+                <a:ea typeface="+mn-ea"/>
+                <a:cs typeface="Courier New" panose="02070309020205020404" pitchFamily="49" charset="0"/>
+              </a:rPr>
+              <a:t>==</a:t>
+            </a:r>
+            <a:r>
+              <a:rPr kumimoji="0" lang="en-US" altLang="en-US" sz="1400" b="0" i="0" u="none" strike="noStrike" kern="1200" cap="none" spc="0" normalizeH="0" baseline="0" noProof="0" dirty="0">
+                <a:ln>
+                  <a:noFill/>
+                </a:ln>
+                <a:solidFill>
+                  <a:srgbClr val="A9B7C6"/>
+                </a:solidFill>
+                <a:effectLst/>
+                <a:uLnTx/>
+                <a:uFillTx/>
+                <a:latin typeface="Courier New" panose="02070309020205020404" pitchFamily="49" charset="0"/>
+                <a:ea typeface="+mn-ea"/>
+                <a:cs typeface="Courier New" panose="02070309020205020404" pitchFamily="49" charset="0"/>
+              </a:rPr>
+              <a:t>b </a:t>
+            </a:r>
+            <a:r>
+              <a:rPr kumimoji="0" lang="en-US" altLang="en-US" sz="1400" b="0" i="0" u="none" strike="noStrike" kern="1200" cap="none" spc="0" normalizeH="0" baseline="0" noProof="0" dirty="0">
+                <a:ln>
+                  <a:noFill/>
+                </a:ln>
+                <a:solidFill>
+                  <a:srgbClr val="AEB5BD"/>
+                </a:solidFill>
+                <a:effectLst/>
+                <a:uLnTx/>
+                <a:uFillTx/>
+                <a:latin typeface="Courier New" panose="02070309020205020404" pitchFamily="49" charset="0"/>
+                <a:ea typeface="+mn-ea"/>
+                <a:cs typeface="Courier New" panose="02070309020205020404" pitchFamily="49" charset="0"/>
+              </a:rPr>
+              <a:t>|| </a:t>
+            </a:r>
+            <a:r>
+              <a:rPr kumimoji="0" lang="en-US" altLang="en-US" sz="1400" b="0" i="0" u="none" strike="noStrike" kern="1200" cap="none" spc="0" normalizeH="0" baseline="0" noProof="0" dirty="0">
+                <a:ln>
+                  <a:noFill/>
+                </a:ln>
+                <a:solidFill>
+                  <a:srgbClr val="A9B7C6"/>
+                </a:solidFill>
+                <a:effectLst/>
+                <a:uLnTx/>
+                <a:uFillTx/>
+                <a:latin typeface="Courier New" panose="02070309020205020404" pitchFamily="49" charset="0"/>
+                <a:ea typeface="+mn-ea"/>
+                <a:cs typeface="Courier New" panose="02070309020205020404" pitchFamily="49" charset="0"/>
+              </a:rPr>
+              <a:t>b</a:t>
+            </a:r>
+            <a:r>
+              <a:rPr kumimoji="0" lang="en-US" altLang="en-US" sz="1400" b="0" i="0" u="none" strike="noStrike" kern="1200" cap="none" spc="0" normalizeH="0" baseline="0" noProof="0" dirty="0">
+                <a:ln>
+                  <a:noFill/>
+                </a:ln>
+                <a:solidFill>
+                  <a:srgbClr val="AEB5BD"/>
+                </a:solidFill>
+                <a:effectLst/>
+                <a:uLnTx/>
+                <a:uFillTx/>
+                <a:latin typeface="Courier New" panose="02070309020205020404" pitchFamily="49" charset="0"/>
+                <a:ea typeface="+mn-ea"/>
+                <a:cs typeface="Courier New" panose="02070309020205020404" pitchFamily="49" charset="0"/>
+              </a:rPr>
+              <a:t>==</a:t>
+            </a:r>
+            <a:r>
+              <a:rPr kumimoji="0" lang="en-US" altLang="en-US" sz="1400" b="0" i="0" u="none" strike="noStrike" kern="1200" cap="none" spc="0" normalizeH="0" baseline="0" noProof="0" dirty="0">
+                <a:ln>
+                  <a:noFill/>
+                </a:ln>
+                <a:solidFill>
+                  <a:srgbClr val="A9B7C6"/>
+                </a:solidFill>
+                <a:effectLst/>
+                <a:uLnTx/>
+                <a:uFillTx/>
+                <a:latin typeface="Courier New" panose="02070309020205020404" pitchFamily="49" charset="0"/>
+                <a:ea typeface="+mn-ea"/>
+                <a:cs typeface="Courier New" panose="02070309020205020404" pitchFamily="49" charset="0"/>
+              </a:rPr>
+              <a:t>c </a:t>
+            </a:r>
+            <a:r>
+              <a:rPr kumimoji="0" lang="en-US" altLang="en-US" sz="1400" b="0" i="0" u="none" strike="noStrike" kern="1200" cap="none" spc="0" normalizeH="0" baseline="0" noProof="0" dirty="0">
+                <a:ln>
+                  <a:noFill/>
+                </a:ln>
+                <a:solidFill>
+                  <a:srgbClr val="AEB5BD"/>
+                </a:solidFill>
+                <a:effectLst/>
+                <a:uLnTx/>
+                <a:uFillTx/>
+                <a:latin typeface="Courier New" panose="02070309020205020404" pitchFamily="49" charset="0"/>
+                <a:ea typeface="+mn-ea"/>
+                <a:cs typeface="Courier New" panose="02070309020205020404" pitchFamily="49" charset="0"/>
+              </a:rPr>
+              <a:t>|| </a:t>
+            </a:r>
+            <a:r>
+              <a:rPr kumimoji="0" lang="en-US" altLang="en-US" sz="1400" b="0" i="0" u="none" strike="noStrike" kern="1200" cap="none" spc="0" normalizeH="0" baseline="0" noProof="0" dirty="0">
+                <a:ln>
+                  <a:noFill/>
+                </a:ln>
+                <a:solidFill>
+                  <a:srgbClr val="A9B7C6"/>
+                </a:solidFill>
+                <a:effectLst/>
+                <a:uLnTx/>
+                <a:uFillTx/>
+                <a:latin typeface="Courier New" panose="02070309020205020404" pitchFamily="49" charset="0"/>
+                <a:ea typeface="+mn-ea"/>
+                <a:cs typeface="Courier New" panose="02070309020205020404" pitchFamily="49" charset="0"/>
+              </a:rPr>
+              <a:t>a</a:t>
+            </a:r>
+            <a:r>
+              <a:rPr kumimoji="0" lang="en-US" altLang="en-US" sz="1400" b="0" i="0" u="none" strike="noStrike" kern="1200" cap="none" spc="0" normalizeH="0" baseline="0" noProof="0" dirty="0">
+                <a:ln>
+                  <a:noFill/>
+                </a:ln>
+                <a:solidFill>
+                  <a:srgbClr val="AEB5BD"/>
+                </a:solidFill>
+                <a:effectLst/>
+                <a:uLnTx/>
+                <a:uFillTx/>
+                <a:latin typeface="Courier New" panose="02070309020205020404" pitchFamily="49" charset="0"/>
+                <a:ea typeface="+mn-ea"/>
+                <a:cs typeface="Courier New" panose="02070309020205020404" pitchFamily="49" charset="0"/>
+              </a:rPr>
+              <a:t>==</a:t>
+            </a:r>
+            <a:r>
+              <a:rPr kumimoji="0" lang="en-US" altLang="en-US" sz="1400" b="0" i="0" u="none" strike="noStrike" kern="1200" cap="none" spc="0" normalizeH="0" baseline="0" noProof="0" dirty="0">
+                <a:ln>
+                  <a:noFill/>
+                </a:ln>
+                <a:solidFill>
+                  <a:srgbClr val="A9B7C6"/>
+                </a:solidFill>
+                <a:effectLst/>
+                <a:uLnTx/>
+                <a:uFillTx/>
+                <a:latin typeface="Courier New" panose="02070309020205020404" pitchFamily="49" charset="0"/>
+                <a:ea typeface="+mn-ea"/>
+                <a:cs typeface="Courier New" panose="02070309020205020404" pitchFamily="49" charset="0"/>
+              </a:rPr>
+              <a:t>c</a:t>
+            </a:r>
+            <a:r>
+              <a:rPr kumimoji="0" lang="en-US" altLang="en-US" sz="1400" b="0" i="0" u="none" strike="noStrike" kern="1200" cap="none" spc="0" normalizeH="0" baseline="0" noProof="0" dirty="0">
+                <a:ln>
+                  <a:noFill/>
+                </a:ln>
+                <a:solidFill>
+                  <a:srgbClr val="AEB5BD"/>
+                </a:solidFill>
+                <a:effectLst/>
+                <a:uLnTx/>
+                <a:uFillTx/>
+                <a:latin typeface="Courier New" panose="02070309020205020404" pitchFamily="49" charset="0"/>
+                <a:ea typeface="+mn-ea"/>
+                <a:cs typeface="Courier New" panose="02070309020205020404" pitchFamily="49" charset="0"/>
+              </a:rPr>
+              <a:t>){</a:t>
+            </a:r>
+            <a:br>
+              <a:rPr kumimoji="0" lang="en-US" altLang="en-US" sz="1400" b="0" i="0" u="none" strike="noStrike" kern="1200" cap="none" spc="0" normalizeH="0" baseline="0" noProof="0" dirty="0">
+                <a:ln>
+                  <a:noFill/>
+                </a:ln>
+                <a:solidFill>
+                  <a:srgbClr val="AEB5BD"/>
+                </a:solidFill>
+                <a:effectLst/>
+                <a:uLnTx/>
+                <a:uFillTx/>
+                <a:latin typeface="Courier New" panose="02070309020205020404" pitchFamily="49" charset="0"/>
+                <a:ea typeface="+mn-ea"/>
+                <a:cs typeface="Courier New" panose="02070309020205020404" pitchFamily="49" charset="0"/>
+              </a:rPr>
+            </a:br>
+            <a:r>
+              <a:rPr kumimoji="0" lang="en-US" altLang="en-US" sz="1400" b="0" i="0" u="none" strike="noStrike" kern="1200" cap="none" spc="0" normalizeH="0" baseline="0" noProof="0" dirty="0">
+                <a:ln>
+                  <a:noFill/>
+                </a:ln>
+                <a:solidFill>
+                  <a:srgbClr val="AEB5BD"/>
+                </a:solidFill>
+                <a:effectLst/>
+                <a:uLnTx/>
+                <a:uFillTx/>
+                <a:latin typeface="Courier New" panose="02070309020205020404" pitchFamily="49" charset="0"/>
+                <a:ea typeface="+mn-ea"/>
+                <a:cs typeface="Courier New" panose="02070309020205020404" pitchFamily="49" charset="0"/>
+              </a:rPr>
+              <a:t>        </a:t>
+            </a:r>
+            <a:r>
+              <a:rPr kumimoji="0" lang="en-US" altLang="en-US" sz="1400" b="0" i="0" u="none" strike="noStrike" kern="1200" cap="none" spc="0" normalizeH="0" baseline="0" noProof="0" dirty="0">
+                <a:ln>
+                  <a:noFill/>
+                </a:ln>
+                <a:solidFill>
+                  <a:srgbClr val="597CC2"/>
+                </a:solidFill>
+                <a:effectLst/>
+                <a:uLnTx/>
+                <a:uFillTx/>
+                <a:latin typeface="Courier New" panose="02070309020205020404" pitchFamily="49" charset="0"/>
+                <a:ea typeface="+mn-ea"/>
+                <a:cs typeface="Courier New" panose="02070309020205020404" pitchFamily="49" charset="0"/>
+              </a:rPr>
+              <a:t>return </a:t>
+            </a:r>
+            <a:r>
+              <a:rPr kumimoji="0" lang="en-US" altLang="en-US" sz="1400" b="0" i="0" u="none" strike="noStrike" kern="1200" cap="none" spc="0" normalizeH="0" baseline="0" noProof="0" dirty="0" err="1">
+                <a:ln>
+                  <a:noFill/>
+                </a:ln>
+                <a:solidFill>
+                  <a:srgbClr val="A9B7C6"/>
+                </a:solidFill>
+                <a:effectLst/>
+                <a:uLnTx/>
+                <a:uFillTx/>
+                <a:latin typeface="Courier New" panose="02070309020205020404" pitchFamily="49" charset="0"/>
+                <a:ea typeface="+mn-ea"/>
+                <a:cs typeface="Courier New" panose="02070309020205020404" pitchFamily="49" charset="0"/>
+              </a:rPr>
+              <a:t>Classification</a:t>
+            </a:r>
+            <a:r>
+              <a:rPr kumimoji="0" lang="en-US" altLang="en-US" sz="1400" b="0" i="0" u="none" strike="noStrike" kern="1200" cap="none" spc="0" normalizeH="0" baseline="0" noProof="0" dirty="0" err="1">
+                <a:ln>
+                  <a:noFill/>
+                </a:ln>
+                <a:solidFill>
+                  <a:srgbClr val="AEB5BD"/>
+                </a:solidFill>
+                <a:effectLst/>
+                <a:uLnTx/>
+                <a:uFillTx/>
+                <a:latin typeface="Courier New" panose="02070309020205020404" pitchFamily="49" charset="0"/>
+                <a:ea typeface="+mn-ea"/>
+                <a:cs typeface="Courier New" panose="02070309020205020404" pitchFamily="49" charset="0"/>
+              </a:rPr>
+              <a:t>.</a:t>
+            </a:r>
+            <a:r>
+              <a:rPr kumimoji="0" lang="en-US" altLang="en-US" sz="1400" b="0" i="1" u="none" strike="noStrike" kern="1200" cap="none" spc="0" normalizeH="0" baseline="0" noProof="0" dirty="0" err="1">
+                <a:ln>
+                  <a:noFill/>
+                </a:ln>
+                <a:solidFill>
+                  <a:srgbClr val="828EBA"/>
+                </a:solidFill>
+                <a:effectLst/>
+                <a:uLnTx/>
+                <a:uFillTx/>
+                <a:latin typeface="Courier New" panose="02070309020205020404" pitchFamily="49" charset="0"/>
+                <a:ea typeface="+mn-ea"/>
+                <a:cs typeface="Courier New" panose="02070309020205020404" pitchFamily="49" charset="0"/>
+              </a:rPr>
+              <a:t>ISOSCELES</a:t>
+            </a:r>
+            <a:r>
+              <a:rPr kumimoji="0" lang="en-US" altLang="en-US" sz="1400" b="0" i="0" u="none" strike="noStrike" kern="1200" cap="none" spc="0" normalizeH="0" baseline="0" noProof="0" dirty="0">
+                <a:ln>
+                  <a:noFill/>
+                </a:ln>
+                <a:solidFill>
+                  <a:srgbClr val="597CC2"/>
+                </a:solidFill>
+                <a:effectLst/>
+                <a:uLnTx/>
+                <a:uFillTx/>
+                <a:latin typeface="Courier New" panose="02070309020205020404" pitchFamily="49" charset="0"/>
+                <a:ea typeface="+mn-ea"/>
+                <a:cs typeface="Courier New" panose="02070309020205020404" pitchFamily="49" charset="0"/>
+              </a:rPr>
+              <a:t>;</a:t>
+            </a:r>
+            <a:br>
+              <a:rPr kumimoji="0" lang="en-US" altLang="en-US" sz="1400" b="0" i="0" u="none" strike="noStrike" kern="1200" cap="none" spc="0" normalizeH="0" baseline="0" noProof="0" dirty="0">
+                <a:ln>
+                  <a:noFill/>
+                </a:ln>
+                <a:solidFill>
+                  <a:srgbClr val="597CC2"/>
+                </a:solidFill>
+                <a:effectLst/>
+                <a:uLnTx/>
+                <a:uFillTx/>
+                <a:latin typeface="Courier New" panose="02070309020205020404" pitchFamily="49" charset="0"/>
+                <a:ea typeface="+mn-ea"/>
+                <a:cs typeface="Courier New" panose="02070309020205020404" pitchFamily="49" charset="0"/>
+              </a:rPr>
+            </a:br>
+            <a:r>
+              <a:rPr kumimoji="0" lang="en-US" altLang="en-US" sz="1400" b="0" i="0" u="none" strike="noStrike" kern="1200" cap="none" spc="0" normalizeH="0" baseline="0" noProof="0" dirty="0">
+                <a:ln>
+                  <a:noFill/>
+                </a:ln>
+                <a:solidFill>
+                  <a:srgbClr val="597CC2"/>
+                </a:solidFill>
+                <a:effectLst/>
+                <a:uLnTx/>
+                <a:uFillTx/>
+                <a:latin typeface="Courier New" panose="02070309020205020404" pitchFamily="49" charset="0"/>
+                <a:ea typeface="+mn-ea"/>
+                <a:cs typeface="Courier New" panose="02070309020205020404" pitchFamily="49" charset="0"/>
+              </a:rPr>
+              <a:t>    </a:t>
+            </a:r>
+            <a:r>
+              <a:rPr kumimoji="0" lang="en-US" altLang="en-US" sz="1400" b="0" i="0" u="none" strike="noStrike" kern="1200" cap="none" spc="0" normalizeH="0" baseline="0" noProof="0" dirty="0">
+                <a:ln>
+                  <a:noFill/>
+                </a:ln>
+                <a:solidFill>
+                  <a:srgbClr val="AEB5BD"/>
+                </a:solidFill>
+                <a:effectLst/>
+                <a:uLnTx/>
+                <a:uFillTx/>
+                <a:latin typeface="Courier New" panose="02070309020205020404" pitchFamily="49" charset="0"/>
+                <a:ea typeface="+mn-ea"/>
+                <a:cs typeface="Courier New" panose="02070309020205020404" pitchFamily="49" charset="0"/>
+              </a:rPr>
+              <a:t>} </a:t>
+            </a:r>
+            <a:r>
+              <a:rPr kumimoji="0" lang="en-US" altLang="en-US" sz="1400" b="0" i="0" u="none" strike="noStrike" kern="1200" cap="none" spc="0" normalizeH="0" baseline="0" noProof="0" dirty="0">
+                <a:ln>
+                  <a:noFill/>
+                </a:ln>
+                <a:solidFill>
+                  <a:srgbClr val="597CC2"/>
+                </a:solidFill>
+                <a:effectLst/>
+                <a:uLnTx/>
+                <a:uFillTx/>
+                <a:latin typeface="Courier New" panose="02070309020205020404" pitchFamily="49" charset="0"/>
+                <a:ea typeface="+mn-ea"/>
+                <a:cs typeface="Courier New" panose="02070309020205020404" pitchFamily="49" charset="0"/>
+              </a:rPr>
+              <a:t>else </a:t>
+            </a:r>
+            <a:r>
+              <a:rPr kumimoji="0" lang="en-US" altLang="en-US" sz="1400" b="0" i="0" u="none" strike="noStrike" kern="1200" cap="none" spc="0" normalizeH="0" baseline="0" noProof="0" dirty="0">
+                <a:ln>
+                  <a:noFill/>
+                </a:ln>
+                <a:solidFill>
+                  <a:srgbClr val="AEB5BD"/>
+                </a:solidFill>
+                <a:effectLst/>
+                <a:uLnTx/>
+                <a:uFillTx/>
+                <a:latin typeface="Courier New" panose="02070309020205020404" pitchFamily="49" charset="0"/>
+                <a:ea typeface="+mn-ea"/>
+                <a:cs typeface="Courier New" panose="02070309020205020404" pitchFamily="49" charset="0"/>
+              </a:rPr>
+              <a:t>{</a:t>
+            </a:r>
+            <a:br>
+              <a:rPr kumimoji="0" lang="en-US" altLang="en-US" sz="1400" b="0" i="0" u="none" strike="noStrike" kern="1200" cap="none" spc="0" normalizeH="0" baseline="0" noProof="0" dirty="0">
+                <a:ln>
+                  <a:noFill/>
+                </a:ln>
+                <a:solidFill>
+                  <a:srgbClr val="AEB5BD"/>
+                </a:solidFill>
+                <a:effectLst/>
+                <a:uLnTx/>
+                <a:uFillTx/>
+                <a:latin typeface="Courier New" panose="02070309020205020404" pitchFamily="49" charset="0"/>
+                <a:ea typeface="+mn-ea"/>
+                <a:cs typeface="Courier New" panose="02070309020205020404" pitchFamily="49" charset="0"/>
+              </a:rPr>
+            </a:br>
+            <a:r>
+              <a:rPr kumimoji="0" lang="en-US" altLang="en-US" sz="1400" b="0" i="0" u="none" strike="noStrike" kern="1200" cap="none" spc="0" normalizeH="0" baseline="0" noProof="0" dirty="0">
+                <a:ln>
+                  <a:noFill/>
+                </a:ln>
+                <a:solidFill>
+                  <a:srgbClr val="AEB5BD"/>
+                </a:solidFill>
+                <a:effectLst/>
+                <a:uLnTx/>
+                <a:uFillTx/>
+                <a:latin typeface="Courier New" panose="02070309020205020404" pitchFamily="49" charset="0"/>
+                <a:ea typeface="+mn-ea"/>
+                <a:cs typeface="Courier New" panose="02070309020205020404" pitchFamily="49" charset="0"/>
+              </a:rPr>
+              <a:t>        </a:t>
+            </a:r>
+            <a:r>
+              <a:rPr kumimoji="0" lang="en-US" altLang="en-US" sz="1400" b="0" i="0" u="none" strike="noStrike" kern="1200" cap="none" spc="0" normalizeH="0" baseline="0" noProof="0" dirty="0">
+                <a:ln>
+                  <a:noFill/>
+                </a:ln>
+                <a:solidFill>
+                  <a:srgbClr val="597CC2"/>
+                </a:solidFill>
+                <a:effectLst/>
+                <a:uLnTx/>
+                <a:uFillTx/>
+                <a:latin typeface="Courier New" panose="02070309020205020404" pitchFamily="49" charset="0"/>
+                <a:ea typeface="+mn-ea"/>
+                <a:cs typeface="Courier New" panose="02070309020205020404" pitchFamily="49" charset="0"/>
+              </a:rPr>
+              <a:t>return </a:t>
+            </a:r>
+            <a:r>
+              <a:rPr kumimoji="0" lang="en-US" altLang="en-US" sz="1400" b="0" i="0" u="none" strike="noStrike" kern="1200" cap="none" spc="0" normalizeH="0" baseline="0" noProof="0" dirty="0" err="1">
+                <a:ln>
+                  <a:noFill/>
+                </a:ln>
+                <a:solidFill>
+                  <a:srgbClr val="A9B7C6"/>
+                </a:solidFill>
+                <a:effectLst/>
+                <a:uLnTx/>
+                <a:uFillTx/>
+                <a:latin typeface="Courier New" panose="02070309020205020404" pitchFamily="49" charset="0"/>
+                <a:ea typeface="+mn-ea"/>
+                <a:cs typeface="Courier New" panose="02070309020205020404" pitchFamily="49" charset="0"/>
+              </a:rPr>
+              <a:t>Classification</a:t>
+            </a:r>
+            <a:r>
+              <a:rPr kumimoji="0" lang="en-US" altLang="en-US" sz="1400" b="0" i="0" u="none" strike="noStrike" kern="1200" cap="none" spc="0" normalizeH="0" baseline="0" noProof="0" dirty="0" err="1">
+                <a:ln>
+                  <a:noFill/>
+                </a:ln>
+                <a:solidFill>
+                  <a:srgbClr val="AEB5BD"/>
+                </a:solidFill>
+                <a:effectLst/>
+                <a:uLnTx/>
+                <a:uFillTx/>
+                <a:latin typeface="Courier New" panose="02070309020205020404" pitchFamily="49" charset="0"/>
+                <a:ea typeface="+mn-ea"/>
+                <a:cs typeface="Courier New" panose="02070309020205020404" pitchFamily="49" charset="0"/>
+              </a:rPr>
+              <a:t>.</a:t>
+            </a:r>
+            <a:r>
+              <a:rPr kumimoji="0" lang="en-US" altLang="en-US" sz="1400" b="0" i="1" u="none" strike="noStrike" kern="1200" cap="none" spc="0" normalizeH="0" baseline="0" noProof="0" dirty="0" err="1">
+                <a:ln>
+                  <a:noFill/>
+                </a:ln>
+                <a:solidFill>
+                  <a:srgbClr val="828EBA"/>
+                </a:solidFill>
+                <a:effectLst/>
+                <a:uLnTx/>
+                <a:uFillTx/>
+                <a:latin typeface="Courier New" panose="02070309020205020404" pitchFamily="49" charset="0"/>
+                <a:ea typeface="+mn-ea"/>
+                <a:cs typeface="Courier New" panose="02070309020205020404" pitchFamily="49" charset="0"/>
+              </a:rPr>
+              <a:t>SCALENE</a:t>
+            </a:r>
+            <a:r>
+              <a:rPr kumimoji="0" lang="en-US" altLang="en-US" sz="1400" b="0" i="0" u="none" strike="noStrike" kern="1200" cap="none" spc="0" normalizeH="0" baseline="0" noProof="0" dirty="0">
+                <a:ln>
+                  <a:noFill/>
+                </a:ln>
+                <a:solidFill>
+                  <a:srgbClr val="597CC2"/>
+                </a:solidFill>
+                <a:effectLst/>
+                <a:uLnTx/>
+                <a:uFillTx/>
+                <a:latin typeface="Courier New" panose="02070309020205020404" pitchFamily="49" charset="0"/>
+                <a:ea typeface="+mn-ea"/>
+                <a:cs typeface="Courier New" panose="02070309020205020404" pitchFamily="49" charset="0"/>
+              </a:rPr>
+              <a:t>;</a:t>
+            </a:r>
+            <a:br>
+              <a:rPr kumimoji="0" lang="en-US" altLang="en-US" sz="1400" b="0" i="0" u="none" strike="noStrike" kern="1200" cap="none" spc="0" normalizeH="0" baseline="0" noProof="0" dirty="0">
+                <a:ln>
+                  <a:noFill/>
+                </a:ln>
+                <a:solidFill>
+                  <a:srgbClr val="597CC2"/>
+                </a:solidFill>
+                <a:effectLst/>
+                <a:uLnTx/>
+                <a:uFillTx/>
+                <a:latin typeface="Courier New" panose="02070309020205020404" pitchFamily="49" charset="0"/>
+                <a:ea typeface="+mn-ea"/>
+                <a:cs typeface="Courier New" panose="02070309020205020404" pitchFamily="49" charset="0"/>
+              </a:rPr>
+            </a:br>
+            <a:r>
+              <a:rPr kumimoji="0" lang="en-US" altLang="en-US" sz="1400" b="0" i="0" u="none" strike="noStrike" kern="1200" cap="none" spc="0" normalizeH="0" baseline="0" noProof="0" dirty="0">
+                <a:ln>
+                  <a:noFill/>
+                </a:ln>
+                <a:solidFill>
+                  <a:srgbClr val="597CC2"/>
+                </a:solidFill>
+                <a:effectLst/>
+                <a:uLnTx/>
+                <a:uFillTx/>
+                <a:latin typeface="Courier New" panose="02070309020205020404" pitchFamily="49" charset="0"/>
+                <a:ea typeface="+mn-ea"/>
+                <a:cs typeface="Courier New" panose="02070309020205020404" pitchFamily="49" charset="0"/>
+              </a:rPr>
+              <a:t>    </a:t>
+            </a:r>
+            <a:r>
+              <a:rPr kumimoji="0" lang="en-US" altLang="en-US" sz="1400" b="0" i="0" u="none" strike="noStrike" kern="1200" cap="none" spc="0" normalizeH="0" baseline="0" noProof="0" dirty="0">
+                <a:ln>
+                  <a:noFill/>
+                </a:ln>
+                <a:solidFill>
+                  <a:srgbClr val="AEB5BD"/>
+                </a:solidFill>
+                <a:effectLst/>
+                <a:uLnTx/>
+                <a:uFillTx/>
+                <a:latin typeface="Courier New" panose="02070309020205020404" pitchFamily="49" charset="0"/>
+                <a:ea typeface="+mn-ea"/>
+                <a:cs typeface="Courier New" panose="02070309020205020404" pitchFamily="49" charset="0"/>
+              </a:rPr>
+              <a:t>}</a:t>
+            </a:r>
+            <a:br>
+              <a:rPr kumimoji="0" lang="en-US" altLang="en-US" sz="1400" b="0" i="0" u="none" strike="noStrike" kern="1200" cap="none" spc="0" normalizeH="0" baseline="0" noProof="0" dirty="0">
+                <a:ln>
+                  <a:noFill/>
+                </a:ln>
+                <a:solidFill>
+                  <a:srgbClr val="AEB5BD"/>
+                </a:solidFill>
+                <a:effectLst/>
+                <a:uLnTx/>
+                <a:uFillTx/>
+                <a:latin typeface="Courier New" panose="02070309020205020404" pitchFamily="49" charset="0"/>
+                <a:ea typeface="+mn-ea"/>
+                <a:cs typeface="Courier New" panose="02070309020205020404" pitchFamily="49" charset="0"/>
+              </a:rPr>
+            </a:br>
+            <a:r>
+              <a:rPr kumimoji="0" lang="en-US" altLang="en-US" sz="1400" b="0" i="0" u="none" strike="noStrike" kern="1200" cap="none" spc="0" normalizeH="0" baseline="0" noProof="0" dirty="0">
+                <a:ln>
+                  <a:noFill/>
+                </a:ln>
+                <a:solidFill>
+                  <a:srgbClr val="AEB5BD"/>
+                </a:solidFill>
+                <a:effectLst/>
+                <a:uLnTx/>
+                <a:uFillTx/>
+                <a:latin typeface="Courier New" panose="02070309020205020404" pitchFamily="49" charset="0"/>
+                <a:ea typeface="+mn-ea"/>
+                <a:cs typeface="Courier New" panose="02070309020205020404" pitchFamily="49" charset="0"/>
+              </a:rPr>
+              <a:t>}</a:t>
+            </a:r>
+            <a:endParaRPr kumimoji="0" lang="en-US" altLang="en-US" sz="1100" b="0" i="0" u="none" strike="noStrike" kern="1200" cap="none" spc="0" normalizeH="0" baseline="0" noProof="0" dirty="0">
+              <a:ln>
+                <a:noFill/>
+              </a:ln>
+              <a:solidFill>
+                <a:prstClr val="black"/>
+              </a:solidFill>
+              <a:effectLst/>
+              <a:uLnTx/>
+              <a:uFillTx/>
+              <a:latin typeface="Arial" panose="020B0604020202020204" pitchFamily="34" charset="0"/>
+              <a:ea typeface="+mn-ea"/>
+              <a:cs typeface="+mn-cs"/>
+            </a:endParaRPr>
+          </a:p>
+        </p:txBody>
+      </p:sp>
+    </p:spTree>
+    <p:extLst>
+      <p:ext uri="{BB962C8B-B14F-4D97-AF65-F5344CB8AC3E}">
+        <p14:creationId xmlns:p14="http://schemas.microsoft.com/office/powerpoint/2010/main" val="1260109680"/>
+      </p:ext>
+    </p:extLst>
+  </p:cSld>
+  <p:clrMapOvr>
+    <a:masterClrMapping/>
+  </p:clrMapOvr>
+</p:sld>
+</file>
+
+<file path=ppt/slides/slide17.xml><?xml version="1.0" encoding="utf-8"?>
+<p:sld xmlns:a="http://schemas.openxmlformats.org/drawingml/2006/main" xmlns:r="http://schemas.openxmlformats.org/officeDocument/2006/relationships" xmlns:p="http://schemas.openxmlformats.org/presentationml/2006/main">
+  <p:cSld>
+    <p:spTree>
+      <p:nvGrpSpPr>
+        <p:cNvPr id="1" name=""/>
+        <p:cNvGrpSpPr/>
+        <p:nvPr/>
+      </p:nvGrpSpPr>
+      <p:grpSpPr>
+        <a:xfrm>
+          <a:off x="0" y="0"/>
+          <a:ext cx="0" cy="0"/>
+          <a:chOff x="0" y="0"/>
+          <a:chExt cx="0" cy="0"/>
+        </a:xfrm>
+      </p:grpSpPr>
+      <p:sp>
+        <p:nvSpPr>
+          <p:cNvPr id="2" name="Title 1"/>
+          <p:cNvSpPr>
+            <a:spLocks noGrp="1"/>
+          </p:cNvSpPr>
+          <p:nvPr>
+            <p:ph type="title"/>
+          </p:nvPr>
+        </p:nvSpPr>
+        <p:spPr/>
+        <p:txBody>
+          <a:bodyPr/>
+          <a:lstStyle/>
+          <a:p>
+            <a:r>
+              <a:rPr lang="en-US" dirty="0"/>
+              <a:t>Example</a:t>
+            </a:r>
+          </a:p>
+        </p:txBody>
+      </p:sp>
+      <p:sp>
+        <p:nvSpPr>
+          <p:cNvPr id="3" name="Content Placeholder 2"/>
+          <p:cNvSpPr>
+            <a:spLocks noGrp="1"/>
+          </p:cNvSpPr>
+          <p:nvPr>
+            <p:ph idx="1"/>
+          </p:nvPr>
+        </p:nvSpPr>
+        <p:spPr>
+          <a:xfrm>
+            <a:off x="360680" y="1825624"/>
+            <a:ext cx="11562080" cy="4717416"/>
+          </a:xfrm>
+        </p:spPr>
+        <p:txBody>
+          <a:bodyPr>
+            <a:normAutofit lnSpcReduction="10000"/>
+          </a:bodyPr>
+          <a:lstStyle/>
+          <a:p>
+            <a:r>
+              <a:rPr lang="en-US" sz="3200" b="1" dirty="0"/>
+              <a:t>if( (max == a &amp;&amp; max -b -c &gt;= 0 ) ||</a:t>
+            </a:r>
+            <a:br>
+              <a:rPr lang="en-US" sz="3200" b="1" dirty="0"/>
+            </a:br>
+            <a:r>
+              <a:rPr lang="en-US" sz="3200" b="1" dirty="0"/>
+              <a:t>            (max == b &amp;&amp; max -a -c &gt;= 0 ) ||</a:t>
+            </a:r>
+            <a:br>
+              <a:rPr lang="en-US" sz="3200" b="1" dirty="0"/>
+            </a:br>
+            <a:r>
+              <a:rPr lang="en-US" sz="3200" b="1" dirty="0"/>
+              <a:t>            (max == c &amp;&amp; max -a -b &gt;= 0 ) )</a:t>
+            </a:r>
+          </a:p>
+          <a:p>
+            <a:r>
+              <a:rPr lang="en-US" sz="3200" dirty="0"/>
+              <a:t>In this disjunction of 3 different clauses, if in your test suite the first clause is always true, the other 2 would never be executed </a:t>
+            </a:r>
+          </a:p>
+          <a:p>
+            <a:pPr lvl="1"/>
+            <a:r>
+              <a:rPr lang="en-US" sz="2800" dirty="0"/>
+              <a:t>so if wrong, you would not know</a:t>
+            </a:r>
+          </a:p>
+          <a:p>
+            <a:r>
+              <a:rPr lang="en-US" sz="3200" dirty="0"/>
+              <a:t>This is a TRIVIAL example… real industrial software can be way more complex…</a:t>
+            </a:r>
+          </a:p>
+          <a:p>
+            <a:r>
+              <a:rPr lang="en-US" sz="3200" dirty="0"/>
+              <a:t>Writing tests for each path is not only tedious, but can be quite hard as well</a:t>
+            </a:r>
+          </a:p>
+        </p:txBody>
+      </p:sp>
+    </p:spTree>
+    <p:extLst>
+      <p:ext uri="{BB962C8B-B14F-4D97-AF65-F5344CB8AC3E}">
+        <p14:creationId xmlns:p14="http://schemas.microsoft.com/office/powerpoint/2010/main" val="2567671619"/>
+      </p:ext>
+    </p:extLst>
+  </p:cSld>
+  <p:clrMapOvr>
+    <a:masterClrMapping/>
+  </p:clrMapOvr>
+</p:sld>
+</file>
+
+<file path=ppt/slides/slide18.xml><?xml version="1.0" encoding="utf-8"?>
+<p:sld xmlns:a="http://schemas.openxmlformats.org/drawingml/2006/main" xmlns:r="http://schemas.openxmlformats.org/officeDocument/2006/relationships" xmlns:p="http://schemas.openxmlformats.org/presentationml/2006/main">
+  <p:cSld>
+    <p:spTree>
+      <p:nvGrpSpPr>
+        <p:cNvPr id="1" name=""/>
+        <p:cNvGrpSpPr/>
+        <p:nvPr/>
+      </p:nvGrpSpPr>
+      <p:grpSpPr>
+        <a:xfrm>
+          <a:off x="0" y="0"/>
+          <a:ext cx="0" cy="0"/>
+          <a:chOff x="0" y="0"/>
+          <a:chExt cx="0" cy="0"/>
+        </a:xfrm>
+      </p:grpSpPr>
+      <p:sp>
+        <p:nvSpPr>
+          <p:cNvPr id="2" name="Title 1"/>
+          <p:cNvSpPr>
+            <a:spLocks noGrp="1"/>
+          </p:cNvSpPr>
+          <p:nvPr>
+            <p:ph type="title"/>
+          </p:nvPr>
+        </p:nvSpPr>
+        <p:spPr/>
+        <p:txBody>
+          <a:bodyPr>
+            <a:normAutofit fontScale="90000"/>
+          </a:bodyPr>
+          <a:lstStyle/>
+          <a:p>
+            <a:r>
+              <a:rPr lang="en-US" dirty="0"/>
+              <a:t>Automated Test Case Generation</a:t>
+            </a:r>
+          </a:p>
+        </p:txBody>
+      </p:sp>
+      <p:sp>
+        <p:nvSpPr>
+          <p:cNvPr id="3" name="Content Placeholder 2"/>
+          <p:cNvSpPr>
+            <a:spLocks noGrp="1"/>
+          </p:cNvSpPr>
+          <p:nvPr>
+            <p:ph idx="1"/>
+          </p:nvPr>
+        </p:nvSpPr>
+        <p:spPr>
+          <a:xfrm>
+            <a:off x="259080" y="1825625"/>
+            <a:ext cx="11643360" cy="4803776"/>
+          </a:xfrm>
+        </p:spPr>
+        <p:txBody>
+          <a:bodyPr>
+            <a:normAutofit fontScale="92500" lnSpcReduction="10000"/>
+          </a:bodyPr>
+          <a:lstStyle/>
+          <a:p>
+            <a:r>
+              <a:rPr lang="en-US" sz="3600" b="1" dirty="0"/>
+              <a:t>Automatically generate test cases</a:t>
+            </a:r>
+          </a:p>
+          <a:p>
+            <a:r>
+              <a:rPr lang="en-US" sz="3600" dirty="0"/>
+              <a:t>Model software testing as an </a:t>
+            </a:r>
+            <a:r>
+              <a:rPr lang="en-US" sz="3600" b="1" dirty="0"/>
+              <a:t>optimization problem</a:t>
+            </a:r>
+          </a:p>
+          <a:p>
+            <a:pPr lvl="1"/>
+            <a:r>
+              <a:rPr lang="en-US" sz="3200" dirty="0"/>
+              <a:t>Maximize code coverage</a:t>
+            </a:r>
+          </a:p>
+          <a:p>
+            <a:pPr lvl="1"/>
+            <a:r>
+              <a:rPr lang="en-US" sz="3200" dirty="0"/>
+              <a:t>Find bugs</a:t>
+            </a:r>
+          </a:p>
+          <a:p>
+            <a:pPr lvl="1"/>
+            <a:r>
+              <a:rPr lang="en-US" sz="3200" dirty="0"/>
+              <a:t>Etc.</a:t>
+            </a:r>
+          </a:p>
+          <a:p>
+            <a:r>
+              <a:rPr lang="en-US" sz="3600" dirty="0"/>
+              <a:t>Use optimization algorithms</a:t>
+            </a:r>
+          </a:p>
+          <a:p>
+            <a:r>
+              <a:rPr lang="en-US" sz="3600" dirty="0"/>
+              <a:t>Benefits: </a:t>
+            </a:r>
+            <a:r>
+              <a:rPr lang="en-US" sz="3600" i="1" dirty="0"/>
+              <a:t>cheaper and more effective than manual testing</a:t>
+            </a:r>
+          </a:p>
+          <a:p>
+            <a:r>
+              <a:rPr lang="en-US" sz="3600" i="1" dirty="0"/>
+              <a:t>Hard problem to automate</a:t>
+            </a:r>
+          </a:p>
+          <a:p>
+            <a:pPr lvl="1"/>
+            <a:r>
+              <a:rPr lang="en-US" sz="3200" dirty="0"/>
+              <a:t>given a non-linear constraint, there is no guaranteed algorithm that can solve it in polynomial time</a:t>
+            </a:r>
+          </a:p>
+        </p:txBody>
+      </p:sp>
+    </p:spTree>
+    <p:extLst>
+      <p:ext uri="{BB962C8B-B14F-4D97-AF65-F5344CB8AC3E}">
+        <p14:creationId xmlns:p14="http://schemas.microsoft.com/office/powerpoint/2010/main" val="1951409078"/>
+      </p:ext>
+    </p:extLst>
+  </p:cSld>
+  <p:clrMapOvr>
+    <a:masterClrMapping/>
+  </p:clrMapOvr>
+</p:sld>
+</file>
+
+<file path=ppt/slides/slide19.xml><?xml version="1.0" encoding="utf-8"?>
+<p:sld xmlns:a="http://schemas.openxmlformats.org/drawingml/2006/main" xmlns:r="http://schemas.openxmlformats.org/officeDocument/2006/relationships" xmlns:p="http://schemas.openxmlformats.org/presentationml/2006/main">
+  <p:cSld>
+    <p:spTree>
+      <p:nvGrpSpPr>
+        <p:cNvPr id="1" name=""/>
+        <p:cNvGrpSpPr/>
+        <p:nvPr/>
+      </p:nvGrpSpPr>
+      <p:grpSpPr>
+        <a:xfrm>
+          <a:off x="0" y="0"/>
+          <a:ext cx="0" cy="0"/>
+          <a:chOff x="0" y="0"/>
+          <a:chExt cx="0" cy="0"/>
+        </a:xfrm>
+      </p:grpSpPr>
+      <p:sp>
+        <p:nvSpPr>
+          <p:cNvPr id="2" name="Title 1"/>
+          <p:cNvSpPr>
+            <a:spLocks noGrp="1"/>
+          </p:cNvSpPr>
+          <p:nvPr>
+            <p:ph type="title"/>
+          </p:nvPr>
+        </p:nvSpPr>
+        <p:spPr>
+          <a:xfrm>
+            <a:off x="143435" y="365125"/>
+            <a:ext cx="11819965" cy="1325563"/>
+          </a:xfrm>
+        </p:spPr>
+        <p:txBody>
+          <a:bodyPr>
+            <a:normAutofit fontScale="90000"/>
+          </a:bodyPr>
+          <a:lstStyle/>
+          <a:p>
+            <a:r>
+              <a:rPr lang="en-US" dirty="0"/>
+              <a:t>Search-Based Software Testing (SBST)</a:t>
+            </a:r>
+          </a:p>
+        </p:txBody>
+      </p:sp>
+      <p:sp>
+        <p:nvSpPr>
+          <p:cNvPr id="3" name="Content Placeholder 2"/>
+          <p:cNvSpPr>
+            <a:spLocks noGrp="1"/>
+          </p:cNvSpPr>
+          <p:nvPr>
+            <p:ph idx="1"/>
+          </p:nvPr>
+        </p:nvSpPr>
+        <p:spPr>
+          <a:xfrm>
+            <a:off x="369277" y="1825624"/>
+            <a:ext cx="8326315" cy="4680683"/>
           </a:xfrm>
         </p:spPr>
         <p:txBody>
@@ -3793,38 +9391,101 @@
           <a:lstStyle/>
           <a:p>
             <a:r>
-              <a:rPr lang="en-US" i="1" dirty="0"/>
-              <a:t>NOTE: most of the explanations will be directly in the code as comments, and not here in the slides</a:t>
-            </a:r>
-            <a:endParaRPr lang="en-US" b="1" dirty="0"/>
-          </a:p>
-          <a:p>
-            <a:r>
-              <a:rPr lang="en-US" b="1"/>
-              <a:t>advanced</a:t>
-            </a:r>
-            <a:r>
-              <a:rPr lang="en-US" b="1" dirty="0"/>
-              <a:t>/rest/</a:t>
-            </a:r>
-            <a:r>
-              <a:rPr lang="en-US" b="1" dirty="0" err="1"/>
-              <a:t>wiremock</a:t>
-            </a:r>
-            <a:endParaRPr lang="en-US" b="1" dirty="0"/>
-          </a:p>
-          <a:p>
-            <a:r>
-              <a:rPr lang="en-US" b="1" dirty="0"/>
-              <a:t>advanced/rest/circuit-breaker</a:t>
-            </a:r>
-          </a:p>
-        </p:txBody>
-      </p:sp>
+              <a:rPr lang="en-US" sz="3600" dirty="0"/>
+              <a:t>Biology meets Software Engineering (SE)</a:t>
+            </a:r>
+          </a:p>
+          <a:p>
+            <a:r>
+              <a:rPr lang="en-US" sz="3600" dirty="0"/>
+              <a:t>Casting SE problems into </a:t>
+            </a:r>
+            <a:r>
+              <a:rPr lang="en-US" sz="3600" i="1" dirty="0"/>
+              <a:t>Optimization Problems</a:t>
+            </a:r>
+          </a:p>
+          <a:p>
+            <a:r>
+              <a:rPr lang="en-US" sz="3600" i="1" dirty="0"/>
+              <a:t>Genetic Algorithms</a:t>
+            </a:r>
+            <a:r>
+              <a:rPr lang="en-US" sz="3600" dirty="0"/>
+              <a:t>: one of most famous optimization algorithm, based on theory of evolution</a:t>
+            </a:r>
+            <a:endParaRPr lang="en-US" sz="3600" i="1" dirty="0"/>
+          </a:p>
+          <a:p>
+            <a:r>
+              <a:rPr lang="en-US" sz="3600" i="1" dirty="0"/>
+              <a:t>Evolve</a:t>
+            </a:r>
+            <a:r>
+              <a:rPr lang="en-US" sz="3600" dirty="0"/>
+              <a:t> test cases</a:t>
+            </a:r>
+          </a:p>
+        </p:txBody>
+      </p:sp>
+      <p:pic>
+        <p:nvPicPr>
+          <p:cNvPr id="4" name="Picture 3" descr="darwinc.jpg"/>
+          <p:cNvPicPr>
+            <a:picLocks noChangeAspect="1"/>
+          </p:cNvPicPr>
+          <p:nvPr/>
+        </p:nvPicPr>
+        <p:blipFill>
+          <a:blip r:embed="rId2">
+            <a:extLst>
+              <a:ext uri="{28A0092B-C50C-407E-A947-70E740481C1C}">
+                <a14:useLocalDpi xmlns:a14="http://schemas.microsoft.com/office/drawing/2010/main"/>
+              </a:ext>
+            </a:extLst>
+          </a:blip>
+          <a:srcRect/>
+          <a:stretch>
+            <a:fillRect/>
+          </a:stretch>
+        </p:blipFill>
+        <p:spPr bwMode="auto">
+          <a:xfrm>
+            <a:off x="8932134" y="1690688"/>
+            <a:ext cx="2921000" cy="3568700"/>
+          </a:xfrm>
+          <a:prstGeom prst="rect">
+            <a:avLst/>
+          </a:prstGeom>
+          <a:noFill/>
+          <a:ln>
+            <a:noFill/>
+          </a:ln>
+          <a:extLst>
+            <a:ext uri="{909E8E84-426E-40DD-AFC4-6F175D3DCCD1}">
+              <a14:hiddenFill xmlns:a14="http://schemas.microsoft.com/office/drawing/2010/main">
+                <a:solidFill>
+                  <a:srgbClr val="FFFFFF"/>
+                </a:solidFill>
+              </a14:hiddenFill>
+            </a:ext>
+            <a:ext uri="{91240B29-F687-4F45-9708-019B960494DF}">
+              <a14:hiddenLine xmlns:a14="http://schemas.microsoft.com/office/drawing/2010/main" w="9525">
+                <a:solidFill>
+                  <a:srgbClr val="000000"/>
+                </a:solidFill>
+                <a:miter lim="800000"/>
+                <a:headEnd/>
+                <a:tailEnd/>
+              </a14:hiddenLine>
+            </a:ext>
+          </a:extLst>
+        </p:spPr>
+      </p:pic>
     </p:spTree>
     <p:extLst>
       <p:ext uri="{BB962C8B-B14F-4D97-AF65-F5344CB8AC3E}">
-        <p14:creationId xmlns:p14="http://schemas.microsoft.com/office/powerpoint/2010/main" val="1023732187"/>
+        <p14:creationId xmlns:p14="http://schemas.microsoft.com/office/powerpoint/2010/main" val="3950745669"/>
       </p:ext>
     </p:extLst>
   </p:cSld>
@@ -3940,7 +9601,6 @@
               <a:rPr lang="en-US" i="1" dirty="0" smtClean="0"/>
               <a:t>Automated Test Generation</a:t>
             </a:r>
-            <a:endParaRPr lang="en-US" i="1" dirty="0" smtClean="0"/>
           </a:p>
           <a:p>
             <a:endParaRPr lang="en-US" dirty="0"/>
@@ -4126,6 +9786,1257 @@
 </p:sld>
 </file>
 
+<file path=ppt/slides/slide20.xml><?xml version="1.0" encoding="utf-8"?>
+<p:sld xmlns:a="http://schemas.openxmlformats.org/drawingml/2006/main" xmlns:r="http://schemas.openxmlformats.org/officeDocument/2006/relationships" xmlns:p="http://schemas.openxmlformats.org/presentationml/2006/main">
+  <p:cSld>
+    <p:spTree>
+      <p:nvGrpSpPr>
+        <p:cNvPr id="1" name=""/>
+        <p:cNvGrpSpPr/>
+        <p:nvPr/>
+      </p:nvGrpSpPr>
+      <p:grpSpPr>
+        <a:xfrm>
+          <a:off x="0" y="0"/>
+          <a:ext cx="0" cy="0"/>
+          <a:chOff x="0" y="0"/>
+          <a:chExt cx="0" cy="0"/>
+        </a:xfrm>
+      </p:grpSpPr>
+      <p:sp>
+        <p:nvSpPr>
+          <p:cNvPr id="2" name="Title 1"/>
+          <p:cNvSpPr>
+            <a:spLocks noGrp="1"/>
+          </p:cNvSpPr>
+          <p:nvPr>
+            <p:ph type="title"/>
+          </p:nvPr>
+        </p:nvSpPr>
+        <p:spPr/>
+        <p:txBody>
+          <a:bodyPr/>
+          <a:lstStyle/>
+          <a:p>
+            <a:r>
+              <a:rPr lang="en-US" dirty="0"/>
+              <a:t>Success Stories: </a:t>
+            </a:r>
+            <a:r>
+              <a:rPr lang="en-US" b="1" dirty="0"/>
+              <a:t>Facebook</a:t>
+            </a:r>
+          </a:p>
+        </p:txBody>
+      </p:sp>
+      <p:sp>
+        <p:nvSpPr>
+          <p:cNvPr id="3" name="Content Placeholder 2"/>
+          <p:cNvSpPr>
+            <a:spLocks noGrp="1"/>
+          </p:cNvSpPr>
+          <p:nvPr>
+            <p:ph idx="1"/>
+          </p:nvPr>
+        </p:nvSpPr>
+        <p:spPr>
+          <a:xfrm>
+            <a:off x="395654" y="1825625"/>
+            <a:ext cx="5433646" cy="4351338"/>
+          </a:xfrm>
+        </p:spPr>
+        <p:txBody>
+          <a:bodyPr>
+            <a:normAutofit/>
+          </a:bodyPr>
+          <a:lstStyle/>
+          <a:p>
+            <a:pPr marL="0" indent="0">
+              <a:buNone/>
+            </a:pPr>
+            <a:r>
+              <a:rPr lang="en-US" sz="3600" dirty="0"/>
+              <a:t>Facebook uses SBST for automatically testing their software, especially their mobile apps </a:t>
+            </a:r>
+          </a:p>
+          <a:p>
+            <a:pPr lvl="1"/>
+            <a:r>
+              <a:rPr lang="en-US" sz="3200" dirty="0" err="1"/>
+              <a:t>eg</a:t>
+            </a:r>
+            <a:r>
+              <a:rPr lang="en-US" sz="3200" dirty="0"/>
+              <a:t>, tools like </a:t>
+            </a:r>
+            <a:r>
+              <a:rPr lang="en-US" sz="3200" i="1" dirty="0" err="1"/>
+              <a:t>Sapienz</a:t>
+            </a:r>
+            <a:r>
+              <a:rPr lang="en-US" sz="3200" dirty="0"/>
+              <a:t> and </a:t>
+            </a:r>
+            <a:r>
+              <a:rPr lang="en-US" sz="3200" i="1" dirty="0" err="1"/>
+              <a:t>SapFix</a:t>
+            </a:r>
+            <a:endParaRPr lang="en-US" sz="3200" i="1" dirty="0"/>
+          </a:p>
+        </p:txBody>
+      </p:sp>
+      <p:pic>
+        <p:nvPicPr>
+          <p:cNvPr id="5" name="Picture 4">
+            <a:extLst>
+              <a:ext uri="{FF2B5EF4-FFF2-40B4-BE49-F238E27FC236}">
+                <a16:creationId xmlns:a16="http://schemas.microsoft.com/office/drawing/2014/main" id="{F86BA56D-4ED0-744B-8841-EF69877D6917}"/>
+              </a:ext>
+            </a:extLst>
+          </p:cNvPr>
+          <p:cNvPicPr>
+            <a:picLocks noChangeAspect="1"/>
+          </p:cNvPicPr>
+          <p:nvPr/>
+        </p:nvPicPr>
+        <p:blipFill>
+          <a:blip r:embed="rId2" cstate="screen">
+            <a:extLst>
+              <a:ext uri="{28A0092B-C50C-407E-A947-70E740481C1C}">
+                <a14:useLocalDpi xmlns:a14="http://schemas.microsoft.com/office/drawing/2010/main"/>
+              </a:ext>
+            </a:extLst>
+          </a:blip>
+          <a:stretch>
+            <a:fillRect/>
+          </a:stretch>
+        </p:blipFill>
+        <p:spPr>
+          <a:xfrm>
+            <a:off x="5456527" y="1551304"/>
+            <a:ext cx="6675061" cy="4407536"/>
+          </a:xfrm>
+          <a:prstGeom prst="rect">
+            <a:avLst/>
+          </a:prstGeom>
+        </p:spPr>
+      </p:pic>
+    </p:spTree>
+    <p:extLst>
+      <p:ext uri="{BB962C8B-B14F-4D97-AF65-F5344CB8AC3E}">
+        <p14:creationId xmlns:p14="http://schemas.microsoft.com/office/powerpoint/2010/main" val="3435905283"/>
+      </p:ext>
+    </p:extLst>
+  </p:cSld>
+  <p:clrMapOvr>
+    <a:masterClrMapping/>
+  </p:clrMapOvr>
+</p:sld>
+</file>
+
+<file path=ppt/slides/slide21.xml><?xml version="1.0" encoding="utf-8"?>
+<p:sld xmlns:a="http://schemas.openxmlformats.org/drawingml/2006/main" xmlns:r="http://schemas.openxmlformats.org/officeDocument/2006/relationships" xmlns:p="http://schemas.openxmlformats.org/presentationml/2006/main">
+  <p:cSld>
+    <p:spTree>
+      <p:nvGrpSpPr>
+        <p:cNvPr id="1" name=""/>
+        <p:cNvGrpSpPr/>
+        <p:nvPr/>
+      </p:nvGrpSpPr>
+      <p:grpSpPr>
+        <a:xfrm>
+          <a:off x="0" y="0"/>
+          <a:ext cx="0" cy="0"/>
+          <a:chOff x="0" y="0"/>
+          <a:chExt cx="0" cy="0"/>
+        </a:xfrm>
+      </p:grpSpPr>
+      <p:sp>
+        <p:nvSpPr>
+          <p:cNvPr id="2" name="Title 1">
+            <a:extLst>
+              <a:ext uri="{FF2B5EF4-FFF2-40B4-BE49-F238E27FC236}">
+                <a16:creationId xmlns:a16="http://schemas.microsoft.com/office/drawing/2014/main" id="{A3AF03E8-2E01-7E4E-AFB3-3A8E0540F1F9}"/>
+              </a:ext>
+            </a:extLst>
+          </p:cNvPr>
+          <p:cNvSpPr>
+            <a:spLocks noGrp="1"/>
+          </p:cNvSpPr>
+          <p:nvPr>
+            <p:ph type="title"/>
+          </p:nvPr>
+        </p:nvSpPr>
+        <p:spPr/>
+        <p:txBody>
+          <a:bodyPr/>
+          <a:lstStyle/>
+          <a:p>
+            <a:r>
+              <a:rPr lang="en-US" dirty="0"/>
+              <a:t>Search Space</a:t>
+            </a:r>
+          </a:p>
+        </p:txBody>
+      </p:sp>
+      <p:sp>
+        <p:nvSpPr>
+          <p:cNvPr id="3" name="Content Placeholder 2">
+            <a:extLst>
+              <a:ext uri="{FF2B5EF4-FFF2-40B4-BE49-F238E27FC236}">
+                <a16:creationId xmlns:a16="http://schemas.microsoft.com/office/drawing/2014/main" id="{60A26F83-CBCB-E749-9ADA-2AD3F45C4FD8}"/>
+              </a:ext>
+            </a:extLst>
+          </p:cNvPr>
+          <p:cNvSpPr>
+            <a:spLocks noGrp="1"/>
+          </p:cNvSpPr>
+          <p:nvPr>
+            <p:ph idx="1"/>
+          </p:nvPr>
+        </p:nvSpPr>
+        <p:spPr>
+          <a:xfrm>
+            <a:off x="243840" y="1825625"/>
+            <a:ext cx="11612880" cy="4849496"/>
+          </a:xfrm>
+        </p:spPr>
+        <p:txBody>
+          <a:bodyPr>
+            <a:normAutofit/>
+          </a:bodyPr>
+          <a:lstStyle/>
+          <a:p>
+            <a:r>
+              <a:rPr lang="en-US" sz="3600" dirty="0"/>
+              <a:t>Depends on testing problem</a:t>
+            </a:r>
+          </a:p>
+          <a:p>
+            <a:r>
+              <a:rPr lang="en-US" sz="3600" dirty="0"/>
+              <a:t>Unit testing of TC? space of all possible combination of 3 integer inputs</a:t>
+            </a:r>
+          </a:p>
+          <a:p>
+            <a:r>
+              <a:rPr lang="en-US" sz="3600" dirty="0"/>
+              <a:t>OO software? sequence of function calls, with their heterogenous inputs</a:t>
+            </a:r>
+          </a:p>
+          <a:p>
+            <a:r>
+              <a:rPr lang="en-US" sz="3600" dirty="0"/>
+              <a:t>REST APIs? sequence of HTTP calls, setting strings like query parameters, and JSON/XML body payloads, etc.</a:t>
+            </a:r>
+          </a:p>
+        </p:txBody>
+      </p:sp>
+    </p:spTree>
+    <p:extLst>
+      <p:ext uri="{BB962C8B-B14F-4D97-AF65-F5344CB8AC3E}">
+        <p14:creationId xmlns:p14="http://schemas.microsoft.com/office/powerpoint/2010/main" val="110343601"/>
+      </p:ext>
+    </p:extLst>
+  </p:cSld>
+  <p:clrMapOvr>
+    <a:masterClrMapping/>
+  </p:clrMapOvr>
+</p:sld>
+</file>
+
+<file path=ppt/slides/slide22.xml><?xml version="1.0" encoding="utf-8"?>
+<p:sld xmlns:a="http://schemas.openxmlformats.org/drawingml/2006/main" xmlns:r="http://schemas.openxmlformats.org/officeDocument/2006/relationships" xmlns:p="http://schemas.openxmlformats.org/presentationml/2006/main">
+  <p:cSld>
+    <p:spTree>
+      <p:nvGrpSpPr>
+        <p:cNvPr id="1" name=""/>
+        <p:cNvGrpSpPr/>
+        <p:nvPr/>
+      </p:nvGrpSpPr>
+      <p:grpSpPr>
+        <a:xfrm>
+          <a:off x="0" y="0"/>
+          <a:ext cx="0" cy="0"/>
+          <a:chOff x="0" y="0"/>
+          <a:chExt cx="0" cy="0"/>
+        </a:xfrm>
+      </p:grpSpPr>
+      <p:sp>
+        <p:nvSpPr>
+          <p:cNvPr id="2" name="Title 1">
+            <a:extLst>
+              <a:ext uri="{FF2B5EF4-FFF2-40B4-BE49-F238E27FC236}">
+                <a16:creationId xmlns:a16="http://schemas.microsoft.com/office/drawing/2014/main" id="{B87F37CB-1CB7-9040-B42C-0CA04228C7A7}"/>
+              </a:ext>
+            </a:extLst>
+          </p:cNvPr>
+          <p:cNvSpPr>
+            <a:spLocks noGrp="1"/>
+          </p:cNvSpPr>
+          <p:nvPr>
+            <p:ph type="title"/>
+          </p:nvPr>
+        </p:nvSpPr>
+        <p:spPr/>
+        <p:txBody>
+          <a:bodyPr/>
+          <a:lstStyle/>
+          <a:p>
+            <a:r>
+              <a:rPr lang="en-US" dirty="0"/>
+              <a:t>Search Operators</a:t>
+            </a:r>
+          </a:p>
+        </p:txBody>
+      </p:sp>
+      <p:sp>
+        <p:nvSpPr>
+          <p:cNvPr id="3" name="Content Placeholder 2">
+            <a:extLst>
+              <a:ext uri="{FF2B5EF4-FFF2-40B4-BE49-F238E27FC236}">
+                <a16:creationId xmlns:a16="http://schemas.microsoft.com/office/drawing/2014/main" id="{100BB065-14D8-6944-81C4-96D9F0445ACD}"/>
+              </a:ext>
+            </a:extLst>
+          </p:cNvPr>
+          <p:cNvSpPr>
+            <a:spLocks noGrp="1"/>
+          </p:cNvSpPr>
+          <p:nvPr>
+            <p:ph idx="1"/>
+          </p:nvPr>
+        </p:nvSpPr>
+        <p:spPr>
+          <a:xfrm>
+            <a:off x="396240" y="1825625"/>
+            <a:ext cx="11536680" cy="4712336"/>
+          </a:xfrm>
+        </p:spPr>
+        <p:txBody>
+          <a:bodyPr>
+            <a:normAutofit/>
+          </a:bodyPr>
+          <a:lstStyle/>
+          <a:p>
+            <a:r>
+              <a:rPr lang="en-US" sz="3600" dirty="0"/>
+              <a:t>Depend on the representation of the genes</a:t>
+            </a:r>
+          </a:p>
+          <a:p>
+            <a:r>
+              <a:rPr lang="en-US" sz="3600" dirty="0"/>
+              <a:t>Usually, small changes on the genes</a:t>
+            </a:r>
+          </a:p>
+          <a:p>
+            <a:r>
+              <a:rPr lang="en-US" sz="3600" dirty="0"/>
+              <a:t>Integer inputs? add +-1 on them</a:t>
+            </a:r>
+          </a:p>
+          <a:p>
+            <a:r>
+              <a:rPr lang="en-US" sz="3600" dirty="0"/>
+              <a:t>Strings? add/remove/change single chars in them</a:t>
+            </a:r>
+          </a:p>
+          <a:p>
+            <a:r>
+              <a:rPr lang="en-US" sz="3600" dirty="0"/>
+              <a:t>Object? modify 1 of their fields</a:t>
+            </a:r>
+          </a:p>
+          <a:p>
+            <a:r>
+              <a:rPr lang="en-US" sz="3600" dirty="0"/>
+              <a:t>etc.</a:t>
+            </a:r>
+          </a:p>
+        </p:txBody>
+      </p:sp>
+    </p:spTree>
+    <p:extLst>
+      <p:ext uri="{BB962C8B-B14F-4D97-AF65-F5344CB8AC3E}">
+        <p14:creationId xmlns:p14="http://schemas.microsoft.com/office/powerpoint/2010/main" val="1028808962"/>
+      </p:ext>
+    </p:extLst>
+  </p:cSld>
+  <p:clrMapOvr>
+    <a:masterClrMapping/>
+  </p:clrMapOvr>
+</p:sld>
+</file>
+
+<file path=ppt/slides/slide23.xml><?xml version="1.0" encoding="utf-8"?>
+<p:sld xmlns:a="http://schemas.openxmlformats.org/drawingml/2006/main" xmlns:r="http://schemas.openxmlformats.org/officeDocument/2006/relationships" xmlns:p="http://schemas.openxmlformats.org/presentationml/2006/main">
+  <p:cSld>
+    <p:spTree>
+      <p:nvGrpSpPr>
+        <p:cNvPr id="1" name=""/>
+        <p:cNvGrpSpPr/>
+        <p:nvPr/>
+      </p:nvGrpSpPr>
+      <p:grpSpPr>
+        <a:xfrm>
+          <a:off x="0" y="0"/>
+          <a:ext cx="0" cy="0"/>
+          <a:chOff x="0" y="0"/>
+          <a:chExt cx="0" cy="0"/>
+        </a:xfrm>
+      </p:grpSpPr>
+      <p:sp>
+        <p:nvSpPr>
+          <p:cNvPr id="2" name="Title 1">
+            <a:extLst>
+              <a:ext uri="{FF2B5EF4-FFF2-40B4-BE49-F238E27FC236}">
+                <a16:creationId xmlns:a16="http://schemas.microsoft.com/office/drawing/2014/main" id="{57B5245D-C8EB-6A44-969A-85EC6C162A55}"/>
+              </a:ext>
+            </a:extLst>
+          </p:cNvPr>
+          <p:cNvSpPr>
+            <a:spLocks noGrp="1"/>
+          </p:cNvSpPr>
+          <p:nvPr>
+            <p:ph type="title"/>
+          </p:nvPr>
+        </p:nvSpPr>
+        <p:spPr/>
+        <p:txBody>
+          <a:bodyPr/>
+          <a:lstStyle/>
+          <a:p>
+            <a:r>
+              <a:rPr lang="en-US" dirty="0"/>
+              <a:t>Fitness Guidance</a:t>
+            </a:r>
+          </a:p>
+        </p:txBody>
+      </p:sp>
+      <p:sp>
+        <p:nvSpPr>
+          <p:cNvPr id="3" name="Content Placeholder 2">
+            <a:extLst>
+              <a:ext uri="{FF2B5EF4-FFF2-40B4-BE49-F238E27FC236}">
+                <a16:creationId xmlns:a16="http://schemas.microsoft.com/office/drawing/2014/main" id="{62101610-A0BB-454E-B81F-BE44F4A361D1}"/>
+              </a:ext>
+            </a:extLst>
+          </p:cNvPr>
+          <p:cNvSpPr>
+            <a:spLocks noGrp="1"/>
+          </p:cNvSpPr>
+          <p:nvPr>
+            <p:ph idx="1"/>
+          </p:nvPr>
+        </p:nvSpPr>
+        <p:spPr>
+          <a:xfrm>
+            <a:off x="396240" y="1825624"/>
+            <a:ext cx="11445240" cy="4834256"/>
+          </a:xfrm>
+        </p:spPr>
+        <p:txBody>
+          <a:bodyPr>
+            <a:normAutofit/>
+          </a:bodyPr>
+          <a:lstStyle/>
+          <a:p>
+            <a:r>
+              <a:rPr lang="en-US" sz="3600" dirty="0"/>
+              <a:t>Just using code coverage as fitness function is not enough</a:t>
+            </a:r>
+          </a:p>
+          <a:p>
+            <a:pPr lvl="1"/>
+            <a:r>
+              <a:rPr lang="en-US" sz="3200" dirty="0"/>
+              <a:t>binary: either we cover or we do not cover a target</a:t>
+            </a:r>
+          </a:p>
+          <a:p>
+            <a:r>
+              <a:rPr lang="en-US" sz="3600" dirty="0"/>
+              <a:t>Need guidance to be able to solve constraints in code predicates</a:t>
+            </a:r>
+          </a:p>
+          <a:p>
+            <a:pPr lvl="1"/>
+            <a:r>
+              <a:rPr lang="en-US" sz="3200" i="1" dirty="0"/>
+              <a:t>“if(x == 123456  &amp;&amp;  </a:t>
+            </a:r>
+            <a:r>
+              <a:rPr lang="en-US" sz="3200" i="1" dirty="0" err="1"/>
+              <a:t>complexPredicate</a:t>
+            </a:r>
+            <a:r>
+              <a:rPr lang="en-US" sz="3200" i="1" dirty="0"/>
+              <a:t>(y) )”</a:t>
+            </a:r>
+          </a:p>
+          <a:p>
+            <a:r>
+              <a:rPr lang="en-US" sz="3600" dirty="0"/>
+              <a:t>Would be extremely difficult to get the right </a:t>
+            </a:r>
+            <a:r>
+              <a:rPr lang="en-US" sz="3600" i="1" dirty="0"/>
+              <a:t>x</a:t>
+            </a:r>
+            <a:r>
+              <a:rPr lang="en-US" sz="3600" dirty="0"/>
+              <a:t> and </a:t>
+            </a:r>
+            <a:r>
+              <a:rPr lang="en-US" sz="3600" i="1" dirty="0"/>
+              <a:t>y</a:t>
+            </a:r>
+            <a:r>
+              <a:rPr lang="en-US" sz="3600" dirty="0"/>
+              <a:t> to solve that predicate at random</a:t>
+            </a:r>
+          </a:p>
+        </p:txBody>
+      </p:sp>
+    </p:spTree>
+    <p:extLst>
+      <p:ext uri="{BB962C8B-B14F-4D97-AF65-F5344CB8AC3E}">
+        <p14:creationId xmlns:p14="http://schemas.microsoft.com/office/powerpoint/2010/main" val="1195106565"/>
+      </p:ext>
+    </p:extLst>
+  </p:cSld>
+  <p:clrMapOvr>
+    <a:masterClrMapping/>
+  </p:clrMapOvr>
+</p:sld>
+</file>
+
+<file path=ppt/slides/slide24.xml><?xml version="1.0" encoding="utf-8"?>
+<p:sld xmlns:a="http://schemas.openxmlformats.org/drawingml/2006/main" xmlns:r="http://schemas.openxmlformats.org/officeDocument/2006/relationships" xmlns:p="http://schemas.openxmlformats.org/presentationml/2006/main">
+  <p:cSld>
+    <p:spTree>
+      <p:nvGrpSpPr>
+        <p:cNvPr id="1" name=""/>
+        <p:cNvGrpSpPr/>
+        <p:nvPr/>
+      </p:nvGrpSpPr>
+      <p:grpSpPr>
+        <a:xfrm>
+          <a:off x="0" y="0"/>
+          <a:ext cx="0" cy="0"/>
+          <a:chOff x="0" y="0"/>
+          <a:chExt cx="0" cy="0"/>
+        </a:xfrm>
+      </p:grpSpPr>
+      <p:sp>
+        <p:nvSpPr>
+          <p:cNvPr id="2" name="Title 1"/>
+          <p:cNvSpPr>
+            <a:spLocks noGrp="1"/>
+          </p:cNvSpPr>
+          <p:nvPr>
+            <p:ph type="title"/>
+          </p:nvPr>
+        </p:nvSpPr>
+        <p:spPr/>
+        <p:txBody>
+          <a:bodyPr>
+            <a:normAutofit fontScale="90000"/>
+          </a:bodyPr>
+          <a:lstStyle/>
+          <a:p>
+            <a:r>
+              <a:rPr lang="en-US" dirty="0"/>
+              <a:t>SBST Heuristics: </a:t>
+            </a:r>
+            <a:r>
+              <a:rPr lang="en-US" i="1" dirty="0"/>
+              <a:t>Branch Distance</a:t>
+            </a:r>
+          </a:p>
+        </p:txBody>
+      </p:sp>
+      <p:sp>
+        <p:nvSpPr>
+          <p:cNvPr id="3" name="Content Placeholder 2"/>
+          <p:cNvSpPr>
+            <a:spLocks noGrp="1"/>
+          </p:cNvSpPr>
+          <p:nvPr>
+            <p:ph idx="1"/>
+          </p:nvPr>
+        </p:nvSpPr>
+        <p:spPr>
+          <a:xfrm>
+            <a:off x="243840" y="1825624"/>
+            <a:ext cx="11643360" cy="4773296"/>
+          </a:xfrm>
+        </p:spPr>
+        <p:txBody>
+          <a:bodyPr>
+            <a:normAutofit/>
+          </a:bodyPr>
+          <a:lstStyle/>
+          <a:p>
+            <a:r>
+              <a:rPr lang="en-US" sz="3200" dirty="0"/>
+              <a:t>Standard technique in the SBST literature to solve constraints</a:t>
+            </a:r>
+          </a:p>
+          <a:p>
+            <a:r>
+              <a:rPr lang="en-US" sz="3200" dirty="0"/>
+              <a:t>Example:  </a:t>
+            </a:r>
+            <a:r>
+              <a:rPr lang="en-US" sz="3200" i="1" dirty="0"/>
+              <a:t>if(x==100)</a:t>
+            </a:r>
+          </a:p>
+          <a:p>
+            <a:pPr lvl="1"/>
+            <a:r>
+              <a:rPr lang="en-US" sz="2800" dirty="0"/>
+              <a:t>both 5 and 90 do not solve the constraint, but 90 is </a:t>
+            </a:r>
+            <a:r>
+              <a:rPr lang="en-US" sz="2800" i="1" dirty="0"/>
+              <a:t>heuristically</a:t>
+            </a:r>
+            <a:r>
+              <a:rPr lang="en-US" sz="2800" dirty="0"/>
+              <a:t> closer</a:t>
+            </a:r>
+          </a:p>
+          <a:p>
+            <a:r>
+              <a:rPr lang="en-US" sz="3200" dirty="0"/>
+              <a:t>Distance to minimize: if 0, then predicate is solved</a:t>
+            </a:r>
+          </a:p>
+          <a:p>
+            <a:r>
+              <a:rPr lang="en-US" sz="3200" dirty="0"/>
+              <a:t>Not just for integers, but also all other types, </a:t>
+            </a:r>
+            <a:r>
+              <a:rPr lang="en-US" sz="3200" dirty="0" err="1"/>
+              <a:t>eg</a:t>
+            </a:r>
+            <a:r>
+              <a:rPr lang="en-US" sz="3200" dirty="0"/>
+              <a:t> strings</a:t>
+            </a:r>
+          </a:p>
+          <a:p>
+            <a:r>
+              <a:rPr lang="en-US" sz="3200" dirty="0"/>
+              <a:t>Need to </a:t>
+            </a:r>
+            <a:r>
+              <a:rPr lang="en-US" sz="3200" i="1" dirty="0"/>
+              <a:t>instrument</a:t>
+            </a:r>
+            <a:r>
+              <a:rPr lang="en-US" sz="3200" dirty="0"/>
+              <a:t> the code to calculate those branch distances</a:t>
+            </a:r>
+          </a:p>
+          <a:p>
+            <a:pPr lvl="1"/>
+            <a:r>
+              <a:rPr lang="en-US" sz="2800" i="1" dirty="0"/>
+              <a:t>Bytecode manipulation</a:t>
+            </a:r>
+            <a:r>
+              <a:rPr lang="en-US" sz="2800" dirty="0"/>
+              <a:t>: need it </a:t>
+            </a:r>
+            <a:r>
+              <a:rPr lang="en-US" sz="2800" i="1" dirty="0"/>
+              <a:t>fully automatically,</a:t>
+            </a:r>
+            <a:r>
+              <a:rPr lang="en-US" sz="2800" dirty="0"/>
+              <a:t> </a:t>
+            </a:r>
+            <a:r>
+              <a:rPr lang="en-US" sz="2800" dirty="0" err="1"/>
+              <a:t>eg</a:t>
+            </a:r>
+            <a:r>
+              <a:rPr lang="en-US" sz="2800" i="1" dirty="0"/>
+              <a:t> </a:t>
+            </a:r>
+            <a:r>
+              <a:rPr lang="en-US" sz="2800" dirty="0"/>
+              <a:t>with class loaders and Java Agents</a:t>
+            </a:r>
+          </a:p>
+          <a:p>
+            <a:pPr lvl="1"/>
+            <a:r>
+              <a:rPr lang="en-US" sz="2800" dirty="0"/>
+              <a:t>Lot of technical details on how to achieve it efficiently</a:t>
+            </a:r>
+          </a:p>
+        </p:txBody>
+      </p:sp>
+    </p:spTree>
+    <p:extLst>
+      <p:ext uri="{BB962C8B-B14F-4D97-AF65-F5344CB8AC3E}">
+        <p14:creationId xmlns:p14="http://schemas.microsoft.com/office/powerpoint/2010/main" val="1646596755"/>
+      </p:ext>
+    </p:extLst>
+  </p:cSld>
+  <p:clrMapOvr>
+    <a:masterClrMapping/>
+  </p:clrMapOvr>
+</p:sld>
+</file>
+
+<file path=ppt/slides/slide25.xml><?xml version="1.0" encoding="utf-8"?>
+<p:sld xmlns:a="http://schemas.openxmlformats.org/drawingml/2006/main" xmlns:r="http://schemas.openxmlformats.org/officeDocument/2006/relationships" xmlns:p="http://schemas.openxmlformats.org/presentationml/2006/main">
+  <p:cSld>
+    <p:spTree>
+      <p:nvGrpSpPr>
+        <p:cNvPr id="1" name=""/>
+        <p:cNvGrpSpPr/>
+        <p:nvPr/>
+      </p:nvGrpSpPr>
+      <p:grpSpPr>
+        <a:xfrm>
+          <a:off x="0" y="0"/>
+          <a:ext cx="0" cy="0"/>
+          <a:chOff x="0" y="0"/>
+          <a:chExt cx="0" cy="0"/>
+        </a:xfrm>
+      </p:grpSpPr>
+      <p:sp>
+        <p:nvSpPr>
+          <p:cNvPr id="2" name="Title 1">
+            <a:extLst>
+              <a:ext uri="{FF2B5EF4-FFF2-40B4-BE49-F238E27FC236}">
+                <a16:creationId xmlns:a16="http://schemas.microsoft.com/office/drawing/2014/main" id="{501E2033-9E31-974A-854A-9EDDE5206A59}"/>
+              </a:ext>
+            </a:extLst>
+          </p:cNvPr>
+          <p:cNvSpPr>
+            <a:spLocks noGrp="1"/>
+          </p:cNvSpPr>
+          <p:nvPr>
+            <p:ph type="title"/>
+          </p:nvPr>
+        </p:nvSpPr>
+        <p:spPr/>
+        <p:txBody>
+          <a:bodyPr/>
+          <a:lstStyle/>
+          <a:p>
+            <a:r>
+              <a:rPr lang="en-US" dirty="0"/>
+              <a:t>Branch Distance Examples</a:t>
+            </a:r>
+          </a:p>
+        </p:txBody>
+      </p:sp>
+      <p:sp>
+        <p:nvSpPr>
+          <p:cNvPr id="3" name="Content Placeholder 2">
+            <a:extLst>
+              <a:ext uri="{FF2B5EF4-FFF2-40B4-BE49-F238E27FC236}">
+                <a16:creationId xmlns:a16="http://schemas.microsoft.com/office/drawing/2014/main" id="{DCBD9329-7086-D34C-BC3C-2E3DE2F51CC3}"/>
+              </a:ext>
+            </a:extLst>
+          </p:cNvPr>
+          <p:cNvSpPr>
+            <a:spLocks noGrp="1"/>
+          </p:cNvSpPr>
+          <p:nvPr>
+            <p:ph idx="1"/>
+          </p:nvPr>
+        </p:nvSpPr>
+        <p:spPr>
+          <a:xfrm>
+            <a:off x="320040" y="1856104"/>
+            <a:ext cx="11490960" cy="4727575"/>
+          </a:xfrm>
+        </p:spPr>
+        <p:txBody>
+          <a:bodyPr>
+            <a:normAutofit/>
+          </a:bodyPr>
+          <a:lstStyle/>
+          <a:p>
+            <a:r>
+              <a:rPr lang="en-US" sz="3600" dirty="0"/>
+              <a:t>d(x == y) = |x-y|</a:t>
+            </a:r>
+          </a:p>
+          <a:p>
+            <a:r>
+              <a:rPr lang="en-US" sz="3600" dirty="0"/>
+              <a:t>d(x &gt;= 0) = 0 if x&gt;=0, -x otherwise</a:t>
+            </a:r>
+          </a:p>
+          <a:p>
+            <a:r>
+              <a:rPr lang="en-US" sz="3600" dirty="0"/>
+              <a:t>d(A &amp;&amp; B) = d(A) + d(B)</a:t>
+            </a:r>
+          </a:p>
+          <a:p>
+            <a:r>
+              <a:rPr lang="en-US" sz="3600" dirty="0"/>
+              <a:t>d(A || B) = min(d(A), d(B))</a:t>
+            </a:r>
+          </a:p>
+          <a:p>
+            <a:r>
+              <a:rPr lang="en-US" sz="3600" dirty="0"/>
+              <a:t>etc.  </a:t>
+            </a:r>
+          </a:p>
+        </p:txBody>
+      </p:sp>
+    </p:spTree>
+    <p:extLst>
+      <p:ext uri="{BB962C8B-B14F-4D97-AF65-F5344CB8AC3E}">
+        <p14:creationId xmlns:p14="http://schemas.microsoft.com/office/powerpoint/2010/main" val="766087113"/>
+      </p:ext>
+    </p:extLst>
+  </p:cSld>
+  <p:clrMapOvr>
+    <a:masterClrMapping/>
+  </p:clrMapOvr>
+</p:sld>
+</file>
+
+<file path=ppt/slides/slide26.xml><?xml version="1.0" encoding="utf-8"?>
+<p:sld xmlns:a="http://schemas.openxmlformats.org/drawingml/2006/main" xmlns:r="http://schemas.openxmlformats.org/officeDocument/2006/relationships" xmlns:p="http://schemas.openxmlformats.org/presentationml/2006/main">
+  <p:cSld>
+    <p:spTree>
+      <p:nvGrpSpPr>
+        <p:cNvPr id="1" name=""/>
+        <p:cNvGrpSpPr/>
+        <p:nvPr/>
+      </p:nvGrpSpPr>
+      <p:grpSpPr>
+        <a:xfrm>
+          <a:off x="0" y="0"/>
+          <a:ext cx="0" cy="0"/>
+          <a:chOff x="0" y="0"/>
+          <a:chExt cx="0" cy="0"/>
+        </a:xfrm>
+      </p:grpSpPr>
+      <p:sp>
+        <p:nvSpPr>
+          <p:cNvPr id="4" name="Title 3">
+            <a:extLst>
+              <a:ext uri="{FF2B5EF4-FFF2-40B4-BE49-F238E27FC236}">
+                <a16:creationId xmlns:a16="http://schemas.microsoft.com/office/drawing/2014/main" id="{E0BEF9E3-520B-7F43-A85A-EAFC95577621}"/>
+              </a:ext>
+            </a:extLst>
+          </p:cNvPr>
+          <p:cNvSpPr>
+            <a:spLocks noGrp="1"/>
+          </p:cNvSpPr>
+          <p:nvPr>
+            <p:ph type="title"/>
+          </p:nvPr>
+        </p:nvSpPr>
+        <p:spPr/>
+        <p:txBody>
+          <a:bodyPr/>
+          <a:lstStyle/>
+          <a:p>
+            <a:r>
+              <a:rPr lang="en-US" dirty="0" err="1"/>
+              <a:t>EvoMaster</a:t>
+            </a:r>
+            <a:endParaRPr lang="en-US" dirty="0"/>
+          </a:p>
+        </p:txBody>
+      </p:sp>
+    </p:spTree>
+    <p:extLst>
+      <p:ext uri="{BB962C8B-B14F-4D97-AF65-F5344CB8AC3E}">
+        <p14:creationId xmlns:p14="http://schemas.microsoft.com/office/powerpoint/2010/main" val="120676275"/>
+      </p:ext>
+    </p:extLst>
+  </p:cSld>
+  <p:clrMapOvr>
+    <a:masterClrMapping/>
+  </p:clrMapOvr>
+</p:sld>
+</file>
+
+<file path=ppt/slides/slide27.xml><?xml version="1.0" encoding="utf-8"?>
+<p:sld xmlns:a="http://schemas.openxmlformats.org/drawingml/2006/main" xmlns:r="http://schemas.openxmlformats.org/officeDocument/2006/relationships" xmlns:p="http://schemas.openxmlformats.org/presentationml/2006/main">
+  <p:cSld>
+    <p:spTree>
+      <p:nvGrpSpPr>
+        <p:cNvPr id="1" name=""/>
+        <p:cNvGrpSpPr/>
+        <p:nvPr/>
+      </p:nvGrpSpPr>
+      <p:grpSpPr>
+        <a:xfrm>
+          <a:off x="0" y="0"/>
+          <a:ext cx="0" cy="0"/>
+          <a:chOff x="0" y="0"/>
+          <a:chExt cx="0" cy="0"/>
+        </a:xfrm>
+      </p:grpSpPr>
+      <p:sp>
+        <p:nvSpPr>
+          <p:cNvPr id="2" name="Title 1"/>
+          <p:cNvSpPr>
+            <a:spLocks noGrp="1"/>
+          </p:cNvSpPr>
+          <p:nvPr>
+            <p:ph type="title"/>
+          </p:nvPr>
+        </p:nvSpPr>
+        <p:spPr>
+          <a:xfrm>
+            <a:off x="199785" y="365125"/>
+            <a:ext cx="11541418" cy="1325563"/>
+          </a:xfrm>
+        </p:spPr>
+        <p:txBody>
+          <a:bodyPr>
+            <a:normAutofit fontScale="90000"/>
+          </a:bodyPr>
+          <a:lstStyle/>
+          <a:p>
+            <a:r>
+              <a:rPr lang="en-US" dirty="0"/>
+              <a:t>What about </a:t>
+            </a:r>
+            <a:r>
+              <a:rPr lang="en-US" b="1" dirty="0"/>
+              <a:t>Automated Test Generation </a:t>
+            </a:r>
+            <a:r>
+              <a:rPr lang="en-US" dirty="0"/>
+              <a:t>for RESTful APIs?</a:t>
+            </a:r>
+          </a:p>
+        </p:txBody>
+      </p:sp>
+      <p:sp>
+        <p:nvSpPr>
+          <p:cNvPr id="3" name="Content Placeholder 2"/>
+          <p:cNvSpPr>
+            <a:spLocks noGrp="1"/>
+          </p:cNvSpPr>
+          <p:nvPr>
+            <p:ph idx="1"/>
+          </p:nvPr>
+        </p:nvSpPr>
+        <p:spPr>
+          <a:xfrm>
+            <a:off x="391886" y="2018365"/>
+            <a:ext cx="10961914" cy="4667383"/>
+          </a:xfrm>
+        </p:spPr>
+        <p:txBody>
+          <a:bodyPr>
+            <a:normAutofit/>
+          </a:bodyPr>
+          <a:lstStyle/>
+          <a:p>
+            <a:r>
+              <a:rPr lang="en-US" sz="3600" dirty="0"/>
+              <a:t>Would be very useful for enterprises</a:t>
+            </a:r>
+          </a:p>
+          <a:p>
+            <a:r>
+              <a:rPr lang="en-US" sz="3600" dirty="0"/>
+              <a:t>No tool available (AFAIK)</a:t>
+            </a:r>
+          </a:p>
+          <a:p>
+            <a:r>
+              <a:rPr lang="en-US" sz="3600" dirty="0"/>
+              <a:t>In the past, quite a lot of work on </a:t>
+            </a:r>
+            <a:r>
+              <a:rPr lang="en-US" sz="3600" b="1" dirty="0"/>
+              <a:t>SOAP</a:t>
+            </a:r>
+            <a:r>
+              <a:rPr lang="en-US" sz="3600" dirty="0"/>
+              <a:t> web services </a:t>
+            </a:r>
+          </a:p>
+          <a:p>
+            <a:pPr lvl="1"/>
+            <a:r>
+              <a:rPr lang="en-US" sz="3200" dirty="0"/>
+              <a:t>(which are not so common any more)</a:t>
+            </a:r>
+          </a:p>
+          <a:p>
+            <a:r>
+              <a:rPr lang="en-US" sz="3600" dirty="0"/>
+              <a:t>Very few </a:t>
+            </a:r>
+            <a:r>
+              <a:rPr lang="en-US" sz="3600" dirty="0" smtClean="0"/>
+              <a:t>research papers </a:t>
+            </a:r>
+            <a:r>
+              <a:rPr lang="en-US" sz="3600" dirty="0"/>
+              <a:t>on testing REST</a:t>
+            </a:r>
+          </a:p>
+          <a:p>
+            <a:r>
+              <a:rPr lang="en-US" sz="3600" dirty="0"/>
+              <a:t>Most techniques are </a:t>
+            </a:r>
+            <a:r>
+              <a:rPr lang="en-US" sz="3600" b="1" dirty="0"/>
+              <a:t>black box</a:t>
+            </a:r>
+            <a:endParaRPr lang="en-US" sz="3600" dirty="0"/>
+          </a:p>
+        </p:txBody>
+      </p:sp>
+    </p:spTree>
+    <p:extLst>
+      <p:ext uri="{BB962C8B-B14F-4D97-AF65-F5344CB8AC3E}">
+        <p14:creationId xmlns:p14="http://schemas.microsoft.com/office/powerpoint/2010/main" val="624540007"/>
+      </p:ext>
+    </p:extLst>
+  </p:cSld>
+  <p:clrMapOvr>
+    <a:masterClrMapping/>
+  </p:clrMapOvr>
+</p:sld>
+</file>
+
+<file path=ppt/slides/slide28.xml><?xml version="1.0" encoding="utf-8"?>
+<p:sld xmlns:a="http://schemas.openxmlformats.org/drawingml/2006/main" xmlns:r="http://schemas.openxmlformats.org/officeDocument/2006/relationships" xmlns:p="http://schemas.openxmlformats.org/presentationml/2006/main">
+  <p:cSld>
+    <p:spTree>
+      <p:nvGrpSpPr>
+        <p:cNvPr id="1" name=""/>
+        <p:cNvGrpSpPr/>
+        <p:nvPr/>
+      </p:nvGrpSpPr>
+      <p:grpSpPr>
+        <a:xfrm>
+          <a:off x="0" y="0"/>
+          <a:ext cx="0" cy="0"/>
+          <a:chOff x="0" y="0"/>
+          <a:chExt cx="0" cy="0"/>
+        </a:xfrm>
+      </p:grpSpPr>
+      <p:sp>
+        <p:nvSpPr>
+          <p:cNvPr id="2" name="Title 1"/>
+          <p:cNvSpPr>
+            <a:spLocks noGrp="1"/>
+          </p:cNvSpPr>
+          <p:nvPr>
+            <p:ph type="title"/>
+          </p:nvPr>
+        </p:nvSpPr>
+        <p:spPr>
+          <a:xfrm>
+            <a:off x="338097" y="365125"/>
+            <a:ext cx="11594823" cy="1325563"/>
+          </a:xfrm>
+        </p:spPr>
+        <p:txBody>
+          <a:bodyPr>
+            <a:normAutofit fontScale="90000"/>
+          </a:bodyPr>
+          <a:lstStyle/>
+          <a:p>
+            <a:r>
+              <a:rPr lang="en-US" b="1" dirty="0" err="1"/>
+              <a:t>EvoMaster</a:t>
+            </a:r>
+            <a:r>
+              <a:rPr lang="en-US" dirty="0"/>
+              <a:t>: Evolutionary Multi-Context Automated System Testing</a:t>
+            </a:r>
+          </a:p>
+        </p:txBody>
+      </p:sp>
+      <p:sp>
+        <p:nvSpPr>
+          <p:cNvPr id="3" name="Content Placeholder 2"/>
+          <p:cNvSpPr>
+            <a:spLocks noGrp="1"/>
+          </p:cNvSpPr>
+          <p:nvPr>
+            <p:ph idx="1"/>
+          </p:nvPr>
+        </p:nvSpPr>
+        <p:spPr>
+          <a:xfrm>
+            <a:off x="338097" y="2224553"/>
+            <a:ext cx="11015703" cy="4422776"/>
+          </a:xfrm>
+        </p:spPr>
+        <p:txBody>
+          <a:bodyPr>
+            <a:normAutofit/>
+          </a:bodyPr>
+          <a:lstStyle/>
+          <a:p>
+            <a:r>
+              <a:rPr lang="en-US" sz="3600" dirty="0"/>
+              <a:t>Tool to automatically generate tests for REST APIs</a:t>
+            </a:r>
+          </a:p>
+          <a:p>
+            <a:r>
+              <a:rPr lang="en-US" sz="3600" b="1" dirty="0"/>
+              <a:t>White box</a:t>
+            </a:r>
+          </a:p>
+          <a:p>
+            <a:pPr lvl="1"/>
+            <a:r>
+              <a:rPr lang="en-US" sz="3200" dirty="0"/>
+              <a:t>can exploit structural and runtime information of the SUT</a:t>
+            </a:r>
+          </a:p>
+          <a:p>
+            <a:r>
+              <a:rPr lang="en-US" sz="3600" dirty="0"/>
+              <a:t>Search-based testing technique (</a:t>
+            </a:r>
+            <a:r>
+              <a:rPr lang="en-US" sz="3600" b="1" dirty="0"/>
+              <a:t>SBST</a:t>
+            </a:r>
+            <a:r>
+              <a:rPr lang="en-US" sz="3600" dirty="0"/>
+              <a:t>)</a:t>
+            </a:r>
+          </a:p>
+          <a:p>
+            <a:r>
+              <a:rPr lang="en-US" sz="3600" dirty="0"/>
+              <a:t>Fully automated</a:t>
+            </a:r>
+          </a:p>
+          <a:p>
+            <a:r>
+              <a:rPr lang="en-US" sz="3600" dirty="0"/>
+              <a:t>Open-source prototype: </a:t>
+            </a:r>
+            <a:r>
+              <a:rPr lang="en-US" sz="3600" i="1" dirty="0"/>
+              <a:t>www.evomaster.org</a:t>
+            </a:r>
+            <a:endParaRPr lang="en-US" sz="3600" b="1" i="1" dirty="0"/>
+          </a:p>
+          <a:p>
+            <a:r>
+              <a:rPr lang="en-US" sz="3600" dirty="0"/>
+              <a:t>Currently targeting JVM languages (</a:t>
+            </a:r>
+            <a:r>
+              <a:rPr lang="en-US" sz="3600" dirty="0" err="1"/>
+              <a:t>eg</a:t>
+            </a:r>
+            <a:r>
+              <a:rPr lang="en-US" sz="3600" dirty="0"/>
+              <a:t> Java and </a:t>
+            </a:r>
+            <a:r>
+              <a:rPr lang="en-US" sz="3600" dirty="0" err="1"/>
+              <a:t>Kotlin</a:t>
+            </a:r>
+            <a:r>
+              <a:rPr lang="en-US" sz="3600" dirty="0"/>
+              <a:t>)</a:t>
+            </a:r>
+          </a:p>
+        </p:txBody>
+      </p:sp>
+    </p:spTree>
+    <p:extLst>
+      <p:ext uri="{BB962C8B-B14F-4D97-AF65-F5344CB8AC3E}">
+        <p14:creationId xmlns:p14="http://schemas.microsoft.com/office/powerpoint/2010/main" val="2842479538"/>
+      </p:ext>
+    </p:extLst>
+  </p:cSld>
+  <p:clrMapOvr>
+    <a:masterClrMapping/>
+  </p:clrMapOvr>
+</p:sld>
+</file>
+
+<file path=ppt/slides/slide29.xml><?xml version="1.0" encoding="utf-8"?>
+<p:sld xmlns:a="http://schemas.openxmlformats.org/drawingml/2006/main" xmlns:r="http://schemas.openxmlformats.org/officeDocument/2006/relationships" xmlns:p="http://schemas.openxmlformats.org/presentationml/2006/main">
+  <p:cSld>
+    <p:spTree>
+      <p:nvGrpSpPr>
+        <p:cNvPr id="1" name=""/>
+        <p:cNvGrpSpPr/>
+        <p:nvPr/>
+      </p:nvGrpSpPr>
+      <p:grpSpPr>
+        <a:xfrm>
+          <a:off x="0" y="0"/>
+          <a:ext cx="0" cy="0"/>
+          <a:chOff x="0" y="0"/>
+          <a:chExt cx="0" cy="0"/>
+        </a:xfrm>
+      </p:grpSpPr>
+      <p:pic>
+        <p:nvPicPr>
+          <p:cNvPr id="5" name="Picture 4"/>
+          <p:cNvPicPr>
+            <a:picLocks noChangeAspect="1"/>
+          </p:cNvPicPr>
+          <p:nvPr/>
+        </p:nvPicPr>
+        <p:blipFill>
+          <a:blip r:embed="rId2">
+            <a:extLst>
+              <a:ext uri="{28A0092B-C50C-407E-A947-70E740481C1C}">
+                <a14:useLocalDpi xmlns:a14="http://schemas.microsoft.com/office/drawing/2010/main"/>
+              </a:ext>
+            </a:extLst>
+          </a:blip>
+          <a:stretch>
+            <a:fillRect/>
+          </a:stretch>
+        </p:blipFill>
+        <p:spPr>
+          <a:xfrm>
+            <a:off x="365023" y="333213"/>
+            <a:ext cx="11241332" cy="5563892"/>
+          </a:xfrm>
+          <a:prstGeom prst="rect">
+            <a:avLst/>
+          </a:prstGeom>
+        </p:spPr>
+      </p:pic>
+    </p:spTree>
+    <p:extLst>
+      <p:ext uri="{BB962C8B-B14F-4D97-AF65-F5344CB8AC3E}">
+        <p14:creationId xmlns:p14="http://schemas.microsoft.com/office/powerpoint/2010/main" val="2410587186"/>
+      </p:ext>
+    </p:extLst>
+  </p:cSld>
+  <p:clrMapOvr>
+    <a:masterClrMapping/>
+  </p:clrMapOvr>
+</p:sld>
+</file>
+
 <file path=ppt/slides/slide3.xml><?xml version="1.0" encoding="utf-8"?>
 <p:sld xmlns:a="http://schemas.openxmlformats.org/drawingml/2006/main" xmlns:r="http://schemas.openxmlformats.org/officeDocument/2006/relationships" xmlns:p="http://schemas.openxmlformats.org/presentationml/2006/main">
   <p:cSld>
@@ -4169,6 +11080,880 @@
     <p:extLst>
       <p:ext uri="{BB962C8B-B14F-4D97-AF65-F5344CB8AC3E}">
         <p14:creationId xmlns:p14="http://schemas.microsoft.com/office/powerpoint/2010/main" val="1266716433"/>
+      </p:ext>
+    </p:extLst>
+  </p:cSld>
+  <p:clrMapOvr>
+    <a:masterClrMapping/>
+  </p:clrMapOvr>
+</p:sld>
+</file>
+
+<file path=ppt/slides/slide30.xml><?xml version="1.0" encoding="utf-8"?>
+<p:sld xmlns:a="http://schemas.openxmlformats.org/drawingml/2006/main" xmlns:r="http://schemas.openxmlformats.org/officeDocument/2006/relationships" xmlns:p="http://schemas.openxmlformats.org/presentationml/2006/main">
+  <p:cSld>
+    <p:spTree>
+      <p:nvGrpSpPr>
+        <p:cNvPr id="1" name=""/>
+        <p:cNvGrpSpPr/>
+        <p:nvPr/>
+      </p:nvGrpSpPr>
+      <p:grpSpPr>
+        <a:xfrm>
+          <a:off x="0" y="0"/>
+          <a:ext cx="0" cy="0"/>
+          <a:chOff x="0" y="0"/>
+          <a:chExt cx="0" cy="0"/>
+        </a:xfrm>
+      </p:grpSpPr>
+      <p:sp>
+        <p:nvSpPr>
+          <p:cNvPr id="2" name="Title 1"/>
+          <p:cNvSpPr>
+            <a:spLocks noGrp="1"/>
+          </p:cNvSpPr>
+          <p:nvPr>
+            <p:ph type="title"/>
+          </p:nvPr>
+        </p:nvSpPr>
+        <p:spPr>
+          <a:xfrm>
+            <a:off x="161365" y="365125"/>
+            <a:ext cx="11192435" cy="1325563"/>
+          </a:xfrm>
+        </p:spPr>
+        <p:txBody>
+          <a:bodyPr/>
+          <a:lstStyle/>
+          <a:p>
+            <a:r>
+              <a:rPr lang="en-US" dirty="0" err="1"/>
+              <a:t>OpenAPI</a:t>
+            </a:r>
+            <a:r>
+              <a:rPr lang="en-US" dirty="0"/>
+              <a:t>/Swagger</a:t>
+            </a:r>
+          </a:p>
+        </p:txBody>
+      </p:sp>
+      <p:sp>
+        <p:nvSpPr>
+          <p:cNvPr id="3" name="Content Placeholder 2"/>
+          <p:cNvSpPr>
+            <a:spLocks noGrp="1"/>
+          </p:cNvSpPr>
+          <p:nvPr>
+            <p:ph idx="1"/>
+          </p:nvPr>
+        </p:nvSpPr>
+        <p:spPr>
+          <a:xfrm>
+            <a:off x="315045" y="1825625"/>
+            <a:ext cx="11038755" cy="4767276"/>
+          </a:xfrm>
+        </p:spPr>
+        <p:txBody>
+          <a:bodyPr>
+            <a:normAutofit/>
+          </a:bodyPr>
+          <a:lstStyle/>
+          <a:p>
+            <a:r>
+              <a:rPr lang="en-US" sz="3600" dirty="0"/>
+              <a:t>REST is not a protocol</a:t>
+            </a:r>
+          </a:p>
+          <a:p>
+            <a:r>
+              <a:rPr lang="en-US" sz="3600" dirty="0"/>
+              <a:t>Need to know what endpoints are available, and their parameters</a:t>
+            </a:r>
+          </a:p>
+          <a:p>
+            <a:r>
+              <a:rPr lang="en-US" sz="3600" dirty="0"/>
+              <a:t>Schema defining the APIs</a:t>
+            </a:r>
+          </a:p>
+          <a:p>
+            <a:r>
+              <a:rPr lang="en-US" sz="3600" dirty="0"/>
+              <a:t>Swagger is the most popular one</a:t>
+            </a:r>
+          </a:p>
+          <a:p>
+            <a:r>
+              <a:rPr lang="en-US" sz="3600" dirty="0"/>
+              <a:t>Defined as JSON file, or YAML</a:t>
+            </a:r>
+          </a:p>
+          <a:p>
+            <a:r>
+              <a:rPr lang="en-US" sz="3600" dirty="0"/>
+              <a:t>Many REST frameworks can automatically generate Swagger schemas from code</a:t>
+            </a:r>
+          </a:p>
+        </p:txBody>
+      </p:sp>
+    </p:spTree>
+    <p:extLst>
+      <p:ext uri="{BB962C8B-B14F-4D97-AF65-F5344CB8AC3E}">
+        <p14:creationId xmlns:p14="http://schemas.microsoft.com/office/powerpoint/2010/main" val="1829081931"/>
+      </p:ext>
+    </p:extLst>
+  </p:cSld>
+  <p:clrMapOvr>
+    <a:masterClrMapping/>
+  </p:clrMapOvr>
+</p:sld>
+</file>
+
+<file path=ppt/slides/slide31.xml><?xml version="1.0" encoding="utf-8"?>
+<p:sld xmlns:a="http://schemas.openxmlformats.org/drawingml/2006/main" xmlns:r="http://schemas.openxmlformats.org/officeDocument/2006/relationships" xmlns:p="http://schemas.openxmlformats.org/presentationml/2006/main">
+  <p:cSld>
+    <p:spTree>
+      <p:nvGrpSpPr>
+        <p:cNvPr id="1" name=""/>
+        <p:cNvGrpSpPr/>
+        <p:nvPr/>
+      </p:nvGrpSpPr>
+      <p:grpSpPr>
+        <a:xfrm>
+          <a:off x="0" y="0"/>
+          <a:ext cx="0" cy="0"/>
+          <a:chOff x="0" y="0"/>
+          <a:chExt cx="0" cy="0"/>
+        </a:xfrm>
+      </p:grpSpPr>
+      <p:sp>
+        <p:nvSpPr>
+          <p:cNvPr id="2" name="Title 1"/>
+          <p:cNvSpPr>
+            <a:spLocks noGrp="1"/>
+          </p:cNvSpPr>
+          <p:nvPr>
+            <p:ph type="title"/>
+          </p:nvPr>
+        </p:nvSpPr>
+        <p:spPr>
+          <a:xfrm>
+            <a:off x="762000" y="212725"/>
+            <a:ext cx="10515600" cy="793115"/>
+          </a:xfrm>
+        </p:spPr>
+        <p:txBody>
+          <a:bodyPr>
+            <a:normAutofit fontScale="90000"/>
+          </a:bodyPr>
+          <a:lstStyle/>
+          <a:p>
+            <a:r>
+              <a:rPr lang="en-US" dirty="0" err="1"/>
+              <a:t>EvoMaster</a:t>
+            </a:r>
+            <a:r>
+              <a:rPr lang="en-US" dirty="0"/>
+              <a:t> Core</a:t>
+            </a:r>
+          </a:p>
+        </p:txBody>
+      </p:sp>
+      <p:sp>
+        <p:nvSpPr>
+          <p:cNvPr id="3" name="Content Placeholder 2"/>
+          <p:cNvSpPr>
+            <a:spLocks noGrp="1"/>
+          </p:cNvSpPr>
+          <p:nvPr>
+            <p:ph idx="1"/>
+          </p:nvPr>
+        </p:nvSpPr>
+        <p:spPr>
+          <a:xfrm>
+            <a:off x="340963" y="1386840"/>
+            <a:ext cx="11577234" cy="5318759"/>
+          </a:xfrm>
+        </p:spPr>
+        <p:txBody>
+          <a:bodyPr>
+            <a:normAutofit fontScale="92500" lnSpcReduction="10000"/>
+          </a:bodyPr>
+          <a:lstStyle/>
+          <a:p>
+            <a:r>
+              <a:rPr lang="en-US" sz="3600" dirty="0"/>
+              <a:t>From Swagger schema, defines set of endpoints that can be called</a:t>
+            </a:r>
+          </a:p>
+          <a:p>
+            <a:r>
+              <a:rPr lang="en-US" sz="3600" dirty="0"/>
+              <a:t>Test case structure: </a:t>
+            </a:r>
+          </a:p>
+          <a:p>
+            <a:pPr marL="914400" lvl="1" indent="-457200">
+              <a:buFont typeface="+mj-lt"/>
+              <a:buAutoNum type="arabicPeriod"/>
+            </a:pPr>
+            <a:r>
+              <a:rPr lang="en-US" sz="2800" dirty="0"/>
+              <a:t>setup initializing data in DB with SQL INSERTs</a:t>
+            </a:r>
+          </a:p>
+          <a:p>
+            <a:pPr marL="914400" lvl="1" indent="-457200">
+              <a:buFont typeface="+mj-lt"/>
+              <a:buAutoNum type="arabicPeriod"/>
+            </a:pPr>
+            <a:r>
+              <a:rPr lang="en-US" sz="2800" dirty="0"/>
+              <a:t>sequence of HTTP calls toward such endpoints</a:t>
+            </a:r>
+            <a:endParaRPr lang="en-US" sz="1600" dirty="0"/>
+          </a:p>
+          <a:p>
+            <a:r>
+              <a:rPr lang="en-US" sz="3600" dirty="0"/>
+              <a:t>HTTP call has many components:</a:t>
+            </a:r>
+          </a:p>
+          <a:p>
+            <a:pPr lvl="1"/>
+            <a:r>
+              <a:rPr lang="en-US" sz="2800" dirty="0"/>
+              <a:t>Verb (GET, POST, DELETE, etc.)</a:t>
+            </a:r>
+          </a:p>
+          <a:p>
+            <a:pPr lvl="1"/>
+            <a:r>
+              <a:rPr lang="en-US" sz="2800" dirty="0"/>
+              <a:t>Headers</a:t>
+            </a:r>
+          </a:p>
+          <a:p>
+            <a:pPr lvl="1"/>
+            <a:r>
+              <a:rPr lang="en-US" sz="2800" dirty="0"/>
+              <a:t>Query parameters</a:t>
+            </a:r>
+          </a:p>
+          <a:p>
+            <a:pPr lvl="1"/>
+            <a:r>
+              <a:rPr lang="en-US" sz="2800" dirty="0"/>
+              <a:t>Body payload (JSON, XML, etc.)</a:t>
+            </a:r>
+          </a:p>
+          <a:p>
+            <a:r>
+              <a:rPr lang="en-US" sz="3600" dirty="0"/>
+              <a:t>Evolutionary algorithm to evolve such sequences and their inputs</a:t>
+            </a:r>
+          </a:p>
+          <a:p>
+            <a:r>
+              <a:rPr lang="en-US" sz="3600" dirty="0"/>
+              <a:t>Output: </a:t>
+            </a:r>
+            <a:r>
+              <a:rPr lang="en-US" sz="3600" i="1" dirty="0"/>
+              <a:t>self-contained</a:t>
+            </a:r>
+            <a:r>
+              <a:rPr lang="en-US" sz="3600" dirty="0"/>
+              <a:t> JUnit tests </a:t>
+            </a:r>
+          </a:p>
+          <a:p>
+            <a:endParaRPr lang="en-US" sz="2000" dirty="0"/>
+          </a:p>
+        </p:txBody>
+      </p:sp>
+    </p:spTree>
+    <p:extLst>
+      <p:ext uri="{BB962C8B-B14F-4D97-AF65-F5344CB8AC3E}">
+        <p14:creationId xmlns:p14="http://schemas.microsoft.com/office/powerpoint/2010/main" val="2650177529"/>
+      </p:ext>
+    </p:extLst>
+  </p:cSld>
+  <p:clrMapOvr>
+    <a:masterClrMapping/>
+  </p:clrMapOvr>
+</p:sld>
+</file>
+
+<file path=ppt/slides/slide32.xml><?xml version="1.0" encoding="utf-8"?>
+<p:sld xmlns:a="http://schemas.openxmlformats.org/drawingml/2006/main" xmlns:r="http://schemas.openxmlformats.org/officeDocument/2006/relationships" xmlns:p="http://schemas.openxmlformats.org/presentationml/2006/main">
+  <p:cSld>
+    <p:spTree>
+      <p:nvGrpSpPr>
+        <p:cNvPr id="1" name=""/>
+        <p:cNvGrpSpPr/>
+        <p:nvPr/>
+      </p:nvGrpSpPr>
+      <p:grpSpPr>
+        <a:xfrm>
+          <a:off x="0" y="0"/>
+          <a:ext cx="0" cy="0"/>
+          <a:chOff x="0" y="0"/>
+          <a:chExt cx="0" cy="0"/>
+        </a:xfrm>
+      </p:grpSpPr>
+      <p:sp>
+        <p:nvSpPr>
+          <p:cNvPr id="2" name="Title 1"/>
+          <p:cNvSpPr>
+            <a:spLocks noGrp="1"/>
+          </p:cNvSpPr>
+          <p:nvPr>
+            <p:ph type="title"/>
+          </p:nvPr>
+        </p:nvSpPr>
+        <p:spPr/>
+        <p:txBody>
+          <a:bodyPr/>
+          <a:lstStyle/>
+          <a:p>
+            <a:r>
+              <a:rPr lang="en-US" dirty="0"/>
+              <a:t>Fitness Function</a:t>
+            </a:r>
+          </a:p>
+        </p:txBody>
+      </p:sp>
+      <p:sp>
+        <p:nvSpPr>
+          <p:cNvPr id="3" name="Content Placeholder 2"/>
+          <p:cNvSpPr>
+            <a:spLocks noGrp="1"/>
+          </p:cNvSpPr>
+          <p:nvPr>
+            <p:ph idx="1"/>
+          </p:nvPr>
+        </p:nvSpPr>
+        <p:spPr>
+          <a:xfrm>
+            <a:off x="330413" y="1825625"/>
+            <a:ext cx="11023387" cy="4759592"/>
+          </a:xfrm>
+        </p:spPr>
+        <p:txBody>
+          <a:bodyPr>
+            <a:normAutofit/>
+          </a:bodyPr>
+          <a:lstStyle/>
+          <a:p>
+            <a:r>
+              <a:rPr lang="en-US" sz="3600" dirty="0"/>
+              <a:t>Needed to drive the evolution</a:t>
+            </a:r>
+          </a:p>
+          <a:p>
+            <a:r>
+              <a:rPr lang="en-US" sz="3600" dirty="0"/>
+              <a:t>Reward </a:t>
+            </a:r>
+            <a:r>
+              <a:rPr lang="en-US" sz="3600" i="1" dirty="0"/>
+              <a:t>code coverage</a:t>
+            </a:r>
+            <a:r>
+              <a:rPr lang="en-US" sz="3600" dirty="0"/>
+              <a:t> and </a:t>
+            </a:r>
+            <a:r>
+              <a:rPr lang="en-US" sz="3600" i="1" dirty="0"/>
+              <a:t>fault detection</a:t>
+            </a:r>
+          </a:p>
+          <a:p>
+            <a:r>
+              <a:rPr lang="en-US" sz="3600" dirty="0"/>
+              <a:t>HTTP return statuses as </a:t>
+            </a:r>
+            <a:r>
+              <a:rPr lang="en-US" sz="3600" i="1" dirty="0"/>
+              <a:t>automated oracles</a:t>
+            </a:r>
+            <a:r>
+              <a:rPr lang="en-US" sz="3600" dirty="0"/>
+              <a:t>:</a:t>
+            </a:r>
+          </a:p>
+          <a:p>
+            <a:pPr lvl="1"/>
+            <a:r>
+              <a:rPr lang="en-US" sz="3200" dirty="0" err="1"/>
+              <a:t>Eg</a:t>
+            </a:r>
+            <a:r>
+              <a:rPr lang="en-US" sz="3200" dirty="0"/>
+              <a:t> 2xx if OK, 4xx are user errors, but </a:t>
+            </a:r>
+            <a:r>
+              <a:rPr lang="en-US" sz="3200" b="1" dirty="0"/>
+              <a:t>5xx</a:t>
+            </a:r>
+            <a:r>
+              <a:rPr lang="en-US" sz="3200" dirty="0"/>
+              <a:t> are server errors (often due to bugs)</a:t>
+            </a:r>
+          </a:p>
+          <a:p>
+            <a:endParaRPr lang="en-US" sz="3600" dirty="0"/>
+          </a:p>
+          <a:p>
+            <a:endParaRPr lang="en-US" sz="3600" dirty="0"/>
+          </a:p>
+        </p:txBody>
+      </p:sp>
+    </p:spTree>
+    <p:extLst>
+      <p:ext uri="{BB962C8B-B14F-4D97-AF65-F5344CB8AC3E}">
+        <p14:creationId xmlns:p14="http://schemas.microsoft.com/office/powerpoint/2010/main" val="495257109"/>
+      </p:ext>
+    </p:extLst>
+  </p:cSld>
+  <p:clrMapOvr>
+    <a:masterClrMapping/>
+  </p:clrMapOvr>
+</p:sld>
+</file>
+
+<file path=ppt/slides/slide33.xml><?xml version="1.0" encoding="utf-8"?>
+<p:sld xmlns:a="http://schemas.openxmlformats.org/drawingml/2006/main" xmlns:r="http://schemas.openxmlformats.org/officeDocument/2006/relationships" xmlns:p="http://schemas.openxmlformats.org/presentationml/2006/main">
+  <p:cSld>
+    <p:spTree>
+      <p:nvGrpSpPr>
+        <p:cNvPr id="1" name=""/>
+        <p:cNvGrpSpPr/>
+        <p:nvPr/>
+      </p:nvGrpSpPr>
+      <p:grpSpPr>
+        <a:xfrm>
+          <a:off x="0" y="0"/>
+          <a:ext cx="0" cy="0"/>
+          <a:chOff x="0" y="0"/>
+          <a:chExt cx="0" cy="0"/>
+        </a:xfrm>
+      </p:grpSpPr>
+      <p:sp>
+        <p:nvSpPr>
+          <p:cNvPr id="2" name="Title 1"/>
+          <p:cNvSpPr>
+            <a:spLocks noGrp="1"/>
+          </p:cNvSpPr>
+          <p:nvPr>
+            <p:ph type="title"/>
+          </p:nvPr>
+        </p:nvSpPr>
+        <p:spPr>
+          <a:xfrm>
+            <a:off x="107576" y="365125"/>
+            <a:ext cx="11878236" cy="1325563"/>
+          </a:xfrm>
+        </p:spPr>
+        <p:txBody>
+          <a:bodyPr>
+            <a:normAutofit fontScale="90000"/>
+          </a:bodyPr>
+          <a:lstStyle/>
+          <a:p>
+            <a:r>
+              <a:rPr lang="en-US" dirty="0"/>
+              <a:t>EM Driver: SBST Heuristics as a Service</a:t>
+            </a:r>
+          </a:p>
+        </p:txBody>
+      </p:sp>
+      <p:sp>
+        <p:nvSpPr>
+          <p:cNvPr id="3" name="Content Placeholder 2"/>
+          <p:cNvSpPr>
+            <a:spLocks noGrp="1"/>
+          </p:cNvSpPr>
+          <p:nvPr>
+            <p:ph idx="1"/>
+          </p:nvPr>
+        </p:nvSpPr>
+        <p:spPr>
+          <a:xfrm>
+            <a:off x="263471" y="1825625"/>
+            <a:ext cx="11090329" cy="4351338"/>
+          </a:xfrm>
+        </p:spPr>
+        <p:txBody>
+          <a:bodyPr>
+            <a:normAutofit lnSpcReduction="10000"/>
+          </a:bodyPr>
+          <a:lstStyle/>
+          <a:p>
+            <a:r>
+              <a:rPr lang="en-US" sz="3600" dirty="0"/>
+              <a:t>Core and Driver are running on different processes</a:t>
+            </a:r>
+          </a:p>
+          <a:p>
+            <a:r>
+              <a:rPr lang="en-US" sz="3600" dirty="0"/>
+              <a:t>Code coverage and branch distances sent over the net, in JSON format</a:t>
+            </a:r>
+          </a:p>
+          <a:p>
+            <a:r>
+              <a:rPr lang="en-US" sz="3600" dirty="0"/>
+              <a:t>Cannot send all data: too inefficient if per test execution</a:t>
+            </a:r>
+          </a:p>
+          <a:p>
+            <a:pPr lvl="1"/>
+            <a:r>
+              <a:rPr lang="en-US" sz="3200" dirty="0"/>
+              <a:t>different techniques to determine only what is necessary</a:t>
+            </a:r>
+          </a:p>
+          <a:p>
+            <a:r>
+              <a:rPr lang="en-US" sz="3600" i="1" dirty="0"/>
+              <a:t>EM Driver is itself a RESTful API</a:t>
+            </a:r>
+          </a:p>
+          <a:p>
+            <a:r>
+              <a:rPr lang="en-US" sz="3600" b="1" dirty="0"/>
+              <a:t>Why?</a:t>
+            </a:r>
+            <a:r>
+              <a:rPr lang="en-US" sz="3600" dirty="0"/>
+              <a:t> Because so we can use Driver for other languages (</a:t>
+            </a:r>
+            <a:r>
+              <a:rPr lang="en-US" sz="3600" dirty="0" err="1"/>
+              <a:t>eg</a:t>
+            </a:r>
+            <a:r>
+              <a:rPr lang="en-US" sz="3600" dirty="0"/>
+              <a:t> C# and JS) without the need to touch EM Core</a:t>
+            </a:r>
+          </a:p>
+        </p:txBody>
+      </p:sp>
+    </p:spTree>
+    <p:extLst>
+      <p:ext uri="{BB962C8B-B14F-4D97-AF65-F5344CB8AC3E}">
+        <p14:creationId xmlns:p14="http://schemas.microsoft.com/office/powerpoint/2010/main" val="3085739112"/>
+      </p:ext>
+    </p:extLst>
+  </p:cSld>
+  <p:clrMapOvr>
+    <a:masterClrMapping/>
+  </p:clrMapOvr>
+</p:sld>
+</file>
+
+<file path=ppt/slides/slide34.xml><?xml version="1.0" encoding="utf-8"?>
+<p:sld xmlns:a="http://schemas.openxmlformats.org/drawingml/2006/main" xmlns:r="http://schemas.openxmlformats.org/officeDocument/2006/relationships" xmlns:p="http://schemas.openxmlformats.org/presentationml/2006/main">
+  <p:cSld>
+    <p:spTree>
+      <p:nvGrpSpPr>
+        <p:cNvPr id="1" name=""/>
+        <p:cNvGrpSpPr/>
+        <p:nvPr/>
+      </p:nvGrpSpPr>
+      <p:grpSpPr>
+        <a:xfrm>
+          <a:off x="0" y="0"/>
+          <a:ext cx="0" cy="0"/>
+          <a:chOff x="0" y="0"/>
+          <a:chExt cx="0" cy="0"/>
+        </a:xfrm>
+      </p:grpSpPr>
+      <p:pic>
+        <p:nvPicPr>
+          <p:cNvPr id="4" name="Picture 3"/>
+          <p:cNvPicPr>
+            <a:picLocks noChangeAspect="1"/>
+          </p:cNvPicPr>
+          <p:nvPr/>
+        </p:nvPicPr>
+        <p:blipFill>
+          <a:blip r:embed="rId2">
+            <a:extLst>
+              <a:ext uri="{28A0092B-C50C-407E-A947-70E740481C1C}">
+                <a14:useLocalDpi xmlns:a14="http://schemas.microsoft.com/office/drawing/2010/main"/>
+              </a:ext>
+            </a:extLst>
+          </a:blip>
+          <a:stretch>
+            <a:fillRect/>
+          </a:stretch>
+        </p:blipFill>
+        <p:spPr>
+          <a:xfrm>
+            <a:off x="365023" y="333213"/>
+            <a:ext cx="11241332" cy="5563892"/>
+          </a:xfrm>
+          <a:prstGeom prst="rect">
+            <a:avLst/>
+          </a:prstGeom>
+        </p:spPr>
+      </p:pic>
+    </p:spTree>
+    <p:extLst>
+      <p:ext uri="{BB962C8B-B14F-4D97-AF65-F5344CB8AC3E}">
+        <p14:creationId xmlns:p14="http://schemas.microsoft.com/office/powerpoint/2010/main" val="69565692"/>
+      </p:ext>
+    </p:extLst>
+  </p:cSld>
+  <p:clrMapOvr>
+    <a:masterClrMapping/>
+  </p:clrMapOvr>
+</p:sld>
+</file>
+
+<file path=ppt/slides/slide35.xml><?xml version="1.0" encoding="utf-8"?>
+<p:sld xmlns:a="http://schemas.openxmlformats.org/drawingml/2006/main" xmlns:r="http://schemas.openxmlformats.org/officeDocument/2006/relationships" xmlns:p="http://schemas.openxmlformats.org/presentationml/2006/main">
+  <p:cSld>
+    <p:spTree>
+      <p:nvGrpSpPr>
+        <p:cNvPr id="1" name=""/>
+        <p:cNvGrpSpPr/>
+        <p:nvPr/>
+      </p:nvGrpSpPr>
+      <p:grpSpPr>
+        <a:xfrm>
+          <a:off x="0" y="0"/>
+          <a:ext cx="0" cy="0"/>
+          <a:chOff x="0" y="0"/>
+          <a:chExt cx="0" cy="0"/>
+        </a:xfrm>
+      </p:grpSpPr>
+      <p:sp>
+        <p:nvSpPr>
+          <p:cNvPr id="2" name="Title 1"/>
+          <p:cNvSpPr>
+            <a:spLocks noGrp="1"/>
+          </p:cNvSpPr>
+          <p:nvPr>
+            <p:ph type="title"/>
+          </p:nvPr>
+        </p:nvSpPr>
+        <p:spPr/>
+        <p:txBody>
+          <a:bodyPr/>
+          <a:lstStyle/>
+          <a:p>
+            <a:r>
+              <a:rPr lang="en-US" dirty="0" smtClean="0"/>
+              <a:t>Using </a:t>
+            </a:r>
+            <a:r>
+              <a:rPr lang="en-US" dirty="0" err="1" smtClean="0"/>
+              <a:t>EvoMaster</a:t>
+            </a:r>
+            <a:endParaRPr lang="en-US" dirty="0"/>
+          </a:p>
+        </p:txBody>
+      </p:sp>
+      <p:sp>
+        <p:nvSpPr>
+          <p:cNvPr id="3" name="Content Placeholder 2"/>
+          <p:cNvSpPr>
+            <a:spLocks noGrp="1"/>
+          </p:cNvSpPr>
+          <p:nvPr>
+            <p:ph idx="1"/>
+          </p:nvPr>
+        </p:nvSpPr>
+        <p:spPr>
+          <a:xfrm>
+            <a:off x="237565" y="1825624"/>
+            <a:ext cx="11694459" cy="4826187"/>
+          </a:xfrm>
+        </p:spPr>
+        <p:txBody>
+          <a:bodyPr/>
+          <a:lstStyle/>
+          <a:p>
+            <a:r>
+              <a:rPr lang="en-US" dirty="0" smtClean="0"/>
+              <a:t>Need to add dependency library</a:t>
+            </a:r>
+          </a:p>
+          <a:p>
+            <a:r>
+              <a:rPr lang="en-US" dirty="0" smtClean="0"/>
+              <a:t>Need to write a driver </a:t>
+            </a:r>
+            <a:r>
+              <a:rPr lang="en-US" dirty="0"/>
+              <a:t>class </a:t>
+            </a:r>
+            <a:r>
+              <a:rPr lang="en-US" dirty="0" smtClean="0"/>
+              <a:t>extending </a:t>
+            </a:r>
+            <a:r>
+              <a:rPr lang="en-US" i="1" dirty="0" err="1" smtClean="0"/>
+              <a:t>EmbeddedSutController</a:t>
+            </a:r>
+            <a:endParaRPr lang="en-US" i="1" dirty="0" smtClean="0"/>
+          </a:p>
+          <a:p>
+            <a:r>
+              <a:rPr lang="en-US" dirty="0" smtClean="0"/>
+              <a:t>Once driver is up and running, should run “</a:t>
+            </a:r>
+            <a:r>
+              <a:rPr lang="en-US" i="1" dirty="0" smtClean="0"/>
+              <a:t>evomaster.jar</a:t>
+            </a:r>
+            <a:r>
+              <a:rPr lang="en-US" dirty="0" smtClean="0"/>
+              <a:t>” from command-line</a:t>
+            </a:r>
+          </a:p>
+          <a:p>
+            <a:pPr lvl="1"/>
+            <a:r>
+              <a:rPr lang="en-US" dirty="0" smtClean="0"/>
+              <a:t>once downloaded from GitHub</a:t>
+            </a:r>
+          </a:p>
+          <a:p>
+            <a:r>
+              <a:rPr lang="en-US" dirty="0" smtClean="0"/>
+              <a:t>More info at </a:t>
+            </a:r>
+            <a:r>
+              <a:rPr lang="en-US" i="1" dirty="0" smtClean="0"/>
+              <a:t>www.evomaster.org</a:t>
+            </a:r>
+            <a:endParaRPr lang="en-US" i="1" dirty="0"/>
+          </a:p>
+        </p:txBody>
+      </p:sp>
+    </p:spTree>
+    <p:extLst>
+      <p:ext uri="{BB962C8B-B14F-4D97-AF65-F5344CB8AC3E}">
+        <p14:creationId xmlns:p14="http://schemas.microsoft.com/office/powerpoint/2010/main" val="1530916984"/>
+      </p:ext>
+    </p:extLst>
+  </p:cSld>
+  <p:clrMapOvr>
+    <a:masterClrMapping/>
+  </p:clrMapOvr>
+</p:sld>
+</file>
+
+<file path=ppt/slides/slide36.xml><?xml version="1.0" encoding="utf-8"?>
+<p:sld xmlns:a="http://schemas.openxmlformats.org/drawingml/2006/main" xmlns:r="http://schemas.openxmlformats.org/officeDocument/2006/relationships" xmlns:p="http://schemas.openxmlformats.org/presentationml/2006/main">
+  <p:cSld>
+    <p:spTree>
+      <p:nvGrpSpPr>
+        <p:cNvPr id="1" name=""/>
+        <p:cNvGrpSpPr/>
+        <p:nvPr/>
+      </p:nvGrpSpPr>
+      <p:grpSpPr>
+        <a:xfrm>
+          <a:off x="0" y="0"/>
+          <a:ext cx="0" cy="0"/>
+          <a:chOff x="0" y="0"/>
+          <a:chExt cx="0" cy="0"/>
+        </a:xfrm>
+      </p:grpSpPr>
+      <p:sp>
+        <p:nvSpPr>
+          <p:cNvPr id="4" name="Title 3"/>
+          <p:cNvSpPr>
+            <a:spLocks noGrp="1"/>
+          </p:cNvSpPr>
+          <p:nvPr>
+            <p:ph type="title"/>
+          </p:nvPr>
+        </p:nvSpPr>
+        <p:spPr/>
+        <p:txBody>
+          <a:bodyPr/>
+          <a:lstStyle/>
+          <a:p>
+            <a:r>
+              <a:rPr lang="en-US" dirty="0" err="1"/>
+              <a:t>Git</a:t>
+            </a:r>
+            <a:r>
+              <a:rPr lang="en-US" dirty="0"/>
+              <a:t> Repository Modules</a:t>
+            </a:r>
+          </a:p>
+        </p:txBody>
+      </p:sp>
+      <p:sp>
+        <p:nvSpPr>
+          <p:cNvPr id="5" name="Content Placeholder 4"/>
+          <p:cNvSpPr>
+            <a:spLocks noGrp="1"/>
+          </p:cNvSpPr>
+          <p:nvPr>
+            <p:ph idx="1"/>
+          </p:nvPr>
+        </p:nvSpPr>
+        <p:spPr>
+          <a:xfrm>
+            <a:off x="296561" y="1825625"/>
+            <a:ext cx="11532973" cy="4972740"/>
+          </a:xfrm>
+        </p:spPr>
+        <p:txBody>
+          <a:bodyPr>
+            <a:normAutofit/>
+          </a:bodyPr>
+          <a:lstStyle/>
+          <a:p>
+            <a:r>
+              <a:rPr lang="en-US" i="1" dirty="0"/>
+              <a:t>NOTE: most of the explanations will be directly in the code as comments, and not here in the slides</a:t>
+            </a:r>
+            <a:endParaRPr lang="en-US" b="1" dirty="0"/>
+          </a:p>
+          <a:p>
+            <a:r>
+              <a:rPr lang="en-US" b="1" dirty="0"/>
+              <a:t>advanced/rest/</a:t>
+            </a:r>
+            <a:r>
+              <a:rPr lang="en-US" b="1" dirty="0" err="1"/>
+              <a:t>wiremock</a:t>
+            </a:r>
+            <a:endParaRPr lang="en-US" b="1" dirty="0"/>
+          </a:p>
+          <a:p>
+            <a:r>
+              <a:rPr lang="en-US" b="1" dirty="0" smtClean="0"/>
+              <a:t>advanced/rest/circuit-breaker</a:t>
+            </a:r>
+          </a:p>
+          <a:p>
+            <a:r>
+              <a:rPr lang="en-US" b="1" dirty="0" smtClean="0"/>
+              <a:t>advanced/rest/</a:t>
+            </a:r>
+            <a:r>
+              <a:rPr lang="en-US" b="1" dirty="0" err="1" smtClean="0"/>
+              <a:t>evomaster</a:t>
+            </a:r>
+            <a:endParaRPr lang="en-US" b="1" dirty="0"/>
+          </a:p>
+        </p:txBody>
+      </p:sp>
+    </p:spTree>
+    <p:extLst>
+      <p:ext uri="{BB962C8B-B14F-4D97-AF65-F5344CB8AC3E}">
+        <p14:creationId xmlns:p14="http://schemas.microsoft.com/office/powerpoint/2010/main" val="1023732187"/>
       </p:ext>
     </p:extLst>
   </p:cSld>
